--- a/docs/checkpoint2.pptx
+++ b/docs/checkpoint2.pptx
@@ -5,15 +5,18 @@
     <p:sldMasterId id="2147483648" r:id="rId1"/>
   </p:sldMasterIdLst>
   <p:sldIdLst>
-    <p:sldId id="256" r:id="rId2"/>
-    <p:sldId id="257" r:id="rId3"/>
-    <p:sldId id="258" r:id="rId4"/>
-    <p:sldId id="259" r:id="rId5"/>
-    <p:sldId id="260" r:id="rId6"/>
-    <p:sldId id="261" r:id="rId7"/>
-    <p:sldId id="262" r:id="rId8"/>
-    <p:sldId id="263" r:id="rId9"/>
-    <p:sldId id="264" r:id="rId10"/>
+    <p:sldId id="257" r:id="rId2"/>
+    <p:sldId id="275" r:id="rId3"/>
+    <p:sldId id="269" r:id="rId4"/>
+    <p:sldId id="273" r:id="rId5"/>
+    <p:sldId id="274" r:id="rId6"/>
+    <p:sldId id="276" r:id="rId7"/>
+    <p:sldId id="270" r:id="rId8"/>
+    <p:sldId id="265" r:id="rId9"/>
+    <p:sldId id="266" r:id="rId10"/>
+    <p:sldId id="267" r:id="rId11"/>
+    <p:sldId id="271" r:id="rId12"/>
+    <p:sldId id="272" r:id="rId13"/>
   </p:sldIdLst>
   <p:sldSz cx="12192000" cy="6858000"/>
   <p:notesSz cx="6858000" cy="9144000"/>
@@ -112,6 +115,11 @@
       </a:defRPr>
     </a:lvl9pPr>
   </p:defaultTextStyle>
+  <p:extLst>
+    <p:ext uri="{EFAFB233-063F-42B5-8137-9DF3F51BA10A}">
+      <p15:sldGuideLst xmlns:p15="http://schemas.microsoft.com/office/powerpoint/2012/main"/>
+    </p:ext>
+  </p:extLst>
 </p:presentation>
 </file>
 
@@ -3334,93 +3342,6 @@
           <p:cNvPr id="2" name="Заголовок 1">
             <a:extLst>
               <a:ext uri="{FF2B5EF4-FFF2-40B4-BE49-F238E27FC236}">
-                <a16:creationId xmlns:a16="http://schemas.microsoft.com/office/drawing/2014/main" id="{B3FE253B-83C5-4FD1-8898-2892E6A2FDD7}"/>
-              </a:ext>
-            </a:extLst>
-          </p:cNvPr>
-          <p:cNvSpPr>
-            <a:spLocks noGrp="1"/>
-          </p:cNvSpPr>
-          <p:nvPr>
-            <p:ph type="ctrTitle"/>
-          </p:nvPr>
-        </p:nvSpPr>
-        <p:spPr/>
-        <p:txBody>
-          <a:bodyPr/>
-          <a:lstStyle/>
-          <a:p>
-            <a:r>
-              <a:rPr lang="ru-RU" dirty="0"/>
-              <a:t>Чек-поинт 2</a:t>
-            </a:r>
-          </a:p>
-        </p:txBody>
-      </p:sp>
-      <p:sp>
-        <p:nvSpPr>
-          <p:cNvPr id="3" name="Подзаголовок 2">
-            <a:extLst>
-              <a:ext uri="{FF2B5EF4-FFF2-40B4-BE49-F238E27FC236}">
-                <a16:creationId xmlns:a16="http://schemas.microsoft.com/office/drawing/2014/main" id="{DAB37C4F-C9A5-4CEF-B2D8-F7B9213BEE1F}"/>
-              </a:ext>
-            </a:extLst>
-          </p:cNvPr>
-          <p:cNvSpPr>
-            <a:spLocks noGrp="1"/>
-          </p:cNvSpPr>
-          <p:nvPr>
-            <p:ph type="subTitle" idx="1"/>
-          </p:nvPr>
-        </p:nvSpPr>
-        <p:spPr/>
-        <p:txBody>
-          <a:bodyPr/>
-          <a:lstStyle/>
-          <a:p>
-            <a:r>
-              <a:rPr lang="en-US" dirty="0" err="1"/>
-              <a:t>DiNi</a:t>
-            </a:r>
-            <a:endParaRPr lang="ru-RU" dirty="0"/>
-          </a:p>
-        </p:txBody>
-      </p:sp>
-    </p:spTree>
-    <p:extLst>
-      <p:ext uri="{BB962C8B-B14F-4D97-AF65-F5344CB8AC3E}">
-        <p14:creationId xmlns:p14="http://schemas.microsoft.com/office/powerpoint/2010/main" val="178763765"/>
-      </p:ext>
-    </p:extLst>
-  </p:cSld>
-  <p:clrMapOvr>
-    <a:masterClrMapping/>
-  </p:clrMapOvr>
-</p:sld>
-</file>
-
-<file path=ppt/slides/slide2.xml><?xml version="1.0" encoding="utf-8"?>
-<p:sld xmlns:a="http://schemas.openxmlformats.org/drawingml/2006/main" xmlns:r="http://schemas.openxmlformats.org/officeDocument/2006/relationships" xmlns:p="http://schemas.openxmlformats.org/presentationml/2006/main">
-  <p:cSld>
-    <p:spTree>
-      <p:nvGrpSpPr>
-        <p:cNvPr id="1" name=""/>
-        <p:cNvGrpSpPr/>
-        <p:nvPr/>
-      </p:nvGrpSpPr>
-      <p:grpSpPr>
-        <a:xfrm>
-          <a:off x="0" y="0"/>
-          <a:ext cx="0" cy="0"/>
-          <a:chOff x="0" y="0"/>
-          <a:chExt cx="0" cy="0"/>
-        </a:xfrm>
-      </p:grpSpPr>
-      <p:sp>
-        <p:nvSpPr>
-          <p:cNvPr id="2" name="Заголовок 1">
-            <a:extLst>
-              <a:ext uri="{FF2B5EF4-FFF2-40B4-BE49-F238E27FC236}">
                 <a16:creationId xmlns:a16="http://schemas.microsoft.com/office/drawing/2014/main" id="{685DF74F-E011-4F82-806F-EE2947FF6332}"/>
               </a:ext>
             </a:extLst>
@@ -3492,6 +3413,3336 @@
 </p:sld>
 </file>
 
+<file path=ppt/slides/slide10.xml><?xml version="1.0" encoding="utf-8"?>
+<p:sld xmlns:a="http://schemas.openxmlformats.org/drawingml/2006/main" xmlns:r="http://schemas.openxmlformats.org/officeDocument/2006/relationships" xmlns:p="http://schemas.openxmlformats.org/presentationml/2006/main">
+  <p:cSld>
+    <p:spTree>
+      <p:nvGrpSpPr>
+        <p:cNvPr id="1" name=""/>
+        <p:cNvGrpSpPr/>
+        <p:nvPr/>
+      </p:nvGrpSpPr>
+      <p:grpSpPr>
+        <a:xfrm>
+          <a:off x="0" y="0"/>
+          <a:ext cx="0" cy="0"/>
+          <a:chOff x="0" y="0"/>
+          <a:chExt cx="0" cy="0"/>
+        </a:xfrm>
+      </p:grpSpPr>
+      <p:sp>
+        <p:nvSpPr>
+          <p:cNvPr id="2" name="Заголовок 1">
+            <a:extLst>
+              <a:ext uri="{FF2B5EF4-FFF2-40B4-BE49-F238E27FC236}">
+                <a16:creationId xmlns:a16="http://schemas.microsoft.com/office/drawing/2014/main" id="{3D8295DD-B7C7-411C-95FE-3C4376161520}"/>
+              </a:ext>
+            </a:extLst>
+          </p:cNvPr>
+          <p:cNvSpPr>
+            <a:spLocks noGrp="1"/>
+          </p:cNvSpPr>
+          <p:nvPr>
+            <p:ph type="title"/>
+          </p:nvPr>
+        </p:nvSpPr>
+        <p:spPr>
+          <a:xfrm>
+            <a:off x="436638" y="256524"/>
+            <a:ext cx="10515600" cy="1325563"/>
+          </a:xfrm>
+        </p:spPr>
+        <p:txBody>
+          <a:bodyPr/>
+          <a:lstStyle/>
+          <a:p>
+            <a:r>
+              <a:rPr lang="ru-RU" dirty="0"/>
+              <a:t>Нормализация</a:t>
+            </a:r>
+          </a:p>
+        </p:txBody>
+      </p:sp>
+      <p:sp>
+        <p:nvSpPr>
+          <p:cNvPr id="5" name="TextBox 4">
+            <a:extLst>
+              <a:ext uri="{FF2B5EF4-FFF2-40B4-BE49-F238E27FC236}">
+                <a16:creationId xmlns:a16="http://schemas.microsoft.com/office/drawing/2014/main" id="{8B9C9A78-2857-4A47-B2E6-7E7106915DBF}"/>
+              </a:ext>
+            </a:extLst>
+          </p:cNvPr>
+          <p:cNvSpPr txBox="1"/>
+          <p:nvPr/>
+        </p:nvSpPr>
+        <p:spPr>
+          <a:xfrm>
+            <a:off x="436638" y="1674674"/>
+            <a:ext cx="7487729" cy="1754326"/>
+          </a:xfrm>
+          <a:prstGeom prst="rect">
+            <a:avLst/>
+          </a:prstGeom>
+          <a:noFill/>
+        </p:spPr>
+        <p:txBody>
+          <a:bodyPr wrap="square" rtlCol="0">
+            <a:spAutoFit/>
+          </a:bodyPr>
+          <a:lstStyle/>
+          <a:p>
+            <a:r>
+              <a:rPr lang="ru-RU" dirty="0"/>
+              <a:t>Данные параметры уже приведены к единой тенденции повышения, что означает, что наибольшее значение коэффициента будет соответствовать наиболее предпочтительному поставщику</a:t>
+            </a:r>
+          </a:p>
+          <a:p>
+            <a:endParaRPr lang="ru-RU" dirty="0"/>
+          </a:p>
+          <a:p>
+            <a:r>
+              <a:rPr lang="ru-RU" dirty="0"/>
+              <a:t>Далее осуществим переход от абсолютных величин к относительным, путем деления каждого параметра на максимальный</a:t>
+            </a:r>
+            <a:endParaRPr lang="en-US" dirty="0"/>
+          </a:p>
+        </p:txBody>
+      </p:sp>
+      <p:graphicFrame>
+        <p:nvGraphicFramePr>
+          <p:cNvPr id="7" name="Таблица 6">
+            <a:extLst>
+              <a:ext uri="{FF2B5EF4-FFF2-40B4-BE49-F238E27FC236}">
+                <a16:creationId xmlns:a16="http://schemas.microsoft.com/office/drawing/2014/main" id="{1D679D6E-186D-447B-8481-0D3770C26FC6}"/>
+              </a:ext>
+            </a:extLst>
+          </p:cNvPr>
+          <p:cNvGraphicFramePr>
+            <a:graphicFrameLocks noGrp="1"/>
+          </p:cNvGraphicFramePr>
+          <p:nvPr>
+            <p:extLst>
+              <p:ext uri="{D42A27DB-BD31-4B8C-83A1-F6EECF244321}">
+                <p14:modId xmlns:p14="http://schemas.microsoft.com/office/powerpoint/2010/main" val="1827083175"/>
+              </p:ext>
+            </p:extLst>
+          </p:nvPr>
+        </p:nvGraphicFramePr>
+        <p:xfrm>
+          <a:off x="436638" y="3878142"/>
+          <a:ext cx="11318724" cy="1955436"/>
+        </p:xfrm>
+        <a:graphic>
+          <a:graphicData uri="http://schemas.openxmlformats.org/drawingml/2006/table">
+            <a:tbl>
+              <a:tblPr>
+                <a:tableStyleId>{5940675A-B579-460E-94D1-54222C63F5DA}</a:tableStyleId>
+              </a:tblPr>
+              <a:tblGrid>
+                <a:gridCol w="1412720">
+                  <a:extLst>
+                    <a:ext uri="{9D8B030D-6E8A-4147-A177-3AD203B41FA5}">
+                      <a16:colId xmlns:a16="http://schemas.microsoft.com/office/drawing/2014/main" val="4026260192"/>
+                    </a:ext>
+                  </a:extLst>
+                </a:gridCol>
+                <a:gridCol w="777240">
+                  <a:extLst>
+                    <a:ext uri="{9D8B030D-6E8A-4147-A177-3AD203B41FA5}">
+                      <a16:colId xmlns:a16="http://schemas.microsoft.com/office/drawing/2014/main" val="3905750100"/>
+                    </a:ext>
+                  </a:extLst>
+                </a:gridCol>
+                <a:gridCol w="1021080">
+                  <a:extLst>
+                    <a:ext uri="{9D8B030D-6E8A-4147-A177-3AD203B41FA5}">
+                      <a16:colId xmlns:a16="http://schemas.microsoft.com/office/drawing/2014/main" val="1828799751"/>
+                    </a:ext>
+                  </a:extLst>
+                </a:gridCol>
+                <a:gridCol w="1005840">
+                  <a:extLst>
+                    <a:ext uri="{9D8B030D-6E8A-4147-A177-3AD203B41FA5}">
+                      <a16:colId xmlns:a16="http://schemas.microsoft.com/office/drawing/2014/main" val="2346157474"/>
+                    </a:ext>
+                  </a:extLst>
+                </a:gridCol>
+                <a:gridCol w="754380">
+                  <a:extLst>
+                    <a:ext uri="{9D8B030D-6E8A-4147-A177-3AD203B41FA5}">
+                      <a16:colId xmlns:a16="http://schemas.microsoft.com/office/drawing/2014/main" val="3820091430"/>
+                    </a:ext>
+                  </a:extLst>
+                </a:gridCol>
+                <a:gridCol w="784860">
+                  <a:extLst>
+                    <a:ext uri="{9D8B030D-6E8A-4147-A177-3AD203B41FA5}">
+                      <a16:colId xmlns:a16="http://schemas.microsoft.com/office/drawing/2014/main" val="1131537212"/>
+                    </a:ext>
+                  </a:extLst>
+                </a:gridCol>
+                <a:gridCol w="1112520">
+                  <a:extLst>
+                    <a:ext uri="{9D8B030D-6E8A-4147-A177-3AD203B41FA5}">
+                      <a16:colId xmlns:a16="http://schemas.microsoft.com/office/drawing/2014/main" val="148825101"/>
+                    </a:ext>
+                  </a:extLst>
+                </a:gridCol>
+                <a:gridCol w="1021080">
+                  <a:extLst>
+                    <a:ext uri="{9D8B030D-6E8A-4147-A177-3AD203B41FA5}">
+                      <a16:colId xmlns:a16="http://schemas.microsoft.com/office/drawing/2014/main" val="2623904834"/>
+                    </a:ext>
+                  </a:extLst>
+                </a:gridCol>
+                <a:gridCol w="815340">
+                  <a:extLst>
+                    <a:ext uri="{9D8B030D-6E8A-4147-A177-3AD203B41FA5}">
+                      <a16:colId xmlns:a16="http://schemas.microsoft.com/office/drawing/2014/main" val="2063938466"/>
+                    </a:ext>
+                  </a:extLst>
+                </a:gridCol>
+                <a:gridCol w="914400">
+                  <a:extLst>
+                    <a:ext uri="{9D8B030D-6E8A-4147-A177-3AD203B41FA5}">
+                      <a16:colId xmlns:a16="http://schemas.microsoft.com/office/drawing/2014/main" val="544417966"/>
+                    </a:ext>
+                  </a:extLst>
+                </a:gridCol>
+                <a:gridCol w="899160">
+                  <a:extLst>
+                    <a:ext uri="{9D8B030D-6E8A-4147-A177-3AD203B41FA5}">
+                      <a16:colId xmlns:a16="http://schemas.microsoft.com/office/drawing/2014/main" val="93363778"/>
+                    </a:ext>
+                  </a:extLst>
+                </a:gridCol>
+                <a:gridCol w="800104">
+                  <a:extLst>
+                    <a:ext uri="{9D8B030D-6E8A-4147-A177-3AD203B41FA5}">
+                      <a16:colId xmlns:a16="http://schemas.microsoft.com/office/drawing/2014/main" val="4047889088"/>
+                    </a:ext>
+                  </a:extLst>
+                </a:gridCol>
+              </a:tblGrid>
+              <a:tr h="448051">
+                <a:tc>
+                  <a:txBody>
+                    <a:bodyPr/>
+                    <a:lstStyle/>
+                    <a:p>
+                      <a:pPr algn="ctr" fontAlgn="ctr"/>
+                      <a:r>
+                        <a:rPr lang="ru-RU" sz="1000" b="1" u="none" strike="noStrike" dirty="0">
+                          <a:effectLst/>
+                        </a:rPr>
+                        <a:t>Название</a:t>
+                      </a:r>
+                      <a:endParaRPr lang="ru-RU" sz="1000" b="1" i="0" u="none" strike="noStrike" dirty="0">
+                        <a:solidFill>
+                          <a:srgbClr val="000000"/>
+                        </a:solidFill>
+                        <a:effectLst/>
+                        <a:latin typeface="Calibri" panose="020F0502020204030204" pitchFamily="34" charset="0"/>
+                      </a:endParaRPr>
+                    </a:p>
+                  </a:txBody>
+                  <a:tcPr marL="8328" marR="8328" marT="8328" marB="0" anchor="ctr">
+                    <a:solidFill>
+                      <a:schemeClr val="bg2">
+                        <a:lumMod val="90000"/>
+                      </a:schemeClr>
+                    </a:solidFill>
+                  </a:tcPr>
+                </a:tc>
+                <a:tc>
+                  <a:txBody>
+                    <a:bodyPr/>
+                    <a:lstStyle/>
+                    <a:p>
+                      <a:pPr algn="ctr" fontAlgn="ctr"/>
+                      <a:r>
+                        <a:rPr lang="ru-RU" sz="1000" b="1" u="none" strike="noStrike" dirty="0">
+                          <a:effectLst/>
+                        </a:rPr>
+                        <a:t>Дата регистрации</a:t>
+                      </a:r>
+                      <a:endParaRPr lang="ru-RU" sz="1000" b="1" i="0" u="none" strike="noStrike" dirty="0">
+                        <a:solidFill>
+                          <a:srgbClr val="000000"/>
+                        </a:solidFill>
+                        <a:effectLst/>
+                        <a:latin typeface="Calibri" panose="020F0502020204030204" pitchFamily="34" charset="0"/>
+                      </a:endParaRPr>
+                    </a:p>
+                  </a:txBody>
+                  <a:tcPr marL="8328" marR="8328" marT="8328" marB="0" anchor="ctr">
+                    <a:solidFill>
+                      <a:schemeClr val="bg2">
+                        <a:lumMod val="90000"/>
+                      </a:schemeClr>
+                    </a:solidFill>
+                  </a:tcPr>
+                </a:tc>
+                <a:tc>
+                  <a:txBody>
+                    <a:bodyPr/>
+                    <a:lstStyle/>
+                    <a:p>
+                      <a:pPr algn="ctr" fontAlgn="ctr"/>
+                      <a:r>
+                        <a:rPr lang="ru-RU" sz="1000" b="1" u="none" strike="noStrike" dirty="0">
+                          <a:effectLst/>
+                        </a:rPr>
+                        <a:t>Выручка</a:t>
+                      </a:r>
+                      <a:endParaRPr lang="ru-RU" sz="1000" b="1" i="0" u="none" strike="noStrike" dirty="0">
+                        <a:solidFill>
+                          <a:srgbClr val="000000"/>
+                        </a:solidFill>
+                        <a:effectLst/>
+                        <a:latin typeface="Calibri" panose="020F0502020204030204" pitchFamily="34" charset="0"/>
+                      </a:endParaRPr>
+                    </a:p>
+                  </a:txBody>
+                  <a:tcPr marL="8328" marR="8328" marT="8328" marB="0" anchor="ctr">
+                    <a:solidFill>
+                      <a:schemeClr val="bg2">
+                        <a:lumMod val="90000"/>
+                      </a:schemeClr>
+                    </a:solidFill>
+                  </a:tcPr>
+                </a:tc>
+                <a:tc>
+                  <a:txBody>
+                    <a:bodyPr/>
+                    <a:lstStyle/>
+                    <a:p>
+                      <a:pPr algn="ctr" fontAlgn="ctr"/>
+                      <a:r>
+                        <a:rPr lang="ru-RU" sz="1000" b="1" u="none" strike="noStrike" dirty="0">
+                          <a:effectLst/>
+                        </a:rPr>
+                        <a:t>Прибыль</a:t>
+                      </a:r>
+                      <a:endParaRPr lang="ru-RU" sz="1000" b="1" i="0" u="none" strike="noStrike" dirty="0">
+                        <a:solidFill>
+                          <a:srgbClr val="000000"/>
+                        </a:solidFill>
+                        <a:effectLst/>
+                        <a:latin typeface="Calibri" panose="020F0502020204030204" pitchFamily="34" charset="0"/>
+                      </a:endParaRPr>
+                    </a:p>
+                  </a:txBody>
+                  <a:tcPr marL="8328" marR="8328" marT="8328" marB="0" anchor="ctr">
+                    <a:solidFill>
+                      <a:schemeClr val="bg2">
+                        <a:lumMod val="90000"/>
+                      </a:schemeClr>
+                    </a:solidFill>
+                  </a:tcPr>
+                </a:tc>
+                <a:tc>
+                  <a:txBody>
+                    <a:bodyPr/>
+                    <a:lstStyle/>
+                    <a:p>
+                      <a:pPr algn="ctr" fontAlgn="ctr"/>
+                      <a:r>
+                        <a:rPr lang="ru-RU" sz="1000" b="1" i="0" u="none" strike="noStrike" dirty="0">
+                          <a:solidFill>
+                            <a:srgbClr val="000000"/>
+                          </a:solidFill>
+                          <a:effectLst/>
+                          <a:latin typeface="Calibri" panose="020F0502020204030204" pitchFamily="34" charset="0"/>
+                        </a:rPr>
+                        <a:t>Истец</a:t>
+                      </a:r>
+                    </a:p>
+                  </a:txBody>
+                  <a:tcPr marL="8328" marR="8328" marT="8328" marB="0" anchor="ctr">
+                    <a:solidFill>
+                      <a:schemeClr val="bg2">
+                        <a:lumMod val="90000"/>
+                      </a:schemeClr>
+                    </a:solidFill>
+                  </a:tcPr>
+                </a:tc>
+                <a:tc>
+                  <a:txBody>
+                    <a:bodyPr/>
+                    <a:lstStyle/>
+                    <a:p>
+                      <a:pPr algn="ctr" fontAlgn="ctr"/>
+                      <a:r>
+                        <a:rPr lang="ru-RU" sz="1000" b="1" i="0" u="none" strike="noStrike" dirty="0">
+                          <a:solidFill>
+                            <a:srgbClr val="000000"/>
+                          </a:solidFill>
+                          <a:effectLst/>
+                          <a:latin typeface="Calibri" panose="020F0502020204030204" pitchFamily="34" charset="0"/>
+                        </a:rPr>
+                        <a:t>Ответчик</a:t>
+                      </a:r>
+                    </a:p>
+                  </a:txBody>
+                  <a:tcPr marL="8328" marR="8328" marT="8328" marB="0" anchor="ctr">
+                    <a:solidFill>
+                      <a:schemeClr val="bg2">
+                        <a:lumMod val="90000"/>
+                      </a:schemeClr>
+                    </a:solidFill>
+                  </a:tcPr>
+                </a:tc>
+                <a:tc>
+                  <a:txBody>
+                    <a:bodyPr/>
+                    <a:lstStyle/>
+                    <a:p>
+                      <a:pPr algn="ctr" fontAlgn="ctr"/>
+                      <a:r>
+                        <a:rPr lang="ru-RU" sz="1000" b="1" u="none" strike="noStrike" dirty="0">
+                          <a:effectLst/>
+                        </a:rPr>
+                        <a:t>Уставный капитал</a:t>
+                      </a:r>
+                      <a:endParaRPr lang="ru-RU" sz="1000" b="1" i="0" u="none" strike="noStrike" dirty="0">
+                        <a:solidFill>
+                          <a:srgbClr val="000000"/>
+                        </a:solidFill>
+                        <a:effectLst/>
+                        <a:latin typeface="Calibri" panose="020F0502020204030204" pitchFamily="34" charset="0"/>
+                      </a:endParaRPr>
+                    </a:p>
+                  </a:txBody>
+                  <a:tcPr marL="8328" marR="8328" marT="8328" marB="0" anchor="ctr">
+                    <a:solidFill>
+                      <a:schemeClr val="bg2">
+                        <a:lumMod val="90000"/>
+                      </a:schemeClr>
+                    </a:solidFill>
+                  </a:tcPr>
+                </a:tc>
+                <a:tc>
+                  <a:txBody>
+                    <a:bodyPr/>
+                    <a:lstStyle/>
+                    <a:p>
+                      <a:pPr algn="ctr" fontAlgn="ctr"/>
+                      <a:r>
+                        <a:rPr lang="ru-RU" sz="1000" b="1" u="none" strike="noStrike" dirty="0">
+                          <a:effectLst/>
+                        </a:rPr>
+                        <a:t>Стоимость</a:t>
+                      </a:r>
+                      <a:endParaRPr lang="ru-RU" sz="1000" b="1" i="0" u="none" strike="noStrike" dirty="0">
+                        <a:solidFill>
+                          <a:srgbClr val="000000"/>
+                        </a:solidFill>
+                        <a:effectLst/>
+                        <a:latin typeface="Calibri" panose="020F0502020204030204" pitchFamily="34" charset="0"/>
+                      </a:endParaRPr>
+                    </a:p>
+                  </a:txBody>
+                  <a:tcPr marL="8328" marR="8328" marT="8328" marB="0" anchor="ctr">
+                    <a:solidFill>
+                      <a:schemeClr val="bg2">
+                        <a:lumMod val="90000"/>
+                      </a:schemeClr>
+                    </a:solidFill>
+                  </a:tcPr>
+                </a:tc>
+                <a:tc>
+                  <a:txBody>
+                    <a:bodyPr/>
+                    <a:lstStyle/>
+                    <a:p>
+                      <a:pPr algn="ctr" fontAlgn="ctr"/>
+                      <a:r>
+                        <a:rPr lang="ru-RU" sz="1000" b="1" i="0" u="none" strike="noStrike" dirty="0">
+                          <a:solidFill>
+                            <a:srgbClr val="000000"/>
+                          </a:solidFill>
+                          <a:effectLst/>
+                          <a:latin typeface="Calibri" panose="020F0502020204030204" pitchFamily="34" charset="0"/>
+                        </a:rPr>
+                        <a:t>Тендер, в</a:t>
+                      </a:r>
+                    </a:p>
+                  </a:txBody>
+                  <a:tcPr marL="8328" marR="8328" marT="8328" marB="0" anchor="ctr">
+                    <a:solidFill>
+                      <a:schemeClr val="bg2">
+                        <a:lumMod val="90000"/>
+                      </a:schemeClr>
+                    </a:solidFill>
+                  </a:tcPr>
+                </a:tc>
+                <a:tc>
+                  <a:txBody>
+                    <a:bodyPr/>
+                    <a:lstStyle/>
+                    <a:p>
+                      <a:pPr algn="ctr" fontAlgn="ctr"/>
+                      <a:r>
+                        <a:rPr lang="ru-RU" sz="1000" b="1" i="0" u="none" strike="noStrike" dirty="0">
+                          <a:solidFill>
+                            <a:srgbClr val="000000"/>
+                          </a:solidFill>
+                          <a:effectLst/>
+                          <a:latin typeface="Calibri" panose="020F0502020204030204" pitchFamily="34" charset="0"/>
+                        </a:rPr>
+                        <a:t>Тендер, в/у</a:t>
+                      </a:r>
+                    </a:p>
+                  </a:txBody>
+                  <a:tcPr marL="8328" marR="8328" marT="8328" marB="0" anchor="ctr">
+                    <a:solidFill>
+                      <a:schemeClr val="bg2">
+                        <a:lumMod val="90000"/>
+                      </a:schemeClr>
+                    </a:solidFill>
+                  </a:tcPr>
+                </a:tc>
+                <a:tc>
+                  <a:txBody>
+                    <a:bodyPr/>
+                    <a:lstStyle/>
+                    <a:p>
+                      <a:pPr algn="ctr" fontAlgn="ctr"/>
+                      <a:r>
+                        <a:rPr lang="ru-RU" sz="1000" b="1" u="none" strike="noStrike" dirty="0">
+                          <a:effectLst/>
+                        </a:rPr>
+                        <a:t>Госконтракты</a:t>
+                      </a:r>
+                      <a:endParaRPr lang="ru-RU" sz="1000" b="1" i="0" u="none" strike="noStrike" dirty="0">
+                        <a:solidFill>
+                          <a:srgbClr val="000000"/>
+                        </a:solidFill>
+                        <a:effectLst/>
+                        <a:latin typeface="Calibri" panose="020F0502020204030204" pitchFamily="34" charset="0"/>
+                      </a:endParaRPr>
+                    </a:p>
+                  </a:txBody>
+                  <a:tcPr marL="8328" marR="8328" marT="8328" marB="0" anchor="ctr">
+                    <a:solidFill>
+                      <a:schemeClr val="bg2">
+                        <a:lumMod val="90000"/>
+                      </a:schemeClr>
+                    </a:solidFill>
+                  </a:tcPr>
+                </a:tc>
+                <a:tc>
+                  <a:txBody>
+                    <a:bodyPr/>
+                    <a:lstStyle/>
+                    <a:p>
+                      <a:pPr algn="ctr" fontAlgn="ctr"/>
+                      <a:r>
+                        <a:rPr lang="ru-RU" sz="1000" b="1" u="none" strike="noStrike" dirty="0">
+                          <a:effectLst/>
+                        </a:rPr>
+                        <a:t>Надежность</a:t>
+                      </a:r>
+                      <a:endParaRPr lang="ru-RU" sz="1000" b="1" i="0" u="none" strike="noStrike" dirty="0">
+                        <a:solidFill>
+                          <a:srgbClr val="000000"/>
+                        </a:solidFill>
+                        <a:effectLst/>
+                        <a:latin typeface="Calibri" panose="020F0502020204030204" pitchFamily="34" charset="0"/>
+                      </a:endParaRPr>
+                    </a:p>
+                  </a:txBody>
+                  <a:tcPr marL="8328" marR="8328" marT="8328" marB="0" anchor="ctr">
+                    <a:solidFill>
+                      <a:schemeClr val="bg2">
+                        <a:lumMod val="90000"/>
+                      </a:schemeClr>
+                    </a:solidFill>
+                  </a:tcPr>
+                </a:tc>
+                <a:extLst>
+                  <a:ext uri="{0D108BD9-81ED-4DB2-BD59-A6C34878D82A}">
+                    <a16:rowId xmlns:a16="http://schemas.microsoft.com/office/drawing/2014/main" val="1739288968"/>
+                  </a:ext>
+                </a:extLst>
+              </a:tr>
+              <a:tr h="301477">
+                <a:tc>
+                  <a:txBody>
+                    <a:bodyPr/>
+                    <a:lstStyle/>
+                    <a:p>
+                      <a:pPr algn="ctr" fontAlgn="b"/>
+                      <a:r>
+                        <a:rPr lang="ru-RU" sz="1000" i="0" u="none" strike="noStrike" dirty="0">
+                          <a:effectLst/>
+                        </a:rPr>
+                        <a:t>Северсталь, ПАО</a:t>
+                      </a:r>
+                      <a:endParaRPr lang="ru-RU" sz="1000" b="0" i="0" u="none" strike="noStrike" dirty="0">
+                        <a:solidFill>
+                          <a:srgbClr val="000000"/>
+                        </a:solidFill>
+                        <a:effectLst/>
+                        <a:latin typeface="Calibri" panose="020F0502020204030204" pitchFamily="34" charset="0"/>
+                      </a:endParaRPr>
+                    </a:p>
+                  </a:txBody>
+                  <a:tcPr marL="8328" marR="8328" marT="8328" marB="0" anchor="ctr">
+                    <a:solidFill>
+                      <a:schemeClr val="accent6">
+                        <a:lumMod val="60000"/>
+                        <a:lumOff val="40000"/>
+                      </a:schemeClr>
+                    </a:solidFill>
+                  </a:tcPr>
+                </a:tc>
+                <a:tc>
+                  <a:txBody>
+                    <a:bodyPr/>
+                    <a:lstStyle/>
+                    <a:p>
+                      <a:pPr algn="ctr" fontAlgn="b"/>
+                      <a:r>
+                        <a:rPr lang="ru-RU" sz="1000" i="0" u="none" strike="noStrike" dirty="0">
+                          <a:effectLst/>
+                        </a:rPr>
+                        <a:t>1</a:t>
+                      </a:r>
+                      <a:endParaRPr lang="ru-RU" sz="1000" b="0" i="0" u="none" strike="noStrike" dirty="0">
+                        <a:solidFill>
+                          <a:srgbClr val="000000"/>
+                        </a:solidFill>
+                        <a:effectLst/>
+                        <a:latin typeface="Calibri" panose="020F0502020204030204" pitchFamily="34" charset="0"/>
+                      </a:endParaRPr>
+                    </a:p>
+                  </a:txBody>
+                  <a:tcPr marL="8328" marR="8328" marT="8328" marB="0" anchor="ctr">
+                    <a:solidFill>
+                      <a:schemeClr val="accent6">
+                        <a:lumMod val="60000"/>
+                        <a:lumOff val="40000"/>
+                      </a:schemeClr>
+                    </a:solidFill>
+                  </a:tcPr>
+                </a:tc>
+                <a:tc>
+                  <a:txBody>
+                    <a:bodyPr/>
+                    <a:lstStyle/>
+                    <a:p>
+                      <a:pPr algn="ctr" fontAlgn="b"/>
+                      <a:r>
+                        <a:rPr lang="ru-RU" sz="1000" i="0" u="none" strike="noStrike" dirty="0">
+                          <a:effectLst/>
+                        </a:rPr>
+                        <a:t>1</a:t>
+                      </a:r>
+                      <a:endParaRPr lang="ru-RU" sz="1000" b="0" i="0" u="none" strike="noStrike" dirty="0">
+                        <a:solidFill>
+                          <a:srgbClr val="000000"/>
+                        </a:solidFill>
+                        <a:effectLst/>
+                        <a:latin typeface="Calibri" panose="020F0502020204030204" pitchFamily="34" charset="0"/>
+                      </a:endParaRPr>
+                    </a:p>
+                  </a:txBody>
+                  <a:tcPr marL="8328" marR="8328" marT="8328" marB="0" anchor="ctr">
+                    <a:solidFill>
+                      <a:schemeClr val="accent6">
+                        <a:lumMod val="60000"/>
+                        <a:lumOff val="40000"/>
+                      </a:schemeClr>
+                    </a:solidFill>
+                  </a:tcPr>
+                </a:tc>
+                <a:tc>
+                  <a:txBody>
+                    <a:bodyPr/>
+                    <a:lstStyle/>
+                    <a:p>
+                      <a:pPr algn="ctr" fontAlgn="b"/>
+                      <a:r>
+                        <a:rPr lang="ru-RU" sz="1000" i="0" u="none" strike="noStrike" dirty="0">
+                          <a:effectLst/>
+                        </a:rPr>
+                        <a:t>1</a:t>
+                      </a:r>
+                      <a:endParaRPr lang="ru-RU" sz="1000" b="0" i="0" u="none" strike="noStrike" dirty="0">
+                        <a:solidFill>
+                          <a:srgbClr val="000000"/>
+                        </a:solidFill>
+                        <a:effectLst/>
+                        <a:latin typeface="Calibri" panose="020F0502020204030204" pitchFamily="34" charset="0"/>
+                      </a:endParaRPr>
+                    </a:p>
+                  </a:txBody>
+                  <a:tcPr marL="8328" marR="8328" marT="8328" marB="0" anchor="ctr">
+                    <a:solidFill>
+                      <a:schemeClr val="accent6">
+                        <a:lumMod val="60000"/>
+                        <a:lumOff val="40000"/>
+                      </a:schemeClr>
+                    </a:solidFill>
+                  </a:tcPr>
+                </a:tc>
+                <a:tc>
+                  <a:txBody>
+                    <a:bodyPr/>
+                    <a:lstStyle/>
+                    <a:p>
+                      <a:pPr algn="ctr" fontAlgn="b"/>
+                      <a:r>
+                        <a:rPr lang="ru-RU" sz="1000" b="0" i="0" u="none" strike="noStrike" dirty="0">
+                          <a:solidFill>
+                            <a:srgbClr val="000000"/>
+                          </a:solidFill>
+                          <a:effectLst/>
+                          <a:latin typeface="Calibri" panose="020F0502020204030204" pitchFamily="34" charset="0"/>
+                        </a:rPr>
+                        <a:t>0,964</a:t>
+                      </a:r>
+                    </a:p>
+                  </a:txBody>
+                  <a:tcPr marL="8328" marR="8328" marT="8328" marB="0" anchor="ctr">
+                    <a:solidFill>
+                      <a:schemeClr val="accent6">
+                        <a:lumMod val="60000"/>
+                        <a:lumOff val="40000"/>
+                      </a:schemeClr>
+                    </a:solidFill>
+                  </a:tcPr>
+                </a:tc>
+                <a:tc>
+                  <a:txBody>
+                    <a:bodyPr/>
+                    <a:lstStyle/>
+                    <a:p>
+                      <a:pPr algn="ctr" fontAlgn="b"/>
+                      <a:r>
+                        <a:rPr lang="ru-RU" sz="1000" b="0" i="0" u="none" strike="noStrike" dirty="0">
+                          <a:solidFill>
+                            <a:srgbClr val="000000"/>
+                          </a:solidFill>
+                          <a:effectLst/>
+                          <a:latin typeface="Calibri" panose="020F0502020204030204" pitchFamily="34" charset="0"/>
+                        </a:rPr>
+                        <a:t>0,036</a:t>
+                      </a:r>
+                    </a:p>
+                  </a:txBody>
+                  <a:tcPr marL="8328" marR="8328" marT="8328" marB="0" anchor="ctr">
+                    <a:solidFill>
+                      <a:schemeClr val="accent6">
+                        <a:lumMod val="60000"/>
+                        <a:lumOff val="40000"/>
+                      </a:schemeClr>
+                    </a:solidFill>
+                  </a:tcPr>
+                </a:tc>
+                <a:tc>
+                  <a:txBody>
+                    <a:bodyPr/>
+                    <a:lstStyle/>
+                    <a:p>
+                      <a:pPr algn="ctr" fontAlgn="b"/>
+                      <a:r>
+                        <a:rPr lang="ru-RU" sz="1000" i="0" u="none" strike="noStrike" dirty="0">
+                          <a:effectLst/>
+                        </a:rPr>
+                        <a:t>0,21</a:t>
+                      </a:r>
+                      <a:endParaRPr lang="ru-RU" sz="1000" b="0" i="0" u="none" strike="noStrike" dirty="0">
+                        <a:solidFill>
+                          <a:srgbClr val="000000"/>
+                        </a:solidFill>
+                        <a:effectLst/>
+                        <a:latin typeface="Calibri" panose="020F0502020204030204" pitchFamily="34" charset="0"/>
+                      </a:endParaRPr>
+                    </a:p>
+                  </a:txBody>
+                  <a:tcPr marL="8328" marR="8328" marT="8328" marB="0" anchor="ctr">
+                    <a:solidFill>
+                      <a:schemeClr val="accent6">
+                        <a:lumMod val="60000"/>
+                        <a:lumOff val="40000"/>
+                      </a:schemeClr>
+                    </a:solidFill>
+                  </a:tcPr>
+                </a:tc>
+                <a:tc>
+                  <a:txBody>
+                    <a:bodyPr/>
+                    <a:lstStyle/>
+                    <a:p>
+                      <a:pPr algn="ctr" fontAlgn="b"/>
+                      <a:r>
+                        <a:rPr lang="ru-RU" sz="1000" i="0" u="none" strike="noStrike" dirty="0">
+                          <a:effectLst/>
+                        </a:rPr>
+                        <a:t>1</a:t>
+                      </a:r>
+                      <a:endParaRPr lang="ru-RU" sz="1000" b="0" i="0" u="none" strike="noStrike" dirty="0">
+                        <a:solidFill>
+                          <a:srgbClr val="000000"/>
+                        </a:solidFill>
+                        <a:effectLst/>
+                        <a:latin typeface="Calibri" panose="020F0502020204030204" pitchFamily="34" charset="0"/>
+                      </a:endParaRPr>
+                    </a:p>
+                  </a:txBody>
+                  <a:tcPr marL="8328" marR="8328" marT="8328" marB="0" anchor="ctr">
+                    <a:solidFill>
+                      <a:schemeClr val="accent6">
+                        <a:lumMod val="60000"/>
+                        <a:lumOff val="40000"/>
+                      </a:schemeClr>
+                    </a:solidFill>
+                  </a:tcPr>
+                </a:tc>
+                <a:tc>
+                  <a:txBody>
+                    <a:bodyPr/>
+                    <a:lstStyle/>
+                    <a:p>
+                      <a:pPr algn="ctr" fontAlgn="b"/>
+                      <a:r>
+                        <a:rPr lang="ru-RU" sz="1000" i="0" u="none" strike="noStrike" dirty="0">
+                          <a:effectLst/>
+                        </a:rPr>
+                        <a:t>1</a:t>
+                      </a:r>
+                      <a:endParaRPr lang="ru-RU" sz="1000" b="0" i="0" u="none" strike="noStrike" dirty="0">
+                        <a:solidFill>
+                          <a:srgbClr val="000000"/>
+                        </a:solidFill>
+                        <a:effectLst/>
+                        <a:latin typeface="Calibri" panose="020F0502020204030204" pitchFamily="34" charset="0"/>
+                      </a:endParaRPr>
+                    </a:p>
+                  </a:txBody>
+                  <a:tcPr marL="8328" marR="8328" marT="8328" marB="0" anchor="ctr">
+                    <a:solidFill>
+                      <a:schemeClr val="accent6">
+                        <a:lumMod val="60000"/>
+                        <a:lumOff val="40000"/>
+                      </a:schemeClr>
+                    </a:solidFill>
+                  </a:tcPr>
+                </a:tc>
+                <a:tc>
+                  <a:txBody>
+                    <a:bodyPr/>
+                    <a:lstStyle/>
+                    <a:p>
+                      <a:pPr algn="ctr" fontAlgn="b"/>
+                      <a:r>
+                        <a:rPr lang="ru-RU" sz="1000" b="0" i="0" u="none" strike="noStrike" dirty="0">
+                          <a:solidFill>
+                            <a:srgbClr val="000000"/>
+                          </a:solidFill>
+                          <a:effectLst/>
+                          <a:latin typeface="Calibri" panose="020F0502020204030204" pitchFamily="34" charset="0"/>
+                        </a:rPr>
+                        <a:t>0,5</a:t>
+                      </a:r>
+                    </a:p>
+                  </a:txBody>
+                  <a:tcPr marL="8328" marR="8328" marT="8328" marB="0" anchor="ctr">
+                    <a:solidFill>
+                      <a:schemeClr val="accent6">
+                        <a:lumMod val="60000"/>
+                        <a:lumOff val="40000"/>
+                      </a:schemeClr>
+                    </a:solidFill>
+                  </a:tcPr>
+                </a:tc>
+                <a:tc>
+                  <a:txBody>
+                    <a:bodyPr/>
+                    <a:lstStyle/>
+                    <a:p>
+                      <a:pPr algn="ctr" fontAlgn="b"/>
+                      <a:r>
+                        <a:rPr lang="ru-RU" sz="1000" i="0" u="none" strike="noStrike" dirty="0">
+                          <a:effectLst/>
+                        </a:rPr>
+                        <a:t>1</a:t>
+                      </a:r>
+                      <a:endParaRPr lang="ru-RU" sz="1000" b="0" i="0" u="none" strike="noStrike" dirty="0">
+                        <a:solidFill>
+                          <a:srgbClr val="000000"/>
+                        </a:solidFill>
+                        <a:effectLst/>
+                        <a:latin typeface="Calibri" panose="020F0502020204030204" pitchFamily="34" charset="0"/>
+                      </a:endParaRPr>
+                    </a:p>
+                  </a:txBody>
+                  <a:tcPr marL="8328" marR="8328" marT="8328" marB="0" anchor="ctr">
+                    <a:solidFill>
+                      <a:schemeClr val="accent6">
+                        <a:lumMod val="60000"/>
+                        <a:lumOff val="40000"/>
+                      </a:schemeClr>
+                    </a:solidFill>
+                  </a:tcPr>
+                </a:tc>
+                <a:tc>
+                  <a:txBody>
+                    <a:bodyPr/>
+                    <a:lstStyle/>
+                    <a:p>
+                      <a:pPr algn="ctr" fontAlgn="b"/>
+                      <a:r>
+                        <a:rPr lang="ru-RU" sz="1000" b="0" i="0" u="none" strike="noStrike" dirty="0">
+                          <a:solidFill>
+                            <a:srgbClr val="000000"/>
+                          </a:solidFill>
+                          <a:effectLst/>
+                          <a:latin typeface="Calibri" panose="020F0502020204030204" pitchFamily="34" charset="0"/>
+                        </a:rPr>
+                        <a:t>1</a:t>
+                      </a:r>
+                    </a:p>
+                  </a:txBody>
+                  <a:tcPr marL="8328" marR="8328" marT="8328" marB="0" anchor="ctr">
+                    <a:solidFill>
+                      <a:schemeClr val="accent6">
+                        <a:lumMod val="60000"/>
+                        <a:lumOff val="40000"/>
+                      </a:schemeClr>
+                    </a:solidFill>
+                  </a:tcPr>
+                </a:tc>
+                <a:extLst>
+                  <a:ext uri="{0D108BD9-81ED-4DB2-BD59-A6C34878D82A}">
+                    <a16:rowId xmlns:a16="http://schemas.microsoft.com/office/drawing/2014/main" val="198182013"/>
+                  </a:ext>
+                </a:extLst>
+              </a:tr>
+              <a:tr h="301477">
+                <a:tc>
+                  <a:txBody>
+                    <a:bodyPr/>
+                    <a:lstStyle/>
+                    <a:p>
+                      <a:pPr algn="ctr" fontAlgn="b"/>
+                      <a:r>
+                        <a:rPr lang="ru-RU" sz="1000" u="none" strike="noStrike" dirty="0" err="1">
+                          <a:effectLst/>
+                        </a:rPr>
+                        <a:t>Волгопромтранс</a:t>
+                      </a:r>
+                      <a:r>
+                        <a:rPr lang="ru-RU" sz="1000" u="none" strike="noStrike" dirty="0">
+                          <a:effectLst/>
+                        </a:rPr>
+                        <a:t>, ООО</a:t>
+                      </a:r>
+                      <a:endParaRPr lang="ru-RU" sz="1000" b="0" i="0" u="none" strike="noStrike" dirty="0">
+                        <a:solidFill>
+                          <a:srgbClr val="000000"/>
+                        </a:solidFill>
+                        <a:effectLst/>
+                        <a:latin typeface="Calibri" panose="020F0502020204030204" pitchFamily="34" charset="0"/>
+                      </a:endParaRPr>
+                    </a:p>
+                  </a:txBody>
+                  <a:tcPr marL="8328" marR="8328" marT="8328" marB="0" anchor="ctr"/>
+                </a:tc>
+                <a:tc>
+                  <a:txBody>
+                    <a:bodyPr/>
+                    <a:lstStyle/>
+                    <a:p>
+                      <a:pPr algn="ctr" fontAlgn="b"/>
+                      <a:r>
+                        <a:rPr lang="ru-RU" sz="1000" u="none" strike="noStrike" dirty="0">
+                          <a:effectLst/>
+                        </a:rPr>
+                        <a:t>0,948</a:t>
+                      </a:r>
+                      <a:endParaRPr lang="ru-RU" sz="1000" b="0" i="0" u="none" strike="noStrike" dirty="0">
+                        <a:solidFill>
+                          <a:srgbClr val="000000"/>
+                        </a:solidFill>
+                        <a:effectLst/>
+                        <a:latin typeface="Calibri" panose="020F0502020204030204" pitchFamily="34" charset="0"/>
+                      </a:endParaRPr>
+                    </a:p>
+                  </a:txBody>
+                  <a:tcPr marL="8328" marR="8328" marT="8328" marB="0" anchor="ctr"/>
+                </a:tc>
+                <a:tc>
+                  <a:txBody>
+                    <a:bodyPr/>
+                    <a:lstStyle/>
+                    <a:p>
+                      <a:pPr algn="ctr" fontAlgn="b"/>
+                      <a:r>
+                        <a:rPr lang="ru-RU" sz="1000" u="none" strike="noStrike" dirty="0">
+                          <a:effectLst/>
+                        </a:rPr>
+                        <a:t>0,00266</a:t>
+                      </a:r>
+                      <a:endParaRPr lang="ru-RU" sz="1000" b="0" i="0" u="none" strike="noStrike" dirty="0">
+                        <a:solidFill>
+                          <a:srgbClr val="000000"/>
+                        </a:solidFill>
+                        <a:effectLst/>
+                        <a:latin typeface="Calibri" panose="020F0502020204030204" pitchFamily="34" charset="0"/>
+                      </a:endParaRPr>
+                    </a:p>
+                  </a:txBody>
+                  <a:tcPr marL="8328" marR="8328" marT="8328" marB="0" anchor="ctr"/>
+                </a:tc>
+                <a:tc>
+                  <a:txBody>
+                    <a:bodyPr/>
+                    <a:lstStyle/>
+                    <a:p>
+                      <a:pPr algn="ctr" fontAlgn="b"/>
+                      <a:r>
+                        <a:rPr lang="ru-RU" sz="1000" u="none" strike="noStrike" dirty="0">
+                          <a:effectLst/>
+                        </a:rPr>
+                        <a:t>0,00141</a:t>
+                      </a:r>
+                      <a:endParaRPr lang="ru-RU" sz="1000" b="0" i="0" u="none" strike="noStrike" dirty="0">
+                        <a:solidFill>
+                          <a:srgbClr val="000000"/>
+                        </a:solidFill>
+                        <a:effectLst/>
+                        <a:latin typeface="Calibri" panose="020F0502020204030204" pitchFamily="34" charset="0"/>
+                      </a:endParaRPr>
+                    </a:p>
+                  </a:txBody>
+                  <a:tcPr marL="8328" marR="8328" marT="8328" marB="0" anchor="ctr"/>
+                </a:tc>
+                <a:tc>
+                  <a:txBody>
+                    <a:bodyPr/>
+                    <a:lstStyle/>
+                    <a:p>
+                      <a:pPr algn="ctr" fontAlgn="b"/>
+                      <a:r>
+                        <a:rPr lang="ru-RU" sz="1000" b="0" i="0" u="none" strike="noStrike" dirty="0">
+                          <a:solidFill>
+                            <a:srgbClr val="000000"/>
+                          </a:solidFill>
+                          <a:effectLst/>
+                          <a:latin typeface="Calibri" panose="020F0502020204030204" pitchFamily="34" charset="0"/>
+                        </a:rPr>
+                        <a:t>0,818</a:t>
+                      </a:r>
+                    </a:p>
+                  </a:txBody>
+                  <a:tcPr marL="8328" marR="8328" marT="8328" marB="0" anchor="ctr"/>
+                </a:tc>
+                <a:tc>
+                  <a:txBody>
+                    <a:bodyPr/>
+                    <a:lstStyle/>
+                    <a:p>
+                      <a:pPr algn="ctr" fontAlgn="b"/>
+                      <a:r>
+                        <a:rPr lang="ru-RU" sz="1000" b="0" i="0" u="none" strike="noStrike" dirty="0">
+                          <a:solidFill>
+                            <a:srgbClr val="000000"/>
+                          </a:solidFill>
+                          <a:effectLst/>
+                          <a:latin typeface="Calibri" panose="020F0502020204030204" pitchFamily="34" charset="0"/>
+                        </a:rPr>
+                        <a:t>0,194</a:t>
+                      </a:r>
+                    </a:p>
+                  </a:txBody>
+                  <a:tcPr marL="8328" marR="8328" marT="8328" marB="0" anchor="ctr"/>
+                </a:tc>
+                <a:tc>
+                  <a:txBody>
+                    <a:bodyPr/>
+                    <a:lstStyle/>
+                    <a:p>
+                      <a:pPr algn="ctr" fontAlgn="b"/>
+                      <a:r>
+                        <a:rPr lang="ru-RU" sz="1000" u="none" strike="noStrike" dirty="0">
+                          <a:effectLst/>
+                        </a:rPr>
+                        <a:t>1</a:t>
+                      </a:r>
+                      <a:endParaRPr lang="ru-RU" sz="1000" b="0" i="0" u="none" strike="noStrike" dirty="0">
+                        <a:solidFill>
+                          <a:srgbClr val="000000"/>
+                        </a:solidFill>
+                        <a:effectLst/>
+                        <a:latin typeface="Calibri" panose="020F0502020204030204" pitchFamily="34" charset="0"/>
+                      </a:endParaRPr>
+                    </a:p>
+                  </a:txBody>
+                  <a:tcPr marL="8328" marR="8328" marT="8328" marB="0" anchor="ctr"/>
+                </a:tc>
+                <a:tc>
+                  <a:txBody>
+                    <a:bodyPr/>
+                    <a:lstStyle/>
+                    <a:p>
+                      <a:pPr algn="ctr" fontAlgn="b"/>
+                      <a:r>
+                        <a:rPr lang="ru-RU" sz="1000" u="none" strike="noStrike" dirty="0">
+                          <a:effectLst/>
+                        </a:rPr>
+                        <a:t>0,000406</a:t>
+                      </a:r>
+                      <a:endParaRPr lang="ru-RU" sz="1000" b="0" i="0" u="none" strike="noStrike" dirty="0">
+                        <a:solidFill>
+                          <a:srgbClr val="000000"/>
+                        </a:solidFill>
+                        <a:effectLst/>
+                        <a:latin typeface="Calibri" panose="020F0502020204030204" pitchFamily="34" charset="0"/>
+                      </a:endParaRPr>
+                    </a:p>
+                  </a:txBody>
+                  <a:tcPr marL="8328" marR="8328" marT="8328" marB="0" anchor="ctr"/>
+                </a:tc>
+                <a:tc>
+                  <a:txBody>
+                    <a:bodyPr/>
+                    <a:lstStyle/>
+                    <a:p>
+                      <a:pPr algn="ctr" fontAlgn="b"/>
+                      <a:r>
+                        <a:rPr lang="ru-RU" sz="1000" u="none" strike="noStrike" dirty="0">
+                          <a:effectLst/>
+                        </a:rPr>
+                        <a:t>0,003</a:t>
+                      </a:r>
+                      <a:endParaRPr lang="ru-RU" sz="1000" b="0" i="0" u="none" strike="noStrike" dirty="0">
+                        <a:solidFill>
+                          <a:srgbClr val="000000"/>
+                        </a:solidFill>
+                        <a:effectLst/>
+                        <a:latin typeface="Calibri" panose="020F0502020204030204" pitchFamily="34" charset="0"/>
+                      </a:endParaRPr>
+                    </a:p>
+                  </a:txBody>
+                  <a:tcPr marL="8328" marR="8328" marT="8328" marB="0" anchor="ctr"/>
+                </a:tc>
+                <a:tc>
+                  <a:txBody>
+                    <a:bodyPr/>
+                    <a:lstStyle/>
+                    <a:p>
+                      <a:pPr algn="ctr" fontAlgn="b"/>
+                      <a:r>
+                        <a:rPr lang="ru-RU" sz="1000" b="0" i="0" u="none" strike="noStrike" dirty="0">
+                          <a:solidFill>
+                            <a:srgbClr val="000000"/>
+                          </a:solidFill>
+                          <a:effectLst/>
+                          <a:latin typeface="Calibri" panose="020F0502020204030204" pitchFamily="34" charset="0"/>
+                        </a:rPr>
+                        <a:t>1</a:t>
+                      </a:r>
+                    </a:p>
+                  </a:txBody>
+                  <a:tcPr marL="8328" marR="8328" marT="8328" marB="0" anchor="ctr"/>
+                </a:tc>
+                <a:tc>
+                  <a:txBody>
+                    <a:bodyPr/>
+                    <a:lstStyle/>
+                    <a:p>
+                      <a:pPr algn="ctr" fontAlgn="b"/>
+                      <a:r>
+                        <a:rPr lang="ru-RU" sz="1000" u="none" strike="noStrike" dirty="0">
+                          <a:effectLst/>
+                        </a:rPr>
+                        <a:t>0 </a:t>
+                      </a:r>
+                      <a:endParaRPr lang="ru-RU" sz="1000" b="0" i="0" u="none" strike="noStrike" dirty="0">
+                        <a:solidFill>
+                          <a:srgbClr val="000000"/>
+                        </a:solidFill>
+                        <a:effectLst/>
+                        <a:latin typeface="Calibri" panose="020F0502020204030204" pitchFamily="34" charset="0"/>
+                      </a:endParaRPr>
+                    </a:p>
+                  </a:txBody>
+                  <a:tcPr marL="8328" marR="8328" marT="8328" marB="0" anchor="ctr"/>
+                </a:tc>
+                <a:tc>
+                  <a:txBody>
+                    <a:bodyPr/>
+                    <a:lstStyle/>
+                    <a:p>
+                      <a:pPr algn="ctr" fontAlgn="b"/>
+                      <a:r>
+                        <a:rPr lang="ru-RU" sz="1000" b="0" i="0" u="none" strike="noStrike" dirty="0">
+                          <a:solidFill>
+                            <a:srgbClr val="000000"/>
+                          </a:solidFill>
+                          <a:effectLst/>
+                          <a:latin typeface="Calibri" panose="020F0502020204030204" pitchFamily="34" charset="0"/>
+                        </a:rPr>
+                        <a:t>0,98</a:t>
+                      </a:r>
+                    </a:p>
+                  </a:txBody>
+                  <a:tcPr marL="8328" marR="8328" marT="8328" marB="0" anchor="ctr"/>
+                </a:tc>
+                <a:extLst>
+                  <a:ext uri="{0D108BD9-81ED-4DB2-BD59-A6C34878D82A}">
+                    <a16:rowId xmlns:a16="http://schemas.microsoft.com/office/drawing/2014/main" val="2944606471"/>
+                  </a:ext>
+                </a:extLst>
+              </a:tr>
+              <a:tr h="301477">
+                <a:tc>
+                  <a:txBody>
+                    <a:bodyPr/>
+                    <a:lstStyle/>
+                    <a:p>
+                      <a:pPr algn="ctr" fontAlgn="b"/>
+                      <a:r>
+                        <a:rPr lang="ru-RU" sz="1000" u="none" strike="noStrike" dirty="0" err="1">
+                          <a:effectLst/>
+                        </a:rPr>
+                        <a:t>Промресурссервис</a:t>
+                      </a:r>
+                      <a:r>
+                        <a:rPr lang="ru-RU" sz="1000" u="none" strike="noStrike" dirty="0">
+                          <a:effectLst/>
+                        </a:rPr>
+                        <a:t>, ООО</a:t>
+                      </a:r>
+                      <a:endParaRPr lang="ru-RU" sz="1000" b="0" i="0" u="none" strike="noStrike" dirty="0">
+                        <a:solidFill>
+                          <a:srgbClr val="000000"/>
+                        </a:solidFill>
+                        <a:effectLst/>
+                        <a:latin typeface="Calibri" panose="020F0502020204030204" pitchFamily="34" charset="0"/>
+                      </a:endParaRPr>
+                    </a:p>
+                  </a:txBody>
+                  <a:tcPr marL="8328" marR="8328" marT="8328" marB="0" anchor="ctr"/>
+                </a:tc>
+                <a:tc>
+                  <a:txBody>
+                    <a:bodyPr/>
+                    <a:lstStyle/>
+                    <a:p>
+                      <a:pPr algn="ctr" fontAlgn="b"/>
+                      <a:r>
+                        <a:rPr lang="ru-RU" sz="1000" u="none" strike="noStrike" dirty="0">
+                          <a:effectLst/>
+                        </a:rPr>
+                        <a:t>0,255</a:t>
+                      </a:r>
+                      <a:endParaRPr lang="ru-RU" sz="1000" b="0" i="0" u="none" strike="noStrike" dirty="0">
+                        <a:solidFill>
+                          <a:srgbClr val="000000"/>
+                        </a:solidFill>
+                        <a:effectLst/>
+                        <a:latin typeface="Calibri" panose="020F0502020204030204" pitchFamily="34" charset="0"/>
+                      </a:endParaRPr>
+                    </a:p>
+                  </a:txBody>
+                  <a:tcPr marL="8328" marR="8328" marT="8328" marB="0" anchor="ctr"/>
+                </a:tc>
+                <a:tc>
+                  <a:txBody>
+                    <a:bodyPr/>
+                    <a:lstStyle/>
+                    <a:p>
+                      <a:pPr algn="ctr" fontAlgn="b"/>
+                      <a:r>
+                        <a:rPr lang="ru-RU" sz="1000" u="none" strike="noStrike" dirty="0">
+                          <a:effectLst/>
+                        </a:rPr>
+                        <a:t>0,000703</a:t>
+                      </a:r>
+                      <a:endParaRPr lang="ru-RU" sz="1000" b="0" i="0" u="none" strike="noStrike" dirty="0">
+                        <a:solidFill>
+                          <a:srgbClr val="000000"/>
+                        </a:solidFill>
+                        <a:effectLst/>
+                        <a:latin typeface="Calibri" panose="020F0502020204030204" pitchFamily="34" charset="0"/>
+                      </a:endParaRPr>
+                    </a:p>
+                  </a:txBody>
+                  <a:tcPr marL="8328" marR="8328" marT="8328" marB="0" anchor="ctr"/>
+                </a:tc>
+                <a:tc>
+                  <a:txBody>
+                    <a:bodyPr/>
+                    <a:lstStyle/>
+                    <a:p>
+                      <a:pPr algn="ctr" fontAlgn="b"/>
+                      <a:r>
+                        <a:rPr lang="ru-RU" sz="1000" u="none" strike="noStrike" dirty="0">
+                          <a:effectLst/>
+                        </a:rPr>
+                        <a:t>0,0000191</a:t>
+                      </a:r>
+                      <a:endParaRPr lang="ru-RU" sz="1000" b="0" i="0" u="none" strike="noStrike" dirty="0">
+                        <a:solidFill>
+                          <a:srgbClr val="000000"/>
+                        </a:solidFill>
+                        <a:effectLst/>
+                        <a:latin typeface="Calibri" panose="020F0502020204030204" pitchFamily="34" charset="0"/>
+                      </a:endParaRPr>
+                    </a:p>
+                  </a:txBody>
+                  <a:tcPr marL="8328" marR="8328" marT="8328" marB="0" anchor="ctr"/>
+                </a:tc>
+                <a:tc>
+                  <a:txBody>
+                    <a:bodyPr/>
+                    <a:lstStyle/>
+                    <a:p>
+                      <a:pPr algn="ctr" fontAlgn="b"/>
+                      <a:r>
+                        <a:rPr lang="ru-RU" sz="1000" b="0" i="0" u="none" strike="noStrike" dirty="0">
+                          <a:solidFill>
+                            <a:srgbClr val="000000"/>
+                          </a:solidFill>
+                          <a:effectLst/>
+                          <a:latin typeface="Calibri" panose="020F0502020204030204" pitchFamily="34" charset="0"/>
+                        </a:rPr>
+                        <a:t>1</a:t>
+                      </a:r>
+                    </a:p>
+                  </a:txBody>
+                  <a:tcPr marL="8328" marR="8328" marT="8328" marB="0" anchor="ctr"/>
+                </a:tc>
+                <a:tc>
+                  <a:txBody>
+                    <a:bodyPr/>
+                    <a:lstStyle/>
+                    <a:p>
+                      <a:pPr algn="ctr" fontAlgn="b"/>
+                      <a:r>
+                        <a:rPr lang="ru-RU" sz="1000" b="0" i="0" u="none" strike="noStrike" dirty="0">
+                          <a:solidFill>
+                            <a:srgbClr val="000000"/>
+                          </a:solidFill>
+                          <a:effectLst/>
+                          <a:latin typeface="Calibri" panose="020F0502020204030204" pitchFamily="34" charset="0"/>
+                        </a:rPr>
+                        <a:t>0</a:t>
+                      </a:r>
+                    </a:p>
+                  </a:txBody>
+                  <a:tcPr marL="8328" marR="8328" marT="8328" marB="0" anchor="ctr"/>
+                </a:tc>
+                <a:tc>
+                  <a:txBody>
+                    <a:bodyPr/>
+                    <a:lstStyle/>
+                    <a:p>
+                      <a:pPr algn="ctr" fontAlgn="b"/>
+                      <a:r>
+                        <a:rPr lang="ru-RU" sz="1000" u="none" strike="noStrike" dirty="0">
+                          <a:effectLst/>
+                        </a:rPr>
+                        <a:t>0,0025</a:t>
+                      </a:r>
+                      <a:endParaRPr lang="ru-RU" sz="1000" b="0" i="0" u="none" strike="noStrike" dirty="0">
+                        <a:solidFill>
+                          <a:srgbClr val="000000"/>
+                        </a:solidFill>
+                        <a:effectLst/>
+                        <a:latin typeface="Calibri" panose="020F0502020204030204" pitchFamily="34" charset="0"/>
+                      </a:endParaRPr>
+                    </a:p>
+                  </a:txBody>
+                  <a:tcPr marL="8328" marR="8328" marT="8328" marB="0" anchor="ctr"/>
+                </a:tc>
+                <a:tc>
+                  <a:txBody>
+                    <a:bodyPr/>
+                    <a:lstStyle/>
+                    <a:p>
+                      <a:pPr algn="ctr" fontAlgn="b"/>
+                      <a:r>
+                        <a:rPr lang="ru-RU" sz="1000" u="none" strike="noStrike" dirty="0">
+                          <a:effectLst/>
+                        </a:rPr>
+                        <a:t>0,0000142</a:t>
+                      </a:r>
+                      <a:endParaRPr lang="ru-RU" sz="1000" b="0" i="0" u="none" strike="noStrike" dirty="0">
+                        <a:solidFill>
+                          <a:srgbClr val="000000"/>
+                        </a:solidFill>
+                        <a:effectLst/>
+                        <a:latin typeface="Calibri" panose="020F0502020204030204" pitchFamily="34" charset="0"/>
+                      </a:endParaRPr>
+                    </a:p>
+                  </a:txBody>
+                  <a:tcPr marL="8328" marR="8328" marT="8328" marB="0" anchor="ctr"/>
+                </a:tc>
+                <a:tc>
+                  <a:txBody>
+                    <a:bodyPr/>
+                    <a:lstStyle/>
+                    <a:p>
+                      <a:pPr algn="ctr" fontAlgn="b"/>
+                      <a:r>
+                        <a:rPr lang="ru-RU" sz="1000" u="none" strike="noStrike" dirty="0">
+                          <a:effectLst/>
+                        </a:rPr>
+                        <a:t>0,418</a:t>
+                      </a:r>
+                      <a:endParaRPr lang="ru-RU" sz="1000" b="0" i="0" u="none" strike="noStrike" dirty="0">
+                        <a:solidFill>
+                          <a:srgbClr val="000000"/>
+                        </a:solidFill>
+                        <a:effectLst/>
+                        <a:latin typeface="Calibri" panose="020F0502020204030204" pitchFamily="34" charset="0"/>
+                      </a:endParaRPr>
+                    </a:p>
+                  </a:txBody>
+                  <a:tcPr marL="8328" marR="8328" marT="8328" marB="0" anchor="ctr"/>
+                </a:tc>
+                <a:tc>
+                  <a:txBody>
+                    <a:bodyPr/>
+                    <a:lstStyle/>
+                    <a:p>
+                      <a:pPr algn="ctr" fontAlgn="b"/>
+                      <a:r>
+                        <a:rPr lang="ru-RU" sz="1000" b="0" i="0" u="none" strike="noStrike" dirty="0">
+                          <a:solidFill>
+                            <a:srgbClr val="000000"/>
+                          </a:solidFill>
+                          <a:effectLst/>
+                          <a:latin typeface="Calibri" panose="020F0502020204030204" pitchFamily="34" charset="0"/>
+                        </a:rPr>
+                        <a:t>0,476</a:t>
+                      </a:r>
+                    </a:p>
+                  </a:txBody>
+                  <a:tcPr marL="8328" marR="8328" marT="8328" marB="0" anchor="ctr"/>
+                </a:tc>
+                <a:tc>
+                  <a:txBody>
+                    <a:bodyPr/>
+                    <a:lstStyle/>
+                    <a:p>
+                      <a:pPr algn="ctr" fontAlgn="b"/>
+                      <a:r>
+                        <a:rPr lang="ru-RU" sz="1000" u="none" strike="noStrike" dirty="0">
+                          <a:effectLst/>
+                        </a:rPr>
+                        <a:t>0,115</a:t>
+                      </a:r>
+                      <a:endParaRPr lang="ru-RU" sz="1000" b="0" i="0" u="none" strike="noStrike" dirty="0">
+                        <a:solidFill>
+                          <a:srgbClr val="000000"/>
+                        </a:solidFill>
+                        <a:effectLst/>
+                        <a:latin typeface="Calibri" panose="020F0502020204030204" pitchFamily="34" charset="0"/>
+                      </a:endParaRPr>
+                    </a:p>
+                  </a:txBody>
+                  <a:tcPr marL="8328" marR="8328" marT="8328" marB="0" anchor="ctr"/>
+                </a:tc>
+                <a:tc>
+                  <a:txBody>
+                    <a:bodyPr/>
+                    <a:lstStyle/>
+                    <a:p>
+                      <a:pPr algn="ctr" fontAlgn="b"/>
+                      <a:r>
+                        <a:rPr lang="ru-RU" sz="1000" b="0" i="0" u="none" strike="noStrike" dirty="0">
+                          <a:solidFill>
+                            <a:srgbClr val="000000"/>
+                          </a:solidFill>
+                          <a:effectLst/>
+                          <a:latin typeface="Calibri" panose="020F0502020204030204" pitchFamily="34" charset="0"/>
+                        </a:rPr>
+                        <a:t>0,786</a:t>
+                      </a:r>
+                    </a:p>
+                  </a:txBody>
+                  <a:tcPr marL="8328" marR="8328" marT="8328" marB="0" anchor="ctr"/>
+                </a:tc>
+                <a:extLst>
+                  <a:ext uri="{0D108BD9-81ED-4DB2-BD59-A6C34878D82A}">
+                    <a16:rowId xmlns:a16="http://schemas.microsoft.com/office/drawing/2014/main" val="58349290"/>
+                  </a:ext>
+                </a:extLst>
+              </a:tr>
+              <a:tr h="301477">
+                <a:tc>
+                  <a:txBody>
+                    <a:bodyPr/>
+                    <a:lstStyle/>
+                    <a:p>
+                      <a:pPr algn="ctr" fontAlgn="b"/>
+                      <a:r>
+                        <a:rPr lang="ru-RU" sz="1000" u="none" strike="noStrike" dirty="0">
+                          <a:effectLst/>
+                        </a:rPr>
+                        <a:t>ГК "</a:t>
+                      </a:r>
+                      <a:r>
+                        <a:rPr lang="ru-RU" sz="1000" u="none" strike="noStrike" dirty="0" err="1">
+                          <a:effectLst/>
+                        </a:rPr>
+                        <a:t>Техмаш</a:t>
+                      </a:r>
+                      <a:r>
+                        <a:rPr lang="ru-RU" sz="1000" u="none" strike="noStrike" dirty="0">
+                          <a:effectLst/>
+                        </a:rPr>
+                        <a:t>", ООО</a:t>
+                      </a:r>
+                      <a:endParaRPr lang="ru-RU" sz="1000" b="0" i="0" u="none" strike="noStrike" dirty="0">
+                        <a:solidFill>
+                          <a:srgbClr val="000000"/>
+                        </a:solidFill>
+                        <a:effectLst/>
+                        <a:latin typeface="Calibri" panose="020F0502020204030204" pitchFamily="34" charset="0"/>
+                      </a:endParaRPr>
+                    </a:p>
+                  </a:txBody>
+                  <a:tcPr marL="8328" marR="8328" marT="8328" marB="0" anchor="ctr"/>
+                </a:tc>
+                <a:tc>
+                  <a:txBody>
+                    <a:bodyPr/>
+                    <a:lstStyle/>
+                    <a:p>
+                      <a:pPr algn="ctr" fontAlgn="b"/>
+                      <a:r>
+                        <a:rPr lang="ru-RU" sz="1000" u="none" strike="noStrike" dirty="0">
+                          <a:effectLst/>
+                        </a:rPr>
+                        <a:t>0,208</a:t>
+                      </a:r>
+                      <a:endParaRPr lang="ru-RU" sz="1000" b="0" i="0" u="none" strike="noStrike" dirty="0">
+                        <a:solidFill>
+                          <a:srgbClr val="000000"/>
+                        </a:solidFill>
+                        <a:effectLst/>
+                        <a:latin typeface="Calibri" panose="020F0502020204030204" pitchFamily="34" charset="0"/>
+                      </a:endParaRPr>
+                    </a:p>
+                  </a:txBody>
+                  <a:tcPr marL="8328" marR="8328" marT="8328" marB="0" anchor="ctr"/>
+                </a:tc>
+                <a:tc>
+                  <a:txBody>
+                    <a:bodyPr/>
+                    <a:lstStyle/>
+                    <a:p>
+                      <a:pPr algn="ctr" fontAlgn="b"/>
+                      <a:r>
+                        <a:rPr lang="ru-RU" sz="1000" u="none" strike="noStrike" dirty="0">
+                          <a:effectLst/>
+                        </a:rPr>
+                        <a:t>0,000352</a:t>
+                      </a:r>
+                      <a:endParaRPr lang="ru-RU" sz="1000" b="0" i="0" u="none" strike="noStrike" dirty="0">
+                        <a:solidFill>
+                          <a:srgbClr val="000000"/>
+                        </a:solidFill>
+                        <a:effectLst/>
+                        <a:latin typeface="Calibri" panose="020F0502020204030204" pitchFamily="34" charset="0"/>
+                      </a:endParaRPr>
+                    </a:p>
+                  </a:txBody>
+                  <a:tcPr marL="8328" marR="8328" marT="8328" marB="0" anchor="ctr"/>
+                </a:tc>
+                <a:tc>
+                  <a:txBody>
+                    <a:bodyPr/>
+                    <a:lstStyle/>
+                    <a:p>
+                      <a:pPr algn="ctr" fontAlgn="b"/>
+                      <a:r>
+                        <a:rPr lang="ru-RU" sz="1000" u="none" strike="noStrike" dirty="0">
+                          <a:effectLst/>
+                        </a:rPr>
+                        <a:t>0,0000165</a:t>
+                      </a:r>
+                      <a:endParaRPr lang="ru-RU" sz="1000" b="0" i="0" u="none" strike="noStrike" dirty="0">
+                        <a:solidFill>
+                          <a:srgbClr val="000000"/>
+                        </a:solidFill>
+                        <a:effectLst/>
+                        <a:latin typeface="Calibri" panose="020F0502020204030204" pitchFamily="34" charset="0"/>
+                      </a:endParaRPr>
+                    </a:p>
+                  </a:txBody>
+                  <a:tcPr marL="8328" marR="8328" marT="8328" marB="0" anchor="ctr"/>
+                </a:tc>
+                <a:tc>
+                  <a:txBody>
+                    <a:bodyPr/>
+                    <a:lstStyle/>
+                    <a:p>
+                      <a:pPr algn="ctr" fontAlgn="b"/>
+                      <a:r>
+                        <a:rPr lang="ru-RU" sz="1000" b="0" i="0" u="none" strike="noStrike" dirty="0">
+                          <a:solidFill>
+                            <a:srgbClr val="000000"/>
+                          </a:solidFill>
+                          <a:effectLst/>
+                          <a:latin typeface="Calibri" panose="020F0502020204030204" pitchFamily="34" charset="0"/>
+                        </a:rPr>
+                        <a:t>1</a:t>
+                      </a:r>
+                    </a:p>
+                  </a:txBody>
+                  <a:tcPr marL="8328" marR="8328" marT="8328" marB="0" anchor="ctr"/>
+                </a:tc>
+                <a:tc>
+                  <a:txBody>
+                    <a:bodyPr/>
+                    <a:lstStyle/>
+                    <a:p>
+                      <a:pPr algn="ctr" fontAlgn="b"/>
+                      <a:r>
+                        <a:rPr lang="ru-RU" sz="1000" b="0" i="0" u="none" strike="noStrike" dirty="0">
+                          <a:solidFill>
+                            <a:srgbClr val="000000"/>
+                          </a:solidFill>
+                          <a:effectLst/>
+                          <a:latin typeface="Calibri" panose="020F0502020204030204" pitchFamily="34" charset="0"/>
+                        </a:rPr>
+                        <a:t>1</a:t>
+                      </a:r>
+                    </a:p>
+                  </a:txBody>
+                  <a:tcPr marL="8328" marR="8328" marT="8328" marB="0" anchor="ctr"/>
+                </a:tc>
+                <a:tc>
+                  <a:txBody>
+                    <a:bodyPr/>
+                    <a:lstStyle/>
+                    <a:p>
+                      <a:pPr algn="ctr" fontAlgn="b"/>
+                      <a:r>
+                        <a:rPr lang="ru-RU" sz="1000" u="none" strike="noStrike" dirty="0">
+                          <a:effectLst/>
+                        </a:rPr>
+                        <a:t>0,000375</a:t>
+                      </a:r>
+                      <a:endParaRPr lang="ru-RU" sz="1000" b="0" i="0" u="none" strike="noStrike" dirty="0">
+                        <a:solidFill>
+                          <a:srgbClr val="000000"/>
+                        </a:solidFill>
+                        <a:effectLst/>
+                        <a:latin typeface="Calibri" panose="020F0502020204030204" pitchFamily="34" charset="0"/>
+                      </a:endParaRPr>
+                    </a:p>
+                  </a:txBody>
+                  <a:tcPr marL="8328" marR="8328" marT="8328" marB="0" anchor="ctr"/>
+                </a:tc>
+                <a:tc>
+                  <a:txBody>
+                    <a:bodyPr/>
+                    <a:lstStyle/>
+                    <a:p>
+                      <a:pPr algn="ctr" fontAlgn="b"/>
+                      <a:r>
+                        <a:rPr lang="ru-RU" sz="1000" u="none" strike="noStrike" dirty="0">
+                          <a:effectLst/>
+                        </a:rPr>
+                        <a:t>0,0000259</a:t>
+                      </a:r>
+                      <a:endParaRPr lang="ru-RU" sz="1000" b="0" i="0" u="none" strike="noStrike" dirty="0">
+                        <a:solidFill>
+                          <a:srgbClr val="000000"/>
+                        </a:solidFill>
+                        <a:effectLst/>
+                        <a:latin typeface="Calibri" panose="020F0502020204030204" pitchFamily="34" charset="0"/>
+                      </a:endParaRPr>
+                    </a:p>
+                  </a:txBody>
+                  <a:tcPr marL="8328" marR="8328" marT="8328" marB="0" anchor="ctr"/>
+                </a:tc>
+                <a:tc>
+                  <a:txBody>
+                    <a:bodyPr/>
+                    <a:lstStyle/>
+                    <a:p>
+                      <a:pPr algn="ctr" fontAlgn="b"/>
+                      <a:r>
+                        <a:rPr lang="ru-RU" sz="1000" u="none" strike="noStrike" dirty="0">
+                          <a:effectLst/>
+                        </a:rPr>
+                        <a:t>0,013</a:t>
+                      </a:r>
+                      <a:endParaRPr lang="ru-RU" sz="1000" b="0" i="0" u="none" strike="noStrike" dirty="0">
+                        <a:solidFill>
+                          <a:srgbClr val="000000"/>
+                        </a:solidFill>
+                        <a:effectLst/>
+                        <a:latin typeface="Calibri" panose="020F0502020204030204" pitchFamily="34" charset="0"/>
+                      </a:endParaRPr>
+                    </a:p>
+                  </a:txBody>
+                  <a:tcPr marL="8328" marR="8328" marT="8328" marB="0" anchor="ctr"/>
+                </a:tc>
+                <a:tc>
+                  <a:txBody>
+                    <a:bodyPr/>
+                    <a:lstStyle/>
+                    <a:p>
+                      <a:pPr algn="ctr" fontAlgn="b"/>
+                      <a:r>
+                        <a:rPr lang="ru-RU" sz="1000" b="0" i="0" u="none" strike="noStrike" dirty="0">
+                          <a:solidFill>
+                            <a:srgbClr val="000000"/>
+                          </a:solidFill>
+                          <a:effectLst/>
+                          <a:latin typeface="Calibri" panose="020F0502020204030204" pitchFamily="34" charset="0"/>
+                        </a:rPr>
+                        <a:t>0,571</a:t>
+                      </a:r>
+                    </a:p>
+                  </a:txBody>
+                  <a:tcPr marL="8328" marR="8328" marT="8328" marB="0" anchor="ctr"/>
+                </a:tc>
+                <a:tc>
+                  <a:txBody>
+                    <a:bodyPr/>
+                    <a:lstStyle/>
+                    <a:p>
+                      <a:pPr algn="ctr" fontAlgn="b"/>
+                      <a:r>
+                        <a:rPr lang="ru-RU" sz="1000" u="none" strike="noStrike" dirty="0">
+                          <a:effectLst/>
+                        </a:rPr>
+                        <a:t>0,005</a:t>
+                      </a:r>
+                      <a:endParaRPr lang="ru-RU" sz="1000" b="0" i="0" u="none" strike="noStrike" dirty="0">
+                        <a:solidFill>
+                          <a:srgbClr val="000000"/>
+                        </a:solidFill>
+                        <a:effectLst/>
+                        <a:latin typeface="Calibri" panose="020F0502020204030204" pitchFamily="34" charset="0"/>
+                      </a:endParaRPr>
+                    </a:p>
+                  </a:txBody>
+                  <a:tcPr marL="8328" marR="8328" marT="8328" marB="0" anchor="ctr"/>
+                </a:tc>
+                <a:tc>
+                  <a:txBody>
+                    <a:bodyPr/>
+                    <a:lstStyle/>
+                    <a:p>
+                      <a:pPr algn="ctr" fontAlgn="b"/>
+                      <a:r>
+                        <a:rPr lang="ru-RU" sz="1000" b="0" i="0" u="none" strike="noStrike" dirty="0">
+                          <a:solidFill>
+                            <a:srgbClr val="000000"/>
+                          </a:solidFill>
+                          <a:effectLst/>
+                          <a:latin typeface="Calibri" panose="020F0502020204030204" pitchFamily="34" charset="0"/>
+                        </a:rPr>
+                        <a:t>0,665</a:t>
+                      </a:r>
+                    </a:p>
+                  </a:txBody>
+                  <a:tcPr marL="8328" marR="8328" marT="8328" marB="0" anchor="ctr"/>
+                </a:tc>
+                <a:extLst>
+                  <a:ext uri="{0D108BD9-81ED-4DB2-BD59-A6C34878D82A}">
+                    <a16:rowId xmlns:a16="http://schemas.microsoft.com/office/drawing/2014/main" val="3943582892"/>
+                  </a:ext>
+                </a:extLst>
+              </a:tr>
+              <a:tr h="301477">
+                <a:tc>
+                  <a:txBody>
+                    <a:bodyPr/>
+                    <a:lstStyle/>
+                    <a:p>
+                      <a:pPr algn="ctr" fontAlgn="b"/>
+                      <a:r>
+                        <a:rPr lang="ru-RU" sz="1000" u="none" strike="noStrike" dirty="0">
+                          <a:effectLst/>
+                        </a:rPr>
+                        <a:t>ТД "РТИ", ООО</a:t>
+                      </a:r>
+                      <a:endParaRPr lang="ru-RU" sz="1000" b="0" i="0" u="none" strike="noStrike" dirty="0">
+                        <a:solidFill>
+                          <a:srgbClr val="000000"/>
+                        </a:solidFill>
+                        <a:effectLst/>
+                        <a:latin typeface="Calibri" panose="020F0502020204030204" pitchFamily="34" charset="0"/>
+                      </a:endParaRPr>
+                    </a:p>
+                  </a:txBody>
+                  <a:tcPr marL="8328" marR="8328" marT="8328" marB="0" anchor="ctr"/>
+                </a:tc>
+                <a:tc>
+                  <a:txBody>
+                    <a:bodyPr/>
+                    <a:lstStyle/>
+                    <a:p>
+                      <a:pPr algn="ctr" fontAlgn="b"/>
+                      <a:r>
+                        <a:rPr lang="ru-RU" sz="1000" u="none" strike="noStrike" dirty="0">
+                          <a:effectLst/>
+                        </a:rPr>
+                        <a:t>0,431</a:t>
+                      </a:r>
+                      <a:endParaRPr lang="ru-RU" sz="1000" b="0" i="0" u="none" strike="noStrike" dirty="0">
+                        <a:solidFill>
+                          <a:srgbClr val="000000"/>
+                        </a:solidFill>
+                        <a:effectLst/>
+                        <a:latin typeface="Calibri" panose="020F0502020204030204" pitchFamily="34" charset="0"/>
+                      </a:endParaRPr>
+                    </a:p>
+                  </a:txBody>
+                  <a:tcPr marL="8328" marR="8328" marT="8328" marB="0" anchor="ctr"/>
+                </a:tc>
+                <a:tc>
+                  <a:txBody>
+                    <a:bodyPr/>
+                    <a:lstStyle/>
+                    <a:p>
+                      <a:pPr algn="ctr" fontAlgn="b"/>
+                      <a:r>
+                        <a:rPr lang="ru-RU" sz="1000" u="none" strike="noStrike" dirty="0">
+                          <a:effectLst/>
+                        </a:rPr>
+                        <a:t>0,0000197</a:t>
+                      </a:r>
+                      <a:endParaRPr lang="ru-RU" sz="1000" b="0" i="0" u="none" strike="noStrike" dirty="0">
+                        <a:solidFill>
+                          <a:srgbClr val="000000"/>
+                        </a:solidFill>
+                        <a:effectLst/>
+                        <a:latin typeface="Calibri" panose="020F0502020204030204" pitchFamily="34" charset="0"/>
+                      </a:endParaRPr>
+                    </a:p>
+                  </a:txBody>
+                  <a:tcPr marL="8328" marR="8328" marT="8328" marB="0" anchor="ctr"/>
+                </a:tc>
+                <a:tc>
+                  <a:txBody>
+                    <a:bodyPr/>
+                    <a:lstStyle/>
+                    <a:p>
+                      <a:pPr algn="ctr" fontAlgn="b"/>
+                      <a:r>
+                        <a:rPr lang="ru-RU" sz="1000" u="none" strike="noStrike" dirty="0">
+                          <a:effectLst/>
+                        </a:rPr>
+                        <a:t>0,00000168</a:t>
+                      </a:r>
+                      <a:endParaRPr lang="ru-RU" sz="1000" b="0" i="0" u="none" strike="noStrike" dirty="0">
+                        <a:solidFill>
+                          <a:srgbClr val="000000"/>
+                        </a:solidFill>
+                        <a:effectLst/>
+                        <a:latin typeface="Calibri" panose="020F0502020204030204" pitchFamily="34" charset="0"/>
+                      </a:endParaRPr>
+                    </a:p>
+                  </a:txBody>
+                  <a:tcPr marL="8328" marR="8328" marT="8328" marB="0" anchor="ctr"/>
+                </a:tc>
+                <a:tc>
+                  <a:txBody>
+                    <a:bodyPr/>
+                    <a:lstStyle/>
+                    <a:p>
+                      <a:pPr algn="ctr" fontAlgn="b"/>
+                      <a:r>
+                        <a:rPr lang="ru-RU" sz="1000" b="0" i="0" u="none" strike="noStrike" dirty="0">
+                          <a:solidFill>
+                            <a:srgbClr val="000000"/>
+                          </a:solidFill>
+                          <a:effectLst/>
+                          <a:latin typeface="Calibri" panose="020F0502020204030204" pitchFamily="34" charset="0"/>
+                        </a:rPr>
+                        <a:t>1</a:t>
+                      </a:r>
+                    </a:p>
+                  </a:txBody>
+                  <a:tcPr marL="8328" marR="8328" marT="8328" marB="0" anchor="ctr"/>
+                </a:tc>
+                <a:tc>
+                  <a:txBody>
+                    <a:bodyPr/>
+                    <a:lstStyle/>
+                    <a:p>
+                      <a:pPr algn="ctr" fontAlgn="b"/>
+                      <a:r>
+                        <a:rPr lang="ru-RU" sz="1000" b="0" i="0" u="none" strike="noStrike" dirty="0">
+                          <a:solidFill>
+                            <a:srgbClr val="000000"/>
+                          </a:solidFill>
+                          <a:effectLst/>
+                          <a:latin typeface="Calibri" panose="020F0502020204030204" pitchFamily="34" charset="0"/>
+                        </a:rPr>
+                        <a:t>0</a:t>
+                      </a:r>
+                    </a:p>
+                  </a:txBody>
+                  <a:tcPr marL="8328" marR="8328" marT="8328" marB="0" anchor="ctr"/>
+                </a:tc>
+                <a:tc>
+                  <a:txBody>
+                    <a:bodyPr/>
+                    <a:lstStyle/>
+                    <a:p>
+                      <a:pPr algn="ctr" fontAlgn="b"/>
+                      <a:r>
+                        <a:rPr lang="ru-RU" sz="1000" u="none" strike="noStrike" dirty="0">
+                          <a:effectLst/>
+                        </a:rPr>
+                        <a:t>0,000375</a:t>
+                      </a:r>
+                      <a:endParaRPr lang="ru-RU" sz="1000" b="0" i="0" u="none" strike="noStrike" dirty="0">
+                        <a:solidFill>
+                          <a:srgbClr val="000000"/>
+                        </a:solidFill>
+                        <a:effectLst/>
+                        <a:latin typeface="Calibri" panose="020F0502020204030204" pitchFamily="34" charset="0"/>
+                      </a:endParaRPr>
+                    </a:p>
+                  </a:txBody>
+                  <a:tcPr marL="8328" marR="8328" marT="8328" marB="0" anchor="ctr"/>
+                </a:tc>
+                <a:tc>
+                  <a:txBody>
+                    <a:bodyPr/>
+                    <a:lstStyle/>
+                    <a:p>
+                      <a:pPr algn="ctr" fontAlgn="b"/>
+                      <a:r>
+                        <a:rPr lang="ru-RU" sz="1000" u="none" strike="noStrike" dirty="0">
+                          <a:effectLst/>
+                        </a:rPr>
+                        <a:t>0,00000441</a:t>
+                      </a:r>
+                      <a:endParaRPr lang="ru-RU" sz="1000" b="0" i="0" u="none" strike="noStrike" dirty="0">
+                        <a:solidFill>
+                          <a:srgbClr val="000000"/>
+                        </a:solidFill>
+                        <a:effectLst/>
+                        <a:latin typeface="Calibri" panose="020F0502020204030204" pitchFamily="34" charset="0"/>
+                      </a:endParaRPr>
+                    </a:p>
+                  </a:txBody>
+                  <a:tcPr marL="8328" marR="8328" marT="8328" marB="0" anchor="ctr"/>
+                </a:tc>
+                <a:tc>
+                  <a:txBody>
+                    <a:bodyPr/>
+                    <a:lstStyle/>
+                    <a:p>
+                      <a:pPr algn="ctr" fontAlgn="b"/>
+                      <a:r>
+                        <a:rPr lang="ru-RU" sz="1000" b="0" i="0" u="none" strike="noStrike" dirty="0">
+                          <a:solidFill>
+                            <a:srgbClr val="000000"/>
+                          </a:solidFill>
+                          <a:effectLst/>
+                          <a:latin typeface="Calibri" panose="020F0502020204030204" pitchFamily="34" charset="0"/>
+                        </a:rPr>
+                        <a:t>0,013</a:t>
+                      </a:r>
+                    </a:p>
+                  </a:txBody>
+                  <a:tcPr marL="8328" marR="8328" marT="8328" marB="0" anchor="ctr"/>
+                </a:tc>
+                <a:tc>
+                  <a:txBody>
+                    <a:bodyPr/>
+                    <a:lstStyle/>
+                    <a:p>
+                      <a:pPr algn="ctr" fontAlgn="b"/>
+                      <a:r>
+                        <a:rPr lang="ru-RU" sz="1000" b="0" i="0" u="none" strike="noStrike" dirty="0">
+                          <a:solidFill>
+                            <a:srgbClr val="000000"/>
+                          </a:solidFill>
+                          <a:effectLst/>
+                          <a:latin typeface="Calibri" panose="020F0502020204030204" pitchFamily="34" charset="0"/>
+                        </a:rPr>
+                        <a:t>0,364</a:t>
+                      </a:r>
+                    </a:p>
+                  </a:txBody>
+                  <a:tcPr marL="8328" marR="8328" marT="8328" marB="0" anchor="ctr"/>
+                </a:tc>
+                <a:tc>
+                  <a:txBody>
+                    <a:bodyPr/>
+                    <a:lstStyle/>
+                    <a:p>
+                      <a:pPr algn="ctr" fontAlgn="b"/>
+                      <a:r>
+                        <a:rPr lang="ru-RU" sz="1000" u="none" strike="noStrike" dirty="0">
+                          <a:effectLst/>
+                        </a:rPr>
+                        <a:t>0,008</a:t>
+                      </a:r>
+                      <a:endParaRPr lang="ru-RU" sz="1000" b="0" i="0" u="none" strike="noStrike" dirty="0">
+                        <a:solidFill>
+                          <a:srgbClr val="000000"/>
+                        </a:solidFill>
+                        <a:effectLst/>
+                        <a:latin typeface="Calibri" panose="020F0502020204030204" pitchFamily="34" charset="0"/>
+                      </a:endParaRPr>
+                    </a:p>
+                  </a:txBody>
+                  <a:tcPr marL="8328" marR="8328" marT="8328" marB="0" anchor="ctr"/>
+                </a:tc>
+                <a:tc>
+                  <a:txBody>
+                    <a:bodyPr/>
+                    <a:lstStyle/>
+                    <a:p>
+                      <a:pPr algn="ctr" fontAlgn="b"/>
+                      <a:r>
+                        <a:rPr lang="ru-RU" sz="1000" b="0" i="0" u="none" strike="noStrike" dirty="0">
+                          <a:solidFill>
+                            <a:srgbClr val="000000"/>
+                          </a:solidFill>
+                          <a:effectLst/>
+                          <a:latin typeface="Calibri" panose="020F0502020204030204" pitchFamily="34" charset="0"/>
+                        </a:rPr>
+                        <a:t>0,591</a:t>
+                      </a:r>
+                    </a:p>
+                  </a:txBody>
+                  <a:tcPr marL="8328" marR="8328" marT="8328" marB="0" anchor="ctr"/>
+                </a:tc>
+                <a:extLst>
+                  <a:ext uri="{0D108BD9-81ED-4DB2-BD59-A6C34878D82A}">
+                    <a16:rowId xmlns:a16="http://schemas.microsoft.com/office/drawing/2014/main" val="531977209"/>
+                  </a:ext>
+                </a:extLst>
+              </a:tr>
+            </a:tbl>
+          </a:graphicData>
+        </a:graphic>
+      </p:graphicFrame>
+    </p:spTree>
+    <p:extLst>
+      <p:ext uri="{BB962C8B-B14F-4D97-AF65-F5344CB8AC3E}">
+        <p14:creationId xmlns:p14="http://schemas.microsoft.com/office/powerpoint/2010/main" val="1983410831"/>
+      </p:ext>
+    </p:extLst>
+  </p:cSld>
+  <p:clrMapOvr>
+    <a:masterClrMapping/>
+  </p:clrMapOvr>
+</p:sld>
+</file>
+
+<file path=ppt/slides/slide11.xml><?xml version="1.0" encoding="utf-8"?>
+<p:sld xmlns:a="http://schemas.openxmlformats.org/drawingml/2006/main" xmlns:r="http://schemas.openxmlformats.org/officeDocument/2006/relationships" xmlns:p="http://schemas.openxmlformats.org/presentationml/2006/main">
+  <p:cSld>
+    <p:spTree>
+      <p:nvGrpSpPr>
+        <p:cNvPr id="1" name=""/>
+        <p:cNvGrpSpPr/>
+        <p:nvPr/>
+      </p:nvGrpSpPr>
+      <p:grpSpPr>
+        <a:xfrm>
+          <a:off x="0" y="0"/>
+          <a:ext cx="0" cy="0"/>
+          <a:chOff x="0" y="0"/>
+          <a:chExt cx="0" cy="0"/>
+        </a:xfrm>
+      </p:grpSpPr>
+      <p:sp>
+        <p:nvSpPr>
+          <p:cNvPr id="2" name="Заголовок 1">
+            <a:extLst>
+              <a:ext uri="{FF2B5EF4-FFF2-40B4-BE49-F238E27FC236}">
+                <a16:creationId xmlns:a16="http://schemas.microsoft.com/office/drawing/2014/main" id="{C5C1AB25-928F-4714-8D70-AF910C052A87}"/>
+              </a:ext>
+            </a:extLst>
+          </p:cNvPr>
+          <p:cNvSpPr>
+            <a:spLocks noGrp="1"/>
+          </p:cNvSpPr>
+          <p:nvPr>
+            <p:ph type="title"/>
+          </p:nvPr>
+        </p:nvSpPr>
+        <p:spPr>
+          <a:xfrm>
+            <a:off x="838200" y="365125"/>
+            <a:ext cx="10515600" cy="1325563"/>
+          </a:xfrm>
+        </p:spPr>
+        <p:txBody>
+          <a:bodyPr/>
+          <a:lstStyle/>
+          <a:p>
+            <a:r>
+              <a:rPr lang="ru-RU" dirty="0"/>
+              <a:t>Вычисление комплексного показателя качества</a:t>
+            </a:r>
+          </a:p>
+        </p:txBody>
+      </p:sp>
+      <p:sp>
+        <p:nvSpPr>
+          <p:cNvPr id="3" name="Объект 2">
+            <a:extLst>
+              <a:ext uri="{FF2B5EF4-FFF2-40B4-BE49-F238E27FC236}">
+                <a16:creationId xmlns:a16="http://schemas.microsoft.com/office/drawing/2014/main" id="{DCBB1ADF-C0DE-448F-8C43-ED981FA8641A}"/>
+              </a:ext>
+            </a:extLst>
+          </p:cNvPr>
+          <p:cNvSpPr>
+            <a:spLocks noGrp="1"/>
+          </p:cNvSpPr>
+          <p:nvPr>
+            <p:ph idx="1"/>
+          </p:nvPr>
+        </p:nvSpPr>
+        <p:spPr>
+          <a:xfrm>
+            <a:off x="838200" y="1825625"/>
+            <a:ext cx="10515600" cy="1174249"/>
+          </a:xfrm>
+        </p:spPr>
+        <p:txBody>
+          <a:bodyPr/>
+          <a:lstStyle/>
+          <a:p>
+            <a:pPr marL="0" indent="0">
+              <a:buNone/>
+            </a:pPr>
+            <a:r>
+              <a:rPr lang="ru-RU" dirty="0"/>
+              <a:t>Вычислим комплексный показатель для каждого поставщика по формуле:</a:t>
+            </a:r>
+          </a:p>
+        </p:txBody>
+      </p:sp>
+      <mc:AlternateContent xmlns:mc="http://schemas.openxmlformats.org/markup-compatibility/2006" xmlns:a14="http://schemas.microsoft.com/office/drawing/2010/main">
+        <mc:Choice Requires="a14">
+          <p:sp>
+            <p:nvSpPr>
+              <p:cNvPr id="4" name="TextBox 3">
+                <a:extLst>
+                  <a:ext uri="{FF2B5EF4-FFF2-40B4-BE49-F238E27FC236}">
+                    <a16:creationId xmlns:a16="http://schemas.microsoft.com/office/drawing/2014/main" id="{E0D53F6B-5986-4C66-B8EA-8F6156F2C1D3}"/>
+                  </a:ext>
+                </a:extLst>
+              </p:cNvPr>
+              <p:cNvSpPr txBox="1"/>
+              <p:nvPr/>
+            </p:nvSpPr>
+            <p:spPr>
+              <a:xfrm>
+                <a:off x="5638800" y="2975810"/>
+                <a:ext cx="1331390" cy="756233"/>
+              </a:xfrm>
+              <a:prstGeom prst="rect">
+                <a:avLst/>
+              </a:prstGeom>
+              <a:noFill/>
+            </p:spPr>
+            <p:txBody>
+              <a:bodyPr wrap="none" lIns="0" tIns="0" rIns="0" bIns="0" rtlCol="0">
+                <a:spAutoFit/>
+              </a:bodyPr>
+              <a:lstStyle/>
+              <a:p>
+                <a:pPr/>
+                <a14:m>
+                  <m:oMathPara xmlns:m="http://schemas.openxmlformats.org/officeDocument/2006/math">
+                    <m:oMathParaPr>
+                      <m:jc m:val="centerGroup"/>
+                    </m:oMathParaPr>
+                    <m:oMath xmlns:m="http://schemas.openxmlformats.org/officeDocument/2006/math">
+                      <m:r>
+                        <a:rPr lang="en-US" b="0" i="1" smtClean="0">
+                          <a:latin typeface="Cambria Math" panose="02040503050406030204" pitchFamily="18" charset="0"/>
+                        </a:rPr>
+                        <m:t>𝐾</m:t>
+                      </m:r>
+                      <m:r>
+                        <a:rPr lang="en-US" b="0" i="1" smtClean="0">
+                          <a:latin typeface="Cambria Math" panose="02040503050406030204" pitchFamily="18" charset="0"/>
+                        </a:rPr>
+                        <m:t>=</m:t>
+                      </m:r>
+                      <m:nary>
+                        <m:naryPr>
+                          <m:chr m:val="∑"/>
+                          <m:ctrlPr>
+                            <a:rPr lang="en-US" b="0" i="1" smtClean="0">
+                              <a:latin typeface="Cambria Math" panose="02040503050406030204" pitchFamily="18" charset="0"/>
+                            </a:rPr>
+                          </m:ctrlPr>
+                        </m:naryPr>
+                        <m:sub>
+                          <m:r>
+                            <m:rPr>
+                              <m:brk m:alnAt="23"/>
+                            </m:rPr>
+                            <a:rPr lang="en-US" b="0" i="1" smtClean="0">
+                              <a:latin typeface="Cambria Math" panose="02040503050406030204" pitchFamily="18" charset="0"/>
+                            </a:rPr>
+                            <m:t>𝑖</m:t>
+                          </m:r>
+                          <m:r>
+                            <a:rPr lang="en-US" b="0" i="1" smtClean="0">
+                              <a:latin typeface="Cambria Math" panose="02040503050406030204" pitchFamily="18" charset="0"/>
+                            </a:rPr>
+                            <m:t>=1</m:t>
+                          </m:r>
+                        </m:sub>
+                        <m:sup>
+                          <m:r>
+                            <a:rPr lang="en-US" b="0" i="1" smtClean="0">
+                              <a:latin typeface="Cambria Math" panose="02040503050406030204" pitchFamily="18" charset="0"/>
+                            </a:rPr>
+                            <m:t>𝑛</m:t>
+                          </m:r>
+                        </m:sup>
+                        <m:e>
+                          <m:sSub>
+                            <m:sSubPr>
+                              <m:ctrlPr>
+                                <a:rPr lang="en-US" b="0" i="1" smtClean="0">
+                                  <a:latin typeface="Cambria Math" panose="02040503050406030204" pitchFamily="18" charset="0"/>
+                                </a:rPr>
+                              </m:ctrlPr>
+                            </m:sSubPr>
+                            <m:e>
+                              <m:r>
+                                <a:rPr lang="en-US" b="0" i="1" smtClean="0">
+                                  <a:latin typeface="Cambria Math" panose="02040503050406030204" pitchFamily="18" charset="0"/>
+                                </a:rPr>
+                                <m:t>𝑚</m:t>
+                              </m:r>
+                            </m:e>
+                            <m:sub>
+                              <m:r>
+                                <a:rPr lang="en-US" b="0" i="1" smtClean="0">
+                                  <a:latin typeface="Cambria Math" panose="02040503050406030204" pitchFamily="18" charset="0"/>
+                                </a:rPr>
+                                <m:t>𝑖</m:t>
+                              </m:r>
+                            </m:sub>
+                          </m:sSub>
+                          <m:sSub>
+                            <m:sSubPr>
+                              <m:ctrlPr>
+                                <a:rPr lang="en-US" b="0" i="1" smtClean="0">
+                                  <a:latin typeface="Cambria Math" panose="02040503050406030204" pitchFamily="18" charset="0"/>
+                                </a:rPr>
+                              </m:ctrlPr>
+                            </m:sSubPr>
+                            <m:e>
+                              <m:r>
+                                <a:rPr lang="en-US" b="0" i="1" smtClean="0">
+                                  <a:latin typeface="Cambria Math" panose="02040503050406030204" pitchFamily="18" charset="0"/>
+                                </a:rPr>
+                                <m:t>𝑞</m:t>
+                              </m:r>
+                            </m:e>
+                            <m:sub>
+                              <m:r>
+                                <a:rPr lang="en-US" b="0" i="1" smtClean="0">
+                                  <a:latin typeface="Cambria Math" panose="02040503050406030204" pitchFamily="18" charset="0"/>
+                                </a:rPr>
+                                <m:t>𝑖</m:t>
+                              </m:r>
+                            </m:sub>
+                          </m:sSub>
+                        </m:e>
+                      </m:nary>
+                    </m:oMath>
+                  </m:oMathPara>
+                </a14:m>
+                <a:endParaRPr lang="ru-RU" dirty="0"/>
+              </a:p>
+            </p:txBody>
+          </p:sp>
+        </mc:Choice>
+        <mc:Fallback xmlns="">
+          <p:sp>
+            <p:nvSpPr>
+              <p:cNvPr id="4" name="TextBox 3">
+                <a:extLst>
+                  <a:ext uri="{FF2B5EF4-FFF2-40B4-BE49-F238E27FC236}">
+                    <a16:creationId xmlns:a16="http://schemas.microsoft.com/office/drawing/2014/main" id="{E0D53F6B-5986-4C66-B8EA-8F6156F2C1D3}"/>
+                  </a:ext>
+                </a:extLst>
+              </p:cNvPr>
+              <p:cNvSpPr txBox="1">
+                <a:spLocks noRot="1" noChangeAspect="1" noMove="1" noResize="1" noEditPoints="1" noAdjustHandles="1" noChangeArrowheads="1" noChangeShapeType="1" noTextEdit="1"/>
+              </p:cNvSpPr>
+              <p:nvPr/>
+            </p:nvSpPr>
+            <p:spPr>
+              <a:xfrm>
+                <a:off x="5638800" y="2975810"/>
+                <a:ext cx="1331390" cy="756233"/>
+              </a:xfrm>
+              <a:prstGeom prst="rect">
+                <a:avLst/>
+              </a:prstGeom>
+              <a:blipFill>
+                <a:blip r:embed="rId2"/>
+                <a:stretch>
+                  <a:fillRect/>
+                </a:stretch>
+              </a:blipFill>
+            </p:spPr>
+            <p:txBody>
+              <a:bodyPr/>
+              <a:lstStyle/>
+              <a:p>
+                <a:r>
+                  <a:rPr lang="ru-RU">
+                    <a:noFill/>
+                  </a:rPr>
+                  <a:t> </a:t>
+                </a:r>
+              </a:p>
+            </p:txBody>
+          </p:sp>
+        </mc:Fallback>
+      </mc:AlternateContent>
+      <mc:AlternateContent xmlns:mc="http://schemas.openxmlformats.org/markup-compatibility/2006" xmlns:a14="http://schemas.microsoft.com/office/drawing/2010/main">
+        <mc:Choice Requires="a14">
+          <p:sp>
+            <p:nvSpPr>
+              <p:cNvPr id="5" name="Объект 2">
+                <a:extLst>
+                  <a:ext uri="{FF2B5EF4-FFF2-40B4-BE49-F238E27FC236}">
+                    <a16:creationId xmlns:a16="http://schemas.microsoft.com/office/drawing/2014/main" id="{953F15E5-7747-4152-83F3-5E15E7C9018E}"/>
+                  </a:ext>
+                </a:extLst>
+              </p:cNvPr>
+              <p:cNvSpPr txBox="1">
+                <a:spLocks/>
+              </p:cNvSpPr>
+              <p:nvPr/>
+            </p:nvSpPr>
+            <p:spPr>
+              <a:xfrm>
+                <a:off x="1046695" y="4323444"/>
+                <a:ext cx="10515600" cy="1963056"/>
+              </a:xfrm>
+              <a:prstGeom prst="rect">
+                <a:avLst/>
+              </a:prstGeom>
+            </p:spPr>
+            <p:txBody>
+              <a:bodyPr vert="horz" lIns="91440" tIns="45720" rIns="91440" bIns="45720" rtlCol="0">
+                <a:normAutofit/>
+              </a:bodyPr>
+              <a:lstStyle>
+                <a:lvl1pPr marL="228600" indent="-228600" algn="l" defTabSz="914400" rtl="0" eaLnBrk="1" latinLnBrk="0" hangingPunct="1">
+                  <a:lnSpc>
+                    <a:spcPct val="90000"/>
+                  </a:lnSpc>
+                  <a:spcBef>
+                    <a:spcPts val="1000"/>
+                  </a:spcBef>
+                  <a:buFont typeface="Arial" panose="020B0604020202020204" pitchFamily="34" charset="0"/>
+                  <a:buChar char="•"/>
+                  <a:defRPr sz="2800" kern="1200">
+                    <a:solidFill>
+                      <a:schemeClr val="tx1"/>
+                    </a:solidFill>
+                    <a:latin typeface="+mn-lt"/>
+                    <a:ea typeface="+mn-ea"/>
+                    <a:cs typeface="+mn-cs"/>
+                  </a:defRPr>
+                </a:lvl1pPr>
+                <a:lvl2pPr marL="685800" indent="-228600" algn="l" defTabSz="914400" rtl="0" eaLnBrk="1" latinLnBrk="0" hangingPunct="1">
+                  <a:lnSpc>
+                    <a:spcPct val="90000"/>
+                  </a:lnSpc>
+                  <a:spcBef>
+                    <a:spcPts val="500"/>
+                  </a:spcBef>
+                  <a:buFont typeface="Arial" panose="020B0604020202020204" pitchFamily="34" charset="0"/>
+                  <a:buChar char="•"/>
+                  <a:defRPr sz="2400" kern="1200">
+                    <a:solidFill>
+                      <a:schemeClr val="tx1"/>
+                    </a:solidFill>
+                    <a:latin typeface="+mn-lt"/>
+                    <a:ea typeface="+mn-ea"/>
+                    <a:cs typeface="+mn-cs"/>
+                  </a:defRPr>
+                </a:lvl2pPr>
+                <a:lvl3pPr marL="1143000" indent="-228600" algn="l" defTabSz="914400" rtl="0" eaLnBrk="1" latinLnBrk="0" hangingPunct="1">
+                  <a:lnSpc>
+                    <a:spcPct val="90000"/>
+                  </a:lnSpc>
+                  <a:spcBef>
+                    <a:spcPts val="500"/>
+                  </a:spcBef>
+                  <a:buFont typeface="Arial" panose="020B0604020202020204" pitchFamily="34" charset="0"/>
+                  <a:buChar char="•"/>
+                  <a:defRPr sz="2000" kern="1200">
+                    <a:solidFill>
+                      <a:schemeClr val="tx1"/>
+                    </a:solidFill>
+                    <a:latin typeface="+mn-lt"/>
+                    <a:ea typeface="+mn-ea"/>
+                    <a:cs typeface="+mn-cs"/>
+                  </a:defRPr>
+                </a:lvl3pPr>
+                <a:lvl4pPr marL="1600200" indent="-228600" algn="l" defTabSz="914400" rtl="0" eaLnBrk="1" latinLnBrk="0" hangingPunct="1">
+                  <a:lnSpc>
+                    <a:spcPct val="90000"/>
+                  </a:lnSpc>
+                  <a:spcBef>
+                    <a:spcPts val="500"/>
+                  </a:spcBef>
+                  <a:buFont typeface="Arial" panose="020B0604020202020204" pitchFamily="34" charset="0"/>
+                  <a:buChar char="•"/>
+                  <a:defRPr sz="1800" kern="1200">
+                    <a:solidFill>
+                      <a:schemeClr val="tx1"/>
+                    </a:solidFill>
+                    <a:latin typeface="+mn-lt"/>
+                    <a:ea typeface="+mn-ea"/>
+                    <a:cs typeface="+mn-cs"/>
+                  </a:defRPr>
+                </a:lvl4pPr>
+                <a:lvl5pPr marL="2057400" indent="-228600" algn="l" defTabSz="914400" rtl="0" eaLnBrk="1" latinLnBrk="0" hangingPunct="1">
+                  <a:lnSpc>
+                    <a:spcPct val="90000"/>
+                  </a:lnSpc>
+                  <a:spcBef>
+                    <a:spcPts val="500"/>
+                  </a:spcBef>
+                  <a:buFont typeface="Arial" panose="020B0604020202020204" pitchFamily="34" charset="0"/>
+                  <a:buChar char="•"/>
+                  <a:defRPr sz="1800" kern="1200">
+                    <a:solidFill>
+                      <a:schemeClr val="tx1"/>
+                    </a:solidFill>
+                    <a:latin typeface="+mn-lt"/>
+                    <a:ea typeface="+mn-ea"/>
+                    <a:cs typeface="+mn-cs"/>
+                  </a:defRPr>
+                </a:lvl5pPr>
+                <a:lvl6pPr marL="2514600" indent="-228600" algn="l" defTabSz="914400" rtl="0" eaLnBrk="1" latinLnBrk="0" hangingPunct="1">
+                  <a:lnSpc>
+                    <a:spcPct val="90000"/>
+                  </a:lnSpc>
+                  <a:spcBef>
+                    <a:spcPts val="500"/>
+                  </a:spcBef>
+                  <a:buFont typeface="Arial" panose="020B0604020202020204" pitchFamily="34" charset="0"/>
+                  <a:buChar char="•"/>
+                  <a:defRPr sz="1800" kern="1200">
+                    <a:solidFill>
+                      <a:schemeClr val="tx1"/>
+                    </a:solidFill>
+                    <a:latin typeface="+mn-lt"/>
+                    <a:ea typeface="+mn-ea"/>
+                    <a:cs typeface="+mn-cs"/>
+                  </a:defRPr>
+                </a:lvl6pPr>
+                <a:lvl7pPr marL="2971800" indent="-228600" algn="l" defTabSz="914400" rtl="0" eaLnBrk="1" latinLnBrk="0" hangingPunct="1">
+                  <a:lnSpc>
+                    <a:spcPct val="90000"/>
+                  </a:lnSpc>
+                  <a:spcBef>
+                    <a:spcPts val="500"/>
+                  </a:spcBef>
+                  <a:buFont typeface="Arial" panose="020B0604020202020204" pitchFamily="34" charset="0"/>
+                  <a:buChar char="•"/>
+                  <a:defRPr sz="1800" kern="1200">
+                    <a:solidFill>
+                      <a:schemeClr val="tx1"/>
+                    </a:solidFill>
+                    <a:latin typeface="+mn-lt"/>
+                    <a:ea typeface="+mn-ea"/>
+                    <a:cs typeface="+mn-cs"/>
+                  </a:defRPr>
+                </a:lvl7pPr>
+                <a:lvl8pPr marL="3429000" indent="-228600" algn="l" defTabSz="914400" rtl="0" eaLnBrk="1" latinLnBrk="0" hangingPunct="1">
+                  <a:lnSpc>
+                    <a:spcPct val="90000"/>
+                  </a:lnSpc>
+                  <a:spcBef>
+                    <a:spcPts val="500"/>
+                  </a:spcBef>
+                  <a:buFont typeface="Arial" panose="020B0604020202020204" pitchFamily="34" charset="0"/>
+                  <a:buChar char="•"/>
+                  <a:defRPr sz="1800" kern="1200">
+                    <a:solidFill>
+                      <a:schemeClr val="tx1"/>
+                    </a:solidFill>
+                    <a:latin typeface="+mn-lt"/>
+                    <a:ea typeface="+mn-ea"/>
+                    <a:cs typeface="+mn-cs"/>
+                  </a:defRPr>
+                </a:lvl8pPr>
+                <a:lvl9pPr marL="3886200" indent="-228600" algn="l" defTabSz="914400" rtl="0" eaLnBrk="1" latinLnBrk="0" hangingPunct="1">
+                  <a:lnSpc>
+                    <a:spcPct val="90000"/>
+                  </a:lnSpc>
+                  <a:spcBef>
+                    <a:spcPts val="500"/>
+                  </a:spcBef>
+                  <a:buFont typeface="Arial" panose="020B0604020202020204" pitchFamily="34" charset="0"/>
+                  <a:buChar char="•"/>
+                  <a:defRPr sz="1800" kern="1200">
+                    <a:solidFill>
+                      <a:schemeClr val="tx1"/>
+                    </a:solidFill>
+                    <a:latin typeface="+mn-lt"/>
+                    <a:ea typeface="+mn-ea"/>
+                    <a:cs typeface="+mn-cs"/>
+                  </a:defRPr>
+                </a:lvl9pPr>
+              </a:lstStyle>
+              <a:p>
+                <a:pPr marL="0" indent="0">
+                  <a:buFont typeface="Arial" panose="020B0604020202020204" pitchFamily="34" charset="0"/>
+                  <a:buNone/>
+                </a:pPr>
+                <a:r>
+                  <a:rPr lang="ru-RU" dirty="0"/>
+                  <a:t>где:</a:t>
+                </a:r>
+              </a:p>
+              <a:p>
+                <a14:m>
+                  <m:oMath xmlns:m="http://schemas.openxmlformats.org/officeDocument/2006/math">
+                    <m:sSub>
+                      <m:sSubPr>
+                        <m:ctrlPr>
+                          <a:rPr lang="en-US" i="1">
+                            <a:latin typeface="Cambria Math" panose="02040503050406030204" pitchFamily="18" charset="0"/>
+                          </a:rPr>
+                        </m:ctrlPr>
+                      </m:sSubPr>
+                      <m:e>
+                        <m:r>
+                          <a:rPr lang="en-US" i="1">
+                            <a:latin typeface="Cambria Math" panose="02040503050406030204" pitchFamily="18" charset="0"/>
+                          </a:rPr>
+                          <m:t>𝑚</m:t>
+                        </m:r>
+                      </m:e>
+                      <m:sub>
+                        <m:r>
+                          <a:rPr lang="en-US" i="1">
+                            <a:latin typeface="Cambria Math" panose="02040503050406030204" pitchFamily="18" charset="0"/>
+                          </a:rPr>
+                          <m:t>𝑖</m:t>
+                        </m:r>
+                      </m:sub>
+                    </m:sSub>
+                  </m:oMath>
+                </a14:m>
+                <a:r>
+                  <a:rPr lang="ru-RU" dirty="0"/>
+                  <a:t> - весовой коэффициент </a:t>
+                </a:r>
+                <a:r>
+                  <a:rPr lang="en-US" dirty="0" err="1"/>
+                  <a:t>i</a:t>
+                </a:r>
+                <a:r>
+                  <a:rPr lang="en-US" dirty="0"/>
+                  <a:t>-</a:t>
+                </a:r>
+                <a:r>
+                  <a:rPr lang="ru-RU" dirty="0" err="1"/>
+                  <a:t>го</a:t>
+                </a:r>
+                <a:r>
+                  <a:rPr lang="ru-RU" dirty="0"/>
+                  <a:t> параметра</a:t>
+                </a:r>
+              </a:p>
+              <a:p>
+                <a14:m>
+                  <m:oMath xmlns:m="http://schemas.openxmlformats.org/officeDocument/2006/math">
+                    <m:sSub>
+                      <m:sSubPr>
+                        <m:ctrlPr>
+                          <a:rPr lang="en-US" i="1">
+                            <a:latin typeface="Cambria Math" panose="02040503050406030204" pitchFamily="18" charset="0"/>
+                          </a:rPr>
+                        </m:ctrlPr>
+                      </m:sSubPr>
+                      <m:e>
+                        <m:r>
+                          <a:rPr lang="en-US" i="1">
+                            <a:latin typeface="Cambria Math" panose="02040503050406030204" pitchFamily="18" charset="0"/>
+                          </a:rPr>
+                          <m:t>𝑞</m:t>
+                        </m:r>
+                      </m:e>
+                      <m:sub>
+                        <m:r>
+                          <a:rPr lang="en-US" i="1">
+                            <a:latin typeface="Cambria Math" panose="02040503050406030204" pitchFamily="18" charset="0"/>
+                          </a:rPr>
+                          <m:t>𝑖</m:t>
+                        </m:r>
+                      </m:sub>
+                    </m:sSub>
+                  </m:oMath>
+                </a14:m>
+                <a:r>
+                  <a:rPr lang="ru-RU" dirty="0"/>
+                  <a:t> - относительный показатель, оценивающий </a:t>
+                </a:r>
+                <a:r>
+                  <a:rPr lang="en-US" dirty="0" err="1"/>
+                  <a:t>i</a:t>
+                </a:r>
+                <a:r>
+                  <a:rPr lang="ru-RU" dirty="0"/>
+                  <a:t>-й параметр</a:t>
+                </a:r>
+              </a:p>
+            </p:txBody>
+          </p:sp>
+        </mc:Choice>
+        <mc:Fallback xmlns="">
+          <p:sp>
+            <p:nvSpPr>
+              <p:cNvPr id="5" name="Объект 2">
+                <a:extLst>
+                  <a:ext uri="{FF2B5EF4-FFF2-40B4-BE49-F238E27FC236}">
+                    <a16:creationId xmlns:a16="http://schemas.microsoft.com/office/drawing/2014/main" id="{953F15E5-7747-4152-83F3-5E15E7C9018E}"/>
+                  </a:ext>
+                </a:extLst>
+              </p:cNvPr>
+              <p:cNvSpPr txBox="1">
+                <a:spLocks noRot="1" noChangeAspect="1" noMove="1" noResize="1" noEditPoints="1" noAdjustHandles="1" noChangeArrowheads="1" noChangeShapeType="1" noTextEdit="1"/>
+              </p:cNvSpPr>
+              <p:nvPr/>
+            </p:nvSpPr>
+            <p:spPr>
+              <a:xfrm>
+                <a:off x="1046695" y="4323444"/>
+                <a:ext cx="10515600" cy="1963056"/>
+              </a:xfrm>
+              <a:prstGeom prst="rect">
+                <a:avLst/>
+              </a:prstGeom>
+              <a:blipFill>
+                <a:blip r:embed="rId3"/>
+                <a:stretch>
+                  <a:fillRect l="-1217" t="-4969"/>
+                </a:stretch>
+              </a:blipFill>
+            </p:spPr>
+            <p:txBody>
+              <a:bodyPr/>
+              <a:lstStyle/>
+              <a:p>
+                <a:r>
+                  <a:rPr lang="ru-RU">
+                    <a:noFill/>
+                  </a:rPr>
+                  <a:t> </a:t>
+                </a:r>
+              </a:p>
+            </p:txBody>
+          </p:sp>
+        </mc:Fallback>
+      </mc:AlternateContent>
+    </p:spTree>
+    <p:extLst>
+      <p:ext uri="{BB962C8B-B14F-4D97-AF65-F5344CB8AC3E}">
+        <p14:creationId xmlns:p14="http://schemas.microsoft.com/office/powerpoint/2010/main" val="930911644"/>
+      </p:ext>
+    </p:extLst>
+  </p:cSld>
+  <p:clrMapOvr>
+    <a:masterClrMapping/>
+  </p:clrMapOvr>
+</p:sld>
+</file>
+
+<file path=ppt/slides/slide12.xml><?xml version="1.0" encoding="utf-8"?>
+<p:sld xmlns:a="http://schemas.openxmlformats.org/drawingml/2006/main" xmlns:r="http://schemas.openxmlformats.org/officeDocument/2006/relationships" xmlns:p="http://schemas.openxmlformats.org/presentationml/2006/main">
+  <p:cSld>
+    <p:spTree>
+      <p:nvGrpSpPr>
+        <p:cNvPr id="1" name=""/>
+        <p:cNvGrpSpPr/>
+        <p:nvPr/>
+      </p:nvGrpSpPr>
+      <p:grpSpPr>
+        <a:xfrm>
+          <a:off x="0" y="0"/>
+          <a:ext cx="0" cy="0"/>
+          <a:chOff x="0" y="0"/>
+          <a:chExt cx="0" cy="0"/>
+        </a:xfrm>
+      </p:grpSpPr>
+      <p:sp>
+        <p:nvSpPr>
+          <p:cNvPr id="2" name="Заголовок 1">
+            <a:extLst>
+              <a:ext uri="{FF2B5EF4-FFF2-40B4-BE49-F238E27FC236}">
+                <a16:creationId xmlns:a16="http://schemas.microsoft.com/office/drawing/2014/main" id="{93379E43-C01C-4C9A-B1A2-87338A164636}"/>
+              </a:ext>
+            </a:extLst>
+          </p:cNvPr>
+          <p:cNvSpPr>
+            <a:spLocks noGrp="1"/>
+          </p:cNvSpPr>
+          <p:nvPr>
+            <p:ph type="title"/>
+          </p:nvPr>
+        </p:nvSpPr>
+        <p:spPr/>
+        <p:txBody>
+          <a:bodyPr/>
+          <a:lstStyle/>
+          <a:p>
+            <a:r>
+              <a:rPr lang="ru-RU" dirty="0"/>
+              <a:t>Рейтинг поставщиков</a:t>
+            </a:r>
+          </a:p>
+        </p:txBody>
+      </p:sp>
+      <p:graphicFrame>
+        <p:nvGraphicFramePr>
+          <p:cNvPr id="4" name="Таблица 3">
+            <a:extLst>
+              <a:ext uri="{FF2B5EF4-FFF2-40B4-BE49-F238E27FC236}">
+                <a16:creationId xmlns:a16="http://schemas.microsoft.com/office/drawing/2014/main" id="{BF023983-AEDD-4F42-9067-6BDA76C5A363}"/>
+              </a:ext>
+            </a:extLst>
+          </p:cNvPr>
+          <p:cNvGraphicFramePr>
+            <a:graphicFrameLocks noGrp="1"/>
+          </p:cNvGraphicFramePr>
+          <p:nvPr>
+            <p:extLst>
+              <p:ext uri="{D42A27DB-BD31-4B8C-83A1-F6EECF244321}">
+                <p14:modId xmlns:p14="http://schemas.microsoft.com/office/powerpoint/2010/main" val="4004497327"/>
+              </p:ext>
+            </p:extLst>
+          </p:nvPr>
+        </p:nvGraphicFramePr>
+        <p:xfrm>
+          <a:off x="4667250" y="2451282"/>
+          <a:ext cx="2857500" cy="1955436"/>
+        </p:xfrm>
+        <a:graphic>
+          <a:graphicData uri="http://schemas.openxmlformats.org/drawingml/2006/table">
+            <a:tbl>
+              <a:tblPr>
+                <a:tableStyleId>{5940675A-B579-460E-94D1-54222C63F5DA}</a:tableStyleId>
+              </a:tblPr>
+              <a:tblGrid>
+                <a:gridCol w="1428750">
+                  <a:extLst>
+                    <a:ext uri="{9D8B030D-6E8A-4147-A177-3AD203B41FA5}">
+                      <a16:colId xmlns:a16="http://schemas.microsoft.com/office/drawing/2014/main" val="4214535899"/>
+                    </a:ext>
+                  </a:extLst>
+                </a:gridCol>
+                <a:gridCol w="1428750">
+                  <a:extLst>
+                    <a:ext uri="{9D8B030D-6E8A-4147-A177-3AD203B41FA5}">
+                      <a16:colId xmlns:a16="http://schemas.microsoft.com/office/drawing/2014/main" val="1951055687"/>
+                    </a:ext>
+                  </a:extLst>
+                </a:gridCol>
+              </a:tblGrid>
+              <a:tr h="448051">
+                <a:tc>
+                  <a:txBody>
+                    <a:bodyPr/>
+                    <a:lstStyle/>
+                    <a:p>
+                      <a:pPr algn="ctr" fontAlgn="ctr"/>
+                      <a:r>
+                        <a:rPr lang="ru-RU" sz="1000" b="1" u="none" strike="noStrike" dirty="0">
+                          <a:effectLst/>
+                        </a:rPr>
+                        <a:t>Название</a:t>
+                      </a:r>
+                      <a:endParaRPr lang="ru-RU" sz="1000" b="1" i="0" u="none" strike="noStrike" dirty="0">
+                        <a:solidFill>
+                          <a:srgbClr val="000000"/>
+                        </a:solidFill>
+                        <a:effectLst/>
+                        <a:latin typeface="Calibri" panose="020F0502020204030204" pitchFamily="34" charset="0"/>
+                      </a:endParaRPr>
+                    </a:p>
+                  </a:txBody>
+                  <a:tcPr marL="8328" marR="8328" marT="8328" marB="0" anchor="ctr">
+                    <a:solidFill>
+                      <a:schemeClr val="bg2">
+                        <a:lumMod val="90000"/>
+                      </a:schemeClr>
+                    </a:solidFill>
+                  </a:tcPr>
+                </a:tc>
+                <a:tc>
+                  <a:txBody>
+                    <a:bodyPr/>
+                    <a:lstStyle/>
+                    <a:p>
+                      <a:pPr algn="ctr" fontAlgn="ctr"/>
+                      <a:r>
+                        <a:rPr lang="ru-RU" sz="1000" b="1" i="0" u="none" strike="noStrike" dirty="0">
+                          <a:solidFill>
+                            <a:srgbClr val="000000"/>
+                          </a:solidFill>
+                          <a:effectLst/>
+                          <a:latin typeface="Calibri" panose="020F0502020204030204" pitchFamily="34" charset="0"/>
+                        </a:rPr>
+                        <a:t>Рейтинг</a:t>
+                      </a:r>
+                    </a:p>
+                  </a:txBody>
+                  <a:tcPr marL="8328" marR="8328" marT="8328" marB="0" anchor="ctr">
+                    <a:solidFill>
+                      <a:schemeClr val="bg2">
+                        <a:lumMod val="90000"/>
+                      </a:schemeClr>
+                    </a:solidFill>
+                  </a:tcPr>
+                </a:tc>
+                <a:extLst>
+                  <a:ext uri="{0D108BD9-81ED-4DB2-BD59-A6C34878D82A}">
+                    <a16:rowId xmlns:a16="http://schemas.microsoft.com/office/drawing/2014/main" val="3682139841"/>
+                  </a:ext>
+                </a:extLst>
+              </a:tr>
+              <a:tr h="301477">
+                <a:tc>
+                  <a:txBody>
+                    <a:bodyPr/>
+                    <a:lstStyle/>
+                    <a:p>
+                      <a:pPr algn="ctr" fontAlgn="b"/>
+                      <a:r>
+                        <a:rPr lang="ru-RU" sz="1000" i="0" u="none" strike="noStrike" dirty="0">
+                          <a:effectLst/>
+                        </a:rPr>
+                        <a:t>Северсталь, ПАО</a:t>
+                      </a:r>
+                      <a:endParaRPr lang="ru-RU" sz="1000" b="0" i="0" u="none" strike="noStrike" dirty="0">
+                        <a:solidFill>
+                          <a:srgbClr val="000000"/>
+                        </a:solidFill>
+                        <a:effectLst/>
+                        <a:latin typeface="Calibri" panose="020F0502020204030204" pitchFamily="34" charset="0"/>
+                      </a:endParaRPr>
+                    </a:p>
+                  </a:txBody>
+                  <a:tcPr marL="8328" marR="8328" marT="8328" marB="0" anchor="ctr">
+                    <a:solidFill>
+                      <a:schemeClr val="accent6">
+                        <a:lumMod val="60000"/>
+                        <a:lumOff val="40000"/>
+                      </a:schemeClr>
+                    </a:solidFill>
+                  </a:tcPr>
+                </a:tc>
+                <a:tc>
+                  <a:txBody>
+                    <a:bodyPr/>
+                    <a:lstStyle/>
+                    <a:p>
+                      <a:pPr algn="ctr" fontAlgn="b"/>
+                      <a:r>
+                        <a:rPr lang="ru-RU" sz="1000" b="0" i="0" u="none" strike="noStrike" dirty="0">
+                          <a:solidFill>
+                            <a:srgbClr val="000000"/>
+                          </a:solidFill>
+                          <a:effectLst/>
+                          <a:latin typeface="Calibri" panose="020F0502020204030204" pitchFamily="34" charset="0"/>
+                        </a:rPr>
+                        <a:t>8,02</a:t>
+                      </a:r>
+                    </a:p>
+                  </a:txBody>
+                  <a:tcPr marL="8328" marR="8328" marT="8328" marB="0" anchor="ctr">
+                    <a:solidFill>
+                      <a:schemeClr val="accent6">
+                        <a:lumMod val="60000"/>
+                        <a:lumOff val="40000"/>
+                      </a:schemeClr>
+                    </a:solidFill>
+                  </a:tcPr>
+                </a:tc>
+                <a:extLst>
+                  <a:ext uri="{0D108BD9-81ED-4DB2-BD59-A6C34878D82A}">
+                    <a16:rowId xmlns:a16="http://schemas.microsoft.com/office/drawing/2014/main" val="859061166"/>
+                  </a:ext>
+                </a:extLst>
+              </a:tr>
+              <a:tr h="301477">
+                <a:tc>
+                  <a:txBody>
+                    <a:bodyPr/>
+                    <a:lstStyle/>
+                    <a:p>
+                      <a:pPr algn="ctr" fontAlgn="b"/>
+                      <a:r>
+                        <a:rPr lang="ru-RU" sz="1000" u="none" strike="noStrike" dirty="0" err="1">
+                          <a:effectLst/>
+                        </a:rPr>
+                        <a:t>Волгопромтранс</a:t>
+                      </a:r>
+                      <a:r>
+                        <a:rPr lang="ru-RU" sz="1000" u="none" strike="noStrike" dirty="0">
+                          <a:effectLst/>
+                        </a:rPr>
+                        <a:t>, ООО</a:t>
+                      </a:r>
+                      <a:endParaRPr lang="ru-RU" sz="1000" b="0" i="0" u="none" strike="noStrike" dirty="0">
+                        <a:solidFill>
+                          <a:srgbClr val="000000"/>
+                        </a:solidFill>
+                        <a:effectLst/>
+                        <a:latin typeface="Calibri" panose="020F0502020204030204" pitchFamily="34" charset="0"/>
+                      </a:endParaRPr>
+                    </a:p>
+                  </a:txBody>
+                  <a:tcPr marL="8328" marR="8328" marT="8328" marB="0" anchor="ctr"/>
+                </a:tc>
+                <a:tc>
+                  <a:txBody>
+                    <a:bodyPr/>
+                    <a:lstStyle/>
+                    <a:p>
+                      <a:pPr algn="ctr" fontAlgn="b"/>
+                      <a:r>
+                        <a:rPr lang="en-US" sz="1000" b="0" i="0" u="none" strike="noStrike" dirty="0">
+                          <a:solidFill>
+                            <a:srgbClr val="000000"/>
+                          </a:solidFill>
+                          <a:effectLst/>
+                          <a:latin typeface="Calibri" panose="020F0502020204030204" pitchFamily="34" charset="0"/>
+                        </a:rPr>
+                        <a:t>4,8</a:t>
+                      </a:r>
+                      <a:endParaRPr lang="ru-RU" sz="1000" b="0" i="0" u="none" strike="noStrike" dirty="0">
+                        <a:solidFill>
+                          <a:srgbClr val="000000"/>
+                        </a:solidFill>
+                        <a:effectLst/>
+                        <a:latin typeface="Calibri" panose="020F0502020204030204" pitchFamily="34" charset="0"/>
+                      </a:endParaRPr>
+                    </a:p>
+                  </a:txBody>
+                  <a:tcPr marL="8328" marR="8328" marT="8328" marB="0" anchor="ctr"/>
+                </a:tc>
+                <a:extLst>
+                  <a:ext uri="{0D108BD9-81ED-4DB2-BD59-A6C34878D82A}">
+                    <a16:rowId xmlns:a16="http://schemas.microsoft.com/office/drawing/2014/main" val="2294087103"/>
+                  </a:ext>
+                </a:extLst>
+              </a:tr>
+              <a:tr h="301477">
+                <a:tc>
+                  <a:txBody>
+                    <a:bodyPr/>
+                    <a:lstStyle/>
+                    <a:p>
+                      <a:pPr algn="ctr" fontAlgn="b"/>
+                      <a:r>
+                        <a:rPr lang="ru-RU" sz="1000" u="none" strike="noStrike" dirty="0" err="1">
+                          <a:effectLst/>
+                        </a:rPr>
+                        <a:t>Промресурссервис</a:t>
+                      </a:r>
+                      <a:r>
+                        <a:rPr lang="ru-RU" sz="1000" u="none" strike="noStrike" dirty="0">
+                          <a:effectLst/>
+                        </a:rPr>
+                        <a:t>, ООО</a:t>
+                      </a:r>
+                      <a:endParaRPr lang="ru-RU" sz="1000" b="0" i="0" u="none" strike="noStrike" dirty="0">
+                        <a:solidFill>
+                          <a:srgbClr val="000000"/>
+                        </a:solidFill>
+                        <a:effectLst/>
+                        <a:latin typeface="Calibri" panose="020F0502020204030204" pitchFamily="34" charset="0"/>
+                      </a:endParaRPr>
+                    </a:p>
+                  </a:txBody>
+                  <a:tcPr marL="8328" marR="8328" marT="8328" marB="0" anchor="ctr"/>
+                </a:tc>
+                <a:tc>
+                  <a:txBody>
+                    <a:bodyPr/>
+                    <a:lstStyle/>
+                    <a:p>
+                      <a:pPr algn="ctr" fontAlgn="b"/>
+                      <a:r>
+                        <a:rPr lang="en-US" sz="1000" b="0" i="0" u="none" strike="noStrike" dirty="0">
+                          <a:solidFill>
+                            <a:srgbClr val="000000"/>
+                          </a:solidFill>
+                          <a:effectLst/>
+                          <a:latin typeface="Calibri" panose="020F0502020204030204" pitchFamily="34" charset="0"/>
+                        </a:rPr>
+                        <a:t>2,18</a:t>
+                      </a:r>
+                      <a:endParaRPr lang="ru-RU" sz="1000" b="0" i="0" u="none" strike="noStrike" dirty="0">
+                        <a:solidFill>
+                          <a:srgbClr val="000000"/>
+                        </a:solidFill>
+                        <a:effectLst/>
+                        <a:latin typeface="Calibri" panose="020F0502020204030204" pitchFamily="34" charset="0"/>
+                      </a:endParaRPr>
+                    </a:p>
+                  </a:txBody>
+                  <a:tcPr marL="8328" marR="8328" marT="8328" marB="0" anchor="ctr"/>
+                </a:tc>
+                <a:extLst>
+                  <a:ext uri="{0D108BD9-81ED-4DB2-BD59-A6C34878D82A}">
+                    <a16:rowId xmlns:a16="http://schemas.microsoft.com/office/drawing/2014/main" val="182771861"/>
+                  </a:ext>
+                </a:extLst>
+              </a:tr>
+              <a:tr h="301477">
+                <a:tc>
+                  <a:txBody>
+                    <a:bodyPr/>
+                    <a:lstStyle/>
+                    <a:p>
+                      <a:pPr algn="ctr" fontAlgn="b"/>
+                      <a:r>
+                        <a:rPr lang="ru-RU" sz="1000" u="none" strike="noStrike" dirty="0">
+                          <a:effectLst/>
+                        </a:rPr>
+                        <a:t>ГК "</a:t>
+                      </a:r>
+                      <a:r>
+                        <a:rPr lang="ru-RU" sz="1000" u="none" strike="noStrike" dirty="0" err="1">
+                          <a:effectLst/>
+                        </a:rPr>
+                        <a:t>Техмаш</a:t>
+                      </a:r>
+                      <a:r>
+                        <a:rPr lang="ru-RU" sz="1000" u="none" strike="noStrike" dirty="0">
+                          <a:effectLst/>
+                        </a:rPr>
+                        <a:t>", ООО</a:t>
+                      </a:r>
+                      <a:endParaRPr lang="ru-RU" sz="1000" b="0" i="0" u="none" strike="noStrike" dirty="0">
+                        <a:solidFill>
+                          <a:srgbClr val="000000"/>
+                        </a:solidFill>
+                        <a:effectLst/>
+                        <a:latin typeface="Calibri" panose="020F0502020204030204" pitchFamily="34" charset="0"/>
+                      </a:endParaRPr>
+                    </a:p>
+                  </a:txBody>
+                  <a:tcPr marL="8328" marR="8328" marT="8328" marB="0" anchor="ctr"/>
+                </a:tc>
+                <a:tc>
+                  <a:txBody>
+                    <a:bodyPr/>
+                    <a:lstStyle/>
+                    <a:p>
+                      <a:pPr algn="ctr" fontAlgn="b"/>
+                      <a:r>
+                        <a:rPr lang="en-US" sz="1000" b="0" i="0" u="none" strike="noStrike" dirty="0">
+                          <a:solidFill>
+                            <a:srgbClr val="000000"/>
+                          </a:solidFill>
+                          <a:effectLst/>
+                          <a:latin typeface="Calibri" panose="020F0502020204030204" pitchFamily="34" charset="0"/>
+                        </a:rPr>
+                        <a:t>1,43</a:t>
+                      </a:r>
+                      <a:endParaRPr lang="ru-RU" sz="1000" b="0" i="0" u="none" strike="noStrike" dirty="0">
+                        <a:solidFill>
+                          <a:srgbClr val="000000"/>
+                        </a:solidFill>
+                        <a:effectLst/>
+                        <a:latin typeface="Calibri" panose="020F0502020204030204" pitchFamily="34" charset="0"/>
+                      </a:endParaRPr>
+                    </a:p>
+                  </a:txBody>
+                  <a:tcPr marL="8328" marR="8328" marT="8328" marB="0" anchor="ctr"/>
+                </a:tc>
+                <a:extLst>
+                  <a:ext uri="{0D108BD9-81ED-4DB2-BD59-A6C34878D82A}">
+                    <a16:rowId xmlns:a16="http://schemas.microsoft.com/office/drawing/2014/main" val="2760606698"/>
+                  </a:ext>
+                </a:extLst>
+              </a:tr>
+              <a:tr h="301477">
+                <a:tc>
+                  <a:txBody>
+                    <a:bodyPr/>
+                    <a:lstStyle/>
+                    <a:p>
+                      <a:pPr algn="ctr" fontAlgn="b"/>
+                      <a:r>
+                        <a:rPr lang="ru-RU" sz="1000" u="none" strike="noStrike" dirty="0">
+                          <a:effectLst/>
+                        </a:rPr>
+                        <a:t>ТД "РТИ", ООО</a:t>
+                      </a:r>
+                      <a:endParaRPr lang="ru-RU" sz="1000" b="0" i="0" u="none" strike="noStrike" dirty="0">
+                        <a:solidFill>
+                          <a:srgbClr val="000000"/>
+                        </a:solidFill>
+                        <a:effectLst/>
+                        <a:latin typeface="Calibri" panose="020F0502020204030204" pitchFamily="34" charset="0"/>
+                      </a:endParaRPr>
+                    </a:p>
+                  </a:txBody>
+                  <a:tcPr marL="8328" marR="8328" marT="8328" marB="0" anchor="ctr"/>
+                </a:tc>
+                <a:tc>
+                  <a:txBody>
+                    <a:bodyPr/>
+                    <a:lstStyle/>
+                    <a:p>
+                      <a:pPr algn="ctr" fontAlgn="b"/>
+                      <a:r>
+                        <a:rPr lang="en-US" sz="1000" b="0" i="0" u="none" strike="noStrike" dirty="0">
+                          <a:solidFill>
+                            <a:srgbClr val="000000"/>
+                          </a:solidFill>
+                          <a:effectLst/>
+                          <a:latin typeface="Calibri" panose="020F0502020204030204" pitchFamily="34" charset="0"/>
+                        </a:rPr>
+                        <a:t>1,51</a:t>
+                      </a:r>
+                      <a:endParaRPr lang="ru-RU" sz="1000" b="0" i="0" u="none" strike="noStrike" dirty="0">
+                        <a:solidFill>
+                          <a:srgbClr val="000000"/>
+                        </a:solidFill>
+                        <a:effectLst/>
+                        <a:latin typeface="Calibri" panose="020F0502020204030204" pitchFamily="34" charset="0"/>
+                      </a:endParaRPr>
+                    </a:p>
+                  </a:txBody>
+                  <a:tcPr marL="8328" marR="8328" marT="8328" marB="0" anchor="ctr"/>
+                </a:tc>
+                <a:extLst>
+                  <a:ext uri="{0D108BD9-81ED-4DB2-BD59-A6C34878D82A}">
+                    <a16:rowId xmlns:a16="http://schemas.microsoft.com/office/drawing/2014/main" val="3727101230"/>
+                  </a:ext>
+                </a:extLst>
+              </a:tr>
+            </a:tbl>
+          </a:graphicData>
+        </a:graphic>
+      </p:graphicFrame>
+      <p:sp>
+        <p:nvSpPr>
+          <p:cNvPr id="5" name="TextBox 4">
+            <a:extLst>
+              <a:ext uri="{FF2B5EF4-FFF2-40B4-BE49-F238E27FC236}">
+                <a16:creationId xmlns:a16="http://schemas.microsoft.com/office/drawing/2014/main" id="{D3E2C668-1F92-4A23-866C-B06A0B03B618}"/>
+              </a:ext>
+            </a:extLst>
+          </p:cNvPr>
+          <p:cNvSpPr txBox="1"/>
+          <p:nvPr/>
+        </p:nvSpPr>
+        <p:spPr>
+          <a:xfrm>
+            <a:off x="838200" y="1645444"/>
+            <a:ext cx="6981825" cy="369332"/>
+          </a:xfrm>
+          <a:prstGeom prst="rect">
+            <a:avLst/>
+          </a:prstGeom>
+          <a:noFill/>
+        </p:spPr>
+        <p:txBody>
+          <a:bodyPr wrap="square" rtlCol="0">
+            <a:spAutoFit/>
+          </a:bodyPr>
+          <a:lstStyle/>
+          <a:p>
+            <a:r>
+              <a:rPr lang="ru-RU" dirty="0"/>
+              <a:t>В результате расчетов получили следующие результаты:</a:t>
+            </a:r>
+          </a:p>
+        </p:txBody>
+      </p:sp>
+      <p:sp>
+        <p:nvSpPr>
+          <p:cNvPr id="6" name="TextBox 5">
+            <a:extLst>
+              <a:ext uri="{FF2B5EF4-FFF2-40B4-BE49-F238E27FC236}">
+                <a16:creationId xmlns:a16="http://schemas.microsoft.com/office/drawing/2014/main" id="{B64E6EED-7B3C-41FD-BF16-F7E07C7826C7}"/>
+              </a:ext>
+            </a:extLst>
+          </p:cNvPr>
+          <p:cNvSpPr txBox="1"/>
+          <p:nvPr/>
+        </p:nvSpPr>
+        <p:spPr>
+          <a:xfrm>
+            <a:off x="838199" y="4843224"/>
+            <a:ext cx="10163176" cy="1754326"/>
+          </a:xfrm>
+          <a:prstGeom prst="rect">
+            <a:avLst/>
+          </a:prstGeom>
+          <a:noFill/>
+        </p:spPr>
+        <p:txBody>
+          <a:bodyPr wrap="square" rtlCol="0">
+            <a:spAutoFit/>
+          </a:bodyPr>
+          <a:lstStyle/>
+          <a:p>
+            <a:r>
+              <a:rPr lang="ru-RU" dirty="0"/>
+              <a:t>Таким образом, делаем вывод, что наиболее предпочтительным поставщиком является «</a:t>
+            </a:r>
+            <a:r>
+              <a:rPr lang="ru-RU" dirty="0" err="1"/>
+              <a:t>Волгопромтранс</a:t>
+            </a:r>
+            <a:r>
+              <a:rPr lang="ru-RU" dirty="0"/>
+              <a:t>, ООО»</a:t>
+            </a:r>
+          </a:p>
+          <a:p>
+            <a:endParaRPr lang="ru-RU" dirty="0"/>
+          </a:p>
+          <a:p>
+            <a:r>
+              <a:rPr lang="ru-RU" dirty="0"/>
+              <a:t>Программа выводит результаты ранжирования без Северстали, но её учет при вычислениях дает объективную оценку поставщику относительно рынка, так как параметры для Северстали едины во всех циклах</a:t>
+            </a:r>
+          </a:p>
+        </p:txBody>
+      </p:sp>
+    </p:spTree>
+    <p:extLst>
+      <p:ext uri="{BB962C8B-B14F-4D97-AF65-F5344CB8AC3E}">
+        <p14:creationId xmlns:p14="http://schemas.microsoft.com/office/powerpoint/2010/main" val="2297616284"/>
+      </p:ext>
+    </p:extLst>
+  </p:cSld>
+  <p:clrMapOvr>
+    <a:masterClrMapping/>
+  </p:clrMapOvr>
+</p:sld>
+</file>
+
+<file path=ppt/slides/slide2.xml><?xml version="1.0" encoding="utf-8"?>
+<p:sld xmlns:a="http://schemas.openxmlformats.org/drawingml/2006/main" xmlns:r="http://schemas.openxmlformats.org/officeDocument/2006/relationships" xmlns:p="http://schemas.openxmlformats.org/presentationml/2006/main">
+  <p:cSld>
+    <p:spTree>
+      <p:nvGrpSpPr>
+        <p:cNvPr id="1" name=""/>
+        <p:cNvGrpSpPr/>
+        <p:nvPr/>
+      </p:nvGrpSpPr>
+      <p:grpSpPr>
+        <a:xfrm>
+          <a:off x="0" y="0"/>
+          <a:ext cx="0" cy="0"/>
+          <a:chOff x="0" y="0"/>
+          <a:chExt cx="0" cy="0"/>
+        </a:xfrm>
+      </p:grpSpPr>
+      <p:sp>
+        <p:nvSpPr>
+          <p:cNvPr id="2" name="Заголовок 1">
+            <a:extLst>
+              <a:ext uri="{FF2B5EF4-FFF2-40B4-BE49-F238E27FC236}">
+                <a16:creationId xmlns:a16="http://schemas.microsoft.com/office/drawing/2014/main" id="{93CF1DFC-21A7-464E-A209-F01731C559DC}"/>
+              </a:ext>
+            </a:extLst>
+          </p:cNvPr>
+          <p:cNvSpPr>
+            <a:spLocks noGrp="1"/>
+          </p:cNvSpPr>
+          <p:nvPr>
+            <p:ph type="title"/>
+          </p:nvPr>
+        </p:nvSpPr>
+        <p:spPr/>
+        <p:txBody>
+          <a:bodyPr/>
+          <a:lstStyle/>
+          <a:p>
+            <a:r>
+              <a:rPr lang="ru-RU" dirty="0"/>
+              <a:t>Обработка строки </a:t>
+            </a:r>
+            <a:r>
+              <a:rPr lang="en-US" dirty="0"/>
+              <a:t>Excel</a:t>
+            </a:r>
+            <a:endParaRPr lang="ru-RU" dirty="0"/>
+          </a:p>
+        </p:txBody>
+      </p:sp>
+      <p:pic>
+        <p:nvPicPr>
+          <p:cNvPr id="4" name="Рисунок 3">
+            <a:extLst>
+              <a:ext uri="{FF2B5EF4-FFF2-40B4-BE49-F238E27FC236}">
+                <a16:creationId xmlns:a16="http://schemas.microsoft.com/office/drawing/2014/main" id="{1E2CB0EB-BC97-4074-B12D-706B0406B3E0}"/>
+              </a:ext>
+            </a:extLst>
+          </p:cNvPr>
+          <p:cNvPicPr>
+            <a:picLocks noChangeAspect="1"/>
+          </p:cNvPicPr>
+          <p:nvPr/>
+        </p:nvPicPr>
+        <p:blipFill>
+          <a:blip r:embed="rId2"/>
+          <a:stretch>
+            <a:fillRect/>
+          </a:stretch>
+        </p:blipFill>
+        <p:spPr>
+          <a:xfrm>
+            <a:off x="3636123" y="2471762"/>
+            <a:ext cx="5057776" cy="3588000"/>
+          </a:xfrm>
+          <a:prstGeom prst="rect">
+            <a:avLst/>
+          </a:prstGeom>
+        </p:spPr>
+      </p:pic>
+    </p:spTree>
+    <p:extLst>
+      <p:ext uri="{BB962C8B-B14F-4D97-AF65-F5344CB8AC3E}">
+        <p14:creationId xmlns:p14="http://schemas.microsoft.com/office/powerpoint/2010/main" val="2939560865"/>
+      </p:ext>
+    </p:extLst>
+  </p:cSld>
+  <p:clrMapOvr>
+    <a:masterClrMapping/>
+  </p:clrMapOvr>
+</p:sld>
+</file>
+
 <file path=ppt/slides/slide3.xml><?xml version="1.0" encoding="utf-8"?>
 <p:sld xmlns:a="http://schemas.openxmlformats.org/drawingml/2006/main" xmlns:r="http://schemas.openxmlformats.org/officeDocument/2006/relationships" xmlns:p="http://schemas.openxmlformats.org/presentationml/2006/main">
   <p:cSld>
@@ -3514,7 +6765,7 @@
           <p:cNvPr id="2" name="Заголовок 1">
             <a:extLst>
               <a:ext uri="{FF2B5EF4-FFF2-40B4-BE49-F238E27FC236}">
-                <a16:creationId xmlns:a16="http://schemas.microsoft.com/office/drawing/2014/main" id="{6588E37B-F155-4E8C-A6A1-5EC412E8EF0F}"/>
+                <a16:creationId xmlns:a16="http://schemas.microsoft.com/office/drawing/2014/main" id="{E1E2AE78-0765-42C5-AE1E-48FD8A3B7B24}"/>
               </a:ext>
             </a:extLst>
           </p:cNvPr>
@@ -3525,29 +6776,29 @@
             <p:ph type="title"/>
           </p:nvPr>
         </p:nvSpPr>
-        <p:spPr/>
+        <p:spPr>
+          <a:xfrm>
+            <a:off x="251603" y="0"/>
+            <a:ext cx="10515600" cy="1325563"/>
+          </a:xfrm>
+        </p:spPr>
         <p:txBody>
           <a:bodyPr/>
           <a:lstStyle/>
           <a:p>
             <a:r>
               <a:rPr lang="ru-RU" dirty="0"/>
-              <a:t>Обработка одного товара из </a:t>
+              <a:t>Проверка является ли сайт магазином</a:t>
             </a:r>
-            <a:r>
-              <a:rPr lang="en-US" dirty="0"/>
-              <a:t>Excel</a:t>
-            </a:r>
-            <a:endParaRPr lang="ru-RU" dirty="0"/>
           </a:p>
         </p:txBody>
       </p:sp>
       <p:pic>
         <p:nvPicPr>
-          <p:cNvPr id="6" name="Рисунок 5">
+          <p:cNvPr id="4" name="Рисунок 3">
             <a:extLst>
               <a:ext uri="{FF2B5EF4-FFF2-40B4-BE49-F238E27FC236}">
-                <a16:creationId xmlns:a16="http://schemas.microsoft.com/office/drawing/2014/main" id="{6CDAB902-6E4D-4329-A5B6-30E49A99B9ED}"/>
+                <a16:creationId xmlns:a16="http://schemas.microsoft.com/office/drawing/2014/main" id="{42A01931-68F5-421C-8562-7DAEB8899DD8}"/>
               </a:ext>
             </a:extLst>
           </p:cNvPr>
@@ -3564,8 +6815,8 @@
         </p:blipFill>
         <p:spPr>
           <a:xfrm>
-            <a:off x="3567112" y="2290607"/>
-            <a:ext cx="5057776" cy="3588000"/>
+            <a:off x="3497419" y="1078302"/>
+            <a:ext cx="4847122" cy="5753846"/>
           </a:xfrm>
           <a:prstGeom prst="rect">
             <a:avLst/>
@@ -3575,7 +6826,7 @@
     </p:spTree>
     <p:extLst>
       <p:ext uri="{BB962C8B-B14F-4D97-AF65-F5344CB8AC3E}">
-        <p14:creationId xmlns:p14="http://schemas.microsoft.com/office/powerpoint/2010/main" val="1967455130"/>
+        <p14:creationId xmlns:p14="http://schemas.microsoft.com/office/powerpoint/2010/main" val="1539080105"/>
       </p:ext>
     </p:extLst>
   </p:cSld>
@@ -3607,7 +6858,7 @@
           <p:cNvPr id="2" name="Заголовок 1">
             <a:extLst>
               <a:ext uri="{FF2B5EF4-FFF2-40B4-BE49-F238E27FC236}">
-                <a16:creationId xmlns:a16="http://schemas.microsoft.com/office/drawing/2014/main" id="{B4970910-B80F-4822-A3C0-6EC973811151}"/>
+                <a16:creationId xmlns:a16="http://schemas.microsoft.com/office/drawing/2014/main" id="{155CCF54-FAFF-4250-9784-99F4BA79EA5F}"/>
               </a:ext>
             </a:extLst>
           </p:cNvPr>
@@ -3618,38 +6869,10 @@
             <p:ph type="title"/>
           </p:nvPr>
         </p:nvSpPr>
-        <p:spPr/>
-        <p:txBody>
-          <a:bodyPr/>
-          <a:lstStyle/>
-          <a:p>
-            <a:r>
-              <a:rPr lang="ru-RU" dirty="0"/>
-              <a:t>Проверка является ли сайт магазином</a:t>
-            </a:r>
-          </a:p>
-        </p:txBody>
-      </p:sp>
-      <p:sp>
-        <p:nvSpPr>
-          <p:cNvPr id="4" name="Объект 2">
-            <a:extLst>
-              <a:ext uri="{FF2B5EF4-FFF2-40B4-BE49-F238E27FC236}">
-                <a16:creationId xmlns:a16="http://schemas.microsoft.com/office/drawing/2014/main" id="{734866BF-6310-492A-A530-853DE5642B6E}"/>
-              </a:ext>
-            </a:extLst>
-          </p:cNvPr>
-          <p:cNvSpPr>
-            <a:spLocks noGrp="1"/>
-          </p:cNvSpPr>
-          <p:nvPr>
-            <p:ph idx="1"/>
-          </p:nvPr>
-        </p:nvSpPr>
         <p:spPr>
           <a:xfrm>
-            <a:off x="838200" y="1825625"/>
-            <a:ext cx="10515600" cy="4351338"/>
+            <a:off x="182593" y="129396"/>
+            <a:ext cx="11428562" cy="1000574"/>
           </a:xfrm>
         </p:spPr>
         <p:txBody>
@@ -3658,15 +6881,50 @@
           <a:p>
             <a:r>
               <a:rPr lang="ru-RU" dirty="0"/>
-              <a:t>Реализовано с помощью словаря ключевых слов</a:t>
+              <a:t>Проверка совпадения ГОСТ на сайте и в </a:t>
             </a:r>
+            <a:r>
+              <a:rPr lang="en-US" dirty="0"/>
+              <a:t>Excel</a:t>
+            </a:r>
+            <a:endParaRPr lang="ru-RU" dirty="0"/>
           </a:p>
         </p:txBody>
       </p:sp>
+      <p:pic>
+        <p:nvPicPr>
+          <p:cNvPr id="4" name="Рисунок 3">
+            <a:extLst>
+              <a:ext uri="{FF2B5EF4-FFF2-40B4-BE49-F238E27FC236}">
+                <a16:creationId xmlns:a16="http://schemas.microsoft.com/office/drawing/2014/main" id="{C8A98619-330A-4ACD-9BF4-E83D0A0D3171}"/>
+              </a:ext>
+            </a:extLst>
+          </p:cNvPr>
+          <p:cNvPicPr>
+            <a:picLocks noChangeAspect="1"/>
+          </p:cNvPicPr>
+          <p:nvPr/>
+        </p:nvPicPr>
+        <p:blipFill>
+          <a:blip r:embed="rId2"/>
+          <a:stretch>
+            <a:fillRect/>
+          </a:stretch>
+        </p:blipFill>
+        <p:spPr>
+          <a:xfrm>
+            <a:off x="3512088" y="931653"/>
+            <a:ext cx="4465779" cy="5926346"/>
+          </a:xfrm>
+          <a:prstGeom prst="rect">
+            <a:avLst/>
+          </a:prstGeom>
+        </p:spPr>
+      </p:pic>
     </p:spTree>
     <p:extLst>
       <p:ext uri="{BB962C8B-B14F-4D97-AF65-F5344CB8AC3E}">
-        <p14:creationId xmlns:p14="http://schemas.microsoft.com/office/powerpoint/2010/main" val="3999041736"/>
+        <p14:creationId xmlns:p14="http://schemas.microsoft.com/office/powerpoint/2010/main" val="374944721"/>
       </p:ext>
     </p:extLst>
   </p:cSld>
@@ -3698,7 +6956,7 @@
           <p:cNvPr id="2" name="Заголовок 1">
             <a:extLst>
               <a:ext uri="{FF2B5EF4-FFF2-40B4-BE49-F238E27FC236}">
-                <a16:creationId xmlns:a16="http://schemas.microsoft.com/office/drawing/2014/main" id="{5C337534-1C43-4EB2-AEB6-CD9A9C62DB3B}"/>
+                <a16:creationId xmlns:a16="http://schemas.microsoft.com/office/drawing/2014/main" id="{25690FE5-9758-4C45-82AB-66666674BE6E}"/>
               </a:ext>
             </a:extLst>
           </p:cNvPr>
@@ -3716,15 +6974,7 @@
           <a:p>
             <a:r>
               <a:rPr lang="ru-RU" dirty="0"/>
-              <a:t>Совпадают ли параметры из </a:t>
-            </a:r>
-            <a:r>
-              <a:rPr lang="en-US" dirty="0"/>
-              <a:t>Excel </a:t>
-            </a:r>
-            <a:r>
-              <a:rPr lang="ru-RU" dirty="0"/>
-              <a:t>с данными на странице?</a:t>
+              <a:t>Поиск ИНН</a:t>
             </a:r>
           </a:p>
         </p:txBody>
@@ -3734,7 +6984,7 @@
           <p:cNvPr id="3" name="Объект 2">
             <a:extLst>
               <a:ext uri="{FF2B5EF4-FFF2-40B4-BE49-F238E27FC236}">
-                <a16:creationId xmlns:a16="http://schemas.microsoft.com/office/drawing/2014/main" id="{A931B503-9866-4CC8-B9F8-07A395A1E71B}"/>
+                <a16:creationId xmlns:a16="http://schemas.microsoft.com/office/drawing/2014/main" id="{F6780D8A-BB00-4807-A460-204D800C3140}"/>
               </a:ext>
             </a:extLst>
           </p:cNvPr>
@@ -3750,17 +7000,14 @@
           <a:bodyPr/>
           <a:lstStyle/>
           <a:p>
-            <a:r>
-              <a:rPr lang="ru-RU" dirty="0"/>
-              <a:t>Пока реализована только проверка по ГОСТ</a:t>
-            </a:r>
+            <a:endParaRPr lang="ru-RU"/>
           </a:p>
         </p:txBody>
       </p:sp>
     </p:spTree>
     <p:extLst>
       <p:ext uri="{BB962C8B-B14F-4D97-AF65-F5344CB8AC3E}">
-        <p14:creationId xmlns:p14="http://schemas.microsoft.com/office/powerpoint/2010/main" val="3673802288"/>
+        <p14:creationId xmlns:p14="http://schemas.microsoft.com/office/powerpoint/2010/main" val="3892543708"/>
       </p:ext>
     </p:extLst>
   </p:cSld>
@@ -3792,7 +7039,7 @@
           <p:cNvPr id="2" name="Заголовок 1">
             <a:extLst>
               <a:ext uri="{FF2B5EF4-FFF2-40B4-BE49-F238E27FC236}">
-                <a16:creationId xmlns:a16="http://schemas.microsoft.com/office/drawing/2014/main" id="{DFC956F1-1579-4442-A3D1-2122E8F01A2F}"/>
+                <a16:creationId xmlns:a16="http://schemas.microsoft.com/office/drawing/2014/main" id="{BCD6D2B9-6335-43F2-B7DD-3B20447A691D}"/>
               </a:ext>
             </a:extLst>
           </p:cNvPr>
@@ -3803,62 +7050,61 @@
             <p:ph type="title"/>
           </p:nvPr>
         </p:nvSpPr>
-        <p:spPr/>
+        <p:spPr>
+          <a:xfrm>
+            <a:off x="0" y="225425"/>
+            <a:ext cx="10515600" cy="1325563"/>
+          </a:xfrm>
+        </p:spPr>
         <p:txBody>
           <a:bodyPr/>
           <a:lstStyle/>
           <a:p>
             <a:r>
+              <a:rPr lang="ru-RU" dirty="0" err="1"/>
+              <a:t>Парсинг</a:t>
+            </a:r>
+            <a:r>
               <a:rPr lang="ru-RU" dirty="0"/>
-              <a:t>Поиск ИНН</a:t>
+              <a:t> информации по поставщику</a:t>
             </a:r>
           </a:p>
         </p:txBody>
       </p:sp>
-      <p:sp>
-        <p:nvSpPr>
-          <p:cNvPr id="3" name="Объект 2">
+      <p:pic>
+        <p:nvPicPr>
+          <p:cNvPr id="4" name="Рисунок 3">
             <a:extLst>
               <a:ext uri="{FF2B5EF4-FFF2-40B4-BE49-F238E27FC236}">
-                <a16:creationId xmlns:a16="http://schemas.microsoft.com/office/drawing/2014/main" id="{759BE817-BA8B-4F2E-A431-3B01293AA597}"/>
+                <a16:creationId xmlns:a16="http://schemas.microsoft.com/office/drawing/2014/main" id="{1981E5E7-11E5-4073-8349-FA694C8CAF2B}"/>
               </a:ext>
             </a:extLst>
           </p:cNvPr>
-          <p:cNvSpPr>
-            <a:spLocks noGrp="1"/>
-          </p:cNvSpPr>
-          <p:nvPr>
-            <p:ph idx="1"/>
-          </p:nvPr>
-        </p:nvSpPr>
-        <p:spPr/>
-        <p:txBody>
-          <a:bodyPr/>
-          <a:lstStyle/>
-          <a:p>
-            <a:r>
-              <a:rPr lang="ru-RU" dirty="0"/>
-              <a:t>Поиск на сайте</a:t>
-            </a:r>
-          </a:p>
-          <a:p>
-            <a:r>
-              <a:rPr lang="ru-RU" dirty="0"/>
-              <a:t>Поиск в открытых источниках</a:t>
-            </a:r>
-          </a:p>
-          <a:p>
-            <a:r>
-              <a:rPr lang="ru-RU" dirty="0"/>
-              <a:t>Проверка актуальности</a:t>
-            </a:r>
-          </a:p>
-        </p:txBody>
-      </p:sp>
+          <p:cNvPicPr>
+            <a:picLocks noChangeAspect="1"/>
+          </p:cNvPicPr>
+          <p:nvPr/>
+        </p:nvPicPr>
+        <p:blipFill>
+          <a:blip r:embed="rId2"/>
+          <a:stretch>
+            <a:fillRect/>
+          </a:stretch>
+        </p:blipFill>
+        <p:spPr>
+          <a:xfrm>
+            <a:off x="7930619" y="0"/>
+            <a:ext cx="4261381" cy="6858000"/>
+          </a:xfrm>
+          <a:prstGeom prst="rect">
+            <a:avLst/>
+          </a:prstGeom>
+        </p:spPr>
+      </p:pic>
     </p:spTree>
     <p:extLst>
       <p:ext uri="{BB962C8B-B14F-4D97-AF65-F5344CB8AC3E}">
-        <p14:creationId xmlns:p14="http://schemas.microsoft.com/office/powerpoint/2010/main" val="3439681547"/>
+        <p14:creationId xmlns:p14="http://schemas.microsoft.com/office/powerpoint/2010/main" val="1040234177"/>
       </p:ext>
     </p:extLst>
   </p:cSld>
@@ -3890,7 +7136,7 @@
           <p:cNvPr id="2" name="Заголовок 1">
             <a:extLst>
               <a:ext uri="{FF2B5EF4-FFF2-40B4-BE49-F238E27FC236}">
-                <a16:creationId xmlns:a16="http://schemas.microsoft.com/office/drawing/2014/main" id="{54FAE823-C347-4FED-A801-CB58286DB7FF}"/>
+                <a16:creationId xmlns:a16="http://schemas.microsoft.com/office/drawing/2014/main" id="{C71678EB-0CE0-42D8-A433-38AEDFE47BD5}"/>
               </a:ext>
             </a:extLst>
           </p:cNvPr>
@@ -3901,18 +7147,19 @@
             <p:ph type="title"/>
           </p:nvPr>
         </p:nvSpPr>
-        <p:spPr/>
+        <p:spPr>
+          <a:xfrm>
+            <a:off x="458638" y="208914"/>
+            <a:ext cx="10515600" cy="1325563"/>
+          </a:xfrm>
+        </p:spPr>
         <p:txBody>
           <a:bodyPr/>
           <a:lstStyle/>
           <a:p>
             <a:r>
-              <a:rPr lang="ru-RU" dirty="0" err="1"/>
-              <a:t>Парсинг</a:t>
-            </a:r>
-            <a:r>
               <a:rPr lang="ru-RU" dirty="0"/>
-              <a:t> информации по поставщику</a:t>
+              <a:t>Ранжирование</a:t>
             </a:r>
           </a:p>
         </p:txBody>
@@ -3922,7 +7169,7 @@
           <p:cNvPr id="3" name="Объект 2">
             <a:extLst>
               <a:ext uri="{FF2B5EF4-FFF2-40B4-BE49-F238E27FC236}">
-                <a16:creationId xmlns:a16="http://schemas.microsoft.com/office/drawing/2014/main" id="{15B74A30-7328-4EBA-B18A-D3F16417931A}"/>
+                <a16:creationId xmlns:a16="http://schemas.microsoft.com/office/drawing/2014/main" id="{10689698-9977-4A0F-952E-20113B1C56D9}"/>
               </a:ext>
             </a:extLst>
           </p:cNvPr>
@@ -3933,36 +7180,504 @@
             <p:ph idx="1"/>
           </p:nvPr>
         </p:nvSpPr>
-        <p:spPr/>
+        <p:spPr>
+          <a:xfrm>
+            <a:off x="458638" y="1430460"/>
+            <a:ext cx="10515600" cy="1081477"/>
+          </a:xfrm>
+        </p:spPr>
         <p:txBody>
-          <a:bodyPr/>
+          <a:bodyPr>
+            <a:normAutofit/>
+          </a:bodyPr>
           <a:lstStyle/>
           <a:p>
+            <a:pPr marL="0" indent="0">
+              <a:buNone/>
+            </a:pPr>
             <a:r>
               <a:rPr lang="ru-RU" dirty="0"/>
-              <a:t>Поиск юридической информации в открытых источниках</a:t>
+              <a:t>Для оценки используется комплексный показатель качества</a:t>
             </a:r>
           </a:p>
           <a:p>
-            <a:r>
-              <a:rPr lang="ru-RU" dirty="0"/>
-              <a:t>Поиск контактных данных (адрес, телефон, </a:t>
-            </a:r>
-            <a:r>
-              <a:rPr lang="en-US" dirty="0"/>
-              <a:t>email</a:t>
-            </a:r>
-            <a:r>
-              <a:rPr lang="ru-RU" dirty="0"/>
-              <a:t>)</a:t>
-            </a:r>
+            <a:pPr marL="0" indent="0">
+              <a:buNone/>
+            </a:pPr>
+            <a:endParaRPr lang="ru-RU" dirty="0"/>
           </a:p>
         </p:txBody>
       </p:sp>
+      <p:graphicFrame>
+        <p:nvGraphicFramePr>
+          <p:cNvPr id="6" name="Таблица 5">
+            <a:extLst>
+              <a:ext uri="{FF2B5EF4-FFF2-40B4-BE49-F238E27FC236}">
+                <a16:creationId xmlns:a16="http://schemas.microsoft.com/office/drawing/2014/main" id="{F5A03186-0F43-4743-BAAD-1F4D072AEE26}"/>
+              </a:ext>
+            </a:extLst>
+          </p:cNvPr>
+          <p:cNvGraphicFramePr>
+            <a:graphicFrameLocks noGrp="1"/>
+          </p:cNvGraphicFramePr>
+          <p:nvPr>
+            <p:extLst>
+              <p:ext uri="{D42A27DB-BD31-4B8C-83A1-F6EECF244321}">
+                <p14:modId xmlns:p14="http://schemas.microsoft.com/office/powerpoint/2010/main" val="1089093782"/>
+              </p:ext>
+            </p:extLst>
+          </p:nvPr>
+        </p:nvGraphicFramePr>
+        <p:xfrm>
+          <a:off x="3234426" y="2121024"/>
+          <a:ext cx="5723147" cy="4450080"/>
+        </p:xfrm>
+        <a:graphic>
+          <a:graphicData uri="http://schemas.openxmlformats.org/drawingml/2006/table">
+            <a:tbl>
+              <a:tblPr firstRow="1" bandRow="1">
+                <a:tableStyleId>{5940675A-B579-460E-94D1-54222C63F5DA}</a:tableStyleId>
+              </a:tblPr>
+              <a:tblGrid>
+                <a:gridCol w="4549954">
+                  <a:extLst>
+                    <a:ext uri="{9D8B030D-6E8A-4147-A177-3AD203B41FA5}">
+                      <a16:colId xmlns:a16="http://schemas.microsoft.com/office/drawing/2014/main" val="3757190344"/>
+                    </a:ext>
+                  </a:extLst>
+                </a:gridCol>
+                <a:gridCol w="1173193">
+                  <a:extLst>
+                    <a:ext uri="{9D8B030D-6E8A-4147-A177-3AD203B41FA5}">
+                      <a16:colId xmlns:a16="http://schemas.microsoft.com/office/drawing/2014/main" val="3461624319"/>
+                    </a:ext>
+                  </a:extLst>
+                </a:gridCol>
+              </a:tblGrid>
+              <a:tr h="370840">
+                <a:tc gridSpan="2">
+                  <a:txBody>
+                    <a:bodyPr/>
+                    <a:lstStyle/>
+                    <a:p>
+                      <a:pPr algn="ctr"/>
+                      <a:r>
+                        <a:rPr lang="ru-RU" dirty="0"/>
+                        <a:t>Весовые коэффициенты</a:t>
+                      </a:r>
+                    </a:p>
+                  </a:txBody>
+                  <a:tcPr anchor="ctr"/>
+                </a:tc>
+                <a:tc hMerge="1">
+                  <a:txBody>
+                    <a:bodyPr/>
+                    <a:lstStyle/>
+                    <a:p>
+                      <a:endParaRPr lang="ru-RU" dirty="0"/>
+                    </a:p>
+                  </a:txBody>
+                  <a:tcPr/>
+                </a:tc>
+                <a:extLst>
+                  <a:ext uri="{0D108BD9-81ED-4DB2-BD59-A6C34878D82A}">
+                    <a16:rowId xmlns:a16="http://schemas.microsoft.com/office/drawing/2014/main" val="500817685"/>
+                  </a:ext>
+                </a:extLst>
+              </a:tr>
+              <a:tr h="370840">
+                <a:tc>
+                  <a:txBody>
+                    <a:bodyPr/>
+                    <a:lstStyle/>
+                    <a:p>
+                      <a:pPr algn="l"/>
+                      <a:r>
+                        <a:rPr lang="ru-RU" dirty="0"/>
+                        <a:t>Выручка</a:t>
+                      </a:r>
+                    </a:p>
+                  </a:txBody>
+                  <a:tcPr anchor="ctr"/>
+                </a:tc>
+                <a:tc>
+                  <a:txBody>
+                    <a:bodyPr/>
+                    <a:lstStyle/>
+                    <a:p>
+                      <a:pPr algn="ctr"/>
+                      <a:r>
+                        <a:rPr lang="ru-RU" dirty="0"/>
+                        <a:t>2</a:t>
+                      </a:r>
+                    </a:p>
+                  </a:txBody>
+                  <a:tcPr anchor="ctr"/>
+                </a:tc>
+                <a:extLst>
+                  <a:ext uri="{0D108BD9-81ED-4DB2-BD59-A6C34878D82A}">
+                    <a16:rowId xmlns:a16="http://schemas.microsoft.com/office/drawing/2014/main" val="2804197113"/>
+                  </a:ext>
+                </a:extLst>
+              </a:tr>
+              <a:tr h="370840">
+                <a:tc>
+                  <a:txBody>
+                    <a:bodyPr/>
+                    <a:lstStyle/>
+                    <a:p>
+                      <a:pPr algn="l"/>
+                      <a:r>
+                        <a:rPr lang="ru-RU" dirty="0"/>
+                        <a:t>Прибыль</a:t>
+                      </a:r>
+                    </a:p>
+                  </a:txBody>
+                  <a:tcPr anchor="ctr"/>
+                </a:tc>
+                <a:tc>
+                  <a:txBody>
+                    <a:bodyPr/>
+                    <a:lstStyle/>
+                    <a:p>
+                      <a:pPr algn="ctr"/>
+                      <a:r>
+                        <a:rPr lang="ru-RU" dirty="0"/>
+                        <a:t>0,3</a:t>
+                      </a:r>
+                    </a:p>
+                  </a:txBody>
+                  <a:tcPr anchor="ctr"/>
+                </a:tc>
+                <a:extLst>
+                  <a:ext uri="{0D108BD9-81ED-4DB2-BD59-A6C34878D82A}">
+                    <a16:rowId xmlns:a16="http://schemas.microsoft.com/office/drawing/2014/main" val="1665880534"/>
+                  </a:ext>
+                </a:extLst>
+              </a:tr>
+              <a:tr h="370840">
+                <a:tc>
+                  <a:txBody>
+                    <a:bodyPr/>
+                    <a:lstStyle/>
+                    <a:p>
+                      <a:pPr algn="l"/>
+                      <a:r>
+                        <a:rPr lang="ru-RU" dirty="0"/>
+                        <a:t>Стоимость</a:t>
+                      </a:r>
+                    </a:p>
+                  </a:txBody>
+                  <a:tcPr anchor="ctr"/>
+                </a:tc>
+                <a:tc>
+                  <a:txBody>
+                    <a:bodyPr/>
+                    <a:lstStyle/>
+                    <a:p>
+                      <a:pPr algn="ctr"/>
+                      <a:r>
+                        <a:rPr lang="ru-RU" dirty="0"/>
+                        <a:t>0,5</a:t>
+                      </a:r>
+                    </a:p>
+                  </a:txBody>
+                  <a:tcPr anchor="ctr"/>
+                </a:tc>
+                <a:extLst>
+                  <a:ext uri="{0D108BD9-81ED-4DB2-BD59-A6C34878D82A}">
+                    <a16:rowId xmlns:a16="http://schemas.microsoft.com/office/drawing/2014/main" val="2839042674"/>
+                  </a:ext>
+                </a:extLst>
+              </a:tr>
+              <a:tr h="370840">
+                <a:tc>
+                  <a:txBody>
+                    <a:bodyPr/>
+                    <a:lstStyle/>
+                    <a:p>
+                      <a:pPr algn="l"/>
+                      <a:r>
+                        <a:rPr lang="ru-RU" dirty="0"/>
+                        <a:t>Уставный капитал</a:t>
+                      </a:r>
+                    </a:p>
+                  </a:txBody>
+                  <a:tcPr anchor="ctr"/>
+                </a:tc>
+                <a:tc>
+                  <a:txBody>
+                    <a:bodyPr/>
+                    <a:lstStyle/>
+                    <a:p>
+                      <a:pPr algn="ctr"/>
+                      <a:r>
+                        <a:rPr lang="ru-RU" dirty="0"/>
+                        <a:t>0,3</a:t>
+                      </a:r>
+                    </a:p>
+                  </a:txBody>
+                  <a:tcPr anchor="ctr"/>
+                </a:tc>
+                <a:extLst>
+                  <a:ext uri="{0D108BD9-81ED-4DB2-BD59-A6C34878D82A}">
+                    <a16:rowId xmlns:a16="http://schemas.microsoft.com/office/drawing/2014/main" val="1936729544"/>
+                  </a:ext>
+                </a:extLst>
+              </a:tr>
+              <a:tr h="370840">
+                <a:tc>
+                  <a:txBody>
+                    <a:bodyPr/>
+                    <a:lstStyle/>
+                    <a:p>
+                      <a:pPr algn="l"/>
+                      <a:r>
+                        <a:rPr lang="ru-RU" dirty="0"/>
+                        <a:t>Госконтракты</a:t>
+                      </a:r>
+                    </a:p>
+                  </a:txBody>
+                  <a:tcPr anchor="ctr"/>
+                </a:tc>
+                <a:tc>
+                  <a:txBody>
+                    <a:bodyPr/>
+                    <a:lstStyle/>
+                    <a:p>
+                      <a:pPr algn="ctr"/>
+                      <a:r>
+                        <a:rPr lang="ru-RU" dirty="0"/>
+                        <a:t>0,3</a:t>
+                      </a:r>
+                    </a:p>
+                  </a:txBody>
+                  <a:tcPr anchor="ctr"/>
+                </a:tc>
+                <a:extLst>
+                  <a:ext uri="{0D108BD9-81ED-4DB2-BD59-A6C34878D82A}">
+                    <a16:rowId xmlns:a16="http://schemas.microsoft.com/office/drawing/2014/main" val="2161455885"/>
+                  </a:ext>
+                </a:extLst>
+              </a:tr>
+              <a:tr h="370840">
+                <a:tc>
+                  <a:txBody>
+                    <a:bodyPr/>
+                    <a:lstStyle/>
+                    <a:p>
+                      <a:pPr algn="l"/>
+                      <a:r>
+                        <a:rPr lang="ru-RU" dirty="0"/>
+                        <a:t>Надежность, плюсы – минусы</a:t>
+                      </a:r>
+                    </a:p>
+                  </a:txBody>
+                  <a:tcPr anchor="ctr"/>
+                </a:tc>
+                <a:tc>
+                  <a:txBody>
+                    <a:bodyPr/>
+                    <a:lstStyle/>
+                    <a:p>
+                      <a:pPr algn="ctr"/>
+                      <a:r>
+                        <a:rPr lang="ru-RU" dirty="0"/>
+                        <a:t>2</a:t>
+                      </a:r>
+                    </a:p>
+                  </a:txBody>
+                  <a:tcPr anchor="ctr"/>
+                </a:tc>
+                <a:extLst>
+                  <a:ext uri="{0D108BD9-81ED-4DB2-BD59-A6C34878D82A}">
+                    <a16:rowId xmlns:a16="http://schemas.microsoft.com/office/drawing/2014/main" val="3740445903"/>
+                  </a:ext>
+                </a:extLst>
+              </a:tr>
+              <a:tr h="370840">
+                <a:tc>
+                  <a:txBody>
+                    <a:bodyPr/>
+                    <a:lstStyle/>
+                    <a:p>
+                      <a:pPr algn="l"/>
+                      <a:r>
+                        <a:rPr lang="ru-RU" dirty="0"/>
+                        <a:t>Тендер, выиграл / участник</a:t>
+                      </a:r>
+                    </a:p>
+                  </a:txBody>
+                  <a:tcPr anchor="ctr"/>
+                </a:tc>
+                <a:tc>
+                  <a:txBody>
+                    <a:bodyPr/>
+                    <a:lstStyle/>
+                    <a:p>
+                      <a:pPr algn="ctr"/>
+                      <a:r>
+                        <a:rPr lang="ru-RU" dirty="0"/>
+                        <a:t>1</a:t>
+                      </a:r>
+                    </a:p>
+                  </a:txBody>
+                  <a:tcPr anchor="ctr"/>
+                </a:tc>
+                <a:extLst>
+                  <a:ext uri="{0D108BD9-81ED-4DB2-BD59-A6C34878D82A}">
+                    <a16:rowId xmlns:a16="http://schemas.microsoft.com/office/drawing/2014/main" val="2515158036"/>
+                  </a:ext>
+                </a:extLst>
+              </a:tr>
+              <a:tr h="370840">
+                <a:tc>
+                  <a:txBody>
+                    <a:bodyPr/>
+                    <a:lstStyle/>
+                    <a:p>
+                      <a:pPr algn="l"/>
+                      <a:r>
+                        <a:rPr lang="ru-RU" dirty="0"/>
+                        <a:t>Тендер, выиграл</a:t>
+                      </a:r>
+                    </a:p>
+                  </a:txBody>
+                  <a:tcPr anchor="ctr"/>
+                </a:tc>
+                <a:tc>
+                  <a:txBody>
+                    <a:bodyPr/>
+                    <a:lstStyle/>
+                    <a:p>
+                      <a:pPr algn="ctr"/>
+                      <a:r>
+                        <a:rPr lang="ru-RU" dirty="0"/>
+                        <a:t>2</a:t>
+                      </a:r>
+                    </a:p>
+                  </a:txBody>
+                  <a:tcPr anchor="ctr"/>
+                </a:tc>
+                <a:extLst>
+                  <a:ext uri="{0D108BD9-81ED-4DB2-BD59-A6C34878D82A}">
+                    <a16:rowId xmlns:a16="http://schemas.microsoft.com/office/drawing/2014/main" val="1994561888"/>
+                  </a:ext>
+                </a:extLst>
+              </a:tr>
+              <a:tr h="370840">
+                <a:tc>
+                  <a:txBody>
+                    <a:bodyPr/>
+                    <a:lstStyle/>
+                    <a:p>
+                      <a:pPr algn="l"/>
+                      <a:r>
+                        <a:rPr lang="ru-RU" dirty="0"/>
+                        <a:t>Истец, выиграл / (выиграл + проиграл)</a:t>
+                      </a:r>
+                    </a:p>
+                  </a:txBody>
+                  <a:tcPr anchor="ctr"/>
+                </a:tc>
+                <a:tc>
+                  <a:txBody>
+                    <a:bodyPr/>
+                    <a:lstStyle/>
+                    <a:p>
+                      <a:pPr algn="ctr"/>
+                      <a:r>
+                        <a:rPr lang="ru-RU" dirty="0"/>
+                        <a:t>0,2</a:t>
+                      </a:r>
+                    </a:p>
+                  </a:txBody>
+                  <a:tcPr anchor="ctr"/>
+                </a:tc>
+                <a:extLst>
+                  <a:ext uri="{0D108BD9-81ED-4DB2-BD59-A6C34878D82A}">
+                    <a16:rowId xmlns:a16="http://schemas.microsoft.com/office/drawing/2014/main" val="3890594408"/>
+                  </a:ext>
+                </a:extLst>
+              </a:tr>
+              <a:tr h="370840">
+                <a:tc>
+                  <a:txBody>
+                    <a:bodyPr/>
+                    <a:lstStyle/>
+                    <a:p>
+                      <a:pPr algn="l"/>
+                      <a:r>
+                        <a:rPr lang="ru-RU" dirty="0"/>
+                        <a:t>Ответчик, выиграл / ( выиграл + проиграл)</a:t>
+                      </a:r>
+                    </a:p>
+                  </a:txBody>
+                  <a:tcPr anchor="ctr"/>
+                </a:tc>
+                <a:tc>
+                  <a:txBody>
+                    <a:bodyPr/>
+                    <a:lstStyle/>
+                    <a:p>
+                      <a:pPr algn="ctr"/>
+                      <a:r>
+                        <a:rPr lang="ru-RU" dirty="0"/>
+                        <a:t>1</a:t>
+                      </a:r>
+                    </a:p>
+                  </a:txBody>
+                  <a:tcPr anchor="ctr"/>
+                </a:tc>
+                <a:extLst>
+                  <a:ext uri="{0D108BD9-81ED-4DB2-BD59-A6C34878D82A}">
+                    <a16:rowId xmlns:a16="http://schemas.microsoft.com/office/drawing/2014/main" val="2443270100"/>
+                  </a:ext>
+                </a:extLst>
+              </a:tr>
+              <a:tr h="370840">
+                <a:tc>
+                  <a:txBody>
+                    <a:bodyPr/>
+                    <a:lstStyle/>
+                    <a:p>
+                      <a:pPr algn="l"/>
+                      <a:r>
+                        <a:rPr lang="ru-RU" dirty="0"/>
+                        <a:t>Дата регистрации</a:t>
+                      </a:r>
+                    </a:p>
+                  </a:txBody>
+                  <a:tcPr anchor="ctr"/>
+                </a:tc>
+                <a:tc>
+                  <a:txBody>
+                    <a:bodyPr/>
+                    <a:lstStyle/>
+                    <a:p>
+                      <a:pPr algn="ctr"/>
+                      <a:r>
+                        <a:rPr lang="ru-RU" dirty="0"/>
+                        <a:t>0,4</a:t>
+                      </a:r>
+                    </a:p>
+                  </a:txBody>
+                  <a:tcPr anchor="ctr"/>
+                </a:tc>
+                <a:extLst>
+                  <a:ext uri="{0D108BD9-81ED-4DB2-BD59-A6C34878D82A}">
+                    <a16:rowId xmlns:a16="http://schemas.microsoft.com/office/drawing/2014/main" val="3977548683"/>
+                  </a:ext>
+                </a:extLst>
+              </a:tr>
+            </a:tbl>
+          </a:graphicData>
+        </a:graphic>
+      </p:graphicFrame>
     </p:spTree>
     <p:extLst>
       <p:ext uri="{BB962C8B-B14F-4D97-AF65-F5344CB8AC3E}">
-        <p14:creationId xmlns:p14="http://schemas.microsoft.com/office/powerpoint/2010/main" val="2731960255"/>
+        <p14:creationId xmlns:p14="http://schemas.microsoft.com/office/powerpoint/2010/main" val="282660198"/>
       </p:ext>
     </p:extLst>
   </p:cSld>
@@ -3994,7 +7709,7 @@
           <p:cNvPr id="2" name="Заголовок 1">
             <a:extLst>
               <a:ext uri="{FF2B5EF4-FFF2-40B4-BE49-F238E27FC236}">
-                <a16:creationId xmlns:a16="http://schemas.microsoft.com/office/drawing/2014/main" id="{A5CC4C8B-42B2-4C10-92CB-C885242E1C7B}"/>
+                <a16:creationId xmlns:a16="http://schemas.microsoft.com/office/drawing/2014/main" id="{492BF48D-F051-4657-81A7-C9AEB30BAFAA}"/>
               </a:ext>
             </a:extLst>
           </p:cNvPr>
@@ -4012,35 +7727,3083 @@
           <a:p>
             <a:r>
               <a:rPr lang="ru-RU" dirty="0"/>
-              <a:t>Ранжирование</a:t>
+              <a:t>Как производится расчет</a:t>
             </a:r>
           </a:p>
         </p:txBody>
       </p:sp>
-      <p:sp>
-        <p:nvSpPr>
-          <p:cNvPr id="3" name="Объект 2">
+      <p:graphicFrame>
+        <p:nvGraphicFramePr>
+          <p:cNvPr id="5" name="Таблица 4">
             <a:extLst>
               <a:ext uri="{FF2B5EF4-FFF2-40B4-BE49-F238E27FC236}">
-                <a16:creationId xmlns:a16="http://schemas.microsoft.com/office/drawing/2014/main" id="{75583AEF-63FE-4972-BB68-6B10A19192AF}"/>
+                <a16:creationId xmlns:a16="http://schemas.microsoft.com/office/drawing/2014/main" id="{AA70B5CD-4884-4F08-96B9-DE8D3BBA0ED7}"/>
               </a:ext>
             </a:extLst>
           </p:cNvPr>
-          <p:cNvSpPr>
-            <a:spLocks noGrp="1"/>
-          </p:cNvSpPr>
+          <p:cNvGraphicFramePr>
+            <a:graphicFrameLocks noGrp="1"/>
+          </p:cNvGraphicFramePr>
           <p:nvPr>
-            <p:ph idx="1"/>
+            <p:extLst>
+              <p:ext uri="{D42A27DB-BD31-4B8C-83A1-F6EECF244321}">
+                <p14:modId xmlns:p14="http://schemas.microsoft.com/office/powerpoint/2010/main" val="3509530964"/>
+              </p:ext>
+            </p:extLst>
           </p:nvPr>
+        </p:nvGraphicFramePr>
+        <p:xfrm>
+          <a:off x="570422" y="3959498"/>
+          <a:ext cx="11051155" cy="1955436"/>
+        </p:xfrm>
+        <a:graphic>
+          <a:graphicData uri="http://schemas.openxmlformats.org/drawingml/2006/table">
+            <a:tbl>
+              <a:tblPr>
+                <a:tableStyleId>{5940675A-B579-460E-94D1-54222C63F5DA}</a:tableStyleId>
+              </a:tblPr>
+              <a:tblGrid>
+                <a:gridCol w="1406105">
+                  <a:extLst>
+                    <a:ext uri="{9D8B030D-6E8A-4147-A177-3AD203B41FA5}">
+                      <a16:colId xmlns:a16="http://schemas.microsoft.com/office/drawing/2014/main" val="4026260192"/>
+                    </a:ext>
+                  </a:extLst>
+                </a:gridCol>
+                <a:gridCol w="793631">
+                  <a:extLst>
+                    <a:ext uri="{9D8B030D-6E8A-4147-A177-3AD203B41FA5}">
+                      <a16:colId xmlns:a16="http://schemas.microsoft.com/office/drawing/2014/main" val="3905750100"/>
+                    </a:ext>
+                  </a:extLst>
+                </a:gridCol>
+                <a:gridCol w="759124">
+                  <a:extLst>
+                    <a:ext uri="{9D8B030D-6E8A-4147-A177-3AD203B41FA5}">
+                      <a16:colId xmlns:a16="http://schemas.microsoft.com/office/drawing/2014/main" val="1828799751"/>
+                    </a:ext>
+                  </a:extLst>
+                </a:gridCol>
+                <a:gridCol w="837480">
+                  <a:extLst>
+                    <a:ext uri="{9D8B030D-6E8A-4147-A177-3AD203B41FA5}">
+                      <a16:colId xmlns:a16="http://schemas.microsoft.com/office/drawing/2014/main" val="2346157474"/>
+                    </a:ext>
+                  </a:extLst>
+                </a:gridCol>
+                <a:gridCol w="517585">
+                  <a:extLst>
+                    <a:ext uri="{9D8B030D-6E8A-4147-A177-3AD203B41FA5}">
+                      <a16:colId xmlns:a16="http://schemas.microsoft.com/office/drawing/2014/main" val="3768443290"/>
+                    </a:ext>
+                  </a:extLst>
+                </a:gridCol>
+                <a:gridCol w="615354">
+                  <a:extLst>
+                    <a:ext uri="{9D8B030D-6E8A-4147-A177-3AD203B41FA5}">
+                      <a16:colId xmlns:a16="http://schemas.microsoft.com/office/drawing/2014/main" val="574559051"/>
+                    </a:ext>
+                  </a:extLst>
+                </a:gridCol>
+                <a:gridCol w="533138">
+                  <a:extLst>
+                    <a:ext uri="{9D8B030D-6E8A-4147-A177-3AD203B41FA5}">
+                      <a16:colId xmlns:a16="http://schemas.microsoft.com/office/drawing/2014/main" val="3322805952"/>
+                    </a:ext>
+                  </a:extLst>
+                </a:gridCol>
+                <a:gridCol w="533138">
+                  <a:extLst>
+                    <a:ext uri="{9D8B030D-6E8A-4147-A177-3AD203B41FA5}">
+                      <a16:colId xmlns:a16="http://schemas.microsoft.com/office/drawing/2014/main" val="3343804200"/>
+                    </a:ext>
+                  </a:extLst>
+                </a:gridCol>
+                <a:gridCol w="646784">
+                  <a:extLst>
+                    <a:ext uri="{9D8B030D-6E8A-4147-A177-3AD203B41FA5}">
+                      <a16:colId xmlns:a16="http://schemas.microsoft.com/office/drawing/2014/main" val="3609839561"/>
+                    </a:ext>
+                  </a:extLst>
+                </a:gridCol>
+                <a:gridCol w="474453">
+                  <a:extLst>
+                    <a:ext uri="{9D8B030D-6E8A-4147-A177-3AD203B41FA5}">
+                      <a16:colId xmlns:a16="http://schemas.microsoft.com/office/drawing/2014/main" val="1740509300"/>
+                    </a:ext>
+                  </a:extLst>
+                </a:gridCol>
+                <a:gridCol w="552091">
+                  <a:extLst>
+                    <a:ext uri="{9D8B030D-6E8A-4147-A177-3AD203B41FA5}">
+                      <a16:colId xmlns:a16="http://schemas.microsoft.com/office/drawing/2014/main" val="148825101"/>
+                    </a:ext>
+                  </a:extLst>
+                </a:gridCol>
+                <a:gridCol w="819509">
+                  <a:extLst>
+                    <a:ext uri="{9D8B030D-6E8A-4147-A177-3AD203B41FA5}">
+                      <a16:colId xmlns:a16="http://schemas.microsoft.com/office/drawing/2014/main" val="2623904834"/>
+                    </a:ext>
+                  </a:extLst>
+                </a:gridCol>
+                <a:gridCol w="586596">
+                  <a:extLst>
+                    <a:ext uri="{9D8B030D-6E8A-4147-A177-3AD203B41FA5}">
+                      <a16:colId xmlns:a16="http://schemas.microsoft.com/office/drawing/2014/main" val="3166968026"/>
+                    </a:ext>
+                  </a:extLst>
+                </a:gridCol>
+                <a:gridCol w="543465">
+                  <a:extLst>
+                    <a:ext uri="{9D8B030D-6E8A-4147-A177-3AD203B41FA5}">
+                      <a16:colId xmlns:a16="http://schemas.microsoft.com/office/drawing/2014/main" val="1128081264"/>
+                    </a:ext>
+                  </a:extLst>
+                </a:gridCol>
+                <a:gridCol w="431320">
+                  <a:extLst>
+                    <a:ext uri="{9D8B030D-6E8A-4147-A177-3AD203B41FA5}">
+                      <a16:colId xmlns:a16="http://schemas.microsoft.com/office/drawing/2014/main" val="93363778"/>
+                    </a:ext>
+                  </a:extLst>
+                </a:gridCol>
+                <a:gridCol w="448574">
+                  <a:extLst>
+                    <a:ext uri="{9D8B030D-6E8A-4147-A177-3AD203B41FA5}">
+                      <a16:colId xmlns:a16="http://schemas.microsoft.com/office/drawing/2014/main" val="1222437139"/>
+                    </a:ext>
+                  </a:extLst>
+                </a:gridCol>
+                <a:gridCol w="552808">
+                  <a:extLst>
+                    <a:ext uri="{9D8B030D-6E8A-4147-A177-3AD203B41FA5}">
+                      <a16:colId xmlns:a16="http://schemas.microsoft.com/office/drawing/2014/main" val="3522733339"/>
+                    </a:ext>
+                  </a:extLst>
+                </a:gridCol>
+              </a:tblGrid>
+              <a:tr h="183218">
+                <a:tc rowSpan="2">
+                  <a:txBody>
+                    <a:bodyPr/>
+                    <a:lstStyle/>
+                    <a:p>
+                      <a:pPr algn="ctr" fontAlgn="ctr"/>
+                      <a:r>
+                        <a:rPr lang="ru-RU" sz="1000" b="1" u="none" strike="noStrike" dirty="0">
+                          <a:effectLst/>
+                        </a:rPr>
+                        <a:t>Название</a:t>
+                      </a:r>
+                      <a:endParaRPr lang="ru-RU" sz="1000" b="1" i="0" u="none" strike="noStrike" dirty="0">
+                        <a:solidFill>
+                          <a:srgbClr val="000000"/>
+                        </a:solidFill>
+                        <a:effectLst/>
+                        <a:latin typeface="Calibri" panose="020F0502020204030204" pitchFamily="34" charset="0"/>
+                      </a:endParaRPr>
+                    </a:p>
+                  </a:txBody>
+                  <a:tcPr marL="8328" marR="8328" marT="8328" marB="0" anchor="ctr">
+                    <a:solidFill>
+                      <a:schemeClr val="bg2">
+                        <a:lumMod val="90000"/>
+                      </a:schemeClr>
+                    </a:solidFill>
+                  </a:tcPr>
+                </a:tc>
+                <a:tc rowSpan="2">
+                  <a:txBody>
+                    <a:bodyPr/>
+                    <a:lstStyle/>
+                    <a:p>
+                      <a:pPr algn="ctr" fontAlgn="ctr"/>
+                      <a:r>
+                        <a:rPr lang="ru-RU" sz="1000" b="1" u="none" strike="noStrike" dirty="0">
+                          <a:effectLst/>
+                        </a:rPr>
+                        <a:t>Дата регистрации</a:t>
+                      </a:r>
+                      <a:endParaRPr lang="ru-RU" sz="1000" b="1" i="0" u="none" strike="noStrike" dirty="0">
+                        <a:solidFill>
+                          <a:srgbClr val="000000"/>
+                        </a:solidFill>
+                        <a:effectLst/>
+                        <a:latin typeface="Calibri" panose="020F0502020204030204" pitchFamily="34" charset="0"/>
+                      </a:endParaRPr>
+                    </a:p>
+                  </a:txBody>
+                  <a:tcPr marL="8328" marR="8328" marT="8328" marB="0" anchor="ctr">
+                    <a:solidFill>
+                      <a:schemeClr val="bg2">
+                        <a:lumMod val="90000"/>
+                      </a:schemeClr>
+                    </a:solidFill>
+                  </a:tcPr>
+                </a:tc>
+                <a:tc rowSpan="2">
+                  <a:txBody>
+                    <a:bodyPr/>
+                    <a:lstStyle/>
+                    <a:p>
+                      <a:pPr algn="ctr" fontAlgn="ctr"/>
+                      <a:r>
+                        <a:rPr lang="ru-RU" sz="1000" b="1" u="none" strike="noStrike" dirty="0">
+                          <a:effectLst/>
+                        </a:rPr>
+                        <a:t>Выручка</a:t>
+                      </a:r>
+                      <a:endParaRPr lang="ru-RU" sz="1000" b="1" i="0" u="none" strike="noStrike" dirty="0">
+                        <a:solidFill>
+                          <a:srgbClr val="000000"/>
+                        </a:solidFill>
+                        <a:effectLst/>
+                        <a:latin typeface="Calibri" panose="020F0502020204030204" pitchFamily="34" charset="0"/>
+                      </a:endParaRPr>
+                    </a:p>
+                  </a:txBody>
+                  <a:tcPr marL="8328" marR="8328" marT="8328" marB="0" anchor="ctr">
+                    <a:solidFill>
+                      <a:schemeClr val="bg2">
+                        <a:lumMod val="90000"/>
+                      </a:schemeClr>
+                    </a:solidFill>
+                  </a:tcPr>
+                </a:tc>
+                <a:tc rowSpan="2">
+                  <a:txBody>
+                    <a:bodyPr/>
+                    <a:lstStyle/>
+                    <a:p>
+                      <a:pPr algn="ctr" fontAlgn="ctr"/>
+                      <a:r>
+                        <a:rPr lang="ru-RU" sz="1000" b="1" u="none" strike="noStrike" dirty="0">
+                          <a:effectLst/>
+                        </a:rPr>
+                        <a:t>Прибыль</a:t>
+                      </a:r>
+                      <a:endParaRPr lang="ru-RU" sz="1000" b="1" i="0" u="none" strike="noStrike" dirty="0">
+                        <a:solidFill>
+                          <a:srgbClr val="000000"/>
+                        </a:solidFill>
+                        <a:effectLst/>
+                        <a:latin typeface="Calibri" panose="020F0502020204030204" pitchFamily="34" charset="0"/>
+                      </a:endParaRPr>
+                    </a:p>
+                  </a:txBody>
+                  <a:tcPr marL="8328" marR="8328" marT="8328" marB="0" anchor="ctr">
+                    <a:solidFill>
+                      <a:schemeClr val="bg2">
+                        <a:lumMod val="90000"/>
+                      </a:schemeClr>
+                    </a:solidFill>
+                  </a:tcPr>
+                </a:tc>
+                <a:tc gridSpan="3">
+                  <a:txBody>
+                    <a:bodyPr/>
+                    <a:lstStyle/>
+                    <a:p>
+                      <a:pPr algn="ctr" fontAlgn="ctr"/>
+                      <a:r>
+                        <a:rPr lang="ru-RU" sz="1000" b="1" u="none" strike="noStrike" dirty="0">
+                          <a:effectLst/>
+                        </a:rPr>
+                        <a:t>Истец</a:t>
+                      </a:r>
+                      <a:endParaRPr lang="ru-RU" sz="1000" b="1" i="0" u="none" strike="noStrike" dirty="0">
+                        <a:solidFill>
+                          <a:srgbClr val="000000"/>
+                        </a:solidFill>
+                        <a:effectLst/>
+                        <a:latin typeface="Calibri" panose="020F0502020204030204" pitchFamily="34" charset="0"/>
+                      </a:endParaRPr>
+                    </a:p>
+                  </a:txBody>
+                  <a:tcPr marL="8328" marR="8328" marT="8328" marB="0" anchor="ctr">
+                    <a:solidFill>
+                      <a:schemeClr val="bg2">
+                        <a:lumMod val="90000"/>
+                      </a:schemeClr>
+                    </a:solidFill>
+                  </a:tcPr>
+                </a:tc>
+                <a:tc hMerge="1">
+                  <a:txBody>
+                    <a:bodyPr/>
+                    <a:lstStyle/>
+                    <a:p>
+                      <a:endParaRPr lang="ru-RU"/>
+                    </a:p>
+                  </a:txBody>
+                  <a:tcPr/>
+                </a:tc>
+                <a:tc hMerge="1">
+                  <a:txBody>
+                    <a:bodyPr/>
+                    <a:lstStyle/>
+                    <a:p>
+                      <a:endParaRPr lang="ru-RU"/>
+                    </a:p>
+                  </a:txBody>
+                  <a:tcPr/>
+                </a:tc>
+                <a:tc gridSpan="3">
+                  <a:txBody>
+                    <a:bodyPr/>
+                    <a:lstStyle/>
+                    <a:p>
+                      <a:pPr algn="ctr" fontAlgn="ctr"/>
+                      <a:r>
+                        <a:rPr lang="ru-RU" sz="1000" b="1" u="none" strike="noStrike">
+                          <a:effectLst/>
+                        </a:rPr>
+                        <a:t>Ответчик</a:t>
+                      </a:r>
+                      <a:endParaRPr lang="ru-RU" sz="1000" b="1" i="0" u="none" strike="noStrike">
+                        <a:solidFill>
+                          <a:srgbClr val="000000"/>
+                        </a:solidFill>
+                        <a:effectLst/>
+                        <a:latin typeface="Calibri" panose="020F0502020204030204" pitchFamily="34" charset="0"/>
+                      </a:endParaRPr>
+                    </a:p>
+                  </a:txBody>
+                  <a:tcPr marL="8328" marR="8328" marT="8328" marB="0" anchor="ctr">
+                    <a:solidFill>
+                      <a:schemeClr val="bg2">
+                        <a:lumMod val="90000"/>
+                      </a:schemeClr>
+                    </a:solidFill>
+                  </a:tcPr>
+                </a:tc>
+                <a:tc hMerge="1">
+                  <a:txBody>
+                    <a:bodyPr/>
+                    <a:lstStyle/>
+                    <a:p>
+                      <a:endParaRPr lang="ru-RU"/>
+                    </a:p>
+                  </a:txBody>
+                  <a:tcPr/>
+                </a:tc>
+                <a:tc hMerge="1">
+                  <a:txBody>
+                    <a:bodyPr/>
+                    <a:lstStyle/>
+                    <a:p>
+                      <a:endParaRPr lang="ru-RU"/>
+                    </a:p>
+                  </a:txBody>
+                  <a:tcPr/>
+                </a:tc>
+                <a:tc rowSpan="2">
+                  <a:txBody>
+                    <a:bodyPr/>
+                    <a:lstStyle/>
+                    <a:p>
+                      <a:pPr algn="ctr" fontAlgn="ctr"/>
+                      <a:r>
+                        <a:rPr lang="ru-RU" sz="1000" b="1" u="none" strike="noStrike">
+                          <a:effectLst/>
+                        </a:rPr>
+                        <a:t>Уставный капитал</a:t>
+                      </a:r>
+                      <a:endParaRPr lang="ru-RU" sz="1000" b="1" i="0" u="none" strike="noStrike">
+                        <a:solidFill>
+                          <a:srgbClr val="000000"/>
+                        </a:solidFill>
+                        <a:effectLst/>
+                        <a:latin typeface="Calibri" panose="020F0502020204030204" pitchFamily="34" charset="0"/>
+                      </a:endParaRPr>
+                    </a:p>
+                  </a:txBody>
+                  <a:tcPr marL="8328" marR="8328" marT="8328" marB="0" anchor="ctr">
+                    <a:solidFill>
+                      <a:schemeClr val="bg2">
+                        <a:lumMod val="90000"/>
+                      </a:schemeClr>
+                    </a:solidFill>
+                  </a:tcPr>
+                </a:tc>
+                <a:tc rowSpan="2">
+                  <a:txBody>
+                    <a:bodyPr/>
+                    <a:lstStyle/>
+                    <a:p>
+                      <a:pPr algn="ctr" fontAlgn="ctr"/>
+                      <a:r>
+                        <a:rPr lang="ru-RU" sz="1000" b="1" u="none" strike="noStrike" dirty="0">
+                          <a:effectLst/>
+                        </a:rPr>
+                        <a:t>Стоимость</a:t>
+                      </a:r>
+                      <a:endParaRPr lang="ru-RU" sz="1000" b="1" i="0" u="none" strike="noStrike" dirty="0">
+                        <a:solidFill>
+                          <a:srgbClr val="000000"/>
+                        </a:solidFill>
+                        <a:effectLst/>
+                        <a:latin typeface="Calibri" panose="020F0502020204030204" pitchFamily="34" charset="0"/>
+                      </a:endParaRPr>
+                    </a:p>
+                  </a:txBody>
+                  <a:tcPr marL="8328" marR="8328" marT="8328" marB="0" anchor="ctr">
+                    <a:solidFill>
+                      <a:schemeClr val="bg2">
+                        <a:lumMod val="90000"/>
+                      </a:schemeClr>
+                    </a:solidFill>
+                  </a:tcPr>
+                </a:tc>
+                <a:tc gridSpan="2">
+                  <a:txBody>
+                    <a:bodyPr/>
+                    <a:lstStyle/>
+                    <a:p>
+                      <a:pPr algn="ctr" fontAlgn="ctr"/>
+                      <a:r>
+                        <a:rPr lang="ru-RU" sz="1000" b="1" u="none" strike="noStrike">
+                          <a:effectLst/>
+                        </a:rPr>
+                        <a:t>Тендер</a:t>
+                      </a:r>
+                      <a:endParaRPr lang="ru-RU" sz="1000" b="1" i="0" u="none" strike="noStrike">
+                        <a:solidFill>
+                          <a:srgbClr val="000000"/>
+                        </a:solidFill>
+                        <a:effectLst/>
+                        <a:latin typeface="Calibri" panose="020F0502020204030204" pitchFamily="34" charset="0"/>
+                      </a:endParaRPr>
+                    </a:p>
+                  </a:txBody>
+                  <a:tcPr marL="8328" marR="8328" marT="8328" marB="0" anchor="ctr">
+                    <a:solidFill>
+                      <a:schemeClr val="bg2">
+                        <a:lumMod val="90000"/>
+                      </a:schemeClr>
+                    </a:solidFill>
+                  </a:tcPr>
+                </a:tc>
+                <a:tc hMerge="1">
+                  <a:txBody>
+                    <a:bodyPr/>
+                    <a:lstStyle/>
+                    <a:p>
+                      <a:endParaRPr lang="ru-RU"/>
+                    </a:p>
+                  </a:txBody>
+                  <a:tcPr/>
+                </a:tc>
+                <a:tc rowSpan="2">
+                  <a:txBody>
+                    <a:bodyPr/>
+                    <a:lstStyle/>
+                    <a:p>
+                      <a:pPr algn="ctr" fontAlgn="ctr"/>
+                      <a:r>
+                        <a:rPr lang="ru-RU" sz="1000" b="1" u="none" strike="noStrike">
+                          <a:effectLst/>
+                        </a:rPr>
+                        <a:t>Госконтракты</a:t>
+                      </a:r>
+                      <a:endParaRPr lang="ru-RU" sz="1000" b="1" i="0" u="none" strike="noStrike">
+                        <a:solidFill>
+                          <a:srgbClr val="000000"/>
+                        </a:solidFill>
+                        <a:effectLst/>
+                        <a:latin typeface="Calibri" panose="020F0502020204030204" pitchFamily="34" charset="0"/>
+                      </a:endParaRPr>
+                    </a:p>
+                  </a:txBody>
+                  <a:tcPr marL="8328" marR="8328" marT="8328" marB="0" anchor="ctr">
+                    <a:solidFill>
+                      <a:schemeClr val="bg2">
+                        <a:lumMod val="90000"/>
+                      </a:schemeClr>
+                    </a:solidFill>
+                  </a:tcPr>
+                </a:tc>
+                <a:tc gridSpan="2">
+                  <a:txBody>
+                    <a:bodyPr/>
+                    <a:lstStyle/>
+                    <a:p>
+                      <a:pPr algn="ctr" fontAlgn="ctr"/>
+                      <a:r>
+                        <a:rPr lang="ru-RU" sz="1000" b="1" u="none" strike="noStrike">
+                          <a:effectLst/>
+                        </a:rPr>
+                        <a:t>Надежность</a:t>
+                      </a:r>
+                      <a:endParaRPr lang="ru-RU" sz="1000" b="1" i="0" u="none" strike="noStrike">
+                        <a:solidFill>
+                          <a:srgbClr val="000000"/>
+                        </a:solidFill>
+                        <a:effectLst/>
+                        <a:latin typeface="Calibri" panose="020F0502020204030204" pitchFamily="34" charset="0"/>
+                      </a:endParaRPr>
+                    </a:p>
+                  </a:txBody>
+                  <a:tcPr marL="8328" marR="8328" marT="8328" marB="0" anchor="ctr">
+                    <a:solidFill>
+                      <a:schemeClr val="bg2">
+                        <a:lumMod val="90000"/>
+                      </a:schemeClr>
+                    </a:solidFill>
+                  </a:tcPr>
+                </a:tc>
+                <a:tc hMerge="1">
+                  <a:txBody>
+                    <a:bodyPr/>
+                    <a:lstStyle/>
+                    <a:p>
+                      <a:endParaRPr lang="ru-RU"/>
+                    </a:p>
+                  </a:txBody>
+                  <a:tcPr/>
+                </a:tc>
+                <a:extLst>
+                  <a:ext uri="{0D108BD9-81ED-4DB2-BD59-A6C34878D82A}">
+                    <a16:rowId xmlns:a16="http://schemas.microsoft.com/office/drawing/2014/main" val="1739288968"/>
+                  </a:ext>
+                </a:extLst>
+              </a:tr>
+              <a:tr h="264833">
+                <a:tc vMerge="1">
+                  <a:txBody>
+                    <a:bodyPr/>
+                    <a:lstStyle/>
+                    <a:p>
+                      <a:endParaRPr lang="ru-RU"/>
+                    </a:p>
+                  </a:txBody>
+                  <a:tcPr/>
+                </a:tc>
+                <a:tc vMerge="1">
+                  <a:txBody>
+                    <a:bodyPr/>
+                    <a:lstStyle/>
+                    <a:p>
+                      <a:endParaRPr lang="ru-RU"/>
+                    </a:p>
+                  </a:txBody>
+                  <a:tcPr/>
+                </a:tc>
+                <a:tc vMerge="1">
+                  <a:txBody>
+                    <a:bodyPr/>
+                    <a:lstStyle/>
+                    <a:p>
+                      <a:endParaRPr lang="ru-RU"/>
+                    </a:p>
+                  </a:txBody>
+                  <a:tcPr/>
+                </a:tc>
+                <a:tc vMerge="1">
+                  <a:txBody>
+                    <a:bodyPr/>
+                    <a:lstStyle/>
+                    <a:p>
+                      <a:endParaRPr lang="ru-RU"/>
+                    </a:p>
+                  </a:txBody>
+                  <a:tcPr/>
+                </a:tc>
+                <a:tc>
+                  <a:txBody>
+                    <a:bodyPr/>
+                    <a:lstStyle/>
+                    <a:p>
+                      <a:pPr algn="ctr" fontAlgn="ctr"/>
+                      <a:r>
+                        <a:rPr lang="ru-RU" sz="1000" b="1" u="none" strike="noStrike" dirty="0">
+                          <a:effectLst/>
+                        </a:rPr>
+                        <a:t>Выиграл</a:t>
+                      </a:r>
+                      <a:endParaRPr lang="ru-RU" sz="1000" b="1" i="1" u="none" strike="noStrike" dirty="0">
+                        <a:solidFill>
+                          <a:srgbClr val="000000"/>
+                        </a:solidFill>
+                        <a:effectLst/>
+                        <a:latin typeface="Calibri" panose="020F0502020204030204" pitchFamily="34" charset="0"/>
+                      </a:endParaRPr>
+                    </a:p>
+                  </a:txBody>
+                  <a:tcPr marL="8328" marR="8328" marT="8328" marB="0" anchor="ctr">
+                    <a:solidFill>
+                      <a:schemeClr val="bg2">
+                        <a:lumMod val="90000"/>
+                      </a:schemeClr>
+                    </a:solidFill>
+                  </a:tcPr>
+                </a:tc>
+                <a:tc>
+                  <a:txBody>
+                    <a:bodyPr/>
+                    <a:lstStyle/>
+                    <a:p>
+                      <a:pPr algn="ctr" fontAlgn="ctr"/>
+                      <a:r>
+                        <a:rPr lang="ru-RU" sz="1000" b="1" u="none" strike="noStrike" dirty="0">
+                          <a:effectLst/>
+                        </a:rPr>
+                        <a:t>Проиграл</a:t>
+                      </a:r>
+                      <a:endParaRPr lang="ru-RU" sz="1000" b="1" i="1" u="none" strike="noStrike" dirty="0">
+                        <a:solidFill>
+                          <a:srgbClr val="000000"/>
+                        </a:solidFill>
+                        <a:effectLst/>
+                        <a:latin typeface="Calibri" panose="020F0502020204030204" pitchFamily="34" charset="0"/>
+                      </a:endParaRPr>
+                    </a:p>
+                  </a:txBody>
+                  <a:tcPr marL="8328" marR="8328" marT="8328" marB="0" anchor="ctr">
+                    <a:solidFill>
+                      <a:schemeClr val="bg2">
+                        <a:lumMod val="90000"/>
+                      </a:schemeClr>
+                    </a:solidFill>
+                  </a:tcPr>
+                </a:tc>
+                <a:tc>
+                  <a:txBody>
+                    <a:bodyPr/>
+                    <a:lstStyle/>
+                    <a:p>
+                      <a:pPr algn="ctr" fontAlgn="ctr"/>
+                      <a:r>
+                        <a:rPr lang="ru-RU" sz="1000" b="1" u="none" strike="noStrike" dirty="0">
+                          <a:effectLst/>
+                        </a:rPr>
+                        <a:t>Прочие</a:t>
+                      </a:r>
+                      <a:endParaRPr lang="ru-RU" sz="1000" b="1" i="1" u="none" strike="noStrike" dirty="0">
+                        <a:solidFill>
+                          <a:srgbClr val="000000"/>
+                        </a:solidFill>
+                        <a:effectLst/>
+                        <a:latin typeface="Calibri" panose="020F0502020204030204" pitchFamily="34" charset="0"/>
+                      </a:endParaRPr>
+                    </a:p>
+                  </a:txBody>
+                  <a:tcPr marL="8328" marR="8328" marT="8328" marB="0" anchor="ctr">
+                    <a:solidFill>
+                      <a:schemeClr val="bg2">
+                        <a:lumMod val="90000"/>
+                      </a:schemeClr>
+                    </a:solidFill>
+                  </a:tcPr>
+                </a:tc>
+                <a:tc>
+                  <a:txBody>
+                    <a:bodyPr/>
+                    <a:lstStyle/>
+                    <a:p>
+                      <a:pPr algn="ctr" fontAlgn="ctr"/>
+                      <a:r>
+                        <a:rPr lang="ru-RU" sz="1000" b="1" u="none" strike="noStrike" dirty="0">
+                          <a:effectLst/>
+                        </a:rPr>
+                        <a:t>Выиграл</a:t>
+                      </a:r>
+                      <a:endParaRPr lang="ru-RU" sz="1000" b="1" i="1" u="none" strike="noStrike" dirty="0">
+                        <a:solidFill>
+                          <a:srgbClr val="000000"/>
+                        </a:solidFill>
+                        <a:effectLst/>
+                        <a:latin typeface="Calibri" panose="020F0502020204030204" pitchFamily="34" charset="0"/>
+                      </a:endParaRPr>
+                    </a:p>
+                  </a:txBody>
+                  <a:tcPr marL="8328" marR="8328" marT="8328" marB="0" anchor="ctr">
+                    <a:solidFill>
+                      <a:schemeClr val="bg2">
+                        <a:lumMod val="90000"/>
+                      </a:schemeClr>
+                    </a:solidFill>
+                  </a:tcPr>
+                </a:tc>
+                <a:tc>
+                  <a:txBody>
+                    <a:bodyPr/>
+                    <a:lstStyle/>
+                    <a:p>
+                      <a:pPr algn="ctr" fontAlgn="ctr"/>
+                      <a:r>
+                        <a:rPr lang="ru-RU" sz="1000" b="1" u="none" strike="noStrike" dirty="0">
+                          <a:effectLst/>
+                        </a:rPr>
+                        <a:t>Проиграл</a:t>
+                      </a:r>
+                      <a:endParaRPr lang="ru-RU" sz="1000" b="1" i="1" u="none" strike="noStrike" dirty="0">
+                        <a:solidFill>
+                          <a:srgbClr val="000000"/>
+                        </a:solidFill>
+                        <a:effectLst/>
+                        <a:latin typeface="Calibri" panose="020F0502020204030204" pitchFamily="34" charset="0"/>
+                      </a:endParaRPr>
+                    </a:p>
+                  </a:txBody>
+                  <a:tcPr marL="8328" marR="8328" marT="8328" marB="0" anchor="ctr">
+                    <a:solidFill>
+                      <a:schemeClr val="bg2">
+                        <a:lumMod val="90000"/>
+                      </a:schemeClr>
+                    </a:solidFill>
+                  </a:tcPr>
+                </a:tc>
+                <a:tc>
+                  <a:txBody>
+                    <a:bodyPr/>
+                    <a:lstStyle/>
+                    <a:p>
+                      <a:pPr algn="ctr" fontAlgn="ctr"/>
+                      <a:r>
+                        <a:rPr lang="ru-RU" sz="1000" b="1" u="none" strike="noStrike" dirty="0">
+                          <a:effectLst/>
+                        </a:rPr>
+                        <a:t>Прочие</a:t>
+                      </a:r>
+                      <a:endParaRPr lang="ru-RU" sz="1000" b="1" i="1" u="none" strike="noStrike" dirty="0">
+                        <a:solidFill>
+                          <a:srgbClr val="000000"/>
+                        </a:solidFill>
+                        <a:effectLst/>
+                        <a:latin typeface="Calibri" panose="020F0502020204030204" pitchFamily="34" charset="0"/>
+                      </a:endParaRPr>
+                    </a:p>
+                  </a:txBody>
+                  <a:tcPr marL="8328" marR="8328" marT="8328" marB="0" anchor="ctr">
+                    <a:solidFill>
+                      <a:schemeClr val="bg2">
+                        <a:lumMod val="90000"/>
+                      </a:schemeClr>
+                    </a:solidFill>
+                  </a:tcPr>
+                </a:tc>
+                <a:tc vMerge="1">
+                  <a:txBody>
+                    <a:bodyPr/>
+                    <a:lstStyle/>
+                    <a:p>
+                      <a:endParaRPr lang="ru-RU"/>
+                    </a:p>
+                  </a:txBody>
+                  <a:tcPr/>
+                </a:tc>
+                <a:tc vMerge="1">
+                  <a:txBody>
+                    <a:bodyPr/>
+                    <a:lstStyle/>
+                    <a:p>
+                      <a:endParaRPr lang="ru-RU"/>
+                    </a:p>
+                  </a:txBody>
+                  <a:tcPr/>
+                </a:tc>
+                <a:tc>
+                  <a:txBody>
+                    <a:bodyPr/>
+                    <a:lstStyle/>
+                    <a:p>
+                      <a:pPr algn="ctr" fontAlgn="ctr"/>
+                      <a:r>
+                        <a:rPr lang="ru-RU" sz="1000" b="1" u="none" strike="noStrike" dirty="0">
+                          <a:effectLst/>
+                        </a:rPr>
+                        <a:t>Участник</a:t>
+                      </a:r>
+                      <a:endParaRPr lang="ru-RU" sz="1000" b="1" i="1" u="none" strike="noStrike" dirty="0">
+                        <a:solidFill>
+                          <a:srgbClr val="000000"/>
+                        </a:solidFill>
+                        <a:effectLst/>
+                        <a:latin typeface="Calibri" panose="020F0502020204030204" pitchFamily="34" charset="0"/>
+                      </a:endParaRPr>
+                    </a:p>
+                  </a:txBody>
+                  <a:tcPr marL="8328" marR="8328" marT="8328" marB="0" anchor="ctr">
+                    <a:solidFill>
+                      <a:schemeClr val="bg2">
+                        <a:lumMod val="90000"/>
+                      </a:schemeClr>
+                    </a:solidFill>
+                  </a:tcPr>
+                </a:tc>
+                <a:tc>
+                  <a:txBody>
+                    <a:bodyPr/>
+                    <a:lstStyle/>
+                    <a:p>
+                      <a:pPr algn="ctr" fontAlgn="ctr"/>
+                      <a:r>
+                        <a:rPr lang="ru-RU" sz="1000" b="1" u="none" strike="noStrike" dirty="0">
+                          <a:effectLst/>
+                        </a:rPr>
+                        <a:t>Выиграл</a:t>
+                      </a:r>
+                      <a:endParaRPr lang="ru-RU" sz="1000" b="1" i="1" u="none" strike="noStrike" dirty="0">
+                        <a:solidFill>
+                          <a:srgbClr val="000000"/>
+                        </a:solidFill>
+                        <a:effectLst/>
+                        <a:latin typeface="Calibri" panose="020F0502020204030204" pitchFamily="34" charset="0"/>
+                      </a:endParaRPr>
+                    </a:p>
+                  </a:txBody>
+                  <a:tcPr marL="8328" marR="8328" marT="8328" marB="0" anchor="ctr">
+                    <a:solidFill>
+                      <a:schemeClr val="bg2">
+                        <a:lumMod val="90000"/>
+                      </a:schemeClr>
+                    </a:solidFill>
+                  </a:tcPr>
+                </a:tc>
+                <a:tc vMerge="1">
+                  <a:txBody>
+                    <a:bodyPr/>
+                    <a:lstStyle/>
+                    <a:p>
+                      <a:endParaRPr lang="ru-RU"/>
+                    </a:p>
+                  </a:txBody>
+                  <a:tcPr/>
+                </a:tc>
+                <a:tc>
+                  <a:txBody>
+                    <a:bodyPr/>
+                    <a:lstStyle/>
+                    <a:p>
+                      <a:pPr algn="ctr" fontAlgn="ctr"/>
+                      <a:r>
+                        <a:rPr lang="ru-RU" sz="1000" b="1" u="none" strike="noStrike" dirty="0">
+                          <a:effectLst/>
+                        </a:rPr>
+                        <a:t>Плюсы</a:t>
+                      </a:r>
+                      <a:endParaRPr lang="ru-RU" sz="1000" b="1" i="1" u="none" strike="noStrike" dirty="0">
+                        <a:solidFill>
+                          <a:srgbClr val="000000"/>
+                        </a:solidFill>
+                        <a:effectLst/>
+                        <a:latin typeface="Calibri" panose="020F0502020204030204" pitchFamily="34" charset="0"/>
+                      </a:endParaRPr>
+                    </a:p>
+                  </a:txBody>
+                  <a:tcPr marL="8328" marR="8328" marT="8328" marB="0" anchor="ctr">
+                    <a:solidFill>
+                      <a:schemeClr val="bg2">
+                        <a:lumMod val="90000"/>
+                      </a:schemeClr>
+                    </a:solidFill>
+                  </a:tcPr>
+                </a:tc>
+                <a:tc>
+                  <a:txBody>
+                    <a:bodyPr/>
+                    <a:lstStyle/>
+                    <a:p>
+                      <a:pPr algn="ctr" fontAlgn="ctr"/>
+                      <a:r>
+                        <a:rPr lang="ru-RU" sz="1000" b="1" u="none" strike="noStrike" dirty="0">
+                          <a:effectLst/>
+                        </a:rPr>
+                        <a:t>Минусы</a:t>
+                      </a:r>
+                      <a:endParaRPr lang="ru-RU" sz="1000" b="1" i="1" u="none" strike="noStrike" dirty="0">
+                        <a:solidFill>
+                          <a:srgbClr val="000000"/>
+                        </a:solidFill>
+                        <a:effectLst/>
+                        <a:latin typeface="Calibri" panose="020F0502020204030204" pitchFamily="34" charset="0"/>
+                      </a:endParaRPr>
+                    </a:p>
+                  </a:txBody>
+                  <a:tcPr marL="8328" marR="8328" marT="8328" marB="0" anchor="ctr">
+                    <a:solidFill>
+                      <a:schemeClr val="bg2">
+                        <a:lumMod val="90000"/>
+                      </a:schemeClr>
+                    </a:solidFill>
+                  </a:tcPr>
+                </a:tc>
+                <a:extLst>
+                  <a:ext uri="{0D108BD9-81ED-4DB2-BD59-A6C34878D82A}">
+                    <a16:rowId xmlns:a16="http://schemas.microsoft.com/office/drawing/2014/main" val="1989300678"/>
+                  </a:ext>
+                </a:extLst>
+              </a:tr>
+              <a:tr h="301477">
+                <a:tc>
+                  <a:txBody>
+                    <a:bodyPr/>
+                    <a:lstStyle/>
+                    <a:p>
+                      <a:pPr algn="ctr" fontAlgn="b"/>
+                      <a:r>
+                        <a:rPr lang="ru-RU" sz="1000" u="none" strike="noStrike" dirty="0">
+                          <a:effectLst/>
+                        </a:rPr>
+                        <a:t>Северсталь, ПАО</a:t>
+                      </a:r>
+                      <a:endParaRPr lang="ru-RU" sz="1000" b="0" i="1" u="none" strike="noStrike" dirty="0">
+                        <a:solidFill>
+                          <a:srgbClr val="000000"/>
+                        </a:solidFill>
+                        <a:effectLst/>
+                        <a:latin typeface="Calibri" panose="020F0502020204030204" pitchFamily="34" charset="0"/>
+                      </a:endParaRPr>
+                    </a:p>
+                  </a:txBody>
+                  <a:tcPr marL="8328" marR="8328" marT="8328" marB="0" anchor="ctr">
+                    <a:solidFill>
+                      <a:schemeClr val="accent6">
+                        <a:lumMod val="60000"/>
+                        <a:lumOff val="40000"/>
+                      </a:schemeClr>
+                    </a:solidFill>
+                  </a:tcPr>
+                </a:tc>
+                <a:tc>
+                  <a:txBody>
+                    <a:bodyPr/>
+                    <a:lstStyle/>
+                    <a:p>
+                      <a:pPr algn="ctr" fontAlgn="b"/>
+                      <a:r>
+                        <a:rPr lang="ru-RU" sz="1000" u="none" strike="noStrike" dirty="0">
+                          <a:effectLst/>
+                        </a:rPr>
+                        <a:t>24.09.1993</a:t>
+                      </a:r>
+                      <a:endParaRPr lang="ru-RU" sz="1000" b="0" i="1" u="none" strike="noStrike" dirty="0">
+                        <a:solidFill>
+                          <a:srgbClr val="000000"/>
+                        </a:solidFill>
+                        <a:effectLst/>
+                        <a:latin typeface="Calibri" panose="020F0502020204030204" pitchFamily="34" charset="0"/>
+                      </a:endParaRPr>
+                    </a:p>
+                  </a:txBody>
+                  <a:tcPr marL="8328" marR="8328" marT="8328" marB="0" anchor="ctr">
+                    <a:solidFill>
+                      <a:schemeClr val="accent6">
+                        <a:lumMod val="60000"/>
+                        <a:lumOff val="40000"/>
+                      </a:schemeClr>
+                    </a:solidFill>
+                  </a:tcPr>
+                </a:tc>
+                <a:tc>
+                  <a:txBody>
+                    <a:bodyPr/>
+                    <a:lstStyle/>
+                    <a:p>
+                      <a:pPr algn="ctr" fontAlgn="b"/>
+                      <a:r>
+                        <a:rPr lang="ru-RU" sz="1000" u="none" strike="noStrike" dirty="0">
+                          <a:effectLst/>
+                        </a:rPr>
+                        <a:t>450.9 млрд ₽</a:t>
+                      </a:r>
+                      <a:endParaRPr lang="ru-RU" sz="1000" b="0" i="1" u="none" strike="noStrike" dirty="0">
+                        <a:solidFill>
+                          <a:srgbClr val="000000"/>
+                        </a:solidFill>
+                        <a:effectLst/>
+                        <a:latin typeface="Calibri" panose="020F0502020204030204" pitchFamily="34" charset="0"/>
+                      </a:endParaRPr>
+                    </a:p>
+                  </a:txBody>
+                  <a:tcPr marL="8328" marR="8328" marT="8328" marB="0" anchor="ctr">
+                    <a:solidFill>
+                      <a:schemeClr val="accent6">
+                        <a:lumMod val="60000"/>
+                        <a:lumOff val="40000"/>
+                      </a:schemeClr>
+                    </a:solidFill>
+                  </a:tcPr>
+                </a:tc>
+                <a:tc>
+                  <a:txBody>
+                    <a:bodyPr/>
+                    <a:lstStyle/>
+                    <a:p>
+                      <a:pPr algn="ctr" fontAlgn="b"/>
+                      <a:r>
+                        <a:rPr lang="ru-RU" sz="1000" u="none" strike="noStrike" dirty="0">
+                          <a:effectLst/>
+                        </a:rPr>
+                        <a:t>114.9 млрд ₽</a:t>
+                      </a:r>
+                      <a:endParaRPr lang="ru-RU" sz="1000" b="0" i="1" u="none" strike="noStrike" dirty="0">
+                        <a:solidFill>
+                          <a:srgbClr val="000000"/>
+                        </a:solidFill>
+                        <a:effectLst/>
+                        <a:latin typeface="Calibri" panose="020F0502020204030204" pitchFamily="34" charset="0"/>
+                      </a:endParaRPr>
+                    </a:p>
+                  </a:txBody>
+                  <a:tcPr marL="8328" marR="8328" marT="8328" marB="0" anchor="ctr">
+                    <a:solidFill>
+                      <a:schemeClr val="accent6">
+                        <a:lumMod val="60000"/>
+                        <a:lumOff val="40000"/>
+                      </a:schemeClr>
+                    </a:solidFill>
+                  </a:tcPr>
+                </a:tc>
+                <a:tc>
+                  <a:txBody>
+                    <a:bodyPr/>
+                    <a:lstStyle/>
+                    <a:p>
+                      <a:pPr algn="ctr" fontAlgn="b"/>
+                      <a:r>
+                        <a:rPr lang="ru-RU" sz="1000" u="none" strike="noStrike" dirty="0">
+                          <a:effectLst/>
+                        </a:rPr>
+                        <a:t>81%</a:t>
+                      </a:r>
+                      <a:endParaRPr lang="ru-RU" sz="1000" b="0" i="1" u="none" strike="noStrike" dirty="0">
+                        <a:solidFill>
+                          <a:srgbClr val="000000"/>
+                        </a:solidFill>
+                        <a:effectLst/>
+                        <a:latin typeface="Calibri" panose="020F0502020204030204" pitchFamily="34" charset="0"/>
+                      </a:endParaRPr>
+                    </a:p>
+                  </a:txBody>
+                  <a:tcPr marL="8328" marR="8328" marT="8328" marB="0" anchor="ctr">
+                    <a:solidFill>
+                      <a:schemeClr val="accent6">
+                        <a:lumMod val="60000"/>
+                        <a:lumOff val="40000"/>
+                      </a:schemeClr>
+                    </a:solidFill>
+                  </a:tcPr>
+                </a:tc>
+                <a:tc>
+                  <a:txBody>
+                    <a:bodyPr/>
+                    <a:lstStyle/>
+                    <a:p>
+                      <a:pPr algn="ctr" fontAlgn="b"/>
+                      <a:r>
+                        <a:rPr lang="ru-RU" sz="1000" u="none" strike="noStrike" dirty="0">
+                          <a:effectLst/>
+                        </a:rPr>
+                        <a:t>3%</a:t>
+                      </a:r>
+                      <a:endParaRPr lang="ru-RU" sz="1000" b="0" i="1" u="none" strike="noStrike" dirty="0">
+                        <a:solidFill>
+                          <a:srgbClr val="000000"/>
+                        </a:solidFill>
+                        <a:effectLst/>
+                        <a:latin typeface="Calibri" panose="020F0502020204030204" pitchFamily="34" charset="0"/>
+                      </a:endParaRPr>
+                    </a:p>
+                  </a:txBody>
+                  <a:tcPr marL="8328" marR="8328" marT="8328" marB="0" anchor="ctr">
+                    <a:solidFill>
+                      <a:schemeClr val="accent6">
+                        <a:lumMod val="60000"/>
+                        <a:lumOff val="40000"/>
+                      </a:schemeClr>
+                    </a:solidFill>
+                  </a:tcPr>
+                </a:tc>
+                <a:tc>
+                  <a:txBody>
+                    <a:bodyPr/>
+                    <a:lstStyle/>
+                    <a:p>
+                      <a:pPr algn="ctr" fontAlgn="b"/>
+                      <a:r>
+                        <a:rPr lang="ru-RU" sz="1000" u="none" strike="noStrike" dirty="0">
+                          <a:effectLst/>
+                        </a:rPr>
+                        <a:t>16%</a:t>
+                      </a:r>
+                      <a:endParaRPr lang="ru-RU" sz="1000" b="0" i="1" u="none" strike="noStrike" dirty="0">
+                        <a:solidFill>
+                          <a:srgbClr val="000000"/>
+                        </a:solidFill>
+                        <a:effectLst/>
+                        <a:latin typeface="Calibri" panose="020F0502020204030204" pitchFamily="34" charset="0"/>
+                      </a:endParaRPr>
+                    </a:p>
+                  </a:txBody>
+                  <a:tcPr marL="8328" marR="8328" marT="8328" marB="0" anchor="ctr">
+                    <a:solidFill>
+                      <a:schemeClr val="accent6">
+                        <a:lumMod val="60000"/>
+                        <a:lumOff val="40000"/>
+                      </a:schemeClr>
+                    </a:solidFill>
+                  </a:tcPr>
+                </a:tc>
+                <a:tc>
+                  <a:txBody>
+                    <a:bodyPr/>
+                    <a:lstStyle/>
+                    <a:p>
+                      <a:pPr algn="ctr" fontAlgn="b"/>
+                      <a:r>
+                        <a:rPr lang="ru-RU" sz="1000" u="none" strike="noStrike" dirty="0">
+                          <a:effectLst/>
+                        </a:rPr>
+                        <a:t>3%</a:t>
+                      </a:r>
+                      <a:endParaRPr lang="ru-RU" sz="1000" b="0" i="1" u="none" strike="noStrike" dirty="0">
+                        <a:solidFill>
+                          <a:srgbClr val="000000"/>
+                        </a:solidFill>
+                        <a:effectLst/>
+                        <a:latin typeface="Calibri" panose="020F0502020204030204" pitchFamily="34" charset="0"/>
+                      </a:endParaRPr>
+                    </a:p>
+                  </a:txBody>
+                  <a:tcPr marL="8328" marR="8328" marT="8328" marB="0" anchor="ctr">
+                    <a:solidFill>
+                      <a:schemeClr val="accent6">
+                        <a:lumMod val="60000"/>
+                        <a:lumOff val="40000"/>
+                      </a:schemeClr>
+                    </a:solidFill>
+                  </a:tcPr>
+                </a:tc>
+                <a:tc>
+                  <a:txBody>
+                    <a:bodyPr/>
+                    <a:lstStyle/>
+                    <a:p>
+                      <a:pPr algn="ctr" fontAlgn="b"/>
+                      <a:r>
+                        <a:rPr lang="ru-RU" sz="1000" u="none" strike="noStrike" dirty="0">
+                          <a:effectLst/>
+                        </a:rPr>
+                        <a:t>80%</a:t>
+                      </a:r>
+                      <a:endParaRPr lang="ru-RU" sz="1000" b="0" i="1" u="none" strike="noStrike" dirty="0">
+                        <a:solidFill>
+                          <a:srgbClr val="000000"/>
+                        </a:solidFill>
+                        <a:effectLst/>
+                        <a:latin typeface="Calibri" panose="020F0502020204030204" pitchFamily="34" charset="0"/>
+                      </a:endParaRPr>
+                    </a:p>
+                  </a:txBody>
+                  <a:tcPr marL="8328" marR="8328" marT="8328" marB="0" anchor="ctr">
+                    <a:solidFill>
+                      <a:schemeClr val="accent6">
+                        <a:lumMod val="60000"/>
+                        <a:lumOff val="40000"/>
+                      </a:schemeClr>
+                    </a:solidFill>
+                  </a:tcPr>
+                </a:tc>
+                <a:tc>
+                  <a:txBody>
+                    <a:bodyPr/>
+                    <a:lstStyle/>
+                    <a:p>
+                      <a:pPr algn="ctr" fontAlgn="b"/>
+                      <a:r>
+                        <a:rPr lang="ru-RU" sz="1000" u="none" strike="noStrike" dirty="0">
+                          <a:effectLst/>
+                        </a:rPr>
+                        <a:t>17%</a:t>
+                      </a:r>
+                      <a:endParaRPr lang="ru-RU" sz="1000" b="0" i="1" u="none" strike="noStrike" dirty="0">
+                        <a:solidFill>
+                          <a:srgbClr val="000000"/>
+                        </a:solidFill>
+                        <a:effectLst/>
+                        <a:latin typeface="Calibri" panose="020F0502020204030204" pitchFamily="34" charset="0"/>
+                      </a:endParaRPr>
+                    </a:p>
+                  </a:txBody>
+                  <a:tcPr marL="8328" marR="8328" marT="8328" marB="0" anchor="ctr">
+                    <a:solidFill>
+                      <a:schemeClr val="accent6">
+                        <a:lumMod val="60000"/>
+                        <a:lumOff val="40000"/>
+                      </a:schemeClr>
+                    </a:solidFill>
+                  </a:tcPr>
+                </a:tc>
+                <a:tc>
+                  <a:txBody>
+                    <a:bodyPr/>
+                    <a:lstStyle/>
+                    <a:p>
+                      <a:pPr algn="ctr" fontAlgn="b"/>
+                      <a:r>
+                        <a:rPr lang="ru-RU" sz="1000" u="none" strike="noStrike" dirty="0">
+                          <a:effectLst/>
+                        </a:rPr>
+                        <a:t>8.4 млн ₽</a:t>
+                      </a:r>
+                      <a:endParaRPr lang="ru-RU" sz="1000" b="0" i="1" u="none" strike="noStrike" dirty="0">
+                        <a:solidFill>
+                          <a:srgbClr val="000000"/>
+                        </a:solidFill>
+                        <a:effectLst/>
+                        <a:latin typeface="Calibri" panose="020F0502020204030204" pitchFamily="34" charset="0"/>
+                      </a:endParaRPr>
+                    </a:p>
+                  </a:txBody>
+                  <a:tcPr marL="8328" marR="8328" marT="8328" marB="0" anchor="ctr">
+                    <a:solidFill>
+                      <a:schemeClr val="accent6">
+                        <a:lumMod val="60000"/>
+                        <a:lumOff val="40000"/>
+                      </a:schemeClr>
+                    </a:solidFill>
+                  </a:tcPr>
+                </a:tc>
+                <a:tc>
+                  <a:txBody>
+                    <a:bodyPr/>
+                    <a:lstStyle/>
+                    <a:p>
+                      <a:pPr algn="ctr" fontAlgn="b"/>
+                      <a:r>
+                        <a:rPr lang="ru-RU" sz="1000" u="none" strike="noStrike" dirty="0">
+                          <a:effectLst/>
+                        </a:rPr>
+                        <a:t>2153.1 млрд ₽</a:t>
+                      </a:r>
+                      <a:endParaRPr lang="ru-RU" sz="1000" b="0" i="1" u="none" strike="noStrike" dirty="0">
+                        <a:solidFill>
+                          <a:srgbClr val="000000"/>
+                        </a:solidFill>
+                        <a:effectLst/>
+                        <a:latin typeface="Calibri" panose="020F0502020204030204" pitchFamily="34" charset="0"/>
+                      </a:endParaRPr>
+                    </a:p>
+                  </a:txBody>
+                  <a:tcPr marL="8328" marR="8328" marT="8328" marB="0" anchor="ctr">
+                    <a:solidFill>
+                      <a:schemeClr val="accent6">
+                        <a:lumMod val="60000"/>
+                        <a:lumOff val="40000"/>
+                      </a:schemeClr>
+                    </a:solidFill>
+                  </a:tcPr>
+                </a:tc>
+                <a:tc>
+                  <a:txBody>
+                    <a:bodyPr/>
+                    <a:lstStyle/>
+                    <a:p>
+                      <a:pPr algn="ctr" fontAlgn="b"/>
+                      <a:r>
+                        <a:rPr lang="ru-RU" sz="1000" u="none" strike="noStrike" dirty="0">
+                          <a:effectLst/>
+                        </a:rPr>
+                        <a:t>607</a:t>
+                      </a:r>
+                      <a:endParaRPr lang="ru-RU" sz="1000" b="0" i="1" u="none" strike="noStrike" dirty="0">
+                        <a:solidFill>
+                          <a:srgbClr val="000000"/>
+                        </a:solidFill>
+                        <a:effectLst/>
+                        <a:latin typeface="Calibri" panose="020F0502020204030204" pitchFamily="34" charset="0"/>
+                      </a:endParaRPr>
+                    </a:p>
+                  </a:txBody>
+                  <a:tcPr marL="8328" marR="8328" marT="8328" marB="0" anchor="ctr">
+                    <a:solidFill>
+                      <a:schemeClr val="accent6">
+                        <a:lumMod val="60000"/>
+                        <a:lumOff val="40000"/>
+                      </a:schemeClr>
+                    </a:solidFill>
+                  </a:tcPr>
+                </a:tc>
+                <a:tc>
+                  <a:txBody>
+                    <a:bodyPr/>
+                    <a:lstStyle/>
+                    <a:p>
+                      <a:pPr algn="ctr" fontAlgn="b"/>
+                      <a:r>
+                        <a:rPr lang="ru-RU" sz="1000" u="none" strike="noStrike" dirty="0">
+                          <a:effectLst/>
+                        </a:rPr>
+                        <a:t>304</a:t>
+                      </a:r>
+                      <a:endParaRPr lang="ru-RU" sz="1000" b="0" i="1" u="none" strike="noStrike" dirty="0">
+                        <a:solidFill>
+                          <a:srgbClr val="000000"/>
+                        </a:solidFill>
+                        <a:effectLst/>
+                        <a:latin typeface="Calibri" panose="020F0502020204030204" pitchFamily="34" charset="0"/>
+                      </a:endParaRPr>
+                    </a:p>
+                  </a:txBody>
+                  <a:tcPr marL="8328" marR="8328" marT="8328" marB="0" anchor="ctr">
+                    <a:solidFill>
+                      <a:schemeClr val="accent6">
+                        <a:lumMod val="60000"/>
+                        <a:lumOff val="40000"/>
+                      </a:schemeClr>
+                    </a:solidFill>
+                  </a:tcPr>
+                </a:tc>
+                <a:tc>
+                  <a:txBody>
+                    <a:bodyPr/>
+                    <a:lstStyle/>
+                    <a:p>
+                      <a:pPr algn="ctr" fontAlgn="b"/>
+                      <a:r>
+                        <a:rPr lang="ru-RU" sz="1000" u="none" strike="noStrike" dirty="0">
+                          <a:effectLst/>
+                        </a:rPr>
+                        <a:t>393</a:t>
+                      </a:r>
+                      <a:endParaRPr lang="ru-RU" sz="1000" b="0" i="1" u="none" strike="noStrike" dirty="0">
+                        <a:solidFill>
+                          <a:srgbClr val="000000"/>
+                        </a:solidFill>
+                        <a:effectLst/>
+                        <a:latin typeface="Calibri" panose="020F0502020204030204" pitchFamily="34" charset="0"/>
+                      </a:endParaRPr>
+                    </a:p>
+                  </a:txBody>
+                  <a:tcPr marL="8328" marR="8328" marT="8328" marB="0" anchor="ctr">
+                    <a:solidFill>
+                      <a:schemeClr val="accent6">
+                        <a:lumMod val="60000"/>
+                        <a:lumOff val="40000"/>
+                      </a:schemeClr>
+                    </a:solidFill>
+                  </a:tcPr>
+                </a:tc>
+                <a:tc>
+                  <a:txBody>
+                    <a:bodyPr/>
+                    <a:lstStyle/>
+                    <a:p>
+                      <a:pPr algn="ctr" fontAlgn="b"/>
+                      <a:r>
+                        <a:rPr lang="ru-RU" sz="1000" u="none" strike="noStrike" dirty="0">
+                          <a:effectLst/>
+                        </a:rPr>
+                        <a:t>+ 97</a:t>
+                      </a:r>
+                      <a:endParaRPr lang="ru-RU" sz="1000" b="0" i="1" u="none" strike="noStrike" dirty="0">
+                        <a:solidFill>
+                          <a:srgbClr val="000000"/>
+                        </a:solidFill>
+                        <a:effectLst/>
+                        <a:latin typeface="Calibri" panose="020F0502020204030204" pitchFamily="34" charset="0"/>
+                      </a:endParaRPr>
+                    </a:p>
+                  </a:txBody>
+                  <a:tcPr marL="8328" marR="8328" marT="8328" marB="0" anchor="ctr">
+                    <a:solidFill>
+                      <a:schemeClr val="accent6">
+                        <a:lumMod val="60000"/>
+                        <a:lumOff val="40000"/>
+                      </a:schemeClr>
+                    </a:solidFill>
+                  </a:tcPr>
+                </a:tc>
+                <a:tc>
+                  <a:txBody>
+                    <a:bodyPr/>
+                    <a:lstStyle/>
+                    <a:p>
+                      <a:pPr algn="ctr" fontAlgn="b"/>
+                      <a:r>
+                        <a:rPr lang="ru-RU" sz="1000" u="none" strike="noStrike" dirty="0">
+                          <a:effectLst/>
+                        </a:rPr>
+                        <a:t>- 7.2</a:t>
+                      </a:r>
+                      <a:endParaRPr lang="ru-RU" sz="1000" b="0" i="1" u="none" strike="noStrike" dirty="0">
+                        <a:solidFill>
+                          <a:srgbClr val="000000"/>
+                        </a:solidFill>
+                        <a:effectLst/>
+                        <a:latin typeface="Calibri" panose="020F0502020204030204" pitchFamily="34" charset="0"/>
+                      </a:endParaRPr>
+                    </a:p>
+                  </a:txBody>
+                  <a:tcPr marL="8328" marR="8328" marT="8328" marB="0" anchor="ctr">
+                    <a:solidFill>
+                      <a:schemeClr val="accent6">
+                        <a:lumMod val="60000"/>
+                        <a:lumOff val="40000"/>
+                      </a:schemeClr>
+                    </a:solidFill>
+                  </a:tcPr>
+                </a:tc>
+                <a:extLst>
+                  <a:ext uri="{0D108BD9-81ED-4DB2-BD59-A6C34878D82A}">
+                    <a16:rowId xmlns:a16="http://schemas.microsoft.com/office/drawing/2014/main" val="198182013"/>
+                  </a:ext>
+                </a:extLst>
+              </a:tr>
+              <a:tr h="301477">
+                <a:tc>
+                  <a:txBody>
+                    <a:bodyPr/>
+                    <a:lstStyle/>
+                    <a:p>
+                      <a:pPr algn="ctr" fontAlgn="b"/>
+                      <a:r>
+                        <a:rPr lang="ru-RU" sz="1000" u="none" strike="noStrike" dirty="0" err="1">
+                          <a:effectLst/>
+                        </a:rPr>
+                        <a:t>Волгопромтранс</a:t>
+                      </a:r>
+                      <a:r>
+                        <a:rPr lang="ru-RU" sz="1000" u="none" strike="noStrike" dirty="0">
+                          <a:effectLst/>
+                        </a:rPr>
+                        <a:t>, ООО</a:t>
+                      </a:r>
+                      <a:endParaRPr lang="ru-RU" sz="1000" b="0" i="0" u="none" strike="noStrike" dirty="0">
+                        <a:solidFill>
+                          <a:srgbClr val="000000"/>
+                        </a:solidFill>
+                        <a:effectLst/>
+                        <a:latin typeface="Calibri" panose="020F0502020204030204" pitchFamily="34" charset="0"/>
+                      </a:endParaRPr>
+                    </a:p>
+                  </a:txBody>
+                  <a:tcPr marL="8328" marR="8328" marT="8328" marB="0" anchor="ctr"/>
+                </a:tc>
+                <a:tc>
+                  <a:txBody>
+                    <a:bodyPr/>
+                    <a:lstStyle/>
+                    <a:p>
+                      <a:pPr algn="ctr" fontAlgn="b"/>
+                      <a:r>
+                        <a:rPr lang="ru-RU" sz="1000" u="none" strike="noStrike" dirty="0">
+                          <a:effectLst/>
+                        </a:rPr>
+                        <a:t>21.03.1995</a:t>
+                      </a:r>
+                      <a:endParaRPr lang="ru-RU" sz="1000" b="0" i="0" u="none" strike="noStrike" dirty="0">
+                        <a:solidFill>
+                          <a:srgbClr val="000000"/>
+                        </a:solidFill>
+                        <a:effectLst/>
+                        <a:latin typeface="Calibri" panose="020F0502020204030204" pitchFamily="34" charset="0"/>
+                      </a:endParaRPr>
+                    </a:p>
+                  </a:txBody>
+                  <a:tcPr marL="8328" marR="8328" marT="8328" marB="0" anchor="ctr"/>
+                </a:tc>
+                <a:tc>
+                  <a:txBody>
+                    <a:bodyPr/>
+                    <a:lstStyle/>
+                    <a:p>
+                      <a:pPr algn="ctr" fontAlgn="b"/>
+                      <a:r>
+                        <a:rPr lang="ru-RU" sz="1000" u="none" strike="noStrike" dirty="0">
+                          <a:effectLst/>
+                        </a:rPr>
+                        <a:t>1.2 млрд ₽</a:t>
+                      </a:r>
+                      <a:endParaRPr lang="ru-RU" sz="1000" b="0" i="0" u="none" strike="noStrike" dirty="0">
+                        <a:solidFill>
+                          <a:srgbClr val="000000"/>
+                        </a:solidFill>
+                        <a:effectLst/>
+                        <a:latin typeface="Calibri" panose="020F0502020204030204" pitchFamily="34" charset="0"/>
+                      </a:endParaRPr>
+                    </a:p>
+                  </a:txBody>
+                  <a:tcPr marL="8328" marR="8328" marT="8328" marB="0" anchor="ctr"/>
+                </a:tc>
+                <a:tc>
+                  <a:txBody>
+                    <a:bodyPr/>
+                    <a:lstStyle/>
+                    <a:p>
+                      <a:pPr algn="ctr" fontAlgn="b"/>
+                      <a:r>
+                        <a:rPr lang="ru-RU" sz="1000" u="none" strike="noStrike" dirty="0">
+                          <a:effectLst/>
+                        </a:rPr>
+                        <a:t>162.3 млн ₽</a:t>
+                      </a:r>
+                      <a:endParaRPr lang="ru-RU" sz="1000" b="0" i="0" u="none" strike="noStrike" dirty="0">
+                        <a:solidFill>
+                          <a:srgbClr val="000000"/>
+                        </a:solidFill>
+                        <a:effectLst/>
+                        <a:latin typeface="Calibri" panose="020F0502020204030204" pitchFamily="34" charset="0"/>
+                      </a:endParaRPr>
+                    </a:p>
+                  </a:txBody>
+                  <a:tcPr marL="8328" marR="8328" marT="8328" marB="0" anchor="ctr"/>
+                </a:tc>
+                <a:tc>
+                  <a:txBody>
+                    <a:bodyPr/>
+                    <a:lstStyle/>
+                    <a:p>
+                      <a:pPr algn="ctr" fontAlgn="b"/>
+                      <a:r>
+                        <a:rPr lang="ru-RU" sz="1000" u="none" strike="noStrike" dirty="0">
+                          <a:effectLst/>
+                        </a:rPr>
+                        <a:t>36%</a:t>
+                      </a:r>
+                      <a:endParaRPr lang="ru-RU" sz="1000" b="0" i="0" u="none" strike="noStrike" dirty="0">
+                        <a:solidFill>
+                          <a:srgbClr val="000000"/>
+                        </a:solidFill>
+                        <a:effectLst/>
+                        <a:latin typeface="Calibri" panose="020F0502020204030204" pitchFamily="34" charset="0"/>
+                      </a:endParaRPr>
+                    </a:p>
+                  </a:txBody>
+                  <a:tcPr marL="8328" marR="8328" marT="8328" marB="0" anchor="ctr"/>
+                </a:tc>
+                <a:tc>
+                  <a:txBody>
+                    <a:bodyPr/>
+                    <a:lstStyle/>
+                    <a:p>
+                      <a:pPr algn="ctr" fontAlgn="b"/>
+                      <a:r>
+                        <a:rPr lang="ru-RU" sz="1000" u="none" strike="noStrike" dirty="0">
+                          <a:effectLst/>
+                        </a:rPr>
+                        <a:t>8%</a:t>
+                      </a:r>
+                      <a:endParaRPr lang="ru-RU" sz="1000" b="0" i="0" u="none" strike="noStrike" dirty="0">
+                        <a:solidFill>
+                          <a:srgbClr val="000000"/>
+                        </a:solidFill>
+                        <a:effectLst/>
+                        <a:latin typeface="Calibri" panose="020F0502020204030204" pitchFamily="34" charset="0"/>
+                      </a:endParaRPr>
+                    </a:p>
+                  </a:txBody>
+                  <a:tcPr marL="8328" marR="8328" marT="8328" marB="0" anchor="ctr"/>
+                </a:tc>
+                <a:tc>
+                  <a:txBody>
+                    <a:bodyPr/>
+                    <a:lstStyle/>
+                    <a:p>
+                      <a:pPr algn="ctr" fontAlgn="b"/>
+                      <a:r>
+                        <a:rPr lang="ru-RU" sz="1000" u="none" strike="noStrike" dirty="0">
+                          <a:effectLst/>
+                        </a:rPr>
+                        <a:t>56%</a:t>
+                      </a:r>
+                      <a:endParaRPr lang="ru-RU" sz="1000" b="0" i="0" u="none" strike="noStrike" dirty="0">
+                        <a:solidFill>
+                          <a:srgbClr val="000000"/>
+                        </a:solidFill>
+                        <a:effectLst/>
+                        <a:latin typeface="Calibri" panose="020F0502020204030204" pitchFamily="34" charset="0"/>
+                      </a:endParaRPr>
+                    </a:p>
+                  </a:txBody>
+                  <a:tcPr marL="8328" marR="8328" marT="8328" marB="0" anchor="ctr"/>
+                </a:tc>
+                <a:tc>
+                  <a:txBody>
+                    <a:bodyPr/>
+                    <a:lstStyle/>
+                    <a:p>
+                      <a:pPr algn="ctr" fontAlgn="b"/>
+                      <a:r>
+                        <a:rPr lang="ru-RU" sz="1000" u="none" strike="noStrike" dirty="0">
+                          <a:effectLst/>
+                        </a:rPr>
+                        <a:t>12%</a:t>
+                      </a:r>
+                      <a:endParaRPr lang="ru-RU" sz="1000" b="0" i="0" u="none" strike="noStrike" dirty="0">
+                        <a:solidFill>
+                          <a:srgbClr val="000000"/>
+                        </a:solidFill>
+                        <a:effectLst/>
+                        <a:latin typeface="Calibri" panose="020F0502020204030204" pitchFamily="34" charset="0"/>
+                      </a:endParaRPr>
+                    </a:p>
+                  </a:txBody>
+                  <a:tcPr marL="8328" marR="8328" marT="8328" marB="0" anchor="ctr"/>
+                </a:tc>
+                <a:tc>
+                  <a:txBody>
+                    <a:bodyPr/>
+                    <a:lstStyle/>
+                    <a:p>
+                      <a:pPr algn="ctr" fontAlgn="b"/>
+                      <a:r>
+                        <a:rPr lang="ru-RU" sz="1000" u="none" strike="noStrike" dirty="0">
+                          <a:effectLst/>
+                        </a:rPr>
+                        <a:t>50%</a:t>
+                      </a:r>
+                      <a:endParaRPr lang="ru-RU" sz="1000" b="0" i="0" u="none" strike="noStrike" dirty="0">
+                        <a:solidFill>
+                          <a:srgbClr val="000000"/>
+                        </a:solidFill>
+                        <a:effectLst/>
+                        <a:latin typeface="Calibri" panose="020F0502020204030204" pitchFamily="34" charset="0"/>
+                      </a:endParaRPr>
+                    </a:p>
+                  </a:txBody>
+                  <a:tcPr marL="8328" marR="8328" marT="8328" marB="0" anchor="ctr"/>
+                </a:tc>
+                <a:tc>
+                  <a:txBody>
+                    <a:bodyPr/>
+                    <a:lstStyle/>
+                    <a:p>
+                      <a:pPr algn="ctr" fontAlgn="b"/>
+                      <a:r>
+                        <a:rPr lang="ru-RU" sz="1000" u="none" strike="noStrike" dirty="0">
+                          <a:effectLst/>
+                        </a:rPr>
+                        <a:t>38%</a:t>
+                      </a:r>
+                      <a:endParaRPr lang="ru-RU" sz="1000" b="0" i="0" u="none" strike="noStrike" dirty="0">
+                        <a:solidFill>
+                          <a:srgbClr val="000000"/>
+                        </a:solidFill>
+                        <a:effectLst/>
+                        <a:latin typeface="Calibri" panose="020F0502020204030204" pitchFamily="34" charset="0"/>
+                      </a:endParaRPr>
+                    </a:p>
+                  </a:txBody>
+                  <a:tcPr marL="8328" marR="8328" marT="8328" marB="0" anchor="ctr"/>
+                </a:tc>
+                <a:tc>
+                  <a:txBody>
+                    <a:bodyPr/>
+                    <a:lstStyle/>
+                    <a:p>
+                      <a:pPr algn="ctr" fontAlgn="b"/>
+                      <a:r>
+                        <a:rPr lang="ru-RU" sz="1000" u="none" strike="noStrike" dirty="0">
+                          <a:effectLst/>
+                        </a:rPr>
+                        <a:t>40 млн ₽</a:t>
+                      </a:r>
+                      <a:endParaRPr lang="ru-RU" sz="1000" b="0" i="0" u="none" strike="noStrike" dirty="0">
+                        <a:solidFill>
+                          <a:srgbClr val="000000"/>
+                        </a:solidFill>
+                        <a:effectLst/>
+                        <a:latin typeface="Calibri" panose="020F0502020204030204" pitchFamily="34" charset="0"/>
+                      </a:endParaRPr>
+                    </a:p>
+                  </a:txBody>
+                  <a:tcPr marL="8328" marR="8328" marT="8328" marB="0" anchor="ctr"/>
+                </a:tc>
+                <a:tc>
+                  <a:txBody>
+                    <a:bodyPr/>
+                    <a:lstStyle/>
+                    <a:p>
+                      <a:pPr algn="ctr" fontAlgn="b"/>
+                      <a:r>
+                        <a:rPr lang="ru-RU" sz="1000" u="none" strike="noStrike" dirty="0">
+                          <a:effectLst/>
+                        </a:rPr>
+                        <a:t>874.2 млн ₽</a:t>
+                      </a:r>
+                      <a:endParaRPr lang="ru-RU" sz="1000" b="0" i="0" u="none" strike="noStrike" dirty="0">
+                        <a:solidFill>
+                          <a:srgbClr val="000000"/>
+                        </a:solidFill>
+                        <a:effectLst/>
+                        <a:latin typeface="Calibri" panose="020F0502020204030204" pitchFamily="34" charset="0"/>
+                      </a:endParaRPr>
+                    </a:p>
+                  </a:txBody>
+                  <a:tcPr marL="8328" marR="8328" marT="8328" marB="0" anchor="ctr"/>
+                </a:tc>
+                <a:tc>
+                  <a:txBody>
+                    <a:bodyPr/>
+                    <a:lstStyle/>
+                    <a:p>
+                      <a:pPr algn="ctr" fontAlgn="b"/>
+                      <a:r>
+                        <a:rPr lang="ru-RU" sz="1000" u="none" strike="noStrike" dirty="0">
+                          <a:effectLst/>
+                        </a:rPr>
+                        <a:t>1</a:t>
+                      </a:r>
+                      <a:endParaRPr lang="ru-RU" sz="1000" b="0" i="0" u="none" strike="noStrike" dirty="0">
+                        <a:solidFill>
+                          <a:srgbClr val="000000"/>
+                        </a:solidFill>
+                        <a:effectLst/>
+                        <a:latin typeface="Calibri" panose="020F0502020204030204" pitchFamily="34" charset="0"/>
+                      </a:endParaRPr>
+                    </a:p>
+                  </a:txBody>
+                  <a:tcPr marL="8328" marR="8328" marT="8328" marB="0" anchor="ctr"/>
+                </a:tc>
+                <a:tc>
+                  <a:txBody>
+                    <a:bodyPr/>
+                    <a:lstStyle/>
+                    <a:p>
+                      <a:pPr algn="ctr" fontAlgn="b"/>
+                      <a:r>
+                        <a:rPr lang="ru-RU" sz="1000" u="none" strike="noStrike" dirty="0">
+                          <a:effectLst/>
+                        </a:rPr>
+                        <a:t>1</a:t>
+                      </a:r>
+                      <a:endParaRPr lang="ru-RU" sz="1000" b="0" i="0" u="none" strike="noStrike" dirty="0">
+                        <a:solidFill>
+                          <a:srgbClr val="000000"/>
+                        </a:solidFill>
+                        <a:effectLst/>
+                        <a:latin typeface="Calibri" panose="020F0502020204030204" pitchFamily="34" charset="0"/>
+                      </a:endParaRPr>
+                    </a:p>
+                  </a:txBody>
+                  <a:tcPr marL="8328" marR="8328" marT="8328" marB="0" anchor="ctr"/>
+                </a:tc>
+                <a:tc>
+                  <a:txBody>
+                    <a:bodyPr/>
+                    <a:lstStyle/>
+                    <a:p>
+                      <a:pPr algn="ctr" fontAlgn="b"/>
+                      <a:r>
+                        <a:rPr lang="ru-RU" sz="1000" u="none" strike="noStrike" dirty="0">
+                          <a:effectLst/>
+                        </a:rPr>
+                        <a:t> </a:t>
+                      </a:r>
+                      <a:endParaRPr lang="ru-RU" sz="1000" b="0" i="0" u="none" strike="noStrike" dirty="0">
+                        <a:solidFill>
+                          <a:srgbClr val="000000"/>
+                        </a:solidFill>
+                        <a:effectLst/>
+                        <a:latin typeface="Calibri" panose="020F0502020204030204" pitchFamily="34" charset="0"/>
+                      </a:endParaRPr>
+                    </a:p>
+                  </a:txBody>
+                  <a:tcPr marL="8328" marR="8328" marT="8328" marB="0" anchor="ctr"/>
+                </a:tc>
+                <a:tc>
+                  <a:txBody>
+                    <a:bodyPr/>
+                    <a:lstStyle/>
+                    <a:p>
+                      <a:pPr algn="ctr" fontAlgn="b"/>
+                      <a:r>
+                        <a:rPr lang="ru-RU" sz="1000" u="none" strike="noStrike" dirty="0">
+                          <a:effectLst/>
+                        </a:rPr>
+                        <a:t>+ 90</a:t>
+                      </a:r>
+                      <a:endParaRPr lang="ru-RU" sz="1000" b="0" i="0" u="none" strike="noStrike" dirty="0">
+                        <a:solidFill>
+                          <a:srgbClr val="000000"/>
+                        </a:solidFill>
+                        <a:effectLst/>
+                        <a:latin typeface="Calibri" panose="020F0502020204030204" pitchFamily="34" charset="0"/>
+                      </a:endParaRPr>
+                    </a:p>
+                  </a:txBody>
+                  <a:tcPr marL="8328" marR="8328" marT="8328" marB="0" anchor="ctr"/>
+                </a:tc>
+                <a:tc>
+                  <a:txBody>
+                    <a:bodyPr/>
+                    <a:lstStyle/>
+                    <a:p>
+                      <a:pPr algn="ctr" fontAlgn="b"/>
+                      <a:r>
+                        <a:rPr lang="ru-RU" sz="1000" u="none" strike="noStrike" dirty="0">
+                          <a:effectLst/>
+                        </a:rPr>
+                        <a:t>- 2</a:t>
+                      </a:r>
+                      <a:endParaRPr lang="ru-RU" sz="1000" b="0" i="0" u="none" strike="noStrike" dirty="0">
+                        <a:solidFill>
+                          <a:srgbClr val="000000"/>
+                        </a:solidFill>
+                        <a:effectLst/>
+                        <a:latin typeface="Calibri" panose="020F0502020204030204" pitchFamily="34" charset="0"/>
+                      </a:endParaRPr>
+                    </a:p>
+                  </a:txBody>
+                  <a:tcPr marL="8328" marR="8328" marT="8328" marB="0" anchor="ctr"/>
+                </a:tc>
+                <a:extLst>
+                  <a:ext uri="{0D108BD9-81ED-4DB2-BD59-A6C34878D82A}">
+                    <a16:rowId xmlns:a16="http://schemas.microsoft.com/office/drawing/2014/main" val="2944606471"/>
+                  </a:ext>
+                </a:extLst>
+              </a:tr>
+              <a:tr h="301477">
+                <a:tc>
+                  <a:txBody>
+                    <a:bodyPr/>
+                    <a:lstStyle/>
+                    <a:p>
+                      <a:pPr algn="ctr" fontAlgn="b"/>
+                      <a:r>
+                        <a:rPr lang="ru-RU" sz="1000" u="none" strike="noStrike" dirty="0" err="1">
+                          <a:effectLst/>
+                        </a:rPr>
+                        <a:t>Промресурссервис</a:t>
+                      </a:r>
+                      <a:r>
+                        <a:rPr lang="ru-RU" sz="1000" u="none" strike="noStrike" dirty="0">
+                          <a:effectLst/>
+                        </a:rPr>
+                        <a:t>, ООО</a:t>
+                      </a:r>
+                      <a:endParaRPr lang="ru-RU" sz="1000" b="0" i="0" u="none" strike="noStrike" dirty="0">
+                        <a:solidFill>
+                          <a:srgbClr val="000000"/>
+                        </a:solidFill>
+                        <a:effectLst/>
+                        <a:latin typeface="Calibri" panose="020F0502020204030204" pitchFamily="34" charset="0"/>
+                      </a:endParaRPr>
+                    </a:p>
+                  </a:txBody>
+                  <a:tcPr marL="8328" marR="8328" marT="8328" marB="0" anchor="ctr"/>
+                </a:tc>
+                <a:tc>
+                  <a:txBody>
+                    <a:bodyPr/>
+                    <a:lstStyle/>
+                    <a:p>
+                      <a:pPr algn="ctr" fontAlgn="b"/>
+                      <a:r>
+                        <a:rPr lang="ru-RU" sz="1000" u="none" strike="noStrike" dirty="0">
+                          <a:effectLst/>
+                        </a:rPr>
+                        <a:t>11.12.2014</a:t>
+                      </a:r>
+                      <a:endParaRPr lang="ru-RU" sz="1000" b="0" i="0" u="none" strike="noStrike" dirty="0">
+                        <a:solidFill>
+                          <a:srgbClr val="000000"/>
+                        </a:solidFill>
+                        <a:effectLst/>
+                        <a:latin typeface="Calibri" panose="020F0502020204030204" pitchFamily="34" charset="0"/>
+                      </a:endParaRPr>
+                    </a:p>
+                  </a:txBody>
+                  <a:tcPr marL="8328" marR="8328" marT="8328" marB="0" anchor="ctr"/>
+                </a:tc>
+                <a:tc>
+                  <a:txBody>
+                    <a:bodyPr/>
+                    <a:lstStyle/>
+                    <a:p>
+                      <a:pPr algn="ctr" fontAlgn="b"/>
+                      <a:r>
+                        <a:rPr lang="ru-RU" sz="1000" u="none" strike="noStrike" dirty="0">
+                          <a:effectLst/>
+                        </a:rPr>
+                        <a:t>317 млн ₽</a:t>
+                      </a:r>
+                      <a:endParaRPr lang="ru-RU" sz="1000" b="0" i="0" u="none" strike="noStrike" dirty="0">
+                        <a:solidFill>
+                          <a:srgbClr val="000000"/>
+                        </a:solidFill>
+                        <a:effectLst/>
+                        <a:latin typeface="Calibri" panose="020F0502020204030204" pitchFamily="34" charset="0"/>
+                      </a:endParaRPr>
+                    </a:p>
+                  </a:txBody>
+                  <a:tcPr marL="8328" marR="8328" marT="8328" marB="0" anchor="ctr"/>
+                </a:tc>
+                <a:tc>
+                  <a:txBody>
+                    <a:bodyPr/>
+                    <a:lstStyle/>
+                    <a:p>
+                      <a:pPr algn="ctr" fontAlgn="b"/>
+                      <a:r>
+                        <a:rPr lang="ru-RU" sz="1000" u="none" strike="noStrike" dirty="0">
+                          <a:effectLst/>
+                        </a:rPr>
+                        <a:t>2.2 млн ₽</a:t>
+                      </a:r>
+                      <a:endParaRPr lang="ru-RU" sz="1000" b="0" i="0" u="none" strike="noStrike" dirty="0">
+                        <a:solidFill>
+                          <a:srgbClr val="000000"/>
+                        </a:solidFill>
+                        <a:effectLst/>
+                        <a:latin typeface="Calibri" panose="020F0502020204030204" pitchFamily="34" charset="0"/>
+                      </a:endParaRPr>
+                    </a:p>
+                  </a:txBody>
+                  <a:tcPr marL="8328" marR="8328" marT="8328" marB="0" anchor="ctr"/>
+                </a:tc>
+                <a:tc>
+                  <a:txBody>
+                    <a:bodyPr/>
+                    <a:lstStyle/>
+                    <a:p>
+                      <a:pPr algn="ctr" fontAlgn="b"/>
+                      <a:r>
+                        <a:rPr lang="ru-RU" sz="1000" u="none" strike="noStrike" dirty="0">
+                          <a:effectLst/>
+                        </a:rPr>
+                        <a:t>73%</a:t>
+                      </a:r>
+                      <a:endParaRPr lang="ru-RU" sz="1000" b="0" i="0" u="none" strike="noStrike" dirty="0">
+                        <a:solidFill>
+                          <a:srgbClr val="000000"/>
+                        </a:solidFill>
+                        <a:effectLst/>
+                        <a:latin typeface="Calibri" panose="020F0502020204030204" pitchFamily="34" charset="0"/>
+                      </a:endParaRPr>
+                    </a:p>
+                  </a:txBody>
+                  <a:tcPr marL="8328" marR="8328" marT="8328" marB="0" anchor="ctr"/>
+                </a:tc>
+                <a:tc>
+                  <a:txBody>
+                    <a:bodyPr/>
+                    <a:lstStyle/>
+                    <a:p>
+                      <a:pPr algn="ctr" fontAlgn="b"/>
+                      <a:r>
+                        <a:rPr lang="ru-RU" sz="1000" u="none" strike="noStrike" dirty="0">
+                          <a:effectLst/>
+                        </a:rPr>
+                        <a:t>0%</a:t>
+                      </a:r>
+                      <a:endParaRPr lang="ru-RU" sz="1000" b="0" i="0" u="none" strike="noStrike" dirty="0">
+                        <a:solidFill>
+                          <a:srgbClr val="000000"/>
+                        </a:solidFill>
+                        <a:effectLst/>
+                        <a:latin typeface="Calibri" panose="020F0502020204030204" pitchFamily="34" charset="0"/>
+                      </a:endParaRPr>
+                    </a:p>
+                  </a:txBody>
+                  <a:tcPr marL="8328" marR="8328" marT="8328" marB="0" anchor="ctr"/>
+                </a:tc>
+                <a:tc>
+                  <a:txBody>
+                    <a:bodyPr/>
+                    <a:lstStyle/>
+                    <a:p>
+                      <a:pPr algn="ctr" fontAlgn="b"/>
+                      <a:r>
+                        <a:rPr lang="ru-RU" sz="1000" u="none" strike="noStrike">
+                          <a:effectLst/>
+                        </a:rPr>
+                        <a:t>27%</a:t>
+                      </a:r>
+                      <a:endParaRPr lang="ru-RU" sz="1000" b="0" i="0" u="none" strike="noStrike">
+                        <a:solidFill>
+                          <a:srgbClr val="000000"/>
+                        </a:solidFill>
+                        <a:effectLst/>
+                        <a:latin typeface="Calibri" panose="020F0502020204030204" pitchFamily="34" charset="0"/>
+                      </a:endParaRPr>
+                    </a:p>
+                  </a:txBody>
+                  <a:tcPr marL="8328" marR="8328" marT="8328" marB="0" anchor="ctr"/>
+                </a:tc>
+                <a:tc>
+                  <a:txBody>
+                    <a:bodyPr/>
+                    <a:lstStyle/>
+                    <a:p>
+                      <a:pPr algn="ctr" fontAlgn="b"/>
+                      <a:r>
+                        <a:rPr lang="ru-RU" sz="1000" u="none" strike="noStrike">
+                          <a:effectLst/>
+                        </a:rPr>
+                        <a:t>0%</a:t>
+                      </a:r>
+                      <a:endParaRPr lang="ru-RU" sz="1000" b="0" i="0" u="none" strike="noStrike">
+                        <a:solidFill>
+                          <a:srgbClr val="000000"/>
+                        </a:solidFill>
+                        <a:effectLst/>
+                        <a:latin typeface="Calibri" panose="020F0502020204030204" pitchFamily="34" charset="0"/>
+                      </a:endParaRPr>
+                    </a:p>
+                  </a:txBody>
+                  <a:tcPr marL="8328" marR="8328" marT="8328" marB="0" anchor="ctr"/>
+                </a:tc>
+                <a:tc>
+                  <a:txBody>
+                    <a:bodyPr/>
+                    <a:lstStyle/>
+                    <a:p>
+                      <a:pPr algn="ctr" fontAlgn="b"/>
+                      <a:r>
+                        <a:rPr lang="ru-RU" sz="1000" u="none" strike="noStrike">
+                          <a:effectLst/>
+                        </a:rPr>
+                        <a:t>100%</a:t>
+                      </a:r>
+                      <a:endParaRPr lang="ru-RU" sz="1000" b="0" i="0" u="none" strike="noStrike">
+                        <a:solidFill>
+                          <a:srgbClr val="000000"/>
+                        </a:solidFill>
+                        <a:effectLst/>
+                        <a:latin typeface="Calibri" panose="020F0502020204030204" pitchFamily="34" charset="0"/>
+                      </a:endParaRPr>
+                    </a:p>
+                  </a:txBody>
+                  <a:tcPr marL="8328" marR="8328" marT="8328" marB="0" anchor="ctr"/>
+                </a:tc>
+                <a:tc>
+                  <a:txBody>
+                    <a:bodyPr/>
+                    <a:lstStyle/>
+                    <a:p>
+                      <a:pPr algn="ctr" fontAlgn="b"/>
+                      <a:r>
+                        <a:rPr lang="ru-RU" sz="1000" u="none" strike="noStrike">
+                          <a:effectLst/>
+                        </a:rPr>
+                        <a:t>0%</a:t>
+                      </a:r>
+                      <a:endParaRPr lang="ru-RU" sz="1000" b="0" i="0" u="none" strike="noStrike">
+                        <a:solidFill>
+                          <a:srgbClr val="000000"/>
+                        </a:solidFill>
+                        <a:effectLst/>
+                        <a:latin typeface="Calibri" panose="020F0502020204030204" pitchFamily="34" charset="0"/>
+                      </a:endParaRPr>
+                    </a:p>
+                  </a:txBody>
+                  <a:tcPr marL="8328" marR="8328" marT="8328" marB="0" anchor="ctr"/>
+                </a:tc>
+                <a:tc>
+                  <a:txBody>
+                    <a:bodyPr/>
+                    <a:lstStyle/>
+                    <a:p>
+                      <a:pPr algn="ctr" fontAlgn="b"/>
+                      <a:r>
+                        <a:rPr lang="ru-RU" sz="1000" u="none" strike="noStrike">
+                          <a:effectLst/>
+                        </a:rPr>
+                        <a:t>100 тыс ₽</a:t>
+                      </a:r>
+                      <a:endParaRPr lang="ru-RU" sz="1000" b="0" i="0" u="none" strike="noStrike">
+                        <a:solidFill>
+                          <a:srgbClr val="000000"/>
+                        </a:solidFill>
+                        <a:effectLst/>
+                        <a:latin typeface="Calibri" panose="020F0502020204030204" pitchFamily="34" charset="0"/>
+                      </a:endParaRPr>
+                    </a:p>
+                  </a:txBody>
+                  <a:tcPr marL="8328" marR="8328" marT="8328" marB="0" anchor="ctr"/>
+                </a:tc>
+                <a:tc>
+                  <a:txBody>
+                    <a:bodyPr/>
+                    <a:lstStyle/>
+                    <a:p>
+                      <a:pPr algn="ctr" fontAlgn="b"/>
+                      <a:r>
+                        <a:rPr lang="ru-RU" sz="1000" u="none" strike="noStrike">
+                          <a:effectLst/>
+                        </a:rPr>
+                        <a:t>30.5 млн ₽</a:t>
+                      </a:r>
+                      <a:endParaRPr lang="ru-RU" sz="1000" b="0" i="0" u="none" strike="noStrike">
+                        <a:solidFill>
+                          <a:srgbClr val="000000"/>
+                        </a:solidFill>
+                        <a:effectLst/>
+                        <a:latin typeface="Calibri" panose="020F0502020204030204" pitchFamily="34" charset="0"/>
+                      </a:endParaRPr>
+                    </a:p>
+                  </a:txBody>
+                  <a:tcPr marL="8328" marR="8328" marT="8328" marB="0" anchor="ctr"/>
+                </a:tc>
+                <a:tc>
+                  <a:txBody>
+                    <a:bodyPr/>
+                    <a:lstStyle/>
+                    <a:p>
+                      <a:pPr algn="ctr" fontAlgn="b"/>
+                      <a:r>
+                        <a:rPr lang="ru-RU" sz="1000" u="none" strike="noStrike">
+                          <a:effectLst/>
+                        </a:rPr>
+                        <a:t>267</a:t>
+                      </a:r>
+                      <a:endParaRPr lang="ru-RU" sz="1000" b="0" i="0" u="none" strike="noStrike">
+                        <a:solidFill>
+                          <a:srgbClr val="000000"/>
+                        </a:solidFill>
+                        <a:effectLst/>
+                        <a:latin typeface="Calibri" panose="020F0502020204030204" pitchFamily="34" charset="0"/>
+                      </a:endParaRPr>
+                    </a:p>
+                  </a:txBody>
+                  <a:tcPr marL="8328" marR="8328" marT="8328" marB="0" anchor="ctr"/>
+                </a:tc>
+                <a:tc>
+                  <a:txBody>
+                    <a:bodyPr/>
+                    <a:lstStyle/>
+                    <a:p>
+                      <a:pPr algn="ctr" fontAlgn="b"/>
+                      <a:r>
+                        <a:rPr lang="ru-RU" sz="1000" u="none" strike="noStrike">
+                          <a:effectLst/>
+                        </a:rPr>
+                        <a:t>127</a:t>
+                      </a:r>
+                      <a:endParaRPr lang="ru-RU" sz="1000" b="0" i="0" u="none" strike="noStrike">
+                        <a:solidFill>
+                          <a:srgbClr val="000000"/>
+                        </a:solidFill>
+                        <a:effectLst/>
+                        <a:latin typeface="Calibri" panose="020F0502020204030204" pitchFamily="34" charset="0"/>
+                      </a:endParaRPr>
+                    </a:p>
+                  </a:txBody>
+                  <a:tcPr marL="8328" marR="8328" marT="8328" marB="0" anchor="ctr"/>
+                </a:tc>
+                <a:tc>
+                  <a:txBody>
+                    <a:bodyPr/>
+                    <a:lstStyle/>
+                    <a:p>
+                      <a:pPr algn="ctr" fontAlgn="b"/>
+                      <a:r>
+                        <a:rPr lang="ru-RU" sz="1000" u="none" strike="noStrike">
+                          <a:effectLst/>
+                        </a:rPr>
+                        <a:t>45</a:t>
+                      </a:r>
+                      <a:endParaRPr lang="ru-RU" sz="1000" b="0" i="0" u="none" strike="noStrike">
+                        <a:solidFill>
+                          <a:srgbClr val="000000"/>
+                        </a:solidFill>
+                        <a:effectLst/>
+                        <a:latin typeface="Calibri" panose="020F0502020204030204" pitchFamily="34" charset="0"/>
+                      </a:endParaRPr>
+                    </a:p>
+                  </a:txBody>
+                  <a:tcPr marL="8328" marR="8328" marT="8328" marB="0" anchor="ctr"/>
+                </a:tc>
+                <a:tc>
+                  <a:txBody>
+                    <a:bodyPr/>
+                    <a:lstStyle/>
+                    <a:p>
+                      <a:pPr algn="ctr" fontAlgn="b"/>
+                      <a:r>
+                        <a:rPr lang="ru-RU" sz="1000" u="none" strike="noStrike">
+                          <a:effectLst/>
+                        </a:rPr>
+                        <a:t>+ 77</a:t>
+                      </a:r>
+                      <a:endParaRPr lang="ru-RU" sz="1000" b="0" i="0" u="none" strike="noStrike">
+                        <a:solidFill>
+                          <a:srgbClr val="000000"/>
+                        </a:solidFill>
+                        <a:effectLst/>
+                        <a:latin typeface="Calibri" panose="020F0502020204030204" pitchFamily="34" charset="0"/>
+                      </a:endParaRPr>
+                    </a:p>
+                  </a:txBody>
+                  <a:tcPr marL="8328" marR="8328" marT="8328" marB="0" anchor="ctr"/>
+                </a:tc>
+                <a:tc>
+                  <a:txBody>
+                    <a:bodyPr/>
+                    <a:lstStyle/>
+                    <a:p>
+                      <a:pPr algn="ctr" fontAlgn="b"/>
+                      <a:r>
+                        <a:rPr lang="ru-RU" sz="1000" u="none" strike="noStrike">
+                          <a:effectLst/>
+                        </a:rPr>
+                        <a:t>- 6.4</a:t>
+                      </a:r>
+                      <a:endParaRPr lang="ru-RU" sz="1000" b="0" i="0" u="none" strike="noStrike">
+                        <a:solidFill>
+                          <a:srgbClr val="000000"/>
+                        </a:solidFill>
+                        <a:effectLst/>
+                        <a:latin typeface="Calibri" panose="020F0502020204030204" pitchFamily="34" charset="0"/>
+                      </a:endParaRPr>
+                    </a:p>
+                  </a:txBody>
+                  <a:tcPr marL="8328" marR="8328" marT="8328" marB="0" anchor="ctr"/>
+                </a:tc>
+                <a:extLst>
+                  <a:ext uri="{0D108BD9-81ED-4DB2-BD59-A6C34878D82A}">
+                    <a16:rowId xmlns:a16="http://schemas.microsoft.com/office/drawing/2014/main" val="58349290"/>
+                  </a:ext>
+                </a:extLst>
+              </a:tr>
+              <a:tr h="301477">
+                <a:tc>
+                  <a:txBody>
+                    <a:bodyPr/>
+                    <a:lstStyle/>
+                    <a:p>
+                      <a:pPr algn="ctr" fontAlgn="b"/>
+                      <a:r>
+                        <a:rPr lang="ru-RU" sz="1000" u="none" strike="noStrike">
+                          <a:effectLst/>
+                        </a:rPr>
+                        <a:t>ГК "Техмаш", ООО</a:t>
+                      </a:r>
+                      <a:endParaRPr lang="ru-RU" sz="1000" b="0" i="0" u="none" strike="noStrike">
+                        <a:solidFill>
+                          <a:srgbClr val="000000"/>
+                        </a:solidFill>
+                        <a:effectLst/>
+                        <a:latin typeface="Calibri" panose="020F0502020204030204" pitchFamily="34" charset="0"/>
+                      </a:endParaRPr>
+                    </a:p>
+                  </a:txBody>
+                  <a:tcPr marL="8328" marR="8328" marT="8328" marB="0" anchor="ctr"/>
+                </a:tc>
+                <a:tc>
+                  <a:txBody>
+                    <a:bodyPr/>
+                    <a:lstStyle/>
+                    <a:p>
+                      <a:pPr algn="ctr" fontAlgn="b"/>
+                      <a:r>
+                        <a:rPr lang="ru-RU" sz="1000" u="none" strike="noStrike">
+                          <a:effectLst/>
+                        </a:rPr>
+                        <a:t>13.04.2016</a:t>
+                      </a:r>
+                      <a:endParaRPr lang="ru-RU" sz="1000" b="0" i="0" u="none" strike="noStrike">
+                        <a:solidFill>
+                          <a:srgbClr val="000000"/>
+                        </a:solidFill>
+                        <a:effectLst/>
+                        <a:latin typeface="Calibri" panose="020F0502020204030204" pitchFamily="34" charset="0"/>
+                      </a:endParaRPr>
+                    </a:p>
+                  </a:txBody>
+                  <a:tcPr marL="8328" marR="8328" marT="8328" marB="0" anchor="ctr"/>
+                </a:tc>
+                <a:tc>
+                  <a:txBody>
+                    <a:bodyPr/>
+                    <a:lstStyle/>
+                    <a:p>
+                      <a:pPr algn="ctr" fontAlgn="b"/>
+                      <a:r>
+                        <a:rPr lang="ru-RU" sz="1000" u="none" strike="noStrike">
+                          <a:effectLst/>
+                        </a:rPr>
+                        <a:t>158.5 млн ₽</a:t>
+                      </a:r>
+                      <a:endParaRPr lang="ru-RU" sz="1000" b="0" i="0" u="none" strike="noStrike">
+                        <a:solidFill>
+                          <a:srgbClr val="000000"/>
+                        </a:solidFill>
+                        <a:effectLst/>
+                        <a:latin typeface="Calibri" panose="020F0502020204030204" pitchFamily="34" charset="0"/>
+                      </a:endParaRPr>
+                    </a:p>
+                  </a:txBody>
+                  <a:tcPr marL="8328" marR="8328" marT="8328" marB="0" anchor="ctr"/>
+                </a:tc>
+                <a:tc>
+                  <a:txBody>
+                    <a:bodyPr/>
+                    <a:lstStyle/>
+                    <a:p>
+                      <a:pPr algn="ctr" fontAlgn="b"/>
+                      <a:r>
+                        <a:rPr lang="ru-RU" sz="1000" u="none" strike="noStrike">
+                          <a:effectLst/>
+                        </a:rPr>
+                        <a:t>1.9 млн ₽</a:t>
+                      </a:r>
+                      <a:endParaRPr lang="ru-RU" sz="1000" b="0" i="0" u="none" strike="noStrike">
+                        <a:solidFill>
+                          <a:srgbClr val="000000"/>
+                        </a:solidFill>
+                        <a:effectLst/>
+                        <a:latin typeface="Calibri" panose="020F0502020204030204" pitchFamily="34" charset="0"/>
+                      </a:endParaRPr>
+                    </a:p>
+                  </a:txBody>
+                  <a:tcPr marL="8328" marR="8328" marT="8328" marB="0" anchor="ctr"/>
+                </a:tc>
+                <a:tc>
+                  <a:txBody>
+                    <a:bodyPr/>
+                    <a:lstStyle/>
+                    <a:p>
+                      <a:pPr algn="ctr" fontAlgn="b"/>
+                      <a:r>
+                        <a:rPr lang="ru-RU" sz="1000" u="none" strike="noStrike">
+                          <a:effectLst/>
+                        </a:rPr>
+                        <a:t> </a:t>
+                      </a:r>
+                      <a:endParaRPr lang="ru-RU" sz="1000" b="0" i="0" u="none" strike="noStrike">
+                        <a:solidFill>
+                          <a:srgbClr val="000000"/>
+                        </a:solidFill>
+                        <a:effectLst/>
+                        <a:latin typeface="Calibri" panose="020F0502020204030204" pitchFamily="34" charset="0"/>
+                      </a:endParaRPr>
+                    </a:p>
+                  </a:txBody>
+                  <a:tcPr marL="8328" marR="8328" marT="8328" marB="0" anchor="ctr"/>
+                </a:tc>
+                <a:tc>
+                  <a:txBody>
+                    <a:bodyPr/>
+                    <a:lstStyle/>
+                    <a:p>
+                      <a:pPr algn="ctr" fontAlgn="b"/>
+                      <a:r>
+                        <a:rPr lang="ru-RU" sz="1000" u="none" strike="noStrike" dirty="0">
+                          <a:effectLst/>
+                        </a:rPr>
+                        <a:t> </a:t>
+                      </a:r>
+                      <a:endParaRPr lang="ru-RU" sz="1000" b="0" i="0" u="none" strike="noStrike" dirty="0">
+                        <a:solidFill>
+                          <a:srgbClr val="000000"/>
+                        </a:solidFill>
+                        <a:effectLst/>
+                        <a:latin typeface="Calibri" panose="020F0502020204030204" pitchFamily="34" charset="0"/>
+                      </a:endParaRPr>
+                    </a:p>
+                  </a:txBody>
+                  <a:tcPr marL="8328" marR="8328" marT="8328" marB="0" anchor="ctr"/>
+                </a:tc>
+                <a:tc>
+                  <a:txBody>
+                    <a:bodyPr/>
+                    <a:lstStyle/>
+                    <a:p>
+                      <a:pPr algn="ctr" fontAlgn="b"/>
+                      <a:r>
+                        <a:rPr lang="ru-RU" sz="1000" u="none" strike="noStrike" dirty="0">
+                          <a:effectLst/>
+                        </a:rPr>
+                        <a:t> </a:t>
+                      </a:r>
+                      <a:endParaRPr lang="ru-RU" sz="1000" b="0" i="0" u="none" strike="noStrike" dirty="0">
+                        <a:solidFill>
+                          <a:srgbClr val="000000"/>
+                        </a:solidFill>
+                        <a:effectLst/>
+                        <a:latin typeface="Calibri" panose="020F0502020204030204" pitchFamily="34" charset="0"/>
+                      </a:endParaRPr>
+                    </a:p>
+                  </a:txBody>
+                  <a:tcPr marL="8328" marR="8328" marT="8328" marB="0" anchor="ctr"/>
+                </a:tc>
+                <a:tc>
+                  <a:txBody>
+                    <a:bodyPr/>
+                    <a:lstStyle/>
+                    <a:p>
+                      <a:pPr algn="ctr" fontAlgn="b"/>
+                      <a:r>
+                        <a:rPr lang="ru-RU" sz="1000" u="none" strike="noStrike" dirty="0">
+                          <a:effectLst/>
+                        </a:rPr>
+                        <a:t>43%</a:t>
+                      </a:r>
+                      <a:endParaRPr lang="ru-RU" sz="1000" b="0" i="0" u="none" strike="noStrike" dirty="0">
+                        <a:solidFill>
+                          <a:srgbClr val="000000"/>
+                        </a:solidFill>
+                        <a:effectLst/>
+                        <a:latin typeface="Calibri" panose="020F0502020204030204" pitchFamily="34" charset="0"/>
+                      </a:endParaRPr>
+                    </a:p>
+                  </a:txBody>
+                  <a:tcPr marL="8328" marR="8328" marT="8328" marB="0" anchor="ctr"/>
+                </a:tc>
+                <a:tc>
+                  <a:txBody>
+                    <a:bodyPr/>
+                    <a:lstStyle/>
+                    <a:p>
+                      <a:pPr algn="ctr" fontAlgn="b"/>
+                      <a:r>
+                        <a:rPr lang="ru-RU" sz="1000" u="none" strike="noStrike" dirty="0">
+                          <a:effectLst/>
+                        </a:rPr>
+                        <a:t>0%</a:t>
+                      </a:r>
+                      <a:endParaRPr lang="ru-RU" sz="1000" b="0" i="0" u="none" strike="noStrike" dirty="0">
+                        <a:solidFill>
+                          <a:srgbClr val="000000"/>
+                        </a:solidFill>
+                        <a:effectLst/>
+                        <a:latin typeface="Calibri" panose="020F0502020204030204" pitchFamily="34" charset="0"/>
+                      </a:endParaRPr>
+                    </a:p>
+                  </a:txBody>
+                  <a:tcPr marL="8328" marR="8328" marT="8328" marB="0" anchor="ctr"/>
+                </a:tc>
+                <a:tc>
+                  <a:txBody>
+                    <a:bodyPr/>
+                    <a:lstStyle/>
+                    <a:p>
+                      <a:pPr algn="ctr" fontAlgn="b"/>
+                      <a:r>
+                        <a:rPr lang="ru-RU" sz="1000" u="none" strike="noStrike" dirty="0">
+                          <a:effectLst/>
+                        </a:rPr>
+                        <a:t>57%</a:t>
+                      </a:r>
+                      <a:endParaRPr lang="ru-RU" sz="1000" b="0" i="0" u="none" strike="noStrike" dirty="0">
+                        <a:solidFill>
+                          <a:srgbClr val="000000"/>
+                        </a:solidFill>
+                        <a:effectLst/>
+                        <a:latin typeface="Calibri" panose="020F0502020204030204" pitchFamily="34" charset="0"/>
+                      </a:endParaRPr>
+                    </a:p>
+                  </a:txBody>
+                  <a:tcPr marL="8328" marR="8328" marT="8328" marB="0" anchor="ctr"/>
+                </a:tc>
+                <a:tc>
+                  <a:txBody>
+                    <a:bodyPr/>
+                    <a:lstStyle/>
+                    <a:p>
+                      <a:pPr algn="ctr" fontAlgn="b"/>
+                      <a:r>
+                        <a:rPr lang="ru-RU" sz="1000" u="none" strike="noStrike" dirty="0">
+                          <a:effectLst/>
+                        </a:rPr>
+                        <a:t>15 </a:t>
+                      </a:r>
+                      <a:r>
+                        <a:rPr lang="ru-RU" sz="1000" u="none" strike="noStrike" dirty="0" err="1">
+                          <a:effectLst/>
+                        </a:rPr>
+                        <a:t>тыс</a:t>
+                      </a:r>
+                      <a:r>
+                        <a:rPr lang="ru-RU" sz="1000" u="none" strike="noStrike" dirty="0">
+                          <a:effectLst/>
+                        </a:rPr>
+                        <a:t> ₽</a:t>
+                      </a:r>
+                      <a:endParaRPr lang="ru-RU" sz="1000" b="0" i="0" u="none" strike="noStrike" dirty="0">
+                        <a:solidFill>
+                          <a:srgbClr val="000000"/>
+                        </a:solidFill>
+                        <a:effectLst/>
+                        <a:latin typeface="Calibri" panose="020F0502020204030204" pitchFamily="34" charset="0"/>
+                      </a:endParaRPr>
+                    </a:p>
+                  </a:txBody>
+                  <a:tcPr marL="8328" marR="8328" marT="8328" marB="0" anchor="ctr"/>
+                </a:tc>
+                <a:tc>
+                  <a:txBody>
+                    <a:bodyPr/>
+                    <a:lstStyle/>
+                    <a:p>
+                      <a:pPr algn="ctr" fontAlgn="b"/>
+                      <a:r>
+                        <a:rPr lang="ru-RU" sz="1000" u="none" strike="noStrike" dirty="0">
+                          <a:effectLst/>
+                        </a:rPr>
+                        <a:t>55.8 млн ₽</a:t>
+                      </a:r>
+                      <a:endParaRPr lang="ru-RU" sz="1000" b="0" i="0" u="none" strike="noStrike" dirty="0">
+                        <a:solidFill>
+                          <a:srgbClr val="000000"/>
+                        </a:solidFill>
+                        <a:effectLst/>
+                        <a:latin typeface="Calibri" panose="020F0502020204030204" pitchFamily="34" charset="0"/>
+                      </a:endParaRPr>
+                    </a:p>
+                  </a:txBody>
+                  <a:tcPr marL="8328" marR="8328" marT="8328" marB="0" anchor="ctr"/>
+                </a:tc>
+                <a:tc>
+                  <a:txBody>
+                    <a:bodyPr/>
+                    <a:lstStyle/>
+                    <a:p>
+                      <a:pPr algn="ctr" fontAlgn="b"/>
+                      <a:r>
+                        <a:rPr lang="ru-RU" sz="1000" u="none" strike="noStrike" dirty="0">
+                          <a:effectLst/>
+                        </a:rPr>
+                        <a:t>7</a:t>
+                      </a:r>
+                      <a:endParaRPr lang="ru-RU" sz="1000" b="0" i="0" u="none" strike="noStrike" dirty="0">
+                        <a:solidFill>
+                          <a:srgbClr val="000000"/>
+                        </a:solidFill>
+                        <a:effectLst/>
+                        <a:latin typeface="Calibri" panose="020F0502020204030204" pitchFamily="34" charset="0"/>
+                      </a:endParaRPr>
+                    </a:p>
+                  </a:txBody>
+                  <a:tcPr marL="8328" marR="8328" marT="8328" marB="0" anchor="ctr"/>
+                </a:tc>
+                <a:tc>
+                  <a:txBody>
+                    <a:bodyPr/>
+                    <a:lstStyle/>
+                    <a:p>
+                      <a:pPr algn="ctr" fontAlgn="b"/>
+                      <a:r>
+                        <a:rPr lang="ru-RU" sz="1000" u="none" strike="noStrike" dirty="0">
+                          <a:effectLst/>
+                        </a:rPr>
+                        <a:t>4</a:t>
+                      </a:r>
+                      <a:endParaRPr lang="ru-RU" sz="1000" b="0" i="0" u="none" strike="noStrike" dirty="0">
+                        <a:solidFill>
+                          <a:srgbClr val="000000"/>
+                        </a:solidFill>
+                        <a:effectLst/>
+                        <a:latin typeface="Calibri" panose="020F0502020204030204" pitchFamily="34" charset="0"/>
+                      </a:endParaRPr>
+                    </a:p>
+                  </a:txBody>
+                  <a:tcPr marL="8328" marR="8328" marT="8328" marB="0" anchor="ctr"/>
+                </a:tc>
+                <a:tc>
+                  <a:txBody>
+                    <a:bodyPr/>
+                    <a:lstStyle/>
+                    <a:p>
+                      <a:pPr algn="ctr" fontAlgn="b"/>
+                      <a:r>
+                        <a:rPr lang="ru-RU" sz="1000" u="none" strike="noStrike" dirty="0">
+                          <a:effectLst/>
+                        </a:rPr>
+                        <a:t>2</a:t>
+                      </a:r>
+                      <a:endParaRPr lang="ru-RU" sz="1000" b="0" i="0" u="none" strike="noStrike" dirty="0">
+                        <a:solidFill>
+                          <a:srgbClr val="000000"/>
+                        </a:solidFill>
+                        <a:effectLst/>
+                        <a:latin typeface="Calibri" panose="020F0502020204030204" pitchFamily="34" charset="0"/>
+                      </a:endParaRPr>
+                    </a:p>
+                  </a:txBody>
+                  <a:tcPr marL="8328" marR="8328" marT="8328" marB="0" anchor="ctr"/>
+                </a:tc>
+                <a:tc>
+                  <a:txBody>
+                    <a:bodyPr/>
+                    <a:lstStyle/>
+                    <a:p>
+                      <a:pPr algn="ctr" fontAlgn="b"/>
+                      <a:r>
+                        <a:rPr lang="ru-RU" sz="1000" u="none" strike="noStrike" dirty="0">
+                          <a:effectLst/>
+                        </a:rPr>
+                        <a:t>+ 66</a:t>
+                      </a:r>
+                      <a:endParaRPr lang="ru-RU" sz="1000" b="0" i="0" u="none" strike="noStrike" dirty="0">
+                        <a:solidFill>
+                          <a:srgbClr val="000000"/>
+                        </a:solidFill>
+                        <a:effectLst/>
+                        <a:latin typeface="Calibri" panose="020F0502020204030204" pitchFamily="34" charset="0"/>
+                      </a:endParaRPr>
+                    </a:p>
+                  </a:txBody>
+                  <a:tcPr marL="8328" marR="8328" marT="8328" marB="0" anchor="ctr"/>
+                </a:tc>
+                <a:tc>
+                  <a:txBody>
+                    <a:bodyPr/>
+                    <a:lstStyle/>
+                    <a:p>
+                      <a:pPr algn="ctr" fontAlgn="b"/>
+                      <a:r>
+                        <a:rPr lang="ru-RU" sz="1000" u="none" strike="noStrike">
+                          <a:effectLst/>
+                        </a:rPr>
+                        <a:t>- 6.2</a:t>
+                      </a:r>
+                      <a:endParaRPr lang="ru-RU" sz="1000" b="0" i="0" u="none" strike="noStrike">
+                        <a:solidFill>
+                          <a:srgbClr val="000000"/>
+                        </a:solidFill>
+                        <a:effectLst/>
+                        <a:latin typeface="Calibri" panose="020F0502020204030204" pitchFamily="34" charset="0"/>
+                      </a:endParaRPr>
+                    </a:p>
+                  </a:txBody>
+                  <a:tcPr marL="8328" marR="8328" marT="8328" marB="0" anchor="ctr"/>
+                </a:tc>
+                <a:extLst>
+                  <a:ext uri="{0D108BD9-81ED-4DB2-BD59-A6C34878D82A}">
+                    <a16:rowId xmlns:a16="http://schemas.microsoft.com/office/drawing/2014/main" val="3943582892"/>
+                  </a:ext>
+                </a:extLst>
+              </a:tr>
+              <a:tr h="301477">
+                <a:tc>
+                  <a:txBody>
+                    <a:bodyPr/>
+                    <a:lstStyle/>
+                    <a:p>
+                      <a:pPr algn="ctr" fontAlgn="b"/>
+                      <a:r>
+                        <a:rPr lang="ru-RU" sz="1000" u="none" strike="noStrike">
+                          <a:effectLst/>
+                        </a:rPr>
+                        <a:t>ТД "РТИ", ООО</a:t>
+                      </a:r>
+                      <a:endParaRPr lang="ru-RU" sz="1000" b="0" i="0" u="none" strike="noStrike">
+                        <a:solidFill>
+                          <a:srgbClr val="000000"/>
+                        </a:solidFill>
+                        <a:effectLst/>
+                        <a:latin typeface="Calibri" panose="020F0502020204030204" pitchFamily="34" charset="0"/>
+                      </a:endParaRPr>
+                    </a:p>
+                  </a:txBody>
+                  <a:tcPr marL="8328" marR="8328" marT="8328" marB="0" anchor="ctr"/>
+                </a:tc>
+                <a:tc>
+                  <a:txBody>
+                    <a:bodyPr/>
+                    <a:lstStyle/>
+                    <a:p>
+                      <a:pPr algn="ctr" fontAlgn="b"/>
+                      <a:r>
+                        <a:rPr lang="ru-RU" sz="1000" u="none" strike="noStrike">
+                          <a:effectLst/>
+                        </a:rPr>
+                        <a:t>10.12.2009</a:t>
+                      </a:r>
+                      <a:endParaRPr lang="ru-RU" sz="1000" b="0" i="0" u="none" strike="noStrike">
+                        <a:solidFill>
+                          <a:srgbClr val="000000"/>
+                        </a:solidFill>
+                        <a:effectLst/>
+                        <a:latin typeface="Calibri" panose="020F0502020204030204" pitchFamily="34" charset="0"/>
+                      </a:endParaRPr>
+                    </a:p>
+                  </a:txBody>
+                  <a:tcPr marL="8328" marR="8328" marT="8328" marB="0" anchor="ctr"/>
+                </a:tc>
+                <a:tc>
+                  <a:txBody>
+                    <a:bodyPr/>
+                    <a:lstStyle/>
+                    <a:p>
+                      <a:pPr algn="ctr" fontAlgn="b"/>
+                      <a:r>
+                        <a:rPr lang="ru-RU" sz="1000" u="none" strike="noStrike">
+                          <a:effectLst/>
+                        </a:rPr>
+                        <a:t>8.9 млн ₽</a:t>
+                      </a:r>
+                      <a:endParaRPr lang="ru-RU" sz="1000" b="0" i="0" u="none" strike="noStrike">
+                        <a:solidFill>
+                          <a:srgbClr val="000000"/>
+                        </a:solidFill>
+                        <a:effectLst/>
+                        <a:latin typeface="Calibri" panose="020F0502020204030204" pitchFamily="34" charset="0"/>
+                      </a:endParaRPr>
+                    </a:p>
+                  </a:txBody>
+                  <a:tcPr marL="8328" marR="8328" marT="8328" marB="0" anchor="ctr"/>
+                </a:tc>
+                <a:tc>
+                  <a:txBody>
+                    <a:bodyPr/>
+                    <a:lstStyle/>
+                    <a:p>
+                      <a:pPr algn="ctr" fontAlgn="b"/>
+                      <a:r>
+                        <a:rPr lang="ru-RU" sz="1000" u="none" strike="noStrike">
+                          <a:effectLst/>
+                        </a:rPr>
+                        <a:t>193 тыс ₽</a:t>
+                      </a:r>
+                      <a:endParaRPr lang="ru-RU" sz="1000" b="0" i="0" u="none" strike="noStrike">
+                        <a:solidFill>
+                          <a:srgbClr val="000000"/>
+                        </a:solidFill>
+                        <a:effectLst/>
+                        <a:latin typeface="Calibri" panose="020F0502020204030204" pitchFamily="34" charset="0"/>
+                      </a:endParaRPr>
+                    </a:p>
+                  </a:txBody>
+                  <a:tcPr marL="8328" marR="8328" marT="8328" marB="0" anchor="ctr"/>
+                </a:tc>
+                <a:tc>
+                  <a:txBody>
+                    <a:bodyPr/>
+                    <a:lstStyle/>
+                    <a:p>
+                      <a:pPr algn="ctr" fontAlgn="b"/>
+                      <a:r>
+                        <a:rPr lang="ru-RU" sz="1000" u="none" strike="noStrike">
+                          <a:effectLst/>
+                        </a:rPr>
+                        <a:t> </a:t>
+                      </a:r>
+                      <a:endParaRPr lang="ru-RU" sz="1000" b="0" i="0" u="none" strike="noStrike">
+                        <a:solidFill>
+                          <a:srgbClr val="000000"/>
+                        </a:solidFill>
+                        <a:effectLst/>
+                        <a:latin typeface="Calibri" panose="020F0502020204030204" pitchFamily="34" charset="0"/>
+                      </a:endParaRPr>
+                    </a:p>
+                  </a:txBody>
+                  <a:tcPr marL="8328" marR="8328" marT="8328" marB="0" anchor="ctr"/>
+                </a:tc>
+                <a:tc>
+                  <a:txBody>
+                    <a:bodyPr/>
+                    <a:lstStyle/>
+                    <a:p>
+                      <a:pPr algn="ctr" fontAlgn="b"/>
+                      <a:r>
+                        <a:rPr lang="ru-RU" sz="1000" u="none" strike="noStrike">
+                          <a:effectLst/>
+                        </a:rPr>
+                        <a:t> </a:t>
+                      </a:r>
+                      <a:endParaRPr lang="ru-RU" sz="1000" b="0" i="0" u="none" strike="noStrike">
+                        <a:solidFill>
+                          <a:srgbClr val="000000"/>
+                        </a:solidFill>
+                        <a:effectLst/>
+                        <a:latin typeface="Calibri" panose="020F0502020204030204" pitchFamily="34" charset="0"/>
+                      </a:endParaRPr>
+                    </a:p>
+                  </a:txBody>
+                  <a:tcPr marL="8328" marR="8328" marT="8328" marB="0" anchor="ctr"/>
+                </a:tc>
+                <a:tc>
+                  <a:txBody>
+                    <a:bodyPr/>
+                    <a:lstStyle/>
+                    <a:p>
+                      <a:pPr algn="ctr" fontAlgn="b"/>
+                      <a:r>
+                        <a:rPr lang="ru-RU" sz="1000" u="none" strike="noStrike">
+                          <a:effectLst/>
+                        </a:rPr>
+                        <a:t> </a:t>
+                      </a:r>
+                      <a:endParaRPr lang="ru-RU" sz="1000" b="0" i="0" u="none" strike="noStrike">
+                        <a:solidFill>
+                          <a:srgbClr val="000000"/>
+                        </a:solidFill>
+                        <a:effectLst/>
+                        <a:latin typeface="Calibri" panose="020F0502020204030204" pitchFamily="34" charset="0"/>
+                      </a:endParaRPr>
+                    </a:p>
+                  </a:txBody>
+                  <a:tcPr marL="8328" marR="8328" marT="8328" marB="0" anchor="ctr"/>
+                </a:tc>
+                <a:tc>
+                  <a:txBody>
+                    <a:bodyPr/>
+                    <a:lstStyle/>
+                    <a:p>
+                      <a:pPr algn="ctr" fontAlgn="b"/>
+                      <a:r>
+                        <a:rPr lang="ru-RU" sz="1000" u="none" strike="noStrike">
+                          <a:effectLst/>
+                        </a:rPr>
+                        <a:t>0%</a:t>
+                      </a:r>
+                      <a:endParaRPr lang="ru-RU" sz="1000" b="0" i="0" u="none" strike="noStrike">
+                        <a:solidFill>
+                          <a:srgbClr val="000000"/>
+                        </a:solidFill>
+                        <a:effectLst/>
+                        <a:latin typeface="Calibri" panose="020F0502020204030204" pitchFamily="34" charset="0"/>
+                      </a:endParaRPr>
+                    </a:p>
+                  </a:txBody>
+                  <a:tcPr marL="8328" marR="8328" marT="8328" marB="0" anchor="ctr"/>
+                </a:tc>
+                <a:tc>
+                  <a:txBody>
+                    <a:bodyPr/>
+                    <a:lstStyle/>
+                    <a:p>
+                      <a:pPr algn="ctr" fontAlgn="b"/>
+                      <a:r>
+                        <a:rPr lang="ru-RU" sz="1000" u="none" strike="noStrike">
+                          <a:effectLst/>
+                        </a:rPr>
+                        <a:t>50%</a:t>
+                      </a:r>
+                      <a:endParaRPr lang="ru-RU" sz="1000" b="0" i="0" u="none" strike="noStrike">
+                        <a:solidFill>
+                          <a:srgbClr val="000000"/>
+                        </a:solidFill>
+                        <a:effectLst/>
+                        <a:latin typeface="Calibri" panose="020F0502020204030204" pitchFamily="34" charset="0"/>
+                      </a:endParaRPr>
+                    </a:p>
+                  </a:txBody>
+                  <a:tcPr marL="8328" marR="8328" marT="8328" marB="0" anchor="ctr"/>
+                </a:tc>
+                <a:tc>
+                  <a:txBody>
+                    <a:bodyPr/>
+                    <a:lstStyle/>
+                    <a:p>
+                      <a:pPr algn="ctr" fontAlgn="b"/>
+                      <a:r>
+                        <a:rPr lang="ru-RU" sz="1000" u="none" strike="noStrike">
+                          <a:effectLst/>
+                        </a:rPr>
+                        <a:t>50%</a:t>
+                      </a:r>
+                      <a:endParaRPr lang="ru-RU" sz="1000" b="0" i="0" u="none" strike="noStrike">
+                        <a:solidFill>
+                          <a:srgbClr val="000000"/>
+                        </a:solidFill>
+                        <a:effectLst/>
+                        <a:latin typeface="Calibri" panose="020F0502020204030204" pitchFamily="34" charset="0"/>
+                      </a:endParaRPr>
+                    </a:p>
+                  </a:txBody>
+                  <a:tcPr marL="8328" marR="8328" marT="8328" marB="0" anchor="ctr"/>
+                </a:tc>
+                <a:tc>
+                  <a:txBody>
+                    <a:bodyPr/>
+                    <a:lstStyle/>
+                    <a:p>
+                      <a:pPr algn="ctr" fontAlgn="b"/>
+                      <a:r>
+                        <a:rPr lang="ru-RU" sz="1000" u="none" strike="noStrike">
+                          <a:effectLst/>
+                        </a:rPr>
+                        <a:t>15 тыс ₽</a:t>
+                      </a:r>
+                      <a:endParaRPr lang="ru-RU" sz="1000" b="0" i="0" u="none" strike="noStrike">
+                        <a:solidFill>
+                          <a:srgbClr val="000000"/>
+                        </a:solidFill>
+                        <a:effectLst/>
+                        <a:latin typeface="Calibri" panose="020F0502020204030204" pitchFamily="34" charset="0"/>
+                      </a:endParaRPr>
+                    </a:p>
+                  </a:txBody>
+                  <a:tcPr marL="8328" marR="8328" marT="8328" marB="0" anchor="ctr"/>
+                </a:tc>
+                <a:tc>
+                  <a:txBody>
+                    <a:bodyPr/>
+                    <a:lstStyle/>
+                    <a:p>
+                      <a:pPr algn="ctr" fontAlgn="b"/>
+                      <a:r>
+                        <a:rPr lang="ru-RU" sz="1000" u="none" strike="noStrike">
+                          <a:effectLst/>
+                        </a:rPr>
+                        <a:t>9.5 млн ₽</a:t>
+                      </a:r>
+                      <a:endParaRPr lang="ru-RU" sz="1000" b="0" i="0" u="none" strike="noStrike">
+                        <a:solidFill>
+                          <a:srgbClr val="000000"/>
+                        </a:solidFill>
+                        <a:effectLst/>
+                        <a:latin typeface="Calibri" panose="020F0502020204030204" pitchFamily="34" charset="0"/>
+                      </a:endParaRPr>
+                    </a:p>
+                  </a:txBody>
+                  <a:tcPr marL="8328" marR="8328" marT="8328" marB="0" anchor="ctr"/>
+                </a:tc>
+                <a:tc>
+                  <a:txBody>
+                    <a:bodyPr/>
+                    <a:lstStyle/>
+                    <a:p>
+                      <a:pPr algn="ctr" fontAlgn="b"/>
+                      <a:r>
+                        <a:rPr lang="ru-RU" sz="1000" u="none" strike="noStrike">
+                          <a:effectLst/>
+                        </a:rPr>
+                        <a:t>11</a:t>
+                      </a:r>
+                      <a:endParaRPr lang="ru-RU" sz="1000" b="0" i="0" u="none" strike="noStrike">
+                        <a:solidFill>
+                          <a:srgbClr val="000000"/>
+                        </a:solidFill>
+                        <a:effectLst/>
+                        <a:latin typeface="Calibri" panose="020F0502020204030204" pitchFamily="34" charset="0"/>
+                      </a:endParaRPr>
+                    </a:p>
+                  </a:txBody>
+                  <a:tcPr marL="8328" marR="8328" marT="8328" marB="0" anchor="ctr"/>
+                </a:tc>
+                <a:tc>
+                  <a:txBody>
+                    <a:bodyPr/>
+                    <a:lstStyle/>
+                    <a:p>
+                      <a:pPr algn="ctr" fontAlgn="b"/>
+                      <a:r>
+                        <a:rPr lang="ru-RU" sz="1000" u="none" strike="noStrike">
+                          <a:effectLst/>
+                        </a:rPr>
+                        <a:t>4</a:t>
+                      </a:r>
+                      <a:endParaRPr lang="ru-RU" sz="1000" b="0" i="0" u="none" strike="noStrike">
+                        <a:solidFill>
+                          <a:srgbClr val="000000"/>
+                        </a:solidFill>
+                        <a:effectLst/>
+                        <a:latin typeface="Calibri" panose="020F0502020204030204" pitchFamily="34" charset="0"/>
+                      </a:endParaRPr>
+                    </a:p>
+                  </a:txBody>
+                  <a:tcPr marL="8328" marR="8328" marT="8328" marB="0" anchor="ctr"/>
+                </a:tc>
+                <a:tc>
+                  <a:txBody>
+                    <a:bodyPr/>
+                    <a:lstStyle/>
+                    <a:p>
+                      <a:pPr algn="ctr" fontAlgn="b"/>
+                      <a:r>
+                        <a:rPr lang="ru-RU" sz="1000" u="none" strike="noStrike">
+                          <a:effectLst/>
+                        </a:rPr>
+                        <a:t>3</a:t>
+                      </a:r>
+                      <a:endParaRPr lang="ru-RU" sz="1000" b="0" i="0" u="none" strike="noStrike">
+                        <a:solidFill>
+                          <a:srgbClr val="000000"/>
+                        </a:solidFill>
+                        <a:effectLst/>
+                        <a:latin typeface="Calibri" panose="020F0502020204030204" pitchFamily="34" charset="0"/>
+                      </a:endParaRPr>
+                    </a:p>
+                  </a:txBody>
+                  <a:tcPr marL="8328" marR="8328" marT="8328" marB="0" anchor="ctr"/>
+                </a:tc>
+                <a:tc>
+                  <a:txBody>
+                    <a:bodyPr/>
+                    <a:lstStyle/>
+                    <a:p>
+                      <a:pPr algn="ctr" fontAlgn="b"/>
+                      <a:r>
+                        <a:rPr lang="ru-RU" sz="1000" u="none" strike="noStrike" dirty="0">
+                          <a:effectLst/>
+                        </a:rPr>
+                        <a:t>+ 61</a:t>
+                      </a:r>
+                      <a:endParaRPr lang="ru-RU" sz="1000" b="0" i="0" u="none" strike="noStrike" dirty="0">
+                        <a:solidFill>
+                          <a:srgbClr val="000000"/>
+                        </a:solidFill>
+                        <a:effectLst/>
+                        <a:latin typeface="Calibri" panose="020F0502020204030204" pitchFamily="34" charset="0"/>
+                      </a:endParaRPr>
+                    </a:p>
+                  </a:txBody>
+                  <a:tcPr marL="8328" marR="8328" marT="8328" marB="0" anchor="ctr"/>
+                </a:tc>
+                <a:tc>
+                  <a:txBody>
+                    <a:bodyPr/>
+                    <a:lstStyle/>
+                    <a:p>
+                      <a:pPr algn="ctr" fontAlgn="b"/>
+                      <a:r>
+                        <a:rPr lang="ru-RU" sz="1000" u="none" strike="noStrike" dirty="0">
+                          <a:effectLst/>
+                        </a:rPr>
+                        <a:t>- 7.9</a:t>
+                      </a:r>
+                      <a:endParaRPr lang="ru-RU" sz="1000" b="0" i="0" u="none" strike="noStrike" dirty="0">
+                        <a:solidFill>
+                          <a:srgbClr val="000000"/>
+                        </a:solidFill>
+                        <a:effectLst/>
+                        <a:latin typeface="Calibri" panose="020F0502020204030204" pitchFamily="34" charset="0"/>
+                      </a:endParaRPr>
+                    </a:p>
+                  </a:txBody>
+                  <a:tcPr marL="8328" marR="8328" marT="8328" marB="0" anchor="ctr"/>
+                </a:tc>
+                <a:extLst>
+                  <a:ext uri="{0D108BD9-81ED-4DB2-BD59-A6C34878D82A}">
+                    <a16:rowId xmlns:a16="http://schemas.microsoft.com/office/drawing/2014/main" val="531977209"/>
+                  </a:ext>
+                </a:extLst>
+              </a:tr>
+            </a:tbl>
+          </a:graphicData>
+        </a:graphic>
+      </p:graphicFrame>
+      <p:sp>
+        <p:nvSpPr>
+          <p:cNvPr id="6" name="TextBox 5">
+            <a:extLst>
+              <a:ext uri="{FF2B5EF4-FFF2-40B4-BE49-F238E27FC236}">
+                <a16:creationId xmlns:a16="http://schemas.microsoft.com/office/drawing/2014/main" id="{8C3D48CD-261E-465C-B681-93208A471FD9}"/>
+              </a:ext>
+            </a:extLst>
+          </p:cNvPr>
+          <p:cNvSpPr txBox="1"/>
+          <p:nvPr/>
         </p:nvSpPr>
-        <p:spPr/>
+        <p:spPr>
+          <a:xfrm>
+            <a:off x="570421" y="2271095"/>
+            <a:ext cx="11051155" cy="369332"/>
+          </a:xfrm>
+          <a:prstGeom prst="rect">
+            <a:avLst/>
+          </a:prstGeom>
+          <a:noFill/>
+        </p:spPr>
         <p:txBody>
-          <a:bodyPr/>
+          <a:bodyPr wrap="square" rtlCol="0">
+            <a:spAutoFit/>
+          </a:bodyPr>
           <a:lstStyle/>
           <a:p>
             <a:r>
               <a:rPr lang="ru-RU" dirty="0"/>
-              <a:t>Комплексный показатель качества</a:t>
+              <a:t>Оценим исходные данные с учетом «идеального» поставщика (Северсталь, ПАО)</a:t>
             </a:r>
           </a:p>
         </p:txBody>
@@ -4048,7 +10811,7 @@
     </p:spTree>
     <p:extLst>
       <p:ext uri="{BB962C8B-B14F-4D97-AF65-F5344CB8AC3E}">
-        <p14:creationId xmlns:p14="http://schemas.microsoft.com/office/powerpoint/2010/main" val="132038586"/>
+        <p14:creationId xmlns:p14="http://schemas.microsoft.com/office/powerpoint/2010/main" val="2181839778"/>
       </p:ext>
     </p:extLst>
   </p:cSld>
@@ -4080,7 +10843,7 @@
           <p:cNvPr id="2" name="Заголовок 1">
             <a:extLst>
               <a:ext uri="{FF2B5EF4-FFF2-40B4-BE49-F238E27FC236}">
-                <a16:creationId xmlns:a16="http://schemas.microsoft.com/office/drawing/2014/main" id="{389B167C-EE30-442B-8574-EC4FD3340D61}"/>
+                <a16:creationId xmlns:a16="http://schemas.microsoft.com/office/drawing/2014/main" id="{4FDECA26-5F65-4B38-9B81-3BCD5BC573FA}"/>
               </a:ext>
             </a:extLst>
           </p:cNvPr>
@@ -4091,55 +10854,2066 @@
             <p:ph type="title"/>
           </p:nvPr>
         </p:nvSpPr>
-        <p:spPr/>
+        <p:spPr>
+          <a:xfrm>
+            <a:off x="431320" y="149464"/>
+            <a:ext cx="10515600" cy="1325563"/>
+          </a:xfrm>
+        </p:spPr>
         <p:txBody>
           <a:bodyPr/>
           <a:lstStyle/>
           <a:p>
             <a:r>
               <a:rPr lang="ru-RU" dirty="0"/>
-              <a:t>Вывод результатов</a:t>
+              <a:t>Переход к единому цифровому представлению данных</a:t>
             </a:r>
           </a:p>
         </p:txBody>
       </p:sp>
       <p:sp>
         <p:nvSpPr>
-          <p:cNvPr id="3" name="Объект 2">
+          <p:cNvPr id="5" name="TextBox 4">
             <a:extLst>
               <a:ext uri="{FF2B5EF4-FFF2-40B4-BE49-F238E27FC236}">
-                <a16:creationId xmlns:a16="http://schemas.microsoft.com/office/drawing/2014/main" id="{EE09E274-8644-49B2-89D7-BA94E3C9B4F7}"/>
+                <a16:creationId xmlns:a16="http://schemas.microsoft.com/office/drawing/2014/main" id="{65F22783-06C9-4F7F-A270-19F8E86C8442}"/>
               </a:ext>
             </a:extLst>
           </p:cNvPr>
-          <p:cNvSpPr>
-            <a:spLocks noGrp="1"/>
-          </p:cNvSpPr>
-          <p:nvPr>
-            <p:ph idx="1"/>
-          </p:nvPr>
+          <p:cNvSpPr txBox="1"/>
+          <p:nvPr/>
         </p:nvSpPr>
-        <p:spPr/>
+        <p:spPr>
+          <a:xfrm>
+            <a:off x="431320" y="1630451"/>
+            <a:ext cx="11051155" cy="2308324"/>
+          </a:xfrm>
+          <a:prstGeom prst="rect">
+            <a:avLst/>
+          </a:prstGeom>
+          <a:noFill/>
+        </p:spPr>
         <p:txBody>
-          <a:bodyPr/>
+          <a:bodyPr wrap="square" rtlCol="0">
+            <a:spAutoFit/>
+          </a:bodyPr>
           <a:lstStyle/>
           <a:p>
             <a:r>
               <a:rPr lang="ru-RU" dirty="0"/>
-              <a:t>Вывод в </a:t>
+              <a:t>Преобразования:</a:t>
+            </a:r>
+          </a:p>
+          <a:p>
+            <a:pPr marL="285750" indent="-285750">
+              <a:buFont typeface="Arial" panose="020B0604020202020204" pitchFamily="34" charset="0"/>
+              <a:buChar char="•"/>
+            </a:pPr>
+            <a:r>
+              <a:rPr lang="ru-RU" u="sng" dirty="0"/>
+              <a:t>Дата регистрации</a:t>
             </a:r>
             <a:r>
-              <a:rPr lang="ru-RU" dirty="0" err="1"/>
-              <a:t>эксель</a:t>
+              <a:rPr lang="ru-RU" dirty="0"/>
+              <a:t>: количество дней существования компании</a:t>
             </a:r>
-            <a:endParaRPr lang="ru-RU" dirty="0"/>
+          </a:p>
+          <a:p>
+            <a:pPr marL="285750" indent="-285750">
+              <a:buFont typeface="Arial" panose="020B0604020202020204" pitchFamily="34" charset="0"/>
+              <a:buChar char="•"/>
+            </a:pPr>
+            <a:r>
+              <a:rPr lang="ru-RU" u="sng" dirty="0"/>
+              <a:t>Выручка, прибыль, уставный капитал, стоимость</a:t>
+            </a:r>
+            <a:r>
+              <a:rPr lang="ru-RU" dirty="0"/>
+              <a:t>: перевод в рубли</a:t>
+            </a:r>
+          </a:p>
+          <a:p>
+            <a:pPr marL="285750" indent="-285750">
+              <a:buFont typeface="Arial" panose="020B0604020202020204" pitchFamily="34" charset="0"/>
+              <a:buChar char="•"/>
+            </a:pPr>
+            <a:r>
+              <a:rPr lang="ru-RU" u="sng" dirty="0"/>
+              <a:t>Надежность</a:t>
+            </a:r>
+            <a:r>
+              <a:rPr lang="ru-RU" dirty="0"/>
+              <a:t>: сумма плюсов и минусов с учетом знака</a:t>
+            </a:r>
+          </a:p>
+          <a:p>
+            <a:pPr marL="285750" indent="-285750">
+              <a:buFont typeface="Arial" panose="020B0604020202020204" pitchFamily="34" charset="0"/>
+              <a:buChar char="•"/>
+            </a:pPr>
+            <a:r>
+              <a:rPr lang="ru-RU" u="sng" dirty="0"/>
+              <a:t>Истец и ответчик</a:t>
+            </a:r>
+            <a:r>
+              <a:rPr lang="ru-RU" dirty="0"/>
+              <a:t>: отношение выиграл к (выиграл + проиграл)</a:t>
+            </a:r>
+          </a:p>
+          <a:p>
+            <a:pPr marL="285750" indent="-285750">
+              <a:buFont typeface="Arial" panose="020B0604020202020204" pitchFamily="34" charset="0"/>
+              <a:buChar char="•"/>
+            </a:pPr>
+            <a:r>
+              <a:rPr lang="ru-RU" u="sng" dirty="0"/>
+              <a:t>Тендер</a:t>
+            </a:r>
+            <a:r>
+              <a:rPr lang="ru-RU" dirty="0"/>
+              <a:t>: отдельный параметр – количество выигранных и отношение выигранных к общему числу</a:t>
+            </a:r>
+          </a:p>
+          <a:p>
+            <a:pPr marL="285750" indent="-285750">
+              <a:buFont typeface="Arial" panose="020B0604020202020204" pitchFamily="34" charset="0"/>
+              <a:buChar char="•"/>
+            </a:pPr>
+            <a:r>
+              <a:rPr lang="ru-RU" dirty="0"/>
+              <a:t>Если данные по судам отсутствуют, считаем отношение равным 1 (максимум)</a:t>
+            </a:r>
+          </a:p>
+          <a:p>
+            <a:pPr marL="285750" indent="-285750">
+              <a:buFont typeface="Arial" panose="020B0604020202020204" pitchFamily="34" charset="0"/>
+              <a:buChar char="•"/>
+            </a:pPr>
+            <a:r>
+              <a:rPr lang="ru-RU" dirty="0"/>
+              <a:t>Если данные по тендерам и госконтрактам отсутствуют, считаем отношение равным 0 (минимум)</a:t>
+            </a:r>
           </a:p>
         </p:txBody>
       </p:sp>
+      <p:graphicFrame>
+        <p:nvGraphicFramePr>
+          <p:cNvPr id="6" name="Таблица 5">
+            <a:extLst>
+              <a:ext uri="{FF2B5EF4-FFF2-40B4-BE49-F238E27FC236}">
+                <a16:creationId xmlns:a16="http://schemas.microsoft.com/office/drawing/2014/main" id="{CFC1A5B5-1B19-410A-9F63-268E4A8CB516}"/>
+              </a:ext>
+            </a:extLst>
+          </p:cNvPr>
+          <p:cNvGraphicFramePr>
+            <a:graphicFrameLocks noGrp="1"/>
+          </p:cNvGraphicFramePr>
+          <p:nvPr>
+            <p:extLst>
+              <p:ext uri="{D42A27DB-BD31-4B8C-83A1-F6EECF244321}">
+                <p14:modId xmlns:p14="http://schemas.microsoft.com/office/powerpoint/2010/main" val="1229322692"/>
+              </p:ext>
+            </p:extLst>
+          </p:nvPr>
+        </p:nvGraphicFramePr>
+        <p:xfrm>
+          <a:off x="431320" y="4456688"/>
+          <a:ext cx="11318724" cy="1955436"/>
+        </p:xfrm>
+        <a:graphic>
+          <a:graphicData uri="http://schemas.openxmlformats.org/drawingml/2006/table">
+            <a:tbl>
+              <a:tblPr>
+                <a:tableStyleId>{5940675A-B579-460E-94D1-54222C63F5DA}</a:tableStyleId>
+              </a:tblPr>
+              <a:tblGrid>
+                <a:gridCol w="1412720">
+                  <a:extLst>
+                    <a:ext uri="{9D8B030D-6E8A-4147-A177-3AD203B41FA5}">
+                      <a16:colId xmlns:a16="http://schemas.microsoft.com/office/drawing/2014/main" val="4026260192"/>
+                    </a:ext>
+                  </a:extLst>
+                </a:gridCol>
+                <a:gridCol w="777240">
+                  <a:extLst>
+                    <a:ext uri="{9D8B030D-6E8A-4147-A177-3AD203B41FA5}">
+                      <a16:colId xmlns:a16="http://schemas.microsoft.com/office/drawing/2014/main" val="3905750100"/>
+                    </a:ext>
+                  </a:extLst>
+                </a:gridCol>
+                <a:gridCol w="1021080">
+                  <a:extLst>
+                    <a:ext uri="{9D8B030D-6E8A-4147-A177-3AD203B41FA5}">
+                      <a16:colId xmlns:a16="http://schemas.microsoft.com/office/drawing/2014/main" val="1828799751"/>
+                    </a:ext>
+                  </a:extLst>
+                </a:gridCol>
+                <a:gridCol w="1005840">
+                  <a:extLst>
+                    <a:ext uri="{9D8B030D-6E8A-4147-A177-3AD203B41FA5}">
+                      <a16:colId xmlns:a16="http://schemas.microsoft.com/office/drawing/2014/main" val="2346157474"/>
+                    </a:ext>
+                  </a:extLst>
+                </a:gridCol>
+                <a:gridCol w="754380">
+                  <a:extLst>
+                    <a:ext uri="{9D8B030D-6E8A-4147-A177-3AD203B41FA5}">
+                      <a16:colId xmlns:a16="http://schemas.microsoft.com/office/drawing/2014/main" val="3820091430"/>
+                    </a:ext>
+                  </a:extLst>
+                </a:gridCol>
+                <a:gridCol w="784860">
+                  <a:extLst>
+                    <a:ext uri="{9D8B030D-6E8A-4147-A177-3AD203B41FA5}">
+                      <a16:colId xmlns:a16="http://schemas.microsoft.com/office/drawing/2014/main" val="1131537212"/>
+                    </a:ext>
+                  </a:extLst>
+                </a:gridCol>
+                <a:gridCol w="1112520">
+                  <a:extLst>
+                    <a:ext uri="{9D8B030D-6E8A-4147-A177-3AD203B41FA5}">
+                      <a16:colId xmlns:a16="http://schemas.microsoft.com/office/drawing/2014/main" val="148825101"/>
+                    </a:ext>
+                  </a:extLst>
+                </a:gridCol>
+                <a:gridCol w="1021080">
+                  <a:extLst>
+                    <a:ext uri="{9D8B030D-6E8A-4147-A177-3AD203B41FA5}">
+                      <a16:colId xmlns:a16="http://schemas.microsoft.com/office/drawing/2014/main" val="2623904834"/>
+                    </a:ext>
+                  </a:extLst>
+                </a:gridCol>
+                <a:gridCol w="815340">
+                  <a:extLst>
+                    <a:ext uri="{9D8B030D-6E8A-4147-A177-3AD203B41FA5}">
+                      <a16:colId xmlns:a16="http://schemas.microsoft.com/office/drawing/2014/main" val="2063938466"/>
+                    </a:ext>
+                  </a:extLst>
+                </a:gridCol>
+                <a:gridCol w="914400">
+                  <a:extLst>
+                    <a:ext uri="{9D8B030D-6E8A-4147-A177-3AD203B41FA5}">
+                      <a16:colId xmlns:a16="http://schemas.microsoft.com/office/drawing/2014/main" val="544417966"/>
+                    </a:ext>
+                  </a:extLst>
+                </a:gridCol>
+                <a:gridCol w="899160">
+                  <a:extLst>
+                    <a:ext uri="{9D8B030D-6E8A-4147-A177-3AD203B41FA5}">
+                      <a16:colId xmlns:a16="http://schemas.microsoft.com/office/drawing/2014/main" val="93363778"/>
+                    </a:ext>
+                  </a:extLst>
+                </a:gridCol>
+                <a:gridCol w="800104">
+                  <a:extLst>
+                    <a:ext uri="{9D8B030D-6E8A-4147-A177-3AD203B41FA5}">
+                      <a16:colId xmlns:a16="http://schemas.microsoft.com/office/drawing/2014/main" val="4047889088"/>
+                    </a:ext>
+                  </a:extLst>
+                </a:gridCol>
+              </a:tblGrid>
+              <a:tr h="448051">
+                <a:tc>
+                  <a:txBody>
+                    <a:bodyPr/>
+                    <a:lstStyle/>
+                    <a:p>
+                      <a:pPr algn="ctr" fontAlgn="ctr"/>
+                      <a:r>
+                        <a:rPr lang="ru-RU" sz="1000" b="1" u="none" strike="noStrike" dirty="0">
+                          <a:effectLst/>
+                        </a:rPr>
+                        <a:t>Название</a:t>
+                      </a:r>
+                      <a:endParaRPr lang="ru-RU" sz="1000" b="1" i="0" u="none" strike="noStrike" dirty="0">
+                        <a:solidFill>
+                          <a:srgbClr val="000000"/>
+                        </a:solidFill>
+                        <a:effectLst/>
+                        <a:latin typeface="Calibri" panose="020F0502020204030204" pitchFamily="34" charset="0"/>
+                      </a:endParaRPr>
+                    </a:p>
+                  </a:txBody>
+                  <a:tcPr marL="8328" marR="8328" marT="8328" marB="0" anchor="ctr">
+                    <a:solidFill>
+                      <a:schemeClr val="bg2">
+                        <a:lumMod val="90000"/>
+                      </a:schemeClr>
+                    </a:solidFill>
+                  </a:tcPr>
+                </a:tc>
+                <a:tc>
+                  <a:txBody>
+                    <a:bodyPr/>
+                    <a:lstStyle/>
+                    <a:p>
+                      <a:pPr algn="ctr" fontAlgn="ctr"/>
+                      <a:r>
+                        <a:rPr lang="ru-RU" sz="1000" b="1" u="none" strike="noStrike" dirty="0">
+                          <a:effectLst/>
+                        </a:rPr>
+                        <a:t>Дата регистрации</a:t>
+                      </a:r>
+                      <a:endParaRPr lang="ru-RU" sz="1000" b="1" i="0" u="none" strike="noStrike" dirty="0">
+                        <a:solidFill>
+                          <a:srgbClr val="000000"/>
+                        </a:solidFill>
+                        <a:effectLst/>
+                        <a:latin typeface="Calibri" panose="020F0502020204030204" pitchFamily="34" charset="0"/>
+                      </a:endParaRPr>
+                    </a:p>
+                  </a:txBody>
+                  <a:tcPr marL="8328" marR="8328" marT="8328" marB="0" anchor="ctr">
+                    <a:solidFill>
+                      <a:schemeClr val="bg2">
+                        <a:lumMod val="90000"/>
+                      </a:schemeClr>
+                    </a:solidFill>
+                  </a:tcPr>
+                </a:tc>
+                <a:tc>
+                  <a:txBody>
+                    <a:bodyPr/>
+                    <a:lstStyle/>
+                    <a:p>
+                      <a:pPr algn="ctr" fontAlgn="ctr"/>
+                      <a:r>
+                        <a:rPr lang="ru-RU" sz="1000" b="1" u="none" strike="noStrike" dirty="0">
+                          <a:effectLst/>
+                        </a:rPr>
+                        <a:t>Выручка</a:t>
+                      </a:r>
+                      <a:endParaRPr lang="ru-RU" sz="1000" b="1" i="0" u="none" strike="noStrike" dirty="0">
+                        <a:solidFill>
+                          <a:srgbClr val="000000"/>
+                        </a:solidFill>
+                        <a:effectLst/>
+                        <a:latin typeface="Calibri" panose="020F0502020204030204" pitchFamily="34" charset="0"/>
+                      </a:endParaRPr>
+                    </a:p>
+                  </a:txBody>
+                  <a:tcPr marL="8328" marR="8328" marT="8328" marB="0" anchor="ctr">
+                    <a:solidFill>
+                      <a:schemeClr val="bg2">
+                        <a:lumMod val="90000"/>
+                      </a:schemeClr>
+                    </a:solidFill>
+                  </a:tcPr>
+                </a:tc>
+                <a:tc>
+                  <a:txBody>
+                    <a:bodyPr/>
+                    <a:lstStyle/>
+                    <a:p>
+                      <a:pPr algn="ctr" fontAlgn="ctr"/>
+                      <a:r>
+                        <a:rPr lang="ru-RU" sz="1000" b="1" u="none" strike="noStrike" dirty="0">
+                          <a:effectLst/>
+                        </a:rPr>
+                        <a:t>Прибыль</a:t>
+                      </a:r>
+                      <a:endParaRPr lang="ru-RU" sz="1000" b="1" i="0" u="none" strike="noStrike" dirty="0">
+                        <a:solidFill>
+                          <a:srgbClr val="000000"/>
+                        </a:solidFill>
+                        <a:effectLst/>
+                        <a:latin typeface="Calibri" panose="020F0502020204030204" pitchFamily="34" charset="0"/>
+                      </a:endParaRPr>
+                    </a:p>
+                  </a:txBody>
+                  <a:tcPr marL="8328" marR="8328" marT="8328" marB="0" anchor="ctr">
+                    <a:solidFill>
+                      <a:schemeClr val="bg2">
+                        <a:lumMod val="90000"/>
+                      </a:schemeClr>
+                    </a:solidFill>
+                  </a:tcPr>
+                </a:tc>
+                <a:tc>
+                  <a:txBody>
+                    <a:bodyPr/>
+                    <a:lstStyle/>
+                    <a:p>
+                      <a:pPr algn="ctr" fontAlgn="ctr"/>
+                      <a:r>
+                        <a:rPr lang="ru-RU" sz="1000" b="1" i="0" u="none" strike="noStrike" dirty="0">
+                          <a:solidFill>
+                            <a:srgbClr val="000000"/>
+                          </a:solidFill>
+                          <a:effectLst/>
+                          <a:latin typeface="Calibri" panose="020F0502020204030204" pitchFamily="34" charset="0"/>
+                        </a:rPr>
+                        <a:t>Истец</a:t>
+                      </a:r>
+                    </a:p>
+                  </a:txBody>
+                  <a:tcPr marL="8328" marR="8328" marT="8328" marB="0" anchor="ctr">
+                    <a:solidFill>
+                      <a:schemeClr val="bg2">
+                        <a:lumMod val="90000"/>
+                      </a:schemeClr>
+                    </a:solidFill>
+                  </a:tcPr>
+                </a:tc>
+                <a:tc>
+                  <a:txBody>
+                    <a:bodyPr/>
+                    <a:lstStyle/>
+                    <a:p>
+                      <a:pPr algn="ctr" fontAlgn="ctr"/>
+                      <a:r>
+                        <a:rPr lang="ru-RU" sz="1000" b="1" i="0" u="none" strike="noStrike" dirty="0">
+                          <a:solidFill>
+                            <a:srgbClr val="000000"/>
+                          </a:solidFill>
+                          <a:effectLst/>
+                          <a:latin typeface="Calibri" panose="020F0502020204030204" pitchFamily="34" charset="0"/>
+                        </a:rPr>
+                        <a:t>Ответчик</a:t>
+                      </a:r>
+                    </a:p>
+                  </a:txBody>
+                  <a:tcPr marL="8328" marR="8328" marT="8328" marB="0" anchor="ctr">
+                    <a:solidFill>
+                      <a:schemeClr val="bg2">
+                        <a:lumMod val="90000"/>
+                      </a:schemeClr>
+                    </a:solidFill>
+                  </a:tcPr>
+                </a:tc>
+                <a:tc>
+                  <a:txBody>
+                    <a:bodyPr/>
+                    <a:lstStyle/>
+                    <a:p>
+                      <a:pPr algn="ctr" fontAlgn="ctr"/>
+                      <a:r>
+                        <a:rPr lang="ru-RU" sz="1000" b="1" u="none" strike="noStrike" dirty="0">
+                          <a:effectLst/>
+                        </a:rPr>
+                        <a:t>Уставный капитал</a:t>
+                      </a:r>
+                      <a:endParaRPr lang="ru-RU" sz="1000" b="1" i="0" u="none" strike="noStrike" dirty="0">
+                        <a:solidFill>
+                          <a:srgbClr val="000000"/>
+                        </a:solidFill>
+                        <a:effectLst/>
+                        <a:latin typeface="Calibri" panose="020F0502020204030204" pitchFamily="34" charset="0"/>
+                      </a:endParaRPr>
+                    </a:p>
+                  </a:txBody>
+                  <a:tcPr marL="8328" marR="8328" marT="8328" marB="0" anchor="ctr">
+                    <a:solidFill>
+                      <a:schemeClr val="bg2">
+                        <a:lumMod val="90000"/>
+                      </a:schemeClr>
+                    </a:solidFill>
+                  </a:tcPr>
+                </a:tc>
+                <a:tc>
+                  <a:txBody>
+                    <a:bodyPr/>
+                    <a:lstStyle/>
+                    <a:p>
+                      <a:pPr algn="ctr" fontAlgn="ctr"/>
+                      <a:r>
+                        <a:rPr lang="ru-RU" sz="1000" b="1" u="none" strike="noStrike" dirty="0">
+                          <a:effectLst/>
+                        </a:rPr>
+                        <a:t>Стоимость</a:t>
+                      </a:r>
+                      <a:endParaRPr lang="ru-RU" sz="1000" b="1" i="0" u="none" strike="noStrike" dirty="0">
+                        <a:solidFill>
+                          <a:srgbClr val="000000"/>
+                        </a:solidFill>
+                        <a:effectLst/>
+                        <a:latin typeface="Calibri" panose="020F0502020204030204" pitchFamily="34" charset="0"/>
+                      </a:endParaRPr>
+                    </a:p>
+                  </a:txBody>
+                  <a:tcPr marL="8328" marR="8328" marT="8328" marB="0" anchor="ctr">
+                    <a:solidFill>
+                      <a:schemeClr val="bg2">
+                        <a:lumMod val="90000"/>
+                      </a:schemeClr>
+                    </a:solidFill>
+                  </a:tcPr>
+                </a:tc>
+                <a:tc>
+                  <a:txBody>
+                    <a:bodyPr/>
+                    <a:lstStyle/>
+                    <a:p>
+                      <a:pPr algn="ctr" fontAlgn="ctr"/>
+                      <a:r>
+                        <a:rPr lang="ru-RU" sz="1000" b="1" i="0" u="none" strike="noStrike" dirty="0">
+                          <a:solidFill>
+                            <a:srgbClr val="000000"/>
+                          </a:solidFill>
+                          <a:effectLst/>
+                          <a:latin typeface="Calibri" panose="020F0502020204030204" pitchFamily="34" charset="0"/>
+                        </a:rPr>
+                        <a:t>Тендер, в</a:t>
+                      </a:r>
+                    </a:p>
+                  </a:txBody>
+                  <a:tcPr marL="8328" marR="8328" marT="8328" marB="0" anchor="ctr">
+                    <a:solidFill>
+                      <a:schemeClr val="bg2">
+                        <a:lumMod val="90000"/>
+                      </a:schemeClr>
+                    </a:solidFill>
+                  </a:tcPr>
+                </a:tc>
+                <a:tc>
+                  <a:txBody>
+                    <a:bodyPr/>
+                    <a:lstStyle/>
+                    <a:p>
+                      <a:pPr algn="ctr" fontAlgn="ctr"/>
+                      <a:r>
+                        <a:rPr lang="ru-RU" sz="1000" b="1" i="0" u="none" strike="noStrike" dirty="0">
+                          <a:solidFill>
+                            <a:srgbClr val="000000"/>
+                          </a:solidFill>
+                          <a:effectLst/>
+                          <a:latin typeface="Calibri" panose="020F0502020204030204" pitchFamily="34" charset="0"/>
+                        </a:rPr>
+                        <a:t>Тендер, в/у</a:t>
+                      </a:r>
+                    </a:p>
+                  </a:txBody>
+                  <a:tcPr marL="8328" marR="8328" marT="8328" marB="0" anchor="ctr">
+                    <a:solidFill>
+                      <a:schemeClr val="bg2">
+                        <a:lumMod val="90000"/>
+                      </a:schemeClr>
+                    </a:solidFill>
+                  </a:tcPr>
+                </a:tc>
+                <a:tc>
+                  <a:txBody>
+                    <a:bodyPr/>
+                    <a:lstStyle/>
+                    <a:p>
+                      <a:pPr algn="ctr" fontAlgn="ctr"/>
+                      <a:r>
+                        <a:rPr lang="ru-RU" sz="1000" b="1" u="none" strike="noStrike" dirty="0">
+                          <a:effectLst/>
+                        </a:rPr>
+                        <a:t>Госконтракты</a:t>
+                      </a:r>
+                      <a:endParaRPr lang="ru-RU" sz="1000" b="1" i="0" u="none" strike="noStrike" dirty="0">
+                        <a:solidFill>
+                          <a:srgbClr val="000000"/>
+                        </a:solidFill>
+                        <a:effectLst/>
+                        <a:latin typeface="Calibri" panose="020F0502020204030204" pitchFamily="34" charset="0"/>
+                      </a:endParaRPr>
+                    </a:p>
+                  </a:txBody>
+                  <a:tcPr marL="8328" marR="8328" marT="8328" marB="0" anchor="ctr">
+                    <a:solidFill>
+                      <a:schemeClr val="bg2">
+                        <a:lumMod val="90000"/>
+                      </a:schemeClr>
+                    </a:solidFill>
+                  </a:tcPr>
+                </a:tc>
+                <a:tc>
+                  <a:txBody>
+                    <a:bodyPr/>
+                    <a:lstStyle/>
+                    <a:p>
+                      <a:pPr algn="ctr" fontAlgn="ctr"/>
+                      <a:r>
+                        <a:rPr lang="ru-RU" sz="1000" b="1" u="none" strike="noStrike" dirty="0">
+                          <a:effectLst/>
+                        </a:rPr>
+                        <a:t>Надежность</a:t>
+                      </a:r>
+                      <a:endParaRPr lang="ru-RU" sz="1000" b="1" i="0" u="none" strike="noStrike" dirty="0">
+                        <a:solidFill>
+                          <a:srgbClr val="000000"/>
+                        </a:solidFill>
+                        <a:effectLst/>
+                        <a:latin typeface="Calibri" panose="020F0502020204030204" pitchFamily="34" charset="0"/>
+                      </a:endParaRPr>
+                    </a:p>
+                  </a:txBody>
+                  <a:tcPr marL="8328" marR="8328" marT="8328" marB="0" anchor="ctr">
+                    <a:solidFill>
+                      <a:schemeClr val="bg2">
+                        <a:lumMod val="90000"/>
+                      </a:schemeClr>
+                    </a:solidFill>
+                  </a:tcPr>
+                </a:tc>
+                <a:extLst>
+                  <a:ext uri="{0D108BD9-81ED-4DB2-BD59-A6C34878D82A}">
+                    <a16:rowId xmlns:a16="http://schemas.microsoft.com/office/drawing/2014/main" val="1739288968"/>
+                  </a:ext>
+                </a:extLst>
+              </a:tr>
+              <a:tr h="301477">
+                <a:tc>
+                  <a:txBody>
+                    <a:bodyPr/>
+                    <a:lstStyle/>
+                    <a:p>
+                      <a:pPr algn="ctr" fontAlgn="b"/>
+                      <a:r>
+                        <a:rPr lang="ru-RU" sz="1000" i="0" u="none" strike="noStrike" dirty="0">
+                          <a:effectLst/>
+                        </a:rPr>
+                        <a:t>Северсталь, ПАО</a:t>
+                      </a:r>
+                      <a:endParaRPr lang="ru-RU" sz="1000" b="0" i="0" u="none" strike="noStrike" dirty="0">
+                        <a:solidFill>
+                          <a:srgbClr val="000000"/>
+                        </a:solidFill>
+                        <a:effectLst/>
+                        <a:latin typeface="Calibri" panose="020F0502020204030204" pitchFamily="34" charset="0"/>
+                      </a:endParaRPr>
+                    </a:p>
+                  </a:txBody>
+                  <a:tcPr marL="8328" marR="8328" marT="8328" marB="0" anchor="ctr">
+                    <a:solidFill>
+                      <a:schemeClr val="accent6">
+                        <a:lumMod val="60000"/>
+                        <a:lumOff val="40000"/>
+                      </a:schemeClr>
+                    </a:solidFill>
+                  </a:tcPr>
+                </a:tc>
+                <a:tc>
+                  <a:txBody>
+                    <a:bodyPr/>
+                    <a:lstStyle/>
+                    <a:p>
+                      <a:pPr algn="ctr" fontAlgn="b"/>
+                      <a:r>
+                        <a:rPr lang="ru-RU" sz="1000" i="0" u="none" strike="noStrike" dirty="0">
+                          <a:effectLst/>
+                        </a:rPr>
+                        <a:t>10404</a:t>
+                      </a:r>
+                      <a:endParaRPr lang="ru-RU" sz="1000" b="0" i="0" u="none" strike="noStrike" dirty="0">
+                        <a:solidFill>
+                          <a:srgbClr val="000000"/>
+                        </a:solidFill>
+                        <a:effectLst/>
+                        <a:latin typeface="Calibri" panose="020F0502020204030204" pitchFamily="34" charset="0"/>
+                      </a:endParaRPr>
+                    </a:p>
+                  </a:txBody>
+                  <a:tcPr marL="8328" marR="8328" marT="8328" marB="0" anchor="ctr">
+                    <a:solidFill>
+                      <a:schemeClr val="accent6">
+                        <a:lumMod val="60000"/>
+                        <a:lumOff val="40000"/>
+                      </a:schemeClr>
+                    </a:solidFill>
+                  </a:tcPr>
+                </a:tc>
+                <a:tc>
+                  <a:txBody>
+                    <a:bodyPr/>
+                    <a:lstStyle/>
+                    <a:p>
+                      <a:pPr algn="ctr" fontAlgn="b"/>
+                      <a:r>
+                        <a:rPr lang="ru-RU" sz="1000" i="0" u="none" strike="noStrike" dirty="0">
+                          <a:effectLst/>
+                        </a:rPr>
+                        <a:t>450900000000</a:t>
+                      </a:r>
+                      <a:endParaRPr lang="ru-RU" sz="1000" b="0" i="0" u="none" strike="noStrike" dirty="0">
+                        <a:solidFill>
+                          <a:srgbClr val="000000"/>
+                        </a:solidFill>
+                        <a:effectLst/>
+                        <a:latin typeface="Calibri" panose="020F0502020204030204" pitchFamily="34" charset="0"/>
+                      </a:endParaRPr>
+                    </a:p>
+                  </a:txBody>
+                  <a:tcPr marL="8328" marR="8328" marT="8328" marB="0" anchor="ctr">
+                    <a:solidFill>
+                      <a:schemeClr val="accent6">
+                        <a:lumMod val="60000"/>
+                        <a:lumOff val="40000"/>
+                      </a:schemeClr>
+                    </a:solidFill>
+                  </a:tcPr>
+                </a:tc>
+                <a:tc>
+                  <a:txBody>
+                    <a:bodyPr/>
+                    <a:lstStyle/>
+                    <a:p>
+                      <a:pPr algn="ctr" fontAlgn="b"/>
+                      <a:r>
+                        <a:rPr lang="ru-RU" sz="1000" i="0" u="none" strike="noStrike" dirty="0">
+                          <a:effectLst/>
+                        </a:rPr>
+                        <a:t>114900000000</a:t>
+                      </a:r>
+                      <a:endParaRPr lang="ru-RU" sz="1000" b="0" i="0" u="none" strike="noStrike" dirty="0">
+                        <a:solidFill>
+                          <a:srgbClr val="000000"/>
+                        </a:solidFill>
+                        <a:effectLst/>
+                        <a:latin typeface="Calibri" panose="020F0502020204030204" pitchFamily="34" charset="0"/>
+                      </a:endParaRPr>
+                    </a:p>
+                  </a:txBody>
+                  <a:tcPr marL="8328" marR="8328" marT="8328" marB="0" anchor="ctr">
+                    <a:solidFill>
+                      <a:schemeClr val="accent6">
+                        <a:lumMod val="60000"/>
+                        <a:lumOff val="40000"/>
+                      </a:schemeClr>
+                    </a:solidFill>
+                  </a:tcPr>
+                </a:tc>
+                <a:tc>
+                  <a:txBody>
+                    <a:bodyPr/>
+                    <a:lstStyle/>
+                    <a:p>
+                      <a:pPr algn="ctr" fontAlgn="b"/>
+                      <a:r>
+                        <a:rPr lang="ru-RU" sz="1000" b="0" i="0" u="none" strike="noStrike" dirty="0">
+                          <a:solidFill>
+                            <a:srgbClr val="000000"/>
+                          </a:solidFill>
+                          <a:effectLst/>
+                          <a:latin typeface="Calibri" panose="020F0502020204030204" pitchFamily="34" charset="0"/>
+                        </a:rPr>
+                        <a:t>0,964</a:t>
+                      </a:r>
+                    </a:p>
+                  </a:txBody>
+                  <a:tcPr marL="8328" marR="8328" marT="8328" marB="0" anchor="ctr">
+                    <a:solidFill>
+                      <a:schemeClr val="accent6">
+                        <a:lumMod val="60000"/>
+                        <a:lumOff val="40000"/>
+                      </a:schemeClr>
+                    </a:solidFill>
+                  </a:tcPr>
+                </a:tc>
+                <a:tc>
+                  <a:txBody>
+                    <a:bodyPr/>
+                    <a:lstStyle/>
+                    <a:p>
+                      <a:pPr algn="ctr" fontAlgn="b"/>
+                      <a:r>
+                        <a:rPr lang="ru-RU" sz="1000" b="0" i="0" u="none" strike="noStrike" dirty="0">
+                          <a:solidFill>
+                            <a:srgbClr val="000000"/>
+                          </a:solidFill>
+                          <a:effectLst/>
+                          <a:latin typeface="Calibri" panose="020F0502020204030204" pitchFamily="34" charset="0"/>
+                        </a:rPr>
+                        <a:t>0,036</a:t>
+                      </a:r>
+                    </a:p>
+                  </a:txBody>
+                  <a:tcPr marL="8328" marR="8328" marT="8328" marB="0" anchor="ctr">
+                    <a:solidFill>
+                      <a:schemeClr val="accent6">
+                        <a:lumMod val="60000"/>
+                        <a:lumOff val="40000"/>
+                      </a:schemeClr>
+                    </a:solidFill>
+                  </a:tcPr>
+                </a:tc>
+                <a:tc>
+                  <a:txBody>
+                    <a:bodyPr/>
+                    <a:lstStyle/>
+                    <a:p>
+                      <a:pPr algn="ctr" fontAlgn="b"/>
+                      <a:r>
+                        <a:rPr lang="ru-RU" sz="1000" i="0" u="none" strike="noStrike" dirty="0">
+                          <a:effectLst/>
+                        </a:rPr>
+                        <a:t>8400000</a:t>
+                      </a:r>
+                      <a:endParaRPr lang="ru-RU" sz="1000" b="0" i="0" u="none" strike="noStrike" dirty="0">
+                        <a:solidFill>
+                          <a:srgbClr val="000000"/>
+                        </a:solidFill>
+                        <a:effectLst/>
+                        <a:latin typeface="Calibri" panose="020F0502020204030204" pitchFamily="34" charset="0"/>
+                      </a:endParaRPr>
+                    </a:p>
+                  </a:txBody>
+                  <a:tcPr marL="8328" marR="8328" marT="8328" marB="0" anchor="ctr">
+                    <a:solidFill>
+                      <a:schemeClr val="accent6">
+                        <a:lumMod val="60000"/>
+                        <a:lumOff val="40000"/>
+                      </a:schemeClr>
+                    </a:solidFill>
+                  </a:tcPr>
+                </a:tc>
+                <a:tc>
+                  <a:txBody>
+                    <a:bodyPr/>
+                    <a:lstStyle/>
+                    <a:p>
+                      <a:pPr algn="ctr" fontAlgn="b"/>
+                      <a:r>
+                        <a:rPr lang="ru-RU" sz="1000" i="0" u="none" strike="noStrike" dirty="0">
+                          <a:effectLst/>
+                        </a:rPr>
+                        <a:t>2153100000000</a:t>
+                      </a:r>
+                      <a:endParaRPr lang="ru-RU" sz="1000" b="0" i="0" u="none" strike="noStrike" dirty="0">
+                        <a:solidFill>
+                          <a:srgbClr val="000000"/>
+                        </a:solidFill>
+                        <a:effectLst/>
+                        <a:latin typeface="Calibri" panose="020F0502020204030204" pitchFamily="34" charset="0"/>
+                      </a:endParaRPr>
+                    </a:p>
+                  </a:txBody>
+                  <a:tcPr marL="8328" marR="8328" marT="8328" marB="0" anchor="ctr">
+                    <a:solidFill>
+                      <a:schemeClr val="accent6">
+                        <a:lumMod val="60000"/>
+                        <a:lumOff val="40000"/>
+                      </a:schemeClr>
+                    </a:solidFill>
+                  </a:tcPr>
+                </a:tc>
+                <a:tc>
+                  <a:txBody>
+                    <a:bodyPr/>
+                    <a:lstStyle/>
+                    <a:p>
+                      <a:pPr algn="ctr" fontAlgn="b"/>
+                      <a:r>
+                        <a:rPr lang="ru-RU" sz="1000" i="0" u="none" strike="noStrike" dirty="0">
+                          <a:effectLst/>
+                        </a:rPr>
+                        <a:t>304</a:t>
+                      </a:r>
+                      <a:endParaRPr lang="ru-RU" sz="1000" b="0" i="0" u="none" strike="noStrike" dirty="0">
+                        <a:solidFill>
+                          <a:srgbClr val="000000"/>
+                        </a:solidFill>
+                        <a:effectLst/>
+                        <a:latin typeface="Calibri" panose="020F0502020204030204" pitchFamily="34" charset="0"/>
+                      </a:endParaRPr>
+                    </a:p>
+                  </a:txBody>
+                  <a:tcPr marL="8328" marR="8328" marT="8328" marB="0" anchor="ctr">
+                    <a:solidFill>
+                      <a:schemeClr val="accent6">
+                        <a:lumMod val="60000"/>
+                        <a:lumOff val="40000"/>
+                      </a:schemeClr>
+                    </a:solidFill>
+                  </a:tcPr>
+                </a:tc>
+                <a:tc>
+                  <a:txBody>
+                    <a:bodyPr/>
+                    <a:lstStyle/>
+                    <a:p>
+                      <a:pPr algn="ctr" fontAlgn="b"/>
+                      <a:r>
+                        <a:rPr lang="ru-RU" sz="1000" b="0" i="0" u="none" strike="noStrike" dirty="0">
+                          <a:solidFill>
+                            <a:srgbClr val="000000"/>
+                          </a:solidFill>
+                          <a:effectLst/>
+                          <a:latin typeface="Calibri" panose="020F0502020204030204" pitchFamily="34" charset="0"/>
+                        </a:rPr>
+                        <a:t>0,5</a:t>
+                      </a:r>
+                    </a:p>
+                  </a:txBody>
+                  <a:tcPr marL="8328" marR="8328" marT="8328" marB="0" anchor="ctr">
+                    <a:solidFill>
+                      <a:schemeClr val="accent6">
+                        <a:lumMod val="60000"/>
+                        <a:lumOff val="40000"/>
+                      </a:schemeClr>
+                    </a:solidFill>
+                  </a:tcPr>
+                </a:tc>
+                <a:tc>
+                  <a:txBody>
+                    <a:bodyPr/>
+                    <a:lstStyle/>
+                    <a:p>
+                      <a:pPr algn="ctr" fontAlgn="b"/>
+                      <a:r>
+                        <a:rPr lang="ru-RU" sz="1000" i="0" u="none" strike="noStrike" dirty="0">
+                          <a:effectLst/>
+                        </a:rPr>
+                        <a:t>393</a:t>
+                      </a:r>
+                      <a:endParaRPr lang="ru-RU" sz="1000" b="0" i="0" u="none" strike="noStrike" dirty="0">
+                        <a:solidFill>
+                          <a:srgbClr val="000000"/>
+                        </a:solidFill>
+                        <a:effectLst/>
+                        <a:latin typeface="Calibri" panose="020F0502020204030204" pitchFamily="34" charset="0"/>
+                      </a:endParaRPr>
+                    </a:p>
+                  </a:txBody>
+                  <a:tcPr marL="8328" marR="8328" marT="8328" marB="0" anchor="ctr">
+                    <a:solidFill>
+                      <a:schemeClr val="accent6">
+                        <a:lumMod val="60000"/>
+                        <a:lumOff val="40000"/>
+                      </a:schemeClr>
+                    </a:solidFill>
+                  </a:tcPr>
+                </a:tc>
+                <a:tc>
+                  <a:txBody>
+                    <a:bodyPr/>
+                    <a:lstStyle/>
+                    <a:p>
+                      <a:pPr algn="ctr" fontAlgn="b"/>
+                      <a:r>
+                        <a:rPr lang="ru-RU" sz="1000" b="0" i="0" u="none" strike="noStrike" dirty="0">
+                          <a:solidFill>
+                            <a:srgbClr val="000000"/>
+                          </a:solidFill>
+                          <a:effectLst/>
+                          <a:latin typeface="Calibri" panose="020F0502020204030204" pitchFamily="34" charset="0"/>
+                        </a:rPr>
+                        <a:t>89,8</a:t>
+                      </a:r>
+                    </a:p>
+                  </a:txBody>
+                  <a:tcPr marL="8328" marR="8328" marT="8328" marB="0" anchor="ctr">
+                    <a:solidFill>
+                      <a:schemeClr val="accent6">
+                        <a:lumMod val="60000"/>
+                        <a:lumOff val="40000"/>
+                      </a:schemeClr>
+                    </a:solidFill>
+                  </a:tcPr>
+                </a:tc>
+                <a:extLst>
+                  <a:ext uri="{0D108BD9-81ED-4DB2-BD59-A6C34878D82A}">
+                    <a16:rowId xmlns:a16="http://schemas.microsoft.com/office/drawing/2014/main" val="198182013"/>
+                  </a:ext>
+                </a:extLst>
+              </a:tr>
+              <a:tr h="301477">
+                <a:tc>
+                  <a:txBody>
+                    <a:bodyPr/>
+                    <a:lstStyle/>
+                    <a:p>
+                      <a:pPr algn="ctr" fontAlgn="b"/>
+                      <a:r>
+                        <a:rPr lang="ru-RU" sz="1000" u="none" strike="noStrike" dirty="0" err="1">
+                          <a:effectLst/>
+                        </a:rPr>
+                        <a:t>Волгопромтранс</a:t>
+                      </a:r>
+                      <a:r>
+                        <a:rPr lang="ru-RU" sz="1000" u="none" strike="noStrike" dirty="0">
+                          <a:effectLst/>
+                        </a:rPr>
+                        <a:t>, ООО</a:t>
+                      </a:r>
+                      <a:endParaRPr lang="ru-RU" sz="1000" b="0" i="0" u="none" strike="noStrike" dirty="0">
+                        <a:solidFill>
+                          <a:srgbClr val="000000"/>
+                        </a:solidFill>
+                        <a:effectLst/>
+                        <a:latin typeface="Calibri" panose="020F0502020204030204" pitchFamily="34" charset="0"/>
+                      </a:endParaRPr>
+                    </a:p>
+                  </a:txBody>
+                  <a:tcPr marL="8328" marR="8328" marT="8328" marB="0" anchor="ctr"/>
+                </a:tc>
+                <a:tc>
+                  <a:txBody>
+                    <a:bodyPr/>
+                    <a:lstStyle/>
+                    <a:p>
+                      <a:pPr algn="ctr" fontAlgn="b"/>
+                      <a:r>
+                        <a:rPr lang="ru-RU" sz="1000" u="none" strike="noStrike" dirty="0">
+                          <a:effectLst/>
+                        </a:rPr>
+                        <a:t>9861</a:t>
+                      </a:r>
+                      <a:endParaRPr lang="ru-RU" sz="1000" b="0" i="0" u="none" strike="noStrike" dirty="0">
+                        <a:solidFill>
+                          <a:srgbClr val="000000"/>
+                        </a:solidFill>
+                        <a:effectLst/>
+                        <a:latin typeface="Calibri" panose="020F0502020204030204" pitchFamily="34" charset="0"/>
+                      </a:endParaRPr>
+                    </a:p>
+                  </a:txBody>
+                  <a:tcPr marL="8328" marR="8328" marT="8328" marB="0" anchor="ctr"/>
+                </a:tc>
+                <a:tc>
+                  <a:txBody>
+                    <a:bodyPr/>
+                    <a:lstStyle/>
+                    <a:p>
+                      <a:pPr algn="ctr" fontAlgn="b"/>
+                      <a:r>
+                        <a:rPr lang="ru-RU" sz="1000" u="none" strike="noStrike" dirty="0">
+                          <a:effectLst/>
+                        </a:rPr>
+                        <a:t>1200000000</a:t>
+                      </a:r>
+                      <a:endParaRPr lang="ru-RU" sz="1000" b="0" i="0" u="none" strike="noStrike" dirty="0">
+                        <a:solidFill>
+                          <a:srgbClr val="000000"/>
+                        </a:solidFill>
+                        <a:effectLst/>
+                        <a:latin typeface="Calibri" panose="020F0502020204030204" pitchFamily="34" charset="0"/>
+                      </a:endParaRPr>
+                    </a:p>
+                  </a:txBody>
+                  <a:tcPr marL="8328" marR="8328" marT="8328" marB="0" anchor="ctr"/>
+                </a:tc>
+                <a:tc>
+                  <a:txBody>
+                    <a:bodyPr/>
+                    <a:lstStyle/>
+                    <a:p>
+                      <a:pPr algn="ctr" fontAlgn="b"/>
+                      <a:r>
+                        <a:rPr lang="ru-RU" sz="1000" u="none" strike="noStrike" dirty="0">
+                          <a:effectLst/>
+                        </a:rPr>
+                        <a:t>162300000</a:t>
+                      </a:r>
+                      <a:endParaRPr lang="ru-RU" sz="1000" b="0" i="0" u="none" strike="noStrike" dirty="0">
+                        <a:solidFill>
+                          <a:srgbClr val="000000"/>
+                        </a:solidFill>
+                        <a:effectLst/>
+                        <a:latin typeface="Calibri" panose="020F0502020204030204" pitchFamily="34" charset="0"/>
+                      </a:endParaRPr>
+                    </a:p>
+                  </a:txBody>
+                  <a:tcPr marL="8328" marR="8328" marT="8328" marB="0" anchor="ctr"/>
+                </a:tc>
+                <a:tc>
+                  <a:txBody>
+                    <a:bodyPr/>
+                    <a:lstStyle/>
+                    <a:p>
+                      <a:pPr algn="ctr" fontAlgn="b"/>
+                      <a:r>
+                        <a:rPr lang="ru-RU" sz="1000" b="0" i="0" u="none" strike="noStrike" dirty="0">
+                          <a:solidFill>
+                            <a:srgbClr val="000000"/>
+                          </a:solidFill>
+                          <a:effectLst/>
+                          <a:latin typeface="Calibri" panose="020F0502020204030204" pitchFamily="34" charset="0"/>
+                        </a:rPr>
+                        <a:t>0,818</a:t>
+                      </a:r>
+                    </a:p>
+                  </a:txBody>
+                  <a:tcPr marL="8328" marR="8328" marT="8328" marB="0" anchor="ctr"/>
+                </a:tc>
+                <a:tc>
+                  <a:txBody>
+                    <a:bodyPr/>
+                    <a:lstStyle/>
+                    <a:p>
+                      <a:pPr algn="ctr" fontAlgn="b"/>
+                      <a:r>
+                        <a:rPr lang="ru-RU" sz="1000" b="0" i="0" u="none" strike="noStrike" dirty="0">
+                          <a:solidFill>
+                            <a:srgbClr val="000000"/>
+                          </a:solidFill>
+                          <a:effectLst/>
+                          <a:latin typeface="Calibri" panose="020F0502020204030204" pitchFamily="34" charset="0"/>
+                        </a:rPr>
+                        <a:t>0,194</a:t>
+                      </a:r>
+                    </a:p>
+                  </a:txBody>
+                  <a:tcPr marL="8328" marR="8328" marT="8328" marB="0" anchor="ctr"/>
+                </a:tc>
+                <a:tc>
+                  <a:txBody>
+                    <a:bodyPr/>
+                    <a:lstStyle/>
+                    <a:p>
+                      <a:pPr algn="ctr" fontAlgn="b"/>
+                      <a:r>
+                        <a:rPr lang="ru-RU" sz="1000" u="none" strike="noStrike" dirty="0">
+                          <a:effectLst/>
+                        </a:rPr>
+                        <a:t>40000000</a:t>
+                      </a:r>
+                      <a:endParaRPr lang="ru-RU" sz="1000" b="0" i="0" u="none" strike="noStrike" dirty="0">
+                        <a:solidFill>
+                          <a:srgbClr val="000000"/>
+                        </a:solidFill>
+                        <a:effectLst/>
+                        <a:latin typeface="Calibri" panose="020F0502020204030204" pitchFamily="34" charset="0"/>
+                      </a:endParaRPr>
+                    </a:p>
+                  </a:txBody>
+                  <a:tcPr marL="8328" marR="8328" marT="8328" marB="0" anchor="ctr"/>
+                </a:tc>
+                <a:tc>
+                  <a:txBody>
+                    <a:bodyPr/>
+                    <a:lstStyle/>
+                    <a:p>
+                      <a:pPr algn="ctr" fontAlgn="b"/>
+                      <a:r>
+                        <a:rPr lang="ru-RU" sz="1000" u="none" strike="noStrike" dirty="0">
+                          <a:effectLst/>
+                        </a:rPr>
+                        <a:t>874200000</a:t>
+                      </a:r>
+                      <a:endParaRPr lang="ru-RU" sz="1000" b="0" i="0" u="none" strike="noStrike" dirty="0">
+                        <a:solidFill>
+                          <a:srgbClr val="000000"/>
+                        </a:solidFill>
+                        <a:effectLst/>
+                        <a:latin typeface="Calibri" panose="020F0502020204030204" pitchFamily="34" charset="0"/>
+                      </a:endParaRPr>
+                    </a:p>
+                  </a:txBody>
+                  <a:tcPr marL="8328" marR="8328" marT="8328" marB="0" anchor="ctr"/>
+                </a:tc>
+                <a:tc>
+                  <a:txBody>
+                    <a:bodyPr/>
+                    <a:lstStyle/>
+                    <a:p>
+                      <a:pPr algn="ctr" fontAlgn="b"/>
+                      <a:r>
+                        <a:rPr lang="ru-RU" sz="1000" u="none" strike="noStrike" dirty="0">
+                          <a:effectLst/>
+                        </a:rPr>
+                        <a:t>1</a:t>
+                      </a:r>
+                      <a:endParaRPr lang="ru-RU" sz="1000" b="0" i="0" u="none" strike="noStrike" dirty="0">
+                        <a:solidFill>
+                          <a:srgbClr val="000000"/>
+                        </a:solidFill>
+                        <a:effectLst/>
+                        <a:latin typeface="Calibri" panose="020F0502020204030204" pitchFamily="34" charset="0"/>
+                      </a:endParaRPr>
+                    </a:p>
+                  </a:txBody>
+                  <a:tcPr marL="8328" marR="8328" marT="8328" marB="0" anchor="ctr"/>
+                </a:tc>
+                <a:tc>
+                  <a:txBody>
+                    <a:bodyPr/>
+                    <a:lstStyle/>
+                    <a:p>
+                      <a:pPr algn="ctr" fontAlgn="b"/>
+                      <a:r>
+                        <a:rPr lang="ru-RU" sz="1000" b="0" i="0" u="none" strike="noStrike" dirty="0">
+                          <a:solidFill>
+                            <a:srgbClr val="000000"/>
+                          </a:solidFill>
+                          <a:effectLst/>
+                          <a:latin typeface="Calibri" panose="020F0502020204030204" pitchFamily="34" charset="0"/>
+                        </a:rPr>
+                        <a:t>1</a:t>
+                      </a:r>
+                    </a:p>
+                  </a:txBody>
+                  <a:tcPr marL="8328" marR="8328" marT="8328" marB="0" anchor="ctr"/>
+                </a:tc>
+                <a:tc>
+                  <a:txBody>
+                    <a:bodyPr/>
+                    <a:lstStyle/>
+                    <a:p>
+                      <a:pPr algn="ctr" fontAlgn="b"/>
+                      <a:r>
+                        <a:rPr lang="ru-RU" sz="1000" u="none" strike="noStrike" dirty="0">
+                          <a:effectLst/>
+                        </a:rPr>
+                        <a:t>0 </a:t>
+                      </a:r>
+                      <a:endParaRPr lang="ru-RU" sz="1000" b="0" i="0" u="none" strike="noStrike" dirty="0">
+                        <a:solidFill>
+                          <a:srgbClr val="000000"/>
+                        </a:solidFill>
+                        <a:effectLst/>
+                        <a:latin typeface="Calibri" panose="020F0502020204030204" pitchFamily="34" charset="0"/>
+                      </a:endParaRPr>
+                    </a:p>
+                  </a:txBody>
+                  <a:tcPr marL="8328" marR="8328" marT="8328" marB="0" anchor="ctr"/>
+                </a:tc>
+                <a:tc>
+                  <a:txBody>
+                    <a:bodyPr/>
+                    <a:lstStyle/>
+                    <a:p>
+                      <a:pPr algn="ctr" fontAlgn="b"/>
+                      <a:r>
+                        <a:rPr lang="ru-RU" sz="1000" b="0" i="0" u="none" strike="noStrike" dirty="0">
+                          <a:solidFill>
+                            <a:srgbClr val="000000"/>
+                          </a:solidFill>
+                          <a:effectLst/>
+                          <a:latin typeface="Calibri" panose="020F0502020204030204" pitchFamily="34" charset="0"/>
+                        </a:rPr>
+                        <a:t>88</a:t>
+                      </a:r>
+                    </a:p>
+                  </a:txBody>
+                  <a:tcPr marL="8328" marR="8328" marT="8328" marB="0" anchor="ctr"/>
+                </a:tc>
+                <a:extLst>
+                  <a:ext uri="{0D108BD9-81ED-4DB2-BD59-A6C34878D82A}">
+                    <a16:rowId xmlns:a16="http://schemas.microsoft.com/office/drawing/2014/main" val="2944606471"/>
+                  </a:ext>
+                </a:extLst>
+              </a:tr>
+              <a:tr h="301477">
+                <a:tc>
+                  <a:txBody>
+                    <a:bodyPr/>
+                    <a:lstStyle/>
+                    <a:p>
+                      <a:pPr algn="ctr" fontAlgn="b"/>
+                      <a:r>
+                        <a:rPr lang="ru-RU" sz="1000" u="none" strike="noStrike" dirty="0" err="1">
+                          <a:effectLst/>
+                        </a:rPr>
+                        <a:t>Промресурссервис</a:t>
+                      </a:r>
+                      <a:r>
+                        <a:rPr lang="ru-RU" sz="1000" u="none" strike="noStrike" dirty="0">
+                          <a:effectLst/>
+                        </a:rPr>
+                        <a:t>, ООО</a:t>
+                      </a:r>
+                      <a:endParaRPr lang="ru-RU" sz="1000" b="0" i="0" u="none" strike="noStrike" dirty="0">
+                        <a:solidFill>
+                          <a:srgbClr val="000000"/>
+                        </a:solidFill>
+                        <a:effectLst/>
+                        <a:latin typeface="Calibri" panose="020F0502020204030204" pitchFamily="34" charset="0"/>
+                      </a:endParaRPr>
+                    </a:p>
+                  </a:txBody>
+                  <a:tcPr marL="8328" marR="8328" marT="8328" marB="0" anchor="ctr"/>
+                </a:tc>
+                <a:tc>
+                  <a:txBody>
+                    <a:bodyPr/>
+                    <a:lstStyle/>
+                    <a:p>
+                      <a:pPr algn="ctr" fontAlgn="b"/>
+                      <a:r>
+                        <a:rPr lang="ru-RU" sz="1000" u="none" strike="noStrike" dirty="0">
+                          <a:effectLst/>
+                        </a:rPr>
+                        <a:t>2656</a:t>
+                      </a:r>
+                      <a:endParaRPr lang="ru-RU" sz="1000" b="0" i="0" u="none" strike="noStrike" dirty="0">
+                        <a:solidFill>
+                          <a:srgbClr val="000000"/>
+                        </a:solidFill>
+                        <a:effectLst/>
+                        <a:latin typeface="Calibri" panose="020F0502020204030204" pitchFamily="34" charset="0"/>
+                      </a:endParaRPr>
+                    </a:p>
+                  </a:txBody>
+                  <a:tcPr marL="8328" marR="8328" marT="8328" marB="0" anchor="ctr"/>
+                </a:tc>
+                <a:tc>
+                  <a:txBody>
+                    <a:bodyPr/>
+                    <a:lstStyle/>
+                    <a:p>
+                      <a:pPr algn="ctr" fontAlgn="b"/>
+                      <a:r>
+                        <a:rPr lang="ru-RU" sz="1000" u="none" strike="noStrike" dirty="0">
+                          <a:effectLst/>
+                        </a:rPr>
+                        <a:t>317000000</a:t>
+                      </a:r>
+                      <a:endParaRPr lang="ru-RU" sz="1000" b="0" i="0" u="none" strike="noStrike" dirty="0">
+                        <a:solidFill>
+                          <a:srgbClr val="000000"/>
+                        </a:solidFill>
+                        <a:effectLst/>
+                        <a:latin typeface="Calibri" panose="020F0502020204030204" pitchFamily="34" charset="0"/>
+                      </a:endParaRPr>
+                    </a:p>
+                  </a:txBody>
+                  <a:tcPr marL="8328" marR="8328" marT="8328" marB="0" anchor="ctr"/>
+                </a:tc>
+                <a:tc>
+                  <a:txBody>
+                    <a:bodyPr/>
+                    <a:lstStyle/>
+                    <a:p>
+                      <a:pPr algn="ctr" fontAlgn="b"/>
+                      <a:r>
+                        <a:rPr lang="ru-RU" sz="1000" u="none" strike="noStrike" dirty="0">
+                          <a:effectLst/>
+                        </a:rPr>
+                        <a:t>2200000</a:t>
+                      </a:r>
+                      <a:endParaRPr lang="ru-RU" sz="1000" b="0" i="0" u="none" strike="noStrike" dirty="0">
+                        <a:solidFill>
+                          <a:srgbClr val="000000"/>
+                        </a:solidFill>
+                        <a:effectLst/>
+                        <a:latin typeface="Calibri" panose="020F0502020204030204" pitchFamily="34" charset="0"/>
+                      </a:endParaRPr>
+                    </a:p>
+                  </a:txBody>
+                  <a:tcPr marL="8328" marR="8328" marT="8328" marB="0" anchor="ctr"/>
+                </a:tc>
+                <a:tc>
+                  <a:txBody>
+                    <a:bodyPr/>
+                    <a:lstStyle/>
+                    <a:p>
+                      <a:pPr algn="ctr" fontAlgn="b"/>
+                      <a:r>
+                        <a:rPr lang="ru-RU" sz="1000" b="0" i="0" u="none" strike="noStrike" dirty="0">
+                          <a:solidFill>
+                            <a:srgbClr val="000000"/>
+                          </a:solidFill>
+                          <a:effectLst/>
+                          <a:latin typeface="Calibri" panose="020F0502020204030204" pitchFamily="34" charset="0"/>
+                        </a:rPr>
+                        <a:t>1</a:t>
+                      </a:r>
+                    </a:p>
+                  </a:txBody>
+                  <a:tcPr marL="8328" marR="8328" marT="8328" marB="0" anchor="ctr"/>
+                </a:tc>
+                <a:tc>
+                  <a:txBody>
+                    <a:bodyPr/>
+                    <a:lstStyle/>
+                    <a:p>
+                      <a:pPr algn="ctr" fontAlgn="b"/>
+                      <a:r>
+                        <a:rPr lang="ru-RU" sz="1000" b="0" i="0" u="none" strike="noStrike" dirty="0">
+                          <a:solidFill>
+                            <a:srgbClr val="000000"/>
+                          </a:solidFill>
+                          <a:effectLst/>
+                          <a:latin typeface="Calibri" panose="020F0502020204030204" pitchFamily="34" charset="0"/>
+                        </a:rPr>
+                        <a:t>0</a:t>
+                      </a:r>
+                    </a:p>
+                  </a:txBody>
+                  <a:tcPr marL="8328" marR="8328" marT="8328" marB="0" anchor="ctr"/>
+                </a:tc>
+                <a:tc>
+                  <a:txBody>
+                    <a:bodyPr/>
+                    <a:lstStyle/>
+                    <a:p>
+                      <a:pPr algn="ctr" fontAlgn="b"/>
+                      <a:r>
+                        <a:rPr lang="ru-RU" sz="1000" u="none" strike="noStrike" dirty="0">
+                          <a:effectLst/>
+                        </a:rPr>
+                        <a:t>100000</a:t>
+                      </a:r>
+                      <a:endParaRPr lang="ru-RU" sz="1000" b="0" i="0" u="none" strike="noStrike" dirty="0">
+                        <a:solidFill>
+                          <a:srgbClr val="000000"/>
+                        </a:solidFill>
+                        <a:effectLst/>
+                        <a:latin typeface="Calibri" panose="020F0502020204030204" pitchFamily="34" charset="0"/>
+                      </a:endParaRPr>
+                    </a:p>
+                  </a:txBody>
+                  <a:tcPr marL="8328" marR="8328" marT="8328" marB="0" anchor="ctr"/>
+                </a:tc>
+                <a:tc>
+                  <a:txBody>
+                    <a:bodyPr/>
+                    <a:lstStyle/>
+                    <a:p>
+                      <a:pPr algn="ctr" fontAlgn="b"/>
+                      <a:r>
+                        <a:rPr lang="ru-RU" sz="1000" u="none" strike="noStrike" dirty="0">
+                          <a:effectLst/>
+                        </a:rPr>
+                        <a:t>30500000</a:t>
+                      </a:r>
+                      <a:endParaRPr lang="ru-RU" sz="1000" b="0" i="0" u="none" strike="noStrike" dirty="0">
+                        <a:solidFill>
+                          <a:srgbClr val="000000"/>
+                        </a:solidFill>
+                        <a:effectLst/>
+                        <a:latin typeface="Calibri" panose="020F0502020204030204" pitchFamily="34" charset="0"/>
+                      </a:endParaRPr>
+                    </a:p>
+                  </a:txBody>
+                  <a:tcPr marL="8328" marR="8328" marT="8328" marB="0" anchor="ctr"/>
+                </a:tc>
+                <a:tc>
+                  <a:txBody>
+                    <a:bodyPr/>
+                    <a:lstStyle/>
+                    <a:p>
+                      <a:pPr algn="ctr" fontAlgn="b"/>
+                      <a:r>
+                        <a:rPr lang="ru-RU" sz="1000" u="none" strike="noStrike" dirty="0">
+                          <a:effectLst/>
+                        </a:rPr>
+                        <a:t>127</a:t>
+                      </a:r>
+                      <a:endParaRPr lang="ru-RU" sz="1000" b="0" i="0" u="none" strike="noStrike" dirty="0">
+                        <a:solidFill>
+                          <a:srgbClr val="000000"/>
+                        </a:solidFill>
+                        <a:effectLst/>
+                        <a:latin typeface="Calibri" panose="020F0502020204030204" pitchFamily="34" charset="0"/>
+                      </a:endParaRPr>
+                    </a:p>
+                  </a:txBody>
+                  <a:tcPr marL="8328" marR="8328" marT="8328" marB="0" anchor="ctr"/>
+                </a:tc>
+                <a:tc>
+                  <a:txBody>
+                    <a:bodyPr/>
+                    <a:lstStyle/>
+                    <a:p>
+                      <a:pPr algn="ctr" fontAlgn="b"/>
+                      <a:r>
+                        <a:rPr lang="ru-RU" sz="1000" b="0" i="0" u="none" strike="noStrike" dirty="0">
+                          <a:solidFill>
+                            <a:srgbClr val="000000"/>
+                          </a:solidFill>
+                          <a:effectLst/>
+                          <a:latin typeface="Calibri" panose="020F0502020204030204" pitchFamily="34" charset="0"/>
+                        </a:rPr>
+                        <a:t>0,476</a:t>
+                      </a:r>
+                    </a:p>
+                  </a:txBody>
+                  <a:tcPr marL="8328" marR="8328" marT="8328" marB="0" anchor="ctr"/>
+                </a:tc>
+                <a:tc>
+                  <a:txBody>
+                    <a:bodyPr/>
+                    <a:lstStyle/>
+                    <a:p>
+                      <a:pPr algn="ctr" fontAlgn="b"/>
+                      <a:r>
+                        <a:rPr lang="ru-RU" sz="1000" u="none" strike="noStrike" dirty="0">
+                          <a:effectLst/>
+                        </a:rPr>
+                        <a:t>45</a:t>
+                      </a:r>
+                      <a:endParaRPr lang="ru-RU" sz="1000" b="0" i="0" u="none" strike="noStrike" dirty="0">
+                        <a:solidFill>
+                          <a:srgbClr val="000000"/>
+                        </a:solidFill>
+                        <a:effectLst/>
+                        <a:latin typeface="Calibri" panose="020F0502020204030204" pitchFamily="34" charset="0"/>
+                      </a:endParaRPr>
+                    </a:p>
+                  </a:txBody>
+                  <a:tcPr marL="8328" marR="8328" marT="8328" marB="0" anchor="ctr"/>
+                </a:tc>
+                <a:tc>
+                  <a:txBody>
+                    <a:bodyPr/>
+                    <a:lstStyle/>
+                    <a:p>
+                      <a:pPr algn="ctr" fontAlgn="b"/>
+                      <a:r>
+                        <a:rPr lang="ru-RU" sz="1000" b="0" i="0" u="none" strike="noStrike" dirty="0">
+                          <a:solidFill>
+                            <a:srgbClr val="000000"/>
+                          </a:solidFill>
+                          <a:effectLst/>
+                          <a:latin typeface="Calibri" panose="020F0502020204030204" pitchFamily="34" charset="0"/>
+                        </a:rPr>
+                        <a:t>70,6</a:t>
+                      </a:r>
+                    </a:p>
+                  </a:txBody>
+                  <a:tcPr marL="8328" marR="8328" marT="8328" marB="0" anchor="ctr"/>
+                </a:tc>
+                <a:extLst>
+                  <a:ext uri="{0D108BD9-81ED-4DB2-BD59-A6C34878D82A}">
+                    <a16:rowId xmlns:a16="http://schemas.microsoft.com/office/drawing/2014/main" val="58349290"/>
+                  </a:ext>
+                </a:extLst>
+              </a:tr>
+              <a:tr h="301477">
+                <a:tc>
+                  <a:txBody>
+                    <a:bodyPr/>
+                    <a:lstStyle/>
+                    <a:p>
+                      <a:pPr algn="ctr" fontAlgn="b"/>
+                      <a:r>
+                        <a:rPr lang="ru-RU" sz="1000" u="none" strike="noStrike">
+                          <a:effectLst/>
+                        </a:rPr>
+                        <a:t>ГК "Техмаш", ООО</a:t>
+                      </a:r>
+                      <a:endParaRPr lang="ru-RU" sz="1000" b="0" i="0" u="none" strike="noStrike">
+                        <a:solidFill>
+                          <a:srgbClr val="000000"/>
+                        </a:solidFill>
+                        <a:effectLst/>
+                        <a:latin typeface="Calibri" panose="020F0502020204030204" pitchFamily="34" charset="0"/>
+                      </a:endParaRPr>
+                    </a:p>
+                  </a:txBody>
+                  <a:tcPr marL="8328" marR="8328" marT="8328" marB="0" anchor="ctr"/>
+                </a:tc>
+                <a:tc>
+                  <a:txBody>
+                    <a:bodyPr/>
+                    <a:lstStyle/>
+                    <a:p>
+                      <a:pPr algn="ctr" fontAlgn="b"/>
+                      <a:r>
+                        <a:rPr lang="ru-RU" sz="1000" u="none" strike="noStrike" dirty="0">
+                          <a:effectLst/>
+                        </a:rPr>
+                        <a:t>2167</a:t>
+                      </a:r>
+                      <a:endParaRPr lang="ru-RU" sz="1000" b="0" i="0" u="none" strike="noStrike" dirty="0">
+                        <a:solidFill>
+                          <a:srgbClr val="000000"/>
+                        </a:solidFill>
+                        <a:effectLst/>
+                        <a:latin typeface="Calibri" panose="020F0502020204030204" pitchFamily="34" charset="0"/>
+                      </a:endParaRPr>
+                    </a:p>
+                  </a:txBody>
+                  <a:tcPr marL="8328" marR="8328" marT="8328" marB="0" anchor="ctr"/>
+                </a:tc>
+                <a:tc>
+                  <a:txBody>
+                    <a:bodyPr/>
+                    <a:lstStyle/>
+                    <a:p>
+                      <a:pPr algn="ctr" fontAlgn="b"/>
+                      <a:r>
+                        <a:rPr lang="ru-RU" sz="1000" u="none" strike="noStrike" dirty="0">
+                          <a:effectLst/>
+                        </a:rPr>
+                        <a:t>158500000</a:t>
+                      </a:r>
+                      <a:endParaRPr lang="ru-RU" sz="1000" b="0" i="0" u="none" strike="noStrike" dirty="0">
+                        <a:solidFill>
+                          <a:srgbClr val="000000"/>
+                        </a:solidFill>
+                        <a:effectLst/>
+                        <a:latin typeface="Calibri" panose="020F0502020204030204" pitchFamily="34" charset="0"/>
+                      </a:endParaRPr>
+                    </a:p>
+                  </a:txBody>
+                  <a:tcPr marL="8328" marR="8328" marT="8328" marB="0" anchor="ctr"/>
+                </a:tc>
+                <a:tc>
+                  <a:txBody>
+                    <a:bodyPr/>
+                    <a:lstStyle/>
+                    <a:p>
+                      <a:pPr algn="ctr" fontAlgn="b"/>
+                      <a:r>
+                        <a:rPr lang="ru-RU" sz="1000" u="none" strike="noStrike" dirty="0">
+                          <a:effectLst/>
+                        </a:rPr>
+                        <a:t>1900000</a:t>
+                      </a:r>
+                      <a:endParaRPr lang="ru-RU" sz="1000" b="0" i="0" u="none" strike="noStrike" dirty="0">
+                        <a:solidFill>
+                          <a:srgbClr val="000000"/>
+                        </a:solidFill>
+                        <a:effectLst/>
+                        <a:latin typeface="Calibri" panose="020F0502020204030204" pitchFamily="34" charset="0"/>
+                      </a:endParaRPr>
+                    </a:p>
+                  </a:txBody>
+                  <a:tcPr marL="8328" marR="8328" marT="8328" marB="0" anchor="ctr"/>
+                </a:tc>
+                <a:tc>
+                  <a:txBody>
+                    <a:bodyPr/>
+                    <a:lstStyle/>
+                    <a:p>
+                      <a:pPr algn="ctr" fontAlgn="b"/>
+                      <a:r>
+                        <a:rPr lang="ru-RU" sz="1000" b="0" i="0" u="none" strike="noStrike" dirty="0">
+                          <a:solidFill>
+                            <a:srgbClr val="000000"/>
+                          </a:solidFill>
+                          <a:effectLst/>
+                          <a:latin typeface="Calibri" panose="020F0502020204030204" pitchFamily="34" charset="0"/>
+                        </a:rPr>
+                        <a:t>1</a:t>
+                      </a:r>
+                    </a:p>
+                  </a:txBody>
+                  <a:tcPr marL="8328" marR="8328" marT="8328" marB="0" anchor="ctr"/>
+                </a:tc>
+                <a:tc>
+                  <a:txBody>
+                    <a:bodyPr/>
+                    <a:lstStyle/>
+                    <a:p>
+                      <a:pPr algn="ctr" fontAlgn="b"/>
+                      <a:r>
+                        <a:rPr lang="ru-RU" sz="1000" b="0" i="0" u="none" strike="noStrike" dirty="0">
+                          <a:solidFill>
+                            <a:srgbClr val="000000"/>
+                          </a:solidFill>
+                          <a:effectLst/>
+                          <a:latin typeface="Calibri" panose="020F0502020204030204" pitchFamily="34" charset="0"/>
+                        </a:rPr>
+                        <a:t>1</a:t>
+                      </a:r>
+                    </a:p>
+                  </a:txBody>
+                  <a:tcPr marL="8328" marR="8328" marT="8328" marB="0" anchor="ctr"/>
+                </a:tc>
+                <a:tc>
+                  <a:txBody>
+                    <a:bodyPr/>
+                    <a:lstStyle/>
+                    <a:p>
+                      <a:pPr algn="ctr" fontAlgn="b"/>
+                      <a:r>
+                        <a:rPr lang="ru-RU" sz="1000" u="none" strike="noStrike" dirty="0">
+                          <a:effectLst/>
+                        </a:rPr>
+                        <a:t>15000</a:t>
+                      </a:r>
+                      <a:endParaRPr lang="ru-RU" sz="1000" b="0" i="0" u="none" strike="noStrike" dirty="0">
+                        <a:solidFill>
+                          <a:srgbClr val="000000"/>
+                        </a:solidFill>
+                        <a:effectLst/>
+                        <a:latin typeface="Calibri" panose="020F0502020204030204" pitchFamily="34" charset="0"/>
+                      </a:endParaRPr>
+                    </a:p>
+                  </a:txBody>
+                  <a:tcPr marL="8328" marR="8328" marT="8328" marB="0" anchor="ctr"/>
+                </a:tc>
+                <a:tc>
+                  <a:txBody>
+                    <a:bodyPr/>
+                    <a:lstStyle/>
+                    <a:p>
+                      <a:pPr algn="ctr" fontAlgn="b"/>
+                      <a:r>
+                        <a:rPr lang="ru-RU" sz="1000" u="none" strike="noStrike" dirty="0">
+                          <a:effectLst/>
+                        </a:rPr>
+                        <a:t>55800000</a:t>
+                      </a:r>
+                      <a:endParaRPr lang="ru-RU" sz="1000" b="0" i="0" u="none" strike="noStrike" dirty="0">
+                        <a:solidFill>
+                          <a:srgbClr val="000000"/>
+                        </a:solidFill>
+                        <a:effectLst/>
+                        <a:latin typeface="Calibri" panose="020F0502020204030204" pitchFamily="34" charset="0"/>
+                      </a:endParaRPr>
+                    </a:p>
+                  </a:txBody>
+                  <a:tcPr marL="8328" marR="8328" marT="8328" marB="0" anchor="ctr"/>
+                </a:tc>
+                <a:tc>
+                  <a:txBody>
+                    <a:bodyPr/>
+                    <a:lstStyle/>
+                    <a:p>
+                      <a:pPr algn="ctr" fontAlgn="b"/>
+                      <a:r>
+                        <a:rPr lang="ru-RU" sz="1000" u="none" strike="noStrike" dirty="0">
+                          <a:effectLst/>
+                        </a:rPr>
+                        <a:t>4</a:t>
+                      </a:r>
+                      <a:endParaRPr lang="ru-RU" sz="1000" b="0" i="0" u="none" strike="noStrike" dirty="0">
+                        <a:solidFill>
+                          <a:srgbClr val="000000"/>
+                        </a:solidFill>
+                        <a:effectLst/>
+                        <a:latin typeface="Calibri" panose="020F0502020204030204" pitchFamily="34" charset="0"/>
+                      </a:endParaRPr>
+                    </a:p>
+                  </a:txBody>
+                  <a:tcPr marL="8328" marR="8328" marT="8328" marB="0" anchor="ctr"/>
+                </a:tc>
+                <a:tc>
+                  <a:txBody>
+                    <a:bodyPr/>
+                    <a:lstStyle/>
+                    <a:p>
+                      <a:pPr algn="ctr" fontAlgn="b"/>
+                      <a:r>
+                        <a:rPr lang="ru-RU" sz="1000" b="0" i="0" u="none" strike="noStrike" dirty="0">
+                          <a:solidFill>
+                            <a:srgbClr val="000000"/>
+                          </a:solidFill>
+                          <a:effectLst/>
+                          <a:latin typeface="Calibri" panose="020F0502020204030204" pitchFamily="34" charset="0"/>
+                        </a:rPr>
+                        <a:t>0,571</a:t>
+                      </a:r>
+                    </a:p>
+                  </a:txBody>
+                  <a:tcPr marL="8328" marR="8328" marT="8328" marB="0" anchor="ctr"/>
+                </a:tc>
+                <a:tc>
+                  <a:txBody>
+                    <a:bodyPr/>
+                    <a:lstStyle/>
+                    <a:p>
+                      <a:pPr algn="ctr" fontAlgn="b"/>
+                      <a:r>
+                        <a:rPr lang="ru-RU" sz="1000" u="none" strike="noStrike" dirty="0">
+                          <a:effectLst/>
+                        </a:rPr>
+                        <a:t>2</a:t>
+                      </a:r>
+                      <a:endParaRPr lang="ru-RU" sz="1000" b="0" i="0" u="none" strike="noStrike" dirty="0">
+                        <a:solidFill>
+                          <a:srgbClr val="000000"/>
+                        </a:solidFill>
+                        <a:effectLst/>
+                        <a:latin typeface="Calibri" panose="020F0502020204030204" pitchFamily="34" charset="0"/>
+                      </a:endParaRPr>
+                    </a:p>
+                  </a:txBody>
+                  <a:tcPr marL="8328" marR="8328" marT="8328" marB="0" anchor="ctr"/>
+                </a:tc>
+                <a:tc>
+                  <a:txBody>
+                    <a:bodyPr/>
+                    <a:lstStyle/>
+                    <a:p>
+                      <a:pPr algn="ctr" fontAlgn="b"/>
+                      <a:r>
+                        <a:rPr lang="ru-RU" sz="1000" b="0" i="0" u="none" strike="noStrike" dirty="0">
+                          <a:solidFill>
+                            <a:srgbClr val="000000"/>
+                          </a:solidFill>
+                          <a:effectLst/>
+                          <a:latin typeface="Calibri" panose="020F0502020204030204" pitchFamily="34" charset="0"/>
+                        </a:rPr>
+                        <a:t>59,8</a:t>
+                      </a:r>
+                    </a:p>
+                  </a:txBody>
+                  <a:tcPr marL="8328" marR="8328" marT="8328" marB="0" anchor="ctr"/>
+                </a:tc>
+                <a:extLst>
+                  <a:ext uri="{0D108BD9-81ED-4DB2-BD59-A6C34878D82A}">
+                    <a16:rowId xmlns:a16="http://schemas.microsoft.com/office/drawing/2014/main" val="3943582892"/>
+                  </a:ext>
+                </a:extLst>
+              </a:tr>
+              <a:tr h="301477">
+                <a:tc>
+                  <a:txBody>
+                    <a:bodyPr/>
+                    <a:lstStyle/>
+                    <a:p>
+                      <a:pPr algn="ctr" fontAlgn="b"/>
+                      <a:r>
+                        <a:rPr lang="ru-RU" sz="1000" u="none" strike="noStrike" dirty="0">
+                          <a:effectLst/>
+                        </a:rPr>
+                        <a:t>ТД "РТИ", ООО</a:t>
+                      </a:r>
+                      <a:endParaRPr lang="ru-RU" sz="1000" b="0" i="0" u="none" strike="noStrike" dirty="0">
+                        <a:solidFill>
+                          <a:srgbClr val="000000"/>
+                        </a:solidFill>
+                        <a:effectLst/>
+                        <a:latin typeface="Calibri" panose="020F0502020204030204" pitchFamily="34" charset="0"/>
+                      </a:endParaRPr>
+                    </a:p>
+                  </a:txBody>
+                  <a:tcPr marL="8328" marR="8328" marT="8328" marB="0" anchor="ctr"/>
+                </a:tc>
+                <a:tc>
+                  <a:txBody>
+                    <a:bodyPr/>
+                    <a:lstStyle/>
+                    <a:p>
+                      <a:pPr algn="ctr" fontAlgn="b"/>
+                      <a:r>
+                        <a:rPr lang="ru-RU" sz="1000" u="none" strike="noStrike" dirty="0">
+                          <a:effectLst/>
+                        </a:rPr>
+                        <a:t>4483</a:t>
+                      </a:r>
+                      <a:endParaRPr lang="ru-RU" sz="1000" b="0" i="0" u="none" strike="noStrike" dirty="0">
+                        <a:solidFill>
+                          <a:srgbClr val="000000"/>
+                        </a:solidFill>
+                        <a:effectLst/>
+                        <a:latin typeface="Calibri" panose="020F0502020204030204" pitchFamily="34" charset="0"/>
+                      </a:endParaRPr>
+                    </a:p>
+                  </a:txBody>
+                  <a:tcPr marL="8328" marR="8328" marT="8328" marB="0" anchor="ctr"/>
+                </a:tc>
+                <a:tc>
+                  <a:txBody>
+                    <a:bodyPr/>
+                    <a:lstStyle/>
+                    <a:p>
+                      <a:pPr algn="ctr" fontAlgn="b"/>
+                      <a:r>
+                        <a:rPr lang="ru-RU" sz="1000" u="none" strike="noStrike" dirty="0">
+                          <a:effectLst/>
+                        </a:rPr>
+                        <a:t>8900000</a:t>
+                      </a:r>
+                      <a:endParaRPr lang="ru-RU" sz="1000" b="0" i="0" u="none" strike="noStrike" dirty="0">
+                        <a:solidFill>
+                          <a:srgbClr val="000000"/>
+                        </a:solidFill>
+                        <a:effectLst/>
+                        <a:latin typeface="Calibri" panose="020F0502020204030204" pitchFamily="34" charset="0"/>
+                      </a:endParaRPr>
+                    </a:p>
+                  </a:txBody>
+                  <a:tcPr marL="8328" marR="8328" marT="8328" marB="0" anchor="ctr"/>
+                </a:tc>
+                <a:tc>
+                  <a:txBody>
+                    <a:bodyPr/>
+                    <a:lstStyle/>
+                    <a:p>
+                      <a:pPr algn="ctr" fontAlgn="b"/>
+                      <a:r>
+                        <a:rPr lang="ru-RU" sz="1000" u="none" strike="noStrike" dirty="0">
+                          <a:effectLst/>
+                        </a:rPr>
+                        <a:t>193000</a:t>
+                      </a:r>
+                      <a:endParaRPr lang="ru-RU" sz="1000" b="0" i="0" u="none" strike="noStrike" dirty="0">
+                        <a:solidFill>
+                          <a:srgbClr val="000000"/>
+                        </a:solidFill>
+                        <a:effectLst/>
+                        <a:latin typeface="Calibri" panose="020F0502020204030204" pitchFamily="34" charset="0"/>
+                      </a:endParaRPr>
+                    </a:p>
+                  </a:txBody>
+                  <a:tcPr marL="8328" marR="8328" marT="8328" marB="0" anchor="ctr"/>
+                </a:tc>
+                <a:tc>
+                  <a:txBody>
+                    <a:bodyPr/>
+                    <a:lstStyle/>
+                    <a:p>
+                      <a:pPr algn="ctr" fontAlgn="b"/>
+                      <a:r>
+                        <a:rPr lang="ru-RU" sz="1000" b="0" i="0" u="none" strike="noStrike" dirty="0">
+                          <a:solidFill>
+                            <a:srgbClr val="000000"/>
+                          </a:solidFill>
+                          <a:effectLst/>
+                          <a:latin typeface="Calibri" panose="020F0502020204030204" pitchFamily="34" charset="0"/>
+                        </a:rPr>
+                        <a:t>1</a:t>
+                      </a:r>
+                    </a:p>
+                  </a:txBody>
+                  <a:tcPr marL="8328" marR="8328" marT="8328" marB="0" anchor="ctr"/>
+                </a:tc>
+                <a:tc>
+                  <a:txBody>
+                    <a:bodyPr/>
+                    <a:lstStyle/>
+                    <a:p>
+                      <a:pPr algn="ctr" fontAlgn="b"/>
+                      <a:r>
+                        <a:rPr lang="ru-RU" sz="1000" b="0" i="0" u="none" strike="noStrike" dirty="0">
+                          <a:solidFill>
+                            <a:srgbClr val="000000"/>
+                          </a:solidFill>
+                          <a:effectLst/>
+                          <a:latin typeface="Calibri" panose="020F0502020204030204" pitchFamily="34" charset="0"/>
+                        </a:rPr>
+                        <a:t>0</a:t>
+                      </a:r>
+                    </a:p>
+                  </a:txBody>
+                  <a:tcPr marL="8328" marR="8328" marT="8328" marB="0" anchor="ctr"/>
+                </a:tc>
+                <a:tc>
+                  <a:txBody>
+                    <a:bodyPr/>
+                    <a:lstStyle/>
+                    <a:p>
+                      <a:pPr algn="ctr" fontAlgn="b"/>
+                      <a:r>
+                        <a:rPr lang="ru-RU" sz="1000" u="none" strike="noStrike" dirty="0">
+                          <a:effectLst/>
+                        </a:rPr>
+                        <a:t>15000</a:t>
+                      </a:r>
+                      <a:endParaRPr lang="ru-RU" sz="1000" b="0" i="0" u="none" strike="noStrike" dirty="0">
+                        <a:solidFill>
+                          <a:srgbClr val="000000"/>
+                        </a:solidFill>
+                        <a:effectLst/>
+                        <a:latin typeface="Calibri" panose="020F0502020204030204" pitchFamily="34" charset="0"/>
+                      </a:endParaRPr>
+                    </a:p>
+                  </a:txBody>
+                  <a:tcPr marL="8328" marR="8328" marT="8328" marB="0" anchor="ctr"/>
+                </a:tc>
+                <a:tc>
+                  <a:txBody>
+                    <a:bodyPr/>
+                    <a:lstStyle/>
+                    <a:p>
+                      <a:pPr algn="ctr" fontAlgn="b"/>
+                      <a:r>
+                        <a:rPr lang="ru-RU" sz="1000" u="none" strike="noStrike" dirty="0">
+                          <a:effectLst/>
+                        </a:rPr>
+                        <a:t>9500000</a:t>
+                      </a:r>
+                      <a:endParaRPr lang="ru-RU" sz="1000" b="0" i="0" u="none" strike="noStrike" dirty="0">
+                        <a:solidFill>
+                          <a:srgbClr val="000000"/>
+                        </a:solidFill>
+                        <a:effectLst/>
+                        <a:latin typeface="Calibri" panose="020F0502020204030204" pitchFamily="34" charset="0"/>
+                      </a:endParaRPr>
+                    </a:p>
+                  </a:txBody>
+                  <a:tcPr marL="8328" marR="8328" marT="8328" marB="0" anchor="ctr"/>
+                </a:tc>
+                <a:tc>
+                  <a:txBody>
+                    <a:bodyPr/>
+                    <a:lstStyle/>
+                    <a:p>
+                      <a:pPr algn="ctr" fontAlgn="b"/>
+                      <a:r>
+                        <a:rPr lang="ru-RU" sz="1000" u="none" strike="noStrike" dirty="0">
+                          <a:effectLst/>
+                        </a:rPr>
+                        <a:t>4</a:t>
+                      </a:r>
+                      <a:endParaRPr lang="ru-RU" sz="1000" b="0" i="0" u="none" strike="noStrike" dirty="0">
+                        <a:solidFill>
+                          <a:srgbClr val="000000"/>
+                        </a:solidFill>
+                        <a:effectLst/>
+                        <a:latin typeface="Calibri" panose="020F0502020204030204" pitchFamily="34" charset="0"/>
+                      </a:endParaRPr>
+                    </a:p>
+                  </a:txBody>
+                  <a:tcPr marL="8328" marR="8328" marT="8328" marB="0" anchor="ctr"/>
+                </a:tc>
+                <a:tc>
+                  <a:txBody>
+                    <a:bodyPr/>
+                    <a:lstStyle/>
+                    <a:p>
+                      <a:pPr algn="ctr" fontAlgn="b"/>
+                      <a:r>
+                        <a:rPr lang="ru-RU" sz="1000" b="0" i="0" u="none" strike="noStrike" dirty="0">
+                          <a:solidFill>
+                            <a:srgbClr val="000000"/>
+                          </a:solidFill>
+                          <a:effectLst/>
+                          <a:latin typeface="Calibri" panose="020F0502020204030204" pitchFamily="34" charset="0"/>
+                        </a:rPr>
+                        <a:t>0,364</a:t>
+                      </a:r>
+                    </a:p>
+                  </a:txBody>
+                  <a:tcPr marL="8328" marR="8328" marT="8328" marB="0" anchor="ctr"/>
+                </a:tc>
+                <a:tc>
+                  <a:txBody>
+                    <a:bodyPr/>
+                    <a:lstStyle/>
+                    <a:p>
+                      <a:pPr algn="ctr" fontAlgn="b"/>
+                      <a:r>
+                        <a:rPr lang="ru-RU" sz="1000" u="none" strike="noStrike" dirty="0">
+                          <a:effectLst/>
+                        </a:rPr>
+                        <a:t>3</a:t>
+                      </a:r>
+                      <a:endParaRPr lang="ru-RU" sz="1000" b="0" i="0" u="none" strike="noStrike" dirty="0">
+                        <a:solidFill>
+                          <a:srgbClr val="000000"/>
+                        </a:solidFill>
+                        <a:effectLst/>
+                        <a:latin typeface="Calibri" panose="020F0502020204030204" pitchFamily="34" charset="0"/>
+                      </a:endParaRPr>
+                    </a:p>
+                  </a:txBody>
+                  <a:tcPr marL="8328" marR="8328" marT="8328" marB="0" anchor="ctr"/>
+                </a:tc>
+                <a:tc>
+                  <a:txBody>
+                    <a:bodyPr/>
+                    <a:lstStyle/>
+                    <a:p>
+                      <a:pPr algn="ctr" fontAlgn="b"/>
+                      <a:r>
+                        <a:rPr lang="ru-RU" sz="1000" b="0" i="0" u="none" strike="noStrike" dirty="0">
+                          <a:solidFill>
+                            <a:srgbClr val="000000"/>
+                          </a:solidFill>
+                          <a:effectLst/>
+                          <a:latin typeface="Calibri" panose="020F0502020204030204" pitchFamily="34" charset="0"/>
+                        </a:rPr>
+                        <a:t>53,1</a:t>
+                      </a:r>
+                    </a:p>
+                  </a:txBody>
+                  <a:tcPr marL="8328" marR="8328" marT="8328" marB="0" anchor="ctr"/>
+                </a:tc>
+                <a:extLst>
+                  <a:ext uri="{0D108BD9-81ED-4DB2-BD59-A6C34878D82A}">
+                    <a16:rowId xmlns:a16="http://schemas.microsoft.com/office/drawing/2014/main" val="531977209"/>
+                  </a:ext>
+                </a:extLst>
+              </a:tr>
+            </a:tbl>
+          </a:graphicData>
+        </a:graphic>
+      </p:graphicFrame>
     </p:spTree>
     <p:extLst>
       <p:ext uri="{BB962C8B-B14F-4D97-AF65-F5344CB8AC3E}">
-        <p14:creationId xmlns:p14="http://schemas.microsoft.com/office/powerpoint/2010/main" val="2163443381"/>
+        <p14:creationId xmlns:p14="http://schemas.microsoft.com/office/powerpoint/2010/main" val="3521920591"/>
       </p:ext>
     </p:extLst>
   </p:cSld>

--- a/docs/checkpoint2.pptx
+++ b/docs/checkpoint2.pptx
@@ -6979,31 +6979,36 @@
           </a:p>
         </p:txBody>
       </p:sp>
-      <p:sp>
-        <p:nvSpPr>
-          <p:cNvPr id="3" name="Объект 2">
+      <p:pic>
+        <p:nvPicPr>
+          <p:cNvPr id="4" name="Рисунок 3">
             <a:extLst>
               <a:ext uri="{FF2B5EF4-FFF2-40B4-BE49-F238E27FC236}">
-                <a16:creationId xmlns:a16="http://schemas.microsoft.com/office/drawing/2014/main" id="{F6780D8A-BB00-4807-A460-204D800C3140}"/>
+                <a16:creationId xmlns:a16="http://schemas.microsoft.com/office/drawing/2014/main" id="{7608B052-54CE-4C9E-8D57-942DFF91173F}"/>
               </a:ext>
             </a:extLst>
           </p:cNvPr>
-          <p:cNvSpPr>
-            <a:spLocks noGrp="1"/>
-          </p:cNvSpPr>
-          <p:nvPr>
-            <p:ph idx="1"/>
-          </p:nvPr>
-        </p:nvSpPr>
-        <p:spPr/>
-        <p:txBody>
-          <a:bodyPr/>
-          <a:lstStyle/>
-          <a:p>
-            <a:endParaRPr lang="ru-RU"/>
-          </a:p>
-        </p:txBody>
-      </p:sp>
+          <p:cNvPicPr>
+            <a:picLocks noChangeAspect="1"/>
+          </p:cNvPicPr>
+          <p:nvPr/>
+        </p:nvPicPr>
+        <p:blipFill>
+          <a:blip r:embed="rId2"/>
+          <a:stretch>
+            <a:fillRect/>
+          </a:stretch>
+        </p:blipFill>
+        <p:spPr>
+          <a:xfrm>
+            <a:off x="2780172" y="0"/>
+            <a:ext cx="6631656" cy="6858000"/>
+          </a:xfrm>
+          <a:prstGeom prst="rect">
+            <a:avLst/>
+          </a:prstGeom>
+        </p:spPr>
+      </p:pic>
     </p:spTree>
     <p:extLst>
       <p:ext uri="{BB962C8B-B14F-4D97-AF65-F5344CB8AC3E}">
